--- a/Documents/14 décembre 2016/Pres.pptx
+++ b/Documents/14 décembre 2016/Pres.pptx
@@ -6,6 +6,9 @@
   </p:sldMasterIdLst>
   <p:sldIdLst>
     <p:sldId id="256" r:id="rId2"/>
+    <p:sldId id="257" r:id="rId3"/>
+    <p:sldId id="258" r:id="rId4"/>
+    <p:sldId id="259" r:id="rId5"/>
   </p:sldIdLst>
   <p:sldSz cx="9144000" cy="6858000" type="screen4x3"/>
   <p:notesSz cx="6858000" cy="9144000"/>
@@ -105,6 +108,7094 @@
     </a:lvl9pPr>
   </p:defaultTextStyle>
 </p:presentation>
+</file>
+
+<file path=ppt/diagrams/colors1.xml><?xml version="1.0" encoding="utf-8"?>
+<dgm:colorsDef xmlns:dgm="http://schemas.openxmlformats.org/drawingml/2006/diagram" xmlns:a="http://schemas.openxmlformats.org/drawingml/2006/main" uniqueId="urn:microsoft.com/office/officeart/2005/8/colors/accent2_2">
+  <dgm:title val=""/>
+  <dgm:desc val=""/>
+  <dgm:catLst>
+    <dgm:cat type="accent2" pri="11200"/>
+  </dgm:catLst>
+  <dgm:styleLbl name="node0">
+    <dgm:fillClrLst meth="repeat">
+      <a:schemeClr val="accent2"/>
+    </dgm:fillClrLst>
+    <dgm:linClrLst meth="repeat">
+      <a:schemeClr val="lt1"/>
+    </dgm:linClrLst>
+    <dgm:effectClrLst/>
+    <dgm:txLinClrLst/>
+    <dgm:txFillClrLst/>
+    <dgm:txEffectClrLst/>
+  </dgm:styleLbl>
+  <dgm:styleLbl name="node1">
+    <dgm:fillClrLst meth="repeat">
+      <a:schemeClr val="accent2"/>
+    </dgm:fillClrLst>
+    <dgm:linClrLst meth="repeat">
+      <a:schemeClr val="lt1"/>
+    </dgm:linClrLst>
+    <dgm:effectClrLst/>
+    <dgm:txLinClrLst/>
+    <dgm:txFillClrLst/>
+    <dgm:txEffectClrLst/>
+  </dgm:styleLbl>
+  <dgm:styleLbl name="alignNode1">
+    <dgm:fillClrLst meth="repeat">
+      <a:schemeClr val="accent2"/>
+    </dgm:fillClrLst>
+    <dgm:linClrLst meth="repeat">
+      <a:schemeClr val="accent2"/>
+    </dgm:linClrLst>
+    <dgm:effectClrLst/>
+    <dgm:txLinClrLst/>
+    <dgm:txFillClrLst/>
+    <dgm:txEffectClrLst/>
+  </dgm:styleLbl>
+  <dgm:styleLbl name="lnNode1">
+    <dgm:fillClrLst meth="repeat">
+      <a:schemeClr val="accent2"/>
+    </dgm:fillClrLst>
+    <dgm:linClrLst meth="repeat">
+      <a:schemeClr val="lt1"/>
+    </dgm:linClrLst>
+    <dgm:effectClrLst/>
+    <dgm:txLinClrLst/>
+    <dgm:txFillClrLst/>
+    <dgm:txEffectClrLst/>
+  </dgm:styleLbl>
+  <dgm:styleLbl name="vennNode1">
+    <dgm:fillClrLst meth="repeat">
+      <a:schemeClr val="accent2">
+        <a:alpha val="50000"/>
+      </a:schemeClr>
+    </dgm:fillClrLst>
+    <dgm:linClrLst meth="repeat">
+      <a:schemeClr val="lt1"/>
+    </dgm:linClrLst>
+    <dgm:effectClrLst/>
+    <dgm:txLinClrLst/>
+    <dgm:txFillClrLst/>
+    <dgm:txEffectClrLst/>
+  </dgm:styleLbl>
+  <dgm:styleLbl name="node2">
+    <dgm:fillClrLst meth="repeat">
+      <a:schemeClr val="accent2"/>
+    </dgm:fillClrLst>
+    <dgm:linClrLst meth="repeat">
+      <a:schemeClr val="lt1"/>
+    </dgm:linClrLst>
+    <dgm:effectClrLst/>
+    <dgm:txLinClrLst/>
+    <dgm:txFillClrLst/>
+    <dgm:txEffectClrLst/>
+  </dgm:styleLbl>
+  <dgm:styleLbl name="node3">
+    <dgm:fillClrLst meth="repeat">
+      <a:schemeClr val="accent2"/>
+    </dgm:fillClrLst>
+    <dgm:linClrLst meth="repeat">
+      <a:schemeClr val="lt1"/>
+    </dgm:linClrLst>
+    <dgm:effectClrLst/>
+    <dgm:txLinClrLst/>
+    <dgm:txFillClrLst/>
+    <dgm:txEffectClrLst/>
+  </dgm:styleLbl>
+  <dgm:styleLbl name="node4">
+    <dgm:fillClrLst meth="repeat">
+      <a:schemeClr val="accent2"/>
+    </dgm:fillClrLst>
+    <dgm:linClrLst meth="repeat">
+      <a:schemeClr val="lt1"/>
+    </dgm:linClrLst>
+    <dgm:effectClrLst/>
+    <dgm:txLinClrLst/>
+    <dgm:txFillClrLst/>
+    <dgm:txEffectClrLst/>
+  </dgm:styleLbl>
+  <dgm:styleLbl name="fgImgPlace1">
+    <dgm:fillClrLst meth="repeat">
+      <a:schemeClr val="accent2">
+        <a:tint val="50000"/>
+      </a:schemeClr>
+    </dgm:fillClrLst>
+    <dgm:linClrLst meth="repeat">
+      <a:schemeClr val="lt1"/>
+    </dgm:linClrLst>
+    <dgm:effectClrLst/>
+    <dgm:txLinClrLst/>
+    <dgm:txFillClrLst meth="repeat">
+      <a:schemeClr val="lt1"/>
+    </dgm:txFillClrLst>
+    <dgm:txEffectClrLst/>
+  </dgm:styleLbl>
+  <dgm:styleLbl name="alignImgPlace1">
+    <dgm:fillClrLst meth="repeat">
+      <a:schemeClr val="accent2">
+        <a:tint val="50000"/>
+      </a:schemeClr>
+    </dgm:fillClrLst>
+    <dgm:linClrLst meth="repeat">
+      <a:schemeClr val="lt1"/>
+    </dgm:linClrLst>
+    <dgm:effectClrLst/>
+    <dgm:txLinClrLst/>
+    <dgm:txFillClrLst meth="repeat">
+      <a:schemeClr val="lt1"/>
+    </dgm:txFillClrLst>
+    <dgm:txEffectClrLst/>
+  </dgm:styleLbl>
+  <dgm:styleLbl name="bgImgPlace1">
+    <dgm:fillClrLst meth="repeat">
+      <a:schemeClr val="accent2">
+        <a:tint val="50000"/>
+      </a:schemeClr>
+    </dgm:fillClrLst>
+    <dgm:linClrLst meth="repeat">
+      <a:schemeClr val="lt1"/>
+    </dgm:linClrLst>
+    <dgm:effectClrLst/>
+    <dgm:txLinClrLst/>
+    <dgm:txFillClrLst meth="repeat">
+      <a:schemeClr val="lt1"/>
+    </dgm:txFillClrLst>
+    <dgm:txEffectClrLst/>
+  </dgm:styleLbl>
+  <dgm:styleLbl name="sibTrans2D1">
+    <dgm:fillClrLst meth="repeat">
+      <a:schemeClr val="accent2">
+        <a:tint val="60000"/>
+      </a:schemeClr>
+    </dgm:fillClrLst>
+    <dgm:linClrLst meth="repeat">
+      <a:schemeClr val="accent2">
+        <a:tint val="60000"/>
+      </a:schemeClr>
+    </dgm:linClrLst>
+    <dgm:effectClrLst/>
+    <dgm:txLinClrLst/>
+    <dgm:txFillClrLst/>
+    <dgm:txEffectClrLst/>
+  </dgm:styleLbl>
+  <dgm:styleLbl name="fgSibTrans2D1">
+    <dgm:fillClrLst meth="repeat">
+      <a:schemeClr val="accent2">
+        <a:tint val="60000"/>
+      </a:schemeClr>
+    </dgm:fillClrLst>
+    <dgm:linClrLst meth="repeat">
+      <a:schemeClr val="accent2">
+        <a:tint val="60000"/>
+      </a:schemeClr>
+    </dgm:linClrLst>
+    <dgm:effectClrLst/>
+    <dgm:txLinClrLst/>
+    <dgm:txFillClrLst/>
+    <dgm:txEffectClrLst/>
+  </dgm:styleLbl>
+  <dgm:styleLbl name="bgSibTrans2D1">
+    <dgm:fillClrLst meth="repeat">
+      <a:schemeClr val="accent2">
+        <a:tint val="60000"/>
+      </a:schemeClr>
+    </dgm:fillClrLst>
+    <dgm:linClrLst meth="repeat">
+      <a:schemeClr val="accent2">
+        <a:tint val="60000"/>
+      </a:schemeClr>
+    </dgm:linClrLst>
+    <dgm:effectClrLst/>
+    <dgm:txLinClrLst/>
+    <dgm:txFillClrLst/>
+    <dgm:txEffectClrLst/>
+  </dgm:styleLbl>
+  <dgm:styleLbl name="sibTrans1D1">
+    <dgm:fillClrLst meth="repeat">
+      <a:schemeClr val="accent2"/>
+    </dgm:fillClrLst>
+    <dgm:linClrLst meth="repeat">
+      <a:schemeClr val="accent2"/>
+    </dgm:linClrLst>
+    <dgm:effectClrLst/>
+    <dgm:txLinClrLst/>
+    <dgm:txFillClrLst meth="repeat">
+      <a:schemeClr val="tx1"/>
+    </dgm:txFillClrLst>
+    <dgm:txEffectClrLst/>
+  </dgm:styleLbl>
+  <dgm:styleLbl name="callout">
+    <dgm:fillClrLst meth="repeat">
+      <a:schemeClr val="accent2"/>
+    </dgm:fillClrLst>
+    <dgm:linClrLst meth="repeat">
+      <a:schemeClr val="accent2">
+        <a:tint val="50000"/>
+      </a:schemeClr>
+    </dgm:linClrLst>
+    <dgm:effectClrLst/>
+    <dgm:txLinClrLst/>
+    <dgm:txFillClrLst meth="repeat">
+      <a:schemeClr val="tx1"/>
+    </dgm:txFillClrLst>
+    <dgm:txEffectClrLst/>
+  </dgm:styleLbl>
+  <dgm:styleLbl name="asst0">
+    <dgm:fillClrLst meth="repeat">
+      <a:schemeClr val="accent2"/>
+    </dgm:fillClrLst>
+    <dgm:linClrLst meth="repeat">
+      <a:schemeClr val="lt1"/>
+    </dgm:linClrLst>
+    <dgm:effectClrLst/>
+    <dgm:txLinClrLst/>
+    <dgm:txFillClrLst/>
+    <dgm:txEffectClrLst/>
+  </dgm:styleLbl>
+  <dgm:styleLbl name="asst1">
+    <dgm:fillClrLst meth="repeat">
+      <a:schemeClr val="accent2"/>
+    </dgm:fillClrLst>
+    <dgm:linClrLst meth="repeat">
+      <a:schemeClr val="lt1"/>
+    </dgm:linClrLst>
+    <dgm:effectClrLst/>
+    <dgm:txLinClrLst/>
+    <dgm:txFillClrLst/>
+    <dgm:txEffectClrLst/>
+  </dgm:styleLbl>
+  <dgm:styleLbl name="asst2">
+    <dgm:fillClrLst meth="repeat">
+      <a:schemeClr val="accent2"/>
+    </dgm:fillClrLst>
+    <dgm:linClrLst meth="repeat">
+      <a:schemeClr val="lt1"/>
+    </dgm:linClrLst>
+    <dgm:effectClrLst/>
+    <dgm:txLinClrLst/>
+    <dgm:txFillClrLst/>
+    <dgm:txEffectClrLst/>
+  </dgm:styleLbl>
+  <dgm:styleLbl name="asst3">
+    <dgm:fillClrLst meth="repeat">
+      <a:schemeClr val="accent2"/>
+    </dgm:fillClrLst>
+    <dgm:linClrLst meth="repeat">
+      <a:schemeClr val="lt1"/>
+    </dgm:linClrLst>
+    <dgm:effectClrLst/>
+    <dgm:txLinClrLst/>
+    <dgm:txFillClrLst/>
+    <dgm:txEffectClrLst/>
+  </dgm:styleLbl>
+  <dgm:styleLbl name="asst4">
+    <dgm:fillClrLst meth="repeat">
+      <a:schemeClr val="accent2"/>
+    </dgm:fillClrLst>
+    <dgm:linClrLst meth="repeat">
+      <a:schemeClr val="lt1"/>
+    </dgm:linClrLst>
+    <dgm:effectClrLst/>
+    <dgm:txLinClrLst/>
+    <dgm:txFillClrLst/>
+    <dgm:txEffectClrLst/>
+  </dgm:styleLbl>
+  <dgm:styleLbl name="parChTrans2D1">
+    <dgm:fillClrLst meth="repeat">
+      <a:schemeClr val="accent2">
+        <a:tint val="60000"/>
+      </a:schemeClr>
+    </dgm:fillClrLst>
+    <dgm:linClrLst meth="repeat">
+      <a:schemeClr val="accent2">
+        <a:tint val="60000"/>
+      </a:schemeClr>
+    </dgm:linClrLst>
+    <dgm:effectClrLst/>
+    <dgm:txLinClrLst/>
+    <dgm:txFillClrLst meth="repeat">
+      <a:schemeClr val="lt1"/>
+    </dgm:txFillClrLst>
+    <dgm:txEffectClrLst/>
+  </dgm:styleLbl>
+  <dgm:styleLbl name="parChTrans2D2">
+    <dgm:fillClrLst meth="repeat">
+      <a:schemeClr val="accent2"/>
+    </dgm:fillClrLst>
+    <dgm:linClrLst meth="repeat">
+      <a:schemeClr val="accent2"/>
+    </dgm:linClrLst>
+    <dgm:effectClrLst/>
+    <dgm:txLinClrLst/>
+    <dgm:txFillClrLst meth="repeat">
+      <a:schemeClr val="lt1"/>
+    </dgm:txFillClrLst>
+    <dgm:txEffectClrLst/>
+  </dgm:styleLbl>
+  <dgm:styleLbl name="parChTrans2D3">
+    <dgm:fillClrLst meth="repeat">
+      <a:schemeClr val="accent2"/>
+    </dgm:fillClrLst>
+    <dgm:linClrLst meth="repeat">
+      <a:schemeClr val="accent2"/>
+    </dgm:linClrLst>
+    <dgm:effectClrLst/>
+    <dgm:txLinClrLst/>
+    <dgm:txFillClrLst meth="repeat">
+      <a:schemeClr val="lt1"/>
+    </dgm:txFillClrLst>
+    <dgm:txEffectClrLst/>
+  </dgm:styleLbl>
+  <dgm:styleLbl name="parChTrans2D4">
+    <dgm:fillClrLst meth="repeat">
+      <a:schemeClr val="accent2"/>
+    </dgm:fillClrLst>
+    <dgm:linClrLst meth="repeat">
+      <a:schemeClr val="accent2"/>
+    </dgm:linClrLst>
+    <dgm:effectClrLst/>
+    <dgm:txLinClrLst/>
+    <dgm:txFillClrLst meth="repeat">
+      <a:schemeClr val="lt1"/>
+    </dgm:txFillClrLst>
+    <dgm:txEffectClrLst/>
+  </dgm:styleLbl>
+  <dgm:styleLbl name="parChTrans1D1">
+    <dgm:fillClrLst meth="repeat">
+      <a:schemeClr val="accent2"/>
+    </dgm:fillClrLst>
+    <dgm:linClrLst meth="repeat">
+      <a:schemeClr val="accent2">
+        <a:shade val="60000"/>
+      </a:schemeClr>
+    </dgm:linClrLst>
+    <dgm:effectClrLst/>
+    <dgm:txLinClrLst/>
+    <dgm:txFillClrLst meth="repeat">
+      <a:schemeClr val="tx1"/>
+    </dgm:txFillClrLst>
+    <dgm:txEffectClrLst/>
+  </dgm:styleLbl>
+  <dgm:styleLbl name="parChTrans1D2">
+    <dgm:fillClrLst meth="repeat">
+      <a:schemeClr val="accent2"/>
+    </dgm:fillClrLst>
+    <dgm:linClrLst meth="repeat">
+      <a:schemeClr val="accent2">
+        <a:shade val="60000"/>
+      </a:schemeClr>
+    </dgm:linClrLst>
+    <dgm:effectClrLst/>
+    <dgm:txLinClrLst/>
+    <dgm:txFillClrLst meth="repeat">
+      <a:schemeClr val="tx1"/>
+    </dgm:txFillClrLst>
+    <dgm:txEffectClrLst/>
+  </dgm:styleLbl>
+  <dgm:styleLbl name="parChTrans1D3">
+    <dgm:fillClrLst meth="repeat">
+      <a:schemeClr val="accent2"/>
+    </dgm:fillClrLst>
+    <dgm:linClrLst meth="repeat">
+      <a:schemeClr val="accent2">
+        <a:shade val="80000"/>
+      </a:schemeClr>
+    </dgm:linClrLst>
+    <dgm:effectClrLst/>
+    <dgm:txLinClrLst/>
+    <dgm:txFillClrLst meth="repeat">
+      <a:schemeClr val="tx1"/>
+    </dgm:txFillClrLst>
+    <dgm:txEffectClrLst/>
+  </dgm:styleLbl>
+  <dgm:styleLbl name="parChTrans1D4">
+    <dgm:fillClrLst meth="repeat">
+      <a:schemeClr val="accent2"/>
+    </dgm:fillClrLst>
+    <dgm:linClrLst meth="repeat">
+      <a:schemeClr val="accent2">
+        <a:shade val="80000"/>
+      </a:schemeClr>
+    </dgm:linClrLst>
+    <dgm:effectClrLst/>
+    <dgm:txLinClrLst/>
+    <dgm:txFillClrLst meth="repeat">
+      <a:schemeClr val="tx1"/>
+    </dgm:txFillClrLst>
+    <dgm:txEffectClrLst/>
+  </dgm:styleLbl>
+  <dgm:styleLbl name="fgAcc1">
+    <dgm:fillClrLst meth="repeat">
+      <a:schemeClr val="lt1">
+        <a:alpha val="90000"/>
+      </a:schemeClr>
+    </dgm:fillClrLst>
+    <dgm:linClrLst meth="repeat">
+      <a:schemeClr val="accent2"/>
+    </dgm:linClrLst>
+    <dgm:effectClrLst/>
+    <dgm:txLinClrLst/>
+    <dgm:txFillClrLst meth="repeat">
+      <a:schemeClr val="dk1"/>
+    </dgm:txFillClrLst>
+    <dgm:txEffectClrLst/>
+  </dgm:styleLbl>
+  <dgm:styleLbl name="conFgAcc1">
+    <dgm:fillClrLst meth="repeat">
+      <a:schemeClr val="lt1">
+        <a:alpha val="90000"/>
+      </a:schemeClr>
+    </dgm:fillClrLst>
+    <dgm:linClrLst meth="repeat">
+      <a:schemeClr val="accent2"/>
+    </dgm:linClrLst>
+    <dgm:effectClrLst/>
+    <dgm:txLinClrLst/>
+    <dgm:txFillClrLst meth="repeat">
+      <a:schemeClr val="dk1"/>
+    </dgm:txFillClrLst>
+    <dgm:txEffectClrLst/>
+  </dgm:styleLbl>
+  <dgm:styleLbl name="alignAcc1">
+    <dgm:fillClrLst meth="repeat">
+      <a:schemeClr val="lt1">
+        <a:alpha val="90000"/>
+      </a:schemeClr>
+    </dgm:fillClrLst>
+    <dgm:linClrLst meth="repeat">
+      <a:schemeClr val="accent2"/>
+    </dgm:linClrLst>
+    <dgm:effectClrLst/>
+    <dgm:txLinClrLst/>
+    <dgm:txFillClrLst meth="repeat">
+      <a:schemeClr val="dk1"/>
+    </dgm:txFillClrLst>
+    <dgm:txEffectClrLst/>
+  </dgm:styleLbl>
+  <dgm:styleLbl name="trAlignAcc1">
+    <dgm:fillClrLst meth="repeat">
+      <a:schemeClr val="lt1">
+        <a:alpha val="40000"/>
+      </a:schemeClr>
+    </dgm:fillClrLst>
+    <dgm:linClrLst meth="repeat">
+      <a:schemeClr val="accent2"/>
+    </dgm:linClrLst>
+    <dgm:effectClrLst/>
+    <dgm:txLinClrLst/>
+    <dgm:txFillClrLst meth="repeat">
+      <a:schemeClr val="dk1"/>
+    </dgm:txFillClrLst>
+    <dgm:txEffectClrLst/>
+  </dgm:styleLbl>
+  <dgm:styleLbl name="bgAcc1">
+    <dgm:fillClrLst meth="repeat">
+      <a:schemeClr val="lt1">
+        <a:alpha val="90000"/>
+      </a:schemeClr>
+    </dgm:fillClrLst>
+    <dgm:linClrLst meth="repeat">
+      <a:schemeClr val="accent2"/>
+    </dgm:linClrLst>
+    <dgm:effectClrLst/>
+    <dgm:txLinClrLst/>
+    <dgm:txFillClrLst meth="repeat">
+      <a:schemeClr val="dk1"/>
+    </dgm:txFillClrLst>
+    <dgm:txEffectClrLst/>
+  </dgm:styleLbl>
+  <dgm:styleLbl name="solidFgAcc1">
+    <dgm:fillClrLst meth="repeat">
+      <a:schemeClr val="lt1"/>
+    </dgm:fillClrLst>
+    <dgm:linClrLst meth="repeat">
+      <a:schemeClr val="accent2"/>
+    </dgm:linClrLst>
+    <dgm:effectClrLst/>
+    <dgm:txLinClrLst/>
+    <dgm:txFillClrLst meth="repeat">
+      <a:schemeClr val="dk1"/>
+    </dgm:txFillClrLst>
+    <dgm:txEffectClrLst/>
+  </dgm:styleLbl>
+  <dgm:styleLbl name="solidAlignAcc1">
+    <dgm:fillClrLst meth="repeat">
+      <a:schemeClr val="lt1"/>
+    </dgm:fillClrLst>
+    <dgm:linClrLst meth="repeat">
+      <a:schemeClr val="accent2"/>
+    </dgm:linClrLst>
+    <dgm:effectClrLst/>
+    <dgm:txLinClrLst/>
+    <dgm:txFillClrLst meth="repeat">
+      <a:schemeClr val="dk1"/>
+    </dgm:txFillClrLst>
+    <dgm:txEffectClrLst/>
+  </dgm:styleLbl>
+  <dgm:styleLbl name="solidBgAcc1">
+    <dgm:fillClrLst meth="repeat">
+      <a:schemeClr val="lt1"/>
+    </dgm:fillClrLst>
+    <dgm:linClrLst meth="repeat">
+      <a:schemeClr val="accent2"/>
+    </dgm:linClrLst>
+    <dgm:effectClrLst/>
+    <dgm:txLinClrLst/>
+    <dgm:txFillClrLst meth="repeat">
+      <a:schemeClr val="dk1"/>
+    </dgm:txFillClrLst>
+    <dgm:txEffectClrLst/>
+  </dgm:styleLbl>
+  <dgm:styleLbl name="fgAccFollowNode1">
+    <dgm:fillClrLst meth="repeat">
+      <a:schemeClr val="accent2">
+        <a:alpha val="90000"/>
+        <a:tint val="40000"/>
+      </a:schemeClr>
+    </dgm:fillClrLst>
+    <dgm:linClrLst meth="repeat">
+      <a:schemeClr val="accent2">
+        <a:alpha val="90000"/>
+        <a:tint val="40000"/>
+      </a:schemeClr>
+    </dgm:linClrLst>
+    <dgm:effectClrLst/>
+    <dgm:txLinClrLst/>
+    <dgm:txFillClrLst meth="repeat">
+      <a:schemeClr val="dk1"/>
+    </dgm:txFillClrLst>
+    <dgm:txEffectClrLst/>
+  </dgm:styleLbl>
+  <dgm:styleLbl name="alignAccFollowNode1">
+    <dgm:fillClrLst meth="repeat">
+      <a:schemeClr val="accent2">
+        <a:alpha val="90000"/>
+        <a:tint val="40000"/>
+      </a:schemeClr>
+    </dgm:fillClrLst>
+    <dgm:linClrLst meth="repeat">
+      <a:schemeClr val="accent2">
+        <a:alpha val="90000"/>
+        <a:tint val="40000"/>
+      </a:schemeClr>
+    </dgm:linClrLst>
+    <dgm:effectClrLst/>
+    <dgm:txLinClrLst/>
+    <dgm:txFillClrLst meth="repeat">
+      <a:schemeClr val="dk1"/>
+    </dgm:txFillClrLst>
+    <dgm:txEffectClrLst/>
+  </dgm:styleLbl>
+  <dgm:styleLbl name="bgAccFollowNode1">
+    <dgm:fillClrLst meth="repeat">
+      <a:schemeClr val="accent2">
+        <a:alpha val="90000"/>
+        <a:tint val="40000"/>
+      </a:schemeClr>
+    </dgm:fillClrLst>
+    <dgm:linClrLst meth="repeat">
+      <a:schemeClr val="accent2">
+        <a:alpha val="90000"/>
+        <a:tint val="40000"/>
+      </a:schemeClr>
+    </dgm:linClrLst>
+    <dgm:effectClrLst/>
+    <dgm:txLinClrLst/>
+    <dgm:txFillClrLst meth="repeat">
+      <a:schemeClr val="dk1"/>
+    </dgm:txFillClrLst>
+    <dgm:txEffectClrLst/>
+  </dgm:styleLbl>
+  <dgm:styleLbl name="fgAcc0">
+    <dgm:fillClrLst meth="repeat">
+      <a:schemeClr val="lt1">
+        <a:alpha val="90000"/>
+      </a:schemeClr>
+    </dgm:fillClrLst>
+    <dgm:linClrLst meth="repeat">
+      <a:schemeClr val="accent2"/>
+    </dgm:linClrLst>
+    <dgm:effectClrLst/>
+    <dgm:txLinClrLst/>
+    <dgm:txFillClrLst meth="repeat">
+      <a:schemeClr val="dk1"/>
+    </dgm:txFillClrLst>
+    <dgm:txEffectClrLst/>
+  </dgm:styleLbl>
+  <dgm:styleLbl name="fgAcc2">
+    <dgm:fillClrLst meth="repeat">
+      <a:schemeClr val="lt1">
+        <a:alpha val="90000"/>
+      </a:schemeClr>
+    </dgm:fillClrLst>
+    <dgm:linClrLst meth="repeat">
+      <a:schemeClr val="accent2"/>
+    </dgm:linClrLst>
+    <dgm:effectClrLst/>
+    <dgm:txLinClrLst/>
+    <dgm:txFillClrLst meth="repeat">
+      <a:schemeClr val="dk1"/>
+    </dgm:txFillClrLst>
+    <dgm:txEffectClrLst/>
+  </dgm:styleLbl>
+  <dgm:styleLbl name="fgAcc3">
+    <dgm:fillClrLst meth="repeat">
+      <a:schemeClr val="lt1">
+        <a:alpha val="90000"/>
+      </a:schemeClr>
+    </dgm:fillClrLst>
+    <dgm:linClrLst meth="repeat">
+      <a:schemeClr val="accent2"/>
+    </dgm:linClrLst>
+    <dgm:effectClrLst/>
+    <dgm:txLinClrLst/>
+    <dgm:txFillClrLst meth="repeat">
+      <a:schemeClr val="dk1"/>
+    </dgm:txFillClrLst>
+    <dgm:txEffectClrLst/>
+  </dgm:styleLbl>
+  <dgm:styleLbl name="fgAcc4">
+    <dgm:fillClrLst meth="repeat">
+      <a:schemeClr val="lt1">
+        <a:alpha val="90000"/>
+      </a:schemeClr>
+    </dgm:fillClrLst>
+    <dgm:linClrLst meth="repeat">
+      <a:schemeClr val="accent2"/>
+    </dgm:linClrLst>
+    <dgm:effectClrLst/>
+    <dgm:txLinClrLst/>
+    <dgm:txFillClrLst meth="repeat">
+      <a:schemeClr val="dk1"/>
+    </dgm:txFillClrLst>
+    <dgm:txEffectClrLst/>
+  </dgm:styleLbl>
+  <dgm:styleLbl name="bgShp">
+    <dgm:fillClrLst meth="repeat">
+      <a:schemeClr val="accent2">
+        <a:tint val="40000"/>
+      </a:schemeClr>
+    </dgm:fillClrLst>
+    <dgm:linClrLst meth="repeat">
+      <a:schemeClr val="accent2"/>
+    </dgm:linClrLst>
+    <dgm:effectClrLst/>
+    <dgm:txLinClrLst/>
+    <dgm:txFillClrLst meth="repeat">
+      <a:schemeClr val="dk1"/>
+    </dgm:txFillClrLst>
+    <dgm:txEffectClrLst/>
+  </dgm:styleLbl>
+  <dgm:styleLbl name="dkBgShp">
+    <dgm:fillClrLst meth="repeat">
+      <a:schemeClr val="accent2">
+        <a:shade val="80000"/>
+      </a:schemeClr>
+    </dgm:fillClrLst>
+    <dgm:linClrLst meth="repeat">
+      <a:schemeClr val="accent2"/>
+    </dgm:linClrLst>
+    <dgm:effectClrLst/>
+    <dgm:txLinClrLst/>
+    <dgm:txFillClrLst meth="repeat">
+      <a:schemeClr val="lt1"/>
+    </dgm:txFillClrLst>
+    <dgm:txEffectClrLst/>
+  </dgm:styleLbl>
+  <dgm:styleLbl name="trBgShp">
+    <dgm:fillClrLst meth="repeat">
+      <a:schemeClr val="accent2">
+        <a:tint val="50000"/>
+        <a:alpha val="40000"/>
+      </a:schemeClr>
+    </dgm:fillClrLst>
+    <dgm:linClrLst meth="repeat">
+      <a:schemeClr val="accent2"/>
+    </dgm:linClrLst>
+    <dgm:effectClrLst/>
+    <dgm:txLinClrLst/>
+    <dgm:txFillClrLst meth="repeat">
+      <a:schemeClr val="lt1"/>
+    </dgm:txFillClrLst>
+    <dgm:txEffectClrLst/>
+  </dgm:styleLbl>
+  <dgm:styleLbl name="fgShp">
+    <dgm:fillClrLst meth="repeat">
+      <a:schemeClr val="accent2">
+        <a:tint val="60000"/>
+      </a:schemeClr>
+    </dgm:fillClrLst>
+    <dgm:linClrLst meth="repeat">
+      <a:schemeClr val="lt1"/>
+    </dgm:linClrLst>
+    <dgm:effectClrLst/>
+    <dgm:txLinClrLst/>
+    <dgm:txFillClrLst meth="repeat">
+      <a:schemeClr val="dk1"/>
+    </dgm:txFillClrLst>
+    <dgm:txEffectClrLst/>
+  </dgm:styleLbl>
+  <dgm:styleLbl name="revTx">
+    <dgm:fillClrLst meth="repeat">
+      <a:schemeClr val="lt1">
+        <a:alpha val="0"/>
+      </a:schemeClr>
+    </dgm:fillClrLst>
+    <dgm:linClrLst meth="repeat">
+      <a:schemeClr val="dk1">
+        <a:alpha val="0"/>
+      </a:schemeClr>
+    </dgm:linClrLst>
+    <dgm:effectClrLst/>
+    <dgm:txLinClrLst/>
+    <dgm:txFillClrLst meth="repeat">
+      <a:schemeClr val="tx1"/>
+    </dgm:txFillClrLst>
+    <dgm:txEffectClrLst/>
+  </dgm:styleLbl>
+</dgm:colorsDef>
+</file>
+
+<file path=ppt/diagrams/colors2.xml><?xml version="1.0" encoding="utf-8"?>
+<dgm:colorsDef xmlns:dgm="http://schemas.openxmlformats.org/drawingml/2006/diagram" xmlns:a="http://schemas.openxmlformats.org/drawingml/2006/main" uniqueId="urn:microsoft.com/office/officeart/2005/8/colors/accent6_2">
+  <dgm:title val=""/>
+  <dgm:desc val=""/>
+  <dgm:catLst>
+    <dgm:cat type="accent6" pri="11200"/>
+  </dgm:catLst>
+  <dgm:styleLbl name="node0">
+    <dgm:fillClrLst meth="repeat">
+      <a:schemeClr val="accent6"/>
+    </dgm:fillClrLst>
+    <dgm:linClrLst meth="repeat">
+      <a:schemeClr val="lt1"/>
+    </dgm:linClrLst>
+    <dgm:effectClrLst/>
+    <dgm:txLinClrLst/>
+    <dgm:txFillClrLst/>
+    <dgm:txEffectClrLst/>
+  </dgm:styleLbl>
+  <dgm:styleLbl name="node1">
+    <dgm:fillClrLst meth="repeat">
+      <a:schemeClr val="accent6"/>
+    </dgm:fillClrLst>
+    <dgm:linClrLst meth="repeat">
+      <a:schemeClr val="lt1"/>
+    </dgm:linClrLst>
+    <dgm:effectClrLst/>
+    <dgm:txLinClrLst/>
+    <dgm:txFillClrLst/>
+    <dgm:txEffectClrLst/>
+  </dgm:styleLbl>
+  <dgm:styleLbl name="alignNode1">
+    <dgm:fillClrLst meth="repeat">
+      <a:schemeClr val="accent6"/>
+    </dgm:fillClrLst>
+    <dgm:linClrLst meth="repeat">
+      <a:schemeClr val="accent6"/>
+    </dgm:linClrLst>
+    <dgm:effectClrLst/>
+    <dgm:txLinClrLst/>
+    <dgm:txFillClrLst/>
+    <dgm:txEffectClrLst/>
+  </dgm:styleLbl>
+  <dgm:styleLbl name="lnNode1">
+    <dgm:fillClrLst meth="repeat">
+      <a:schemeClr val="accent6"/>
+    </dgm:fillClrLst>
+    <dgm:linClrLst meth="repeat">
+      <a:schemeClr val="lt1"/>
+    </dgm:linClrLst>
+    <dgm:effectClrLst/>
+    <dgm:txLinClrLst/>
+    <dgm:txFillClrLst/>
+    <dgm:txEffectClrLst/>
+  </dgm:styleLbl>
+  <dgm:styleLbl name="vennNode1">
+    <dgm:fillClrLst meth="repeat">
+      <a:schemeClr val="accent6">
+        <a:alpha val="50000"/>
+      </a:schemeClr>
+    </dgm:fillClrLst>
+    <dgm:linClrLst meth="repeat">
+      <a:schemeClr val="lt1"/>
+    </dgm:linClrLst>
+    <dgm:effectClrLst/>
+    <dgm:txLinClrLst/>
+    <dgm:txFillClrLst/>
+    <dgm:txEffectClrLst/>
+  </dgm:styleLbl>
+  <dgm:styleLbl name="node2">
+    <dgm:fillClrLst meth="repeat">
+      <a:schemeClr val="accent6"/>
+    </dgm:fillClrLst>
+    <dgm:linClrLst meth="repeat">
+      <a:schemeClr val="lt1"/>
+    </dgm:linClrLst>
+    <dgm:effectClrLst/>
+    <dgm:txLinClrLst/>
+    <dgm:txFillClrLst/>
+    <dgm:txEffectClrLst/>
+  </dgm:styleLbl>
+  <dgm:styleLbl name="node3">
+    <dgm:fillClrLst meth="repeat">
+      <a:schemeClr val="accent6"/>
+    </dgm:fillClrLst>
+    <dgm:linClrLst meth="repeat">
+      <a:schemeClr val="lt1"/>
+    </dgm:linClrLst>
+    <dgm:effectClrLst/>
+    <dgm:txLinClrLst/>
+    <dgm:txFillClrLst/>
+    <dgm:txEffectClrLst/>
+  </dgm:styleLbl>
+  <dgm:styleLbl name="node4">
+    <dgm:fillClrLst meth="repeat">
+      <a:schemeClr val="accent6"/>
+    </dgm:fillClrLst>
+    <dgm:linClrLst meth="repeat">
+      <a:schemeClr val="lt1"/>
+    </dgm:linClrLst>
+    <dgm:effectClrLst/>
+    <dgm:txLinClrLst/>
+    <dgm:txFillClrLst/>
+    <dgm:txEffectClrLst/>
+  </dgm:styleLbl>
+  <dgm:styleLbl name="fgImgPlace1">
+    <dgm:fillClrLst meth="repeat">
+      <a:schemeClr val="accent6">
+        <a:tint val="50000"/>
+      </a:schemeClr>
+    </dgm:fillClrLst>
+    <dgm:linClrLst meth="repeat">
+      <a:schemeClr val="lt1"/>
+    </dgm:linClrLst>
+    <dgm:effectClrLst/>
+    <dgm:txLinClrLst/>
+    <dgm:txFillClrLst meth="repeat">
+      <a:schemeClr val="lt1"/>
+    </dgm:txFillClrLst>
+    <dgm:txEffectClrLst/>
+  </dgm:styleLbl>
+  <dgm:styleLbl name="alignImgPlace1">
+    <dgm:fillClrLst meth="repeat">
+      <a:schemeClr val="accent6">
+        <a:tint val="50000"/>
+      </a:schemeClr>
+    </dgm:fillClrLst>
+    <dgm:linClrLst meth="repeat">
+      <a:schemeClr val="lt1"/>
+    </dgm:linClrLst>
+    <dgm:effectClrLst/>
+    <dgm:txLinClrLst/>
+    <dgm:txFillClrLst meth="repeat">
+      <a:schemeClr val="lt1"/>
+    </dgm:txFillClrLst>
+    <dgm:txEffectClrLst/>
+  </dgm:styleLbl>
+  <dgm:styleLbl name="bgImgPlace1">
+    <dgm:fillClrLst meth="repeat">
+      <a:schemeClr val="accent6">
+        <a:tint val="50000"/>
+      </a:schemeClr>
+    </dgm:fillClrLst>
+    <dgm:linClrLst meth="repeat">
+      <a:schemeClr val="lt1"/>
+    </dgm:linClrLst>
+    <dgm:effectClrLst/>
+    <dgm:txLinClrLst/>
+    <dgm:txFillClrLst meth="repeat">
+      <a:schemeClr val="lt1"/>
+    </dgm:txFillClrLst>
+    <dgm:txEffectClrLst/>
+  </dgm:styleLbl>
+  <dgm:styleLbl name="sibTrans2D1">
+    <dgm:fillClrLst meth="repeat">
+      <a:schemeClr val="accent6">
+        <a:tint val="60000"/>
+      </a:schemeClr>
+    </dgm:fillClrLst>
+    <dgm:linClrLst meth="repeat">
+      <a:schemeClr val="accent6">
+        <a:tint val="60000"/>
+      </a:schemeClr>
+    </dgm:linClrLst>
+    <dgm:effectClrLst/>
+    <dgm:txLinClrLst/>
+    <dgm:txFillClrLst/>
+    <dgm:txEffectClrLst/>
+  </dgm:styleLbl>
+  <dgm:styleLbl name="fgSibTrans2D1">
+    <dgm:fillClrLst meth="repeat">
+      <a:schemeClr val="accent6">
+        <a:tint val="60000"/>
+      </a:schemeClr>
+    </dgm:fillClrLst>
+    <dgm:linClrLst meth="repeat">
+      <a:schemeClr val="accent6">
+        <a:tint val="60000"/>
+      </a:schemeClr>
+    </dgm:linClrLst>
+    <dgm:effectClrLst/>
+    <dgm:txLinClrLst/>
+    <dgm:txFillClrLst/>
+    <dgm:txEffectClrLst/>
+  </dgm:styleLbl>
+  <dgm:styleLbl name="bgSibTrans2D1">
+    <dgm:fillClrLst meth="repeat">
+      <a:schemeClr val="accent6">
+        <a:tint val="60000"/>
+      </a:schemeClr>
+    </dgm:fillClrLst>
+    <dgm:linClrLst meth="repeat">
+      <a:schemeClr val="accent6">
+        <a:tint val="60000"/>
+      </a:schemeClr>
+    </dgm:linClrLst>
+    <dgm:effectClrLst/>
+    <dgm:txLinClrLst/>
+    <dgm:txFillClrLst/>
+    <dgm:txEffectClrLst/>
+  </dgm:styleLbl>
+  <dgm:styleLbl name="sibTrans1D1">
+    <dgm:fillClrLst meth="repeat">
+      <a:schemeClr val="accent6"/>
+    </dgm:fillClrLst>
+    <dgm:linClrLst meth="repeat">
+      <a:schemeClr val="accent6"/>
+    </dgm:linClrLst>
+    <dgm:effectClrLst/>
+    <dgm:txLinClrLst/>
+    <dgm:txFillClrLst meth="repeat">
+      <a:schemeClr val="tx1"/>
+    </dgm:txFillClrLst>
+    <dgm:txEffectClrLst/>
+  </dgm:styleLbl>
+  <dgm:styleLbl name="callout">
+    <dgm:fillClrLst meth="repeat">
+      <a:schemeClr val="accent6"/>
+    </dgm:fillClrLst>
+    <dgm:linClrLst meth="repeat">
+      <a:schemeClr val="accent6">
+        <a:tint val="50000"/>
+      </a:schemeClr>
+    </dgm:linClrLst>
+    <dgm:effectClrLst/>
+    <dgm:txLinClrLst/>
+    <dgm:txFillClrLst meth="repeat">
+      <a:schemeClr val="tx1"/>
+    </dgm:txFillClrLst>
+    <dgm:txEffectClrLst/>
+  </dgm:styleLbl>
+  <dgm:styleLbl name="asst0">
+    <dgm:fillClrLst meth="repeat">
+      <a:schemeClr val="accent6"/>
+    </dgm:fillClrLst>
+    <dgm:linClrLst meth="repeat">
+      <a:schemeClr val="lt1"/>
+    </dgm:linClrLst>
+    <dgm:effectClrLst/>
+    <dgm:txLinClrLst/>
+    <dgm:txFillClrLst/>
+    <dgm:txEffectClrLst/>
+  </dgm:styleLbl>
+  <dgm:styleLbl name="asst1">
+    <dgm:fillClrLst meth="repeat">
+      <a:schemeClr val="accent6"/>
+    </dgm:fillClrLst>
+    <dgm:linClrLst meth="repeat">
+      <a:schemeClr val="lt1"/>
+    </dgm:linClrLst>
+    <dgm:effectClrLst/>
+    <dgm:txLinClrLst/>
+    <dgm:txFillClrLst/>
+    <dgm:txEffectClrLst/>
+  </dgm:styleLbl>
+  <dgm:styleLbl name="asst2">
+    <dgm:fillClrLst meth="repeat">
+      <a:schemeClr val="accent6"/>
+    </dgm:fillClrLst>
+    <dgm:linClrLst meth="repeat">
+      <a:schemeClr val="lt1"/>
+    </dgm:linClrLst>
+    <dgm:effectClrLst/>
+    <dgm:txLinClrLst/>
+    <dgm:txFillClrLst/>
+    <dgm:txEffectClrLst/>
+  </dgm:styleLbl>
+  <dgm:styleLbl name="asst3">
+    <dgm:fillClrLst meth="repeat">
+      <a:schemeClr val="accent6"/>
+    </dgm:fillClrLst>
+    <dgm:linClrLst meth="repeat">
+      <a:schemeClr val="lt1"/>
+    </dgm:linClrLst>
+    <dgm:effectClrLst/>
+    <dgm:txLinClrLst/>
+    <dgm:txFillClrLst/>
+    <dgm:txEffectClrLst/>
+  </dgm:styleLbl>
+  <dgm:styleLbl name="asst4">
+    <dgm:fillClrLst meth="repeat">
+      <a:schemeClr val="accent6"/>
+    </dgm:fillClrLst>
+    <dgm:linClrLst meth="repeat">
+      <a:schemeClr val="lt1"/>
+    </dgm:linClrLst>
+    <dgm:effectClrLst/>
+    <dgm:txLinClrLst/>
+    <dgm:txFillClrLst/>
+    <dgm:txEffectClrLst/>
+  </dgm:styleLbl>
+  <dgm:styleLbl name="parChTrans2D1">
+    <dgm:fillClrLst meth="repeat">
+      <a:schemeClr val="accent6">
+        <a:tint val="60000"/>
+      </a:schemeClr>
+    </dgm:fillClrLst>
+    <dgm:linClrLst meth="repeat">
+      <a:schemeClr val="accent6">
+        <a:tint val="60000"/>
+      </a:schemeClr>
+    </dgm:linClrLst>
+    <dgm:effectClrLst/>
+    <dgm:txLinClrLst/>
+    <dgm:txFillClrLst meth="repeat">
+      <a:schemeClr val="lt1"/>
+    </dgm:txFillClrLst>
+    <dgm:txEffectClrLst/>
+  </dgm:styleLbl>
+  <dgm:styleLbl name="parChTrans2D2">
+    <dgm:fillClrLst meth="repeat">
+      <a:schemeClr val="accent6"/>
+    </dgm:fillClrLst>
+    <dgm:linClrLst meth="repeat">
+      <a:schemeClr val="accent6"/>
+    </dgm:linClrLst>
+    <dgm:effectClrLst/>
+    <dgm:txLinClrLst/>
+    <dgm:txFillClrLst meth="repeat">
+      <a:schemeClr val="lt1"/>
+    </dgm:txFillClrLst>
+    <dgm:txEffectClrLst/>
+  </dgm:styleLbl>
+  <dgm:styleLbl name="parChTrans2D3">
+    <dgm:fillClrLst meth="repeat">
+      <a:schemeClr val="accent6"/>
+    </dgm:fillClrLst>
+    <dgm:linClrLst meth="repeat">
+      <a:schemeClr val="accent6"/>
+    </dgm:linClrLst>
+    <dgm:effectClrLst/>
+    <dgm:txLinClrLst/>
+    <dgm:txFillClrLst meth="repeat">
+      <a:schemeClr val="lt1"/>
+    </dgm:txFillClrLst>
+    <dgm:txEffectClrLst/>
+  </dgm:styleLbl>
+  <dgm:styleLbl name="parChTrans2D4">
+    <dgm:fillClrLst meth="repeat">
+      <a:schemeClr val="accent6"/>
+    </dgm:fillClrLst>
+    <dgm:linClrLst meth="repeat">
+      <a:schemeClr val="accent6"/>
+    </dgm:linClrLst>
+    <dgm:effectClrLst/>
+    <dgm:txLinClrLst/>
+    <dgm:txFillClrLst meth="repeat">
+      <a:schemeClr val="lt1"/>
+    </dgm:txFillClrLst>
+    <dgm:txEffectClrLst/>
+  </dgm:styleLbl>
+  <dgm:styleLbl name="parChTrans1D1">
+    <dgm:fillClrLst meth="repeat">
+      <a:schemeClr val="accent6"/>
+    </dgm:fillClrLst>
+    <dgm:linClrLst meth="repeat">
+      <a:schemeClr val="accent6">
+        <a:shade val="60000"/>
+      </a:schemeClr>
+    </dgm:linClrLst>
+    <dgm:effectClrLst/>
+    <dgm:txLinClrLst/>
+    <dgm:txFillClrLst meth="repeat">
+      <a:schemeClr val="tx1"/>
+    </dgm:txFillClrLst>
+    <dgm:txEffectClrLst/>
+  </dgm:styleLbl>
+  <dgm:styleLbl name="parChTrans1D2">
+    <dgm:fillClrLst meth="repeat">
+      <a:schemeClr val="accent6"/>
+    </dgm:fillClrLst>
+    <dgm:linClrLst meth="repeat">
+      <a:schemeClr val="accent6">
+        <a:shade val="60000"/>
+      </a:schemeClr>
+    </dgm:linClrLst>
+    <dgm:effectClrLst/>
+    <dgm:txLinClrLst/>
+    <dgm:txFillClrLst meth="repeat">
+      <a:schemeClr val="tx1"/>
+    </dgm:txFillClrLst>
+    <dgm:txEffectClrLst/>
+  </dgm:styleLbl>
+  <dgm:styleLbl name="parChTrans1D3">
+    <dgm:fillClrLst meth="repeat">
+      <a:schemeClr val="accent6"/>
+    </dgm:fillClrLst>
+    <dgm:linClrLst meth="repeat">
+      <a:schemeClr val="accent6">
+        <a:shade val="80000"/>
+      </a:schemeClr>
+    </dgm:linClrLst>
+    <dgm:effectClrLst/>
+    <dgm:txLinClrLst/>
+    <dgm:txFillClrLst meth="repeat">
+      <a:schemeClr val="tx1"/>
+    </dgm:txFillClrLst>
+    <dgm:txEffectClrLst/>
+  </dgm:styleLbl>
+  <dgm:styleLbl name="parChTrans1D4">
+    <dgm:fillClrLst meth="repeat">
+      <a:schemeClr val="accent6"/>
+    </dgm:fillClrLst>
+    <dgm:linClrLst meth="repeat">
+      <a:schemeClr val="accent6">
+        <a:shade val="80000"/>
+      </a:schemeClr>
+    </dgm:linClrLst>
+    <dgm:effectClrLst/>
+    <dgm:txLinClrLst/>
+    <dgm:txFillClrLst meth="repeat">
+      <a:schemeClr val="tx1"/>
+    </dgm:txFillClrLst>
+    <dgm:txEffectClrLst/>
+  </dgm:styleLbl>
+  <dgm:styleLbl name="fgAcc1">
+    <dgm:fillClrLst meth="repeat">
+      <a:schemeClr val="lt1">
+        <a:alpha val="90000"/>
+      </a:schemeClr>
+    </dgm:fillClrLst>
+    <dgm:linClrLst meth="repeat">
+      <a:schemeClr val="accent6"/>
+    </dgm:linClrLst>
+    <dgm:effectClrLst/>
+    <dgm:txLinClrLst/>
+    <dgm:txFillClrLst meth="repeat">
+      <a:schemeClr val="dk1"/>
+    </dgm:txFillClrLst>
+    <dgm:txEffectClrLst/>
+  </dgm:styleLbl>
+  <dgm:styleLbl name="conFgAcc1">
+    <dgm:fillClrLst meth="repeat">
+      <a:schemeClr val="lt1">
+        <a:alpha val="90000"/>
+      </a:schemeClr>
+    </dgm:fillClrLst>
+    <dgm:linClrLst meth="repeat">
+      <a:schemeClr val="accent6"/>
+    </dgm:linClrLst>
+    <dgm:effectClrLst/>
+    <dgm:txLinClrLst/>
+    <dgm:txFillClrLst meth="repeat">
+      <a:schemeClr val="dk1"/>
+    </dgm:txFillClrLst>
+    <dgm:txEffectClrLst/>
+  </dgm:styleLbl>
+  <dgm:styleLbl name="alignAcc1">
+    <dgm:fillClrLst meth="repeat">
+      <a:schemeClr val="lt1">
+        <a:alpha val="90000"/>
+      </a:schemeClr>
+    </dgm:fillClrLst>
+    <dgm:linClrLst meth="repeat">
+      <a:schemeClr val="accent6"/>
+    </dgm:linClrLst>
+    <dgm:effectClrLst/>
+    <dgm:txLinClrLst/>
+    <dgm:txFillClrLst meth="repeat">
+      <a:schemeClr val="dk1"/>
+    </dgm:txFillClrLst>
+    <dgm:txEffectClrLst/>
+  </dgm:styleLbl>
+  <dgm:styleLbl name="trAlignAcc1">
+    <dgm:fillClrLst meth="repeat">
+      <a:schemeClr val="lt1">
+        <a:alpha val="40000"/>
+      </a:schemeClr>
+    </dgm:fillClrLst>
+    <dgm:linClrLst meth="repeat">
+      <a:schemeClr val="accent6"/>
+    </dgm:linClrLst>
+    <dgm:effectClrLst/>
+    <dgm:txLinClrLst/>
+    <dgm:txFillClrLst meth="repeat">
+      <a:schemeClr val="dk1"/>
+    </dgm:txFillClrLst>
+    <dgm:txEffectClrLst/>
+  </dgm:styleLbl>
+  <dgm:styleLbl name="bgAcc1">
+    <dgm:fillClrLst meth="repeat">
+      <a:schemeClr val="lt1">
+        <a:alpha val="90000"/>
+      </a:schemeClr>
+    </dgm:fillClrLst>
+    <dgm:linClrLst meth="repeat">
+      <a:schemeClr val="accent6"/>
+    </dgm:linClrLst>
+    <dgm:effectClrLst/>
+    <dgm:txLinClrLst/>
+    <dgm:txFillClrLst meth="repeat">
+      <a:schemeClr val="dk1"/>
+    </dgm:txFillClrLst>
+    <dgm:txEffectClrLst/>
+  </dgm:styleLbl>
+  <dgm:styleLbl name="solidFgAcc1">
+    <dgm:fillClrLst meth="repeat">
+      <a:schemeClr val="lt1"/>
+    </dgm:fillClrLst>
+    <dgm:linClrLst meth="repeat">
+      <a:schemeClr val="accent6"/>
+    </dgm:linClrLst>
+    <dgm:effectClrLst/>
+    <dgm:txLinClrLst/>
+    <dgm:txFillClrLst meth="repeat">
+      <a:schemeClr val="dk1"/>
+    </dgm:txFillClrLst>
+    <dgm:txEffectClrLst/>
+  </dgm:styleLbl>
+  <dgm:styleLbl name="solidAlignAcc1">
+    <dgm:fillClrLst meth="repeat">
+      <a:schemeClr val="lt1"/>
+    </dgm:fillClrLst>
+    <dgm:linClrLst meth="repeat">
+      <a:schemeClr val="accent6"/>
+    </dgm:linClrLst>
+    <dgm:effectClrLst/>
+    <dgm:txLinClrLst/>
+    <dgm:txFillClrLst meth="repeat">
+      <a:schemeClr val="dk1"/>
+    </dgm:txFillClrLst>
+    <dgm:txEffectClrLst/>
+  </dgm:styleLbl>
+  <dgm:styleLbl name="solidBgAcc1">
+    <dgm:fillClrLst meth="repeat">
+      <a:schemeClr val="lt1"/>
+    </dgm:fillClrLst>
+    <dgm:linClrLst meth="repeat">
+      <a:schemeClr val="accent6"/>
+    </dgm:linClrLst>
+    <dgm:effectClrLst/>
+    <dgm:txLinClrLst/>
+    <dgm:txFillClrLst meth="repeat">
+      <a:schemeClr val="dk1"/>
+    </dgm:txFillClrLst>
+    <dgm:txEffectClrLst/>
+  </dgm:styleLbl>
+  <dgm:styleLbl name="fgAccFollowNode1">
+    <dgm:fillClrLst meth="repeat">
+      <a:schemeClr val="accent6">
+        <a:alpha val="90000"/>
+        <a:tint val="40000"/>
+      </a:schemeClr>
+    </dgm:fillClrLst>
+    <dgm:linClrLst meth="repeat">
+      <a:schemeClr val="accent6">
+        <a:alpha val="90000"/>
+        <a:tint val="40000"/>
+      </a:schemeClr>
+    </dgm:linClrLst>
+    <dgm:effectClrLst/>
+    <dgm:txLinClrLst/>
+    <dgm:txFillClrLst meth="repeat">
+      <a:schemeClr val="dk1"/>
+    </dgm:txFillClrLst>
+    <dgm:txEffectClrLst/>
+  </dgm:styleLbl>
+  <dgm:styleLbl name="alignAccFollowNode1">
+    <dgm:fillClrLst meth="repeat">
+      <a:schemeClr val="accent6">
+        <a:alpha val="90000"/>
+        <a:tint val="40000"/>
+      </a:schemeClr>
+    </dgm:fillClrLst>
+    <dgm:linClrLst meth="repeat">
+      <a:schemeClr val="accent6">
+        <a:alpha val="90000"/>
+        <a:tint val="40000"/>
+      </a:schemeClr>
+    </dgm:linClrLst>
+    <dgm:effectClrLst/>
+    <dgm:txLinClrLst/>
+    <dgm:txFillClrLst meth="repeat">
+      <a:schemeClr val="dk1"/>
+    </dgm:txFillClrLst>
+    <dgm:txEffectClrLst/>
+  </dgm:styleLbl>
+  <dgm:styleLbl name="bgAccFollowNode1">
+    <dgm:fillClrLst meth="repeat">
+      <a:schemeClr val="accent6">
+        <a:alpha val="90000"/>
+        <a:tint val="40000"/>
+      </a:schemeClr>
+    </dgm:fillClrLst>
+    <dgm:linClrLst meth="repeat">
+      <a:schemeClr val="accent6">
+        <a:alpha val="90000"/>
+        <a:tint val="40000"/>
+      </a:schemeClr>
+    </dgm:linClrLst>
+    <dgm:effectClrLst/>
+    <dgm:txLinClrLst/>
+    <dgm:txFillClrLst meth="repeat">
+      <a:schemeClr val="dk1"/>
+    </dgm:txFillClrLst>
+    <dgm:txEffectClrLst/>
+  </dgm:styleLbl>
+  <dgm:styleLbl name="fgAcc0">
+    <dgm:fillClrLst meth="repeat">
+      <a:schemeClr val="lt1">
+        <a:alpha val="90000"/>
+      </a:schemeClr>
+    </dgm:fillClrLst>
+    <dgm:linClrLst meth="repeat">
+      <a:schemeClr val="accent6"/>
+    </dgm:linClrLst>
+    <dgm:effectClrLst/>
+    <dgm:txLinClrLst/>
+    <dgm:txFillClrLst meth="repeat">
+      <a:schemeClr val="dk1"/>
+    </dgm:txFillClrLst>
+    <dgm:txEffectClrLst/>
+  </dgm:styleLbl>
+  <dgm:styleLbl name="fgAcc2">
+    <dgm:fillClrLst meth="repeat">
+      <a:schemeClr val="lt1">
+        <a:alpha val="90000"/>
+      </a:schemeClr>
+    </dgm:fillClrLst>
+    <dgm:linClrLst meth="repeat">
+      <a:schemeClr val="accent6"/>
+    </dgm:linClrLst>
+    <dgm:effectClrLst/>
+    <dgm:txLinClrLst/>
+    <dgm:txFillClrLst meth="repeat">
+      <a:schemeClr val="dk1"/>
+    </dgm:txFillClrLst>
+    <dgm:txEffectClrLst/>
+  </dgm:styleLbl>
+  <dgm:styleLbl name="fgAcc3">
+    <dgm:fillClrLst meth="repeat">
+      <a:schemeClr val="lt1">
+        <a:alpha val="90000"/>
+      </a:schemeClr>
+    </dgm:fillClrLst>
+    <dgm:linClrLst meth="repeat">
+      <a:schemeClr val="accent6"/>
+    </dgm:linClrLst>
+    <dgm:effectClrLst/>
+    <dgm:txLinClrLst/>
+    <dgm:txFillClrLst meth="repeat">
+      <a:schemeClr val="dk1"/>
+    </dgm:txFillClrLst>
+    <dgm:txEffectClrLst/>
+  </dgm:styleLbl>
+  <dgm:styleLbl name="fgAcc4">
+    <dgm:fillClrLst meth="repeat">
+      <a:schemeClr val="lt1">
+        <a:alpha val="90000"/>
+      </a:schemeClr>
+    </dgm:fillClrLst>
+    <dgm:linClrLst meth="repeat">
+      <a:schemeClr val="accent6"/>
+    </dgm:linClrLst>
+    <dgm:effectClrLst/>
+    <dgm:txLinClrLst/>
+    <dgm:txFillClrLst meth="repeat">
+      <a:schemeClr val="dk1"/>
+    </dgm:txFillClrLst>
+    <dgm:txEffectClrLst/>
+  </dgm:styleLbl>
+  <dgm:styleLbl name="bgShp">
+    <dgm:fillClrLst meth="repeat">
+      <a:schemeClr val="accent6">
+        <a:tint val="40000"/>
+      </a:schemeClr>
+    </dgm:fillClrLst>
+    <dgm:linClrLst meth="repeat">
+      <a:schemeClr val="accent6"/>
+    </dgm:linClrLst>
+    <dgm:effectClrLst/>
+    <dgm:txLinClrLst/>
+    <dgm:txFillClrLst meth="repeat">
+      <a:schemeClr val="dk1"/>
+    </dgm:txFillClrLst>
+    <dgm:txEffectClrLst/>
+  </dgm:styleLbl>
+  <dgm:styleLbl name="dkBgShp">
+    <dgm:fillClrLst meth="repeat">
+      <a:schemeClr val="accent6">
+        <a:shade val="80000"/>
+      </a:schemeClr>
+    </dgm:fillClrLst>
+    <dgm:linClrLst meth="repeat">
+      <a:schemeClr val="accent6"/>
+    </dgm:linClrLst>
+    <dgm:effectClrLst/>
+    <dgm:txLinClrLst/>
+    <dgm:txFillClrLst meth="repeat">
+      <a:schemeClr val="lt1"/>
+    </dgm:txFillClrLst>
+    <dgm:txEffectClrLst/>
+  </dgm:styleLbl>
+  <dgm:styleLbl name="trBgShp">
+    <dgm:fillClrLst meth="repeat">
+      <a:schemeClr val="accent6">
+        <a:tint val="50000"/>
+        <a:alpha val="40000"/>
+      </a:schemeClr>
+    </dgm:fillClrLst>
+    <dgm:linClrLst meth="repeat">
+      <a:schemeClr val="accent6"/>
+    </dgm:linClrLst>
+    <dgm:effectClrLst/>
+    <dgm:txLinClrLst/>
+    <dgm:txFillClrLst meth="repeat">
+      <a:schemeClr val="lt1"/>
+    </dgm:txFillClrLst>
+    <dgm:txEffectClrLst/>
+  </dgm:styleLbl>
+  <dgm:styleLbl name="fgShp">
+    <dgm:fillClrLst meth="repeat">
+      <a:schemeClr val="accent6">
+        <a:tint val="60000"/>
+      </a:schemeClr>
+    </dgm:fillClrLst>
+    <dgm:linClrLst meth="repeat">
+      <a:schemeClr val="lt1"/>
+    </dgm:linClrLst>
+    <dgm:effectClrLst/>
+    <dgm:txLinClrLst/>
+    <dgm:txFillClrLst meth="repeat">
+      <a:schemeClr val="dk1"/>
+    </dgm:txFillClrLst>
+    <dgm:txEffectClrLst/>
+  </dgm:styleLbl>
+  <dgm:styleLbl name="revTx">
+    <dgm:fillClrLst meth="repeat">
+      <a:schemeClr val="lt1">
+        <a:alpha val="0"/>
+      </a:schemeClr>
+    </dgm:fillClrLst>
+    <dgm:linClrLst meth="repeat">
+      <a:schemeClr val="dk1">
+        <a:alpha val="0"/>
+      </a:schemeClr>
+    </dgm:linClrLst>
+    <dgm:effectClrLst/>
+    <dgm:txLinClrLst/>
+    <dgm:txFillClrLst meth="repeat">
+      <a:schemeClr val="tx1"/>
+    </dgm:txFillClrLst>
+    <dgm:txEffectClrLst/>
+  </dgm:styleLbl>
+</dgm:colorsDef>
+</file>
+
+<file path=ppt/diagrams/data1.xml><?xml version="1.0" encoding="utf-8"?>
+<dgm:dataModel xmlns:dgm="http://schemas.openxmlformats.org/drawingml/2006/diagram" xmlns:a="http://schemas.openxmlformats.org/drawingml/2006/main">
+  <dgm:ptLst>
+    <dgm:pt modelId="{6615262F-664B-4B89-95AF-BC781B2A301C}" type="doc">
+      <dgm:prSet loTypeId="urn:microsoft.com/office/officeart/2005/8/layout/chevron2" loCatId="process" qsTypeId="urn:microsoft.com/office/officeart/2005/8/quickstyle/3d2" qsCatId="3D" csTypeId="urn:microsoft.com/office/officeart/2005/8/colors/accent2_2" csCatId="accent2" phldr="1"/>
+      <dgm:spPr/>
+      <dgm:t>
+        <a:bodyPr/>
+        <a:lstStyle/>
+        <a:p>
+          <a:endParaRPr lang="fr-FR"/>
+        </a:p>
+      </dgm:t>
+    </dgm:pt>
+    <dgm:pt modelId="{D67DDD42-370F-4B3F-AAD1-A3CE7B0D3BF6}">
+      <dgm:prSet phldrT="[Texte]" custT="1"/>
+      <dgm:spPr/>
+      <dgm:t>
+        <a:bodyPr/>
+        <a:lstStyle/>
+        <a:p>
+          <a:r>
+            <a:rPr lang="fr-FR" sz="2000" dirty="0" smtClean="0">
+              <a:latin typeface="Book Antiqua" pitchFamily="18" charset="0"/>
+            </a:rPr>
+            <a:t>Recherche du coût de la  figurine</a:t>
+          </a:r>
+          <a:endParaRPr lang="fr-FR" sz="2000" dirty="0">
+            <a:latin typeface="Book Antiqua" pitchFamily="18" charset="0"/>
+          </a:endParaRPr>
+        </a:p>
+      </dgm:t>
+    </dgm:pt>
+    <dgm:pt modelId="{27F2C7A4-6363-4535-ABD6-2B0B1443AD56}" type="parTrans" cxnId="{7BEF0361-3D12-421A-8D80-AF19F1ED7315}">
+      <dgm:prSet/>
+      <dgm:spPr/>
+      <dgm:t>
+        <a:bodyPr/>
+        <a:lstStyle/>
+        <a:p>
+          <a:endParaRPr lang="fr-FR"/>
+        </a:p>
+      </dgm:t>
+    </dgm:pt>
+    <dgm:pt modelId="{2BCA7D7A-DCA5-4E2F-8AC9-2699E7DD282D}" type="sibTrans" cxnId="{7BEF0361-3D12-421A-8D80-AF19F1ED7315}">
+      <dgm:prSet/>
+      <dgm:spPr/>
+      <dgm:t>
+        <a:bodyPr/>
+        <a:lstStyle/>
+        <a:p>
+          <a:endParaRPr lang="fr-FR"/>
+        </a:p>
+      </dgm:t>
+    </dgm:pt>
+    <dgm:pt modelId="{ED21E317-B122-4227-B92E-9512DAA73DED}">
+      <dgm:prSet phldrT="[Texte]" custT="1"/>
+      <dgm:spPr/>
+      <dgm:t>
+        <a:bodyPr/>
+        <a:lstStyle/>
+        <a:p>
+          <a:r>
+            <a:rPr lang="fr-FR" sz="2000" dirty="0" smtClean="0">
+              <a:latin typeface="Book Antiqua" pitchFamily="18" charset="0"/>
+            </a:rPr>
+            <a:t>Calcul du coût de l’unité</a:t>
+          </a:r>
+          <a:endParaRPr lang="fr-FR" sz="2000" dirty="0">
+            <a:latin typeface="Book Antiqua" pitchFamily="18" charset="0"/>
+          </a:endParaRPr>
+        </a:p>
+      </dgm:t>
+    </dgm:pt>
+    <dgm:pt modelId="{67B551BE-7A84-4C51-8EE6-247E65195291}" type="parTrans" cxnId="{41464064-0CA7-4B8D-BEF4-EEAB129CF811}">
+      <dgm:prSet/>
+      <dgm:spPr/>
+      <dgm:t>
+        <a:bodyPr/>
+        <a:lstStyle/>
+        <a:p>
+          <a:endParaRPr lang="fr-FR"/>
+        </a:p>
+      </dgm:t>
+    </dgm:pt>
+    <dgm:pt modelId="{9121AE02-A020-43FB-9927-270AC1172E87}" type="sibTrans" cxnId="{41464064-0CA7-4B8D-BEF4-EEAB129CF811}">
+      <dgm:prSet/>
+      <dgm:spPr/>
+      <dgm:t>
+        <a:bodyPr/>
+        <a:lstStyle/>
+        <a:p>
+          <a:endParaRPr lang="fr-FR"/>
+        </a:p>
+      </dgm:t>
+    </dgm:pt>
+    <dgm:pt modelId="{19A08F22-9EC6-4DB6-92F5-AE4CFA52ED73}">
+      <dgm:prSet phldrT="[Texte]" custT="1"/>
+      <dgm:spPr/>
+      <dgm:t>
+        <a:bodyPr/>
+        <a:lstStyle/>
+        <a:p>
+          <a:endParaRPr lang="fr-FR" sz="2000" dirty="0">
+            <a:latin typeface="Book Antiqua" pitchFamily="18" charset="0"/>
+          </a:endParaRPr>
+        </a:p>
+      </dgm:t>
+    </dgm:pt>
+    <dgm:pt modelId="{DB5764EE-82EE-4DE9-8F72-2DFF2067531B}" type="parTrans" cxnId="{D87207A6-495B-442D-B723-6581A406EBE5}">
+      <dgm:prSet/>
+      <dgm:spPr/>
+      <dgm:t>
+        <a:bodyPr/>
+        <a:lstStyle/>
+        <a:p>
+          <a:endParaRPr lang="fr-FR"/>
+        </a:p>
+      </dgm:t>
+    </dgm:pt>
+    <dgm:pt modelId="{DAE47C18-F544-4517-836C-13F6C397848F}" type="sibTrans" cxnId="{D87207A6-495B-442D-B723-6581A406EBE5}">
+      <dgm:prSet/>
+      <dgm:spPr/>
+      <dgm:t>
+        <a:bodyPr/>
+        <a:lstStyle/>
+        <a:p>
+          <a:endParaRPr lang="fr-FR"/>
+        </a:p>
+      </dgm:t>
+    </dgm:pt>
+    <dgm:pt modelId="{C8A2D760-5C03-4189-917E-F690FF671623}">
+      <dgm:prSet phldrT="[Texte]" custT="1"/>
+      <dgm:spPr/>
+      <dgm:t>
+        <a:bodyPr/>
+        <a:lstStyle/>
+        <a:p>
+          <a:r>
+            <a:rPr lang="fr-FR" sz="2000" dirty="0" smtClean="0">
+              <a:latin typeface="Book Antiqua" pitchFamily="18" charset="0"/>
+            </a:rPr>
+            <a:t>Ajustement manuel en fonction des équipements</a:t>
+          </a:r>
+          <a:endParaRPr lang="fr-FR" sz="2000" dirty="0">
+            <a:latin typeface="Book Antiqua" pitchFamily="18" charset="0"/>
+          </a:endParaRPr>
+        </a:p>
+      </dgm:t>
+    </dgm:pt>
+    <dgm:pt modelId="{2D2FBD91-1411-4EB6-9AC2-CF2D0AE5ABE1}" type="parTrans" cxnId="{49B9DB18-DF9B-4522-A5A8-8781EDA97E57}">
+      <dgm:prSet/>
+      <dgm:spPr/>
+      <dgm:t>
+        <a:bodyPr/>
+        <a:lstStyle/>
+        <a:p>
+          <a:endParaRPr lang="fr-FR"/>
+        </a:p>
+      </dgm:t>
+    </dgm:pt>
+    <dgm:pt modelId="{4687B454-9D3A-4023-8175-713ABF3DEE84}" type="sibTrans" cxnId="{49B9DB18-DF9B-4522-A5A8-8781EDA97E57}">
+      <dgm:prSet/>
+      <dgm:spPr/>
+      <dgm:t>
+        <a:bodyPr/>
+        <a:lstStyle/>
+        <a:p>
+          <a:endParaRPr lang="fr-FR"/>
+        </a:p>
+      </dgm:t>
+    </dgm:pt>
+    <dgm:pt modelId="{B76761EE-5B46-441A-91B2-F850EB09889E}">
+      <dgm:prSet phldrT="[Texte]" custT="1"/>
+      <dgm:spPr/>
+      <dgm:t>
+        <a:bodyPr/>
+        <a:lstStyle/>
+        <a:p>
+          <a:r>
+            <a:rPr lang="fr-FR" sz="2000" dirty="0" smtClean="0">
+              <a:latin typeface="Book Antiqua" pitchFamily="18" charset="0"/>
+            </a:rPr>
+            <a:t>Effectuer un calcul à chaque modification</a:t>
+          </a:r>
+          <a:endParaRPr lang="fr-FR" sz="2000" dirty="0">
+            <a:latin typeface="Book Antiqua" pitchFamily="18" charset="0"/>
+          </a:endParaRPr>
+        </a:p>
+      </dgm:t>
+    </dgm:pt>
+    <dgm:pt modelId="{0B83A828-F5AA-4874-8B5A-5691357B2346}" type="parTrans" cxnId="{8D508A56-09BF-4BCD-B5E1-8EFB8F7E6FED}">
+      <dgm:prSet/>
+      <dgm:spPr/>
+      <dgm:t>
+        <a:bodyPr/>
+        <a:lstStyle/>
+        <a:p>
+          <a:endParaRPr lang="fr-FR"/>
+        </a:p>
+      </dgm:t>
+    </dgm:pt>
+    <dgm:pt modelId="{AD7C1DE9-8D44-42EB-852D-1CD6B3C0C406}" type="sibTrans" cxnId="{8D508A56-09BF-4BCD-B5E1-8EFB8F7E6FED}">
+      <dgm:prSet/>
+      <dgm:spPr/>
+      <dgm:t>
+        <a:bodyPr/>
+        <a:lstStyle/>
+        <a:p>
+          <a:endParaRPr lang="fr-FR"/>
+        </a:p>
+      </dgm:t>
+    </dgm:pt>
+    <dgm:pt modelId="{70BD4231-B632-42FE-84E8-000E425CE69C}">
+      <dgm:prSet phldrT="[Texte]" custT="1"/>
+      <dgm:spPr/>
+      <dgm:t>
+        <a:bodyPr/>
+        <a:lstStyle/>
+        <a:p>
+          <a:endParaRPr lang="fr-FR" sz="2000" dirty="0">
+            <a:latin typeface="Book Antiqua" pitchFamily="18" charset="0"/>
+          </a:endParaRPr>
+        </a:p>
+      </dgm:t>
+    </dgm:pt>
+    <dgm:pt modelId="{981EAA1E-1524-440A-8100-C0D0DA951F46}" type="parTrans" cxnId="{382B0DDA-CB4F-48FD-9A31-27C341A5491A}">
+      <dgm:prSet/>
+      <dgm:spPr/>
+      <dgm:t>
+        <a:bodyPr/>
+        <a:lstStyle/>
+        <a:p>
+          <a:endParaRPr lang="fr-FR"/>
+        </a:p>
+      </dgm:t>
+    </dgm:pt>
+    <dgm:pt modelId="{E0985F7F-3638-4C60-B5F9-BCF9FB8BA881}" type="sibTrans" cxnId="{382B0DDA-CB4F-48FD-9A31-27C341A5491A}">
+      <dgm:prSet/>
+      <dgm:spPr/>
+      <dgm:t>
+        <a:bodyPr/>
+        <a:lstStyle/>
+        <a:p>
+          <a:endParaRPr lang="fr-FR"/>
+        </a:p>
+      </dgm:t>
+    </dgm:pt>
+    <dgm:pt modelId="{EE4B7030-C58B-4F21-94A2-CF0EF83AD60A}">
+      <dgm:prSet phldrT="[Texte]" custT="1"/>
+      <dgm:spPr/>
+      <dgm:t>
+        <a:bodyPr/>
+        <a:lstStyle/>
+        <a:p>
+          <a:endParaRPr lang="fr-FR" sz="2000" dirty="0">
+            <a:latin typeface="Book Antiqua" pitchFamily="18" charset="0"/>
+          </a:endParaRPr>
+        </a:p>
+      </dgm:t>
+    </dgm:pt>
+    <dgm:pt modelId="{0E6B53C5-8830-4505-B00B-8FB6D2AD6EA5}" type="parTrans" cxnId="{F39BF38D-127C-4929-BBC6-7C08AC31D756}">
+      <dgm:prSet/>
+      <dgm:spPr/>
+      <dgm:t>
+        <a:bodyPr/>
+        <a:lstStyle/>
+        <a:p>
+          <a:endParaRPr lang="fr-FR"/>
+        </a:p>
+      </dgm:t>
+    </dgm:pt>
+    <dgm:pt modelId="{FD248F90-782E-43E0-98A8-3D143EE77CDC}" type="sibTrans" cxnId="{F39BF38D-127C-4929-BBC6-7C08AC31D756}">
+      <dgm:prSet/>
+      <dgm:spPr/>
+      <dgm:t>
+        <a:bodyPr/>
+        <a:lstStyle/>
+        <a:p>
+          <a:endParaRPr lang="fr-FR"/>
+        </a:p>
+      </dgm:t>
+    </dgm:pt>
+    <dgm:pt modelId="{03DC6940-6FD9-46D3-B5CB-9C81ACC5ED2D}">
+      <dgm:prSet phldrT="[Texte]" custT="1"/>
+      <dgm:spPr/>
+      <dgm:t>
+        <a:bodyPr/>
+        <a:lstStyle/>
+        <a:p>
+          <a:r>
+            <a:rPr lang="fr-FR" sz="2000" dirty="0" smtClean="0">
+              <a:latin typeface="Book Antiqua" pitchFamily="18" charset="0"/>
+            </a:rPr>
+            <a:t>Recherche d’une figurine</a:t>
+          </a:r>
+          <a:endParaRPr lang="fr-FR" sz="2000" dirty="0">
+            <a:latin typeface="Book Antiqua" pitchFamily="18" charset="0"/>
+          </a:endParaRPr>
+        </a:p>
+      </dgm:t>
+    </dgm:pt>
+    <dgm:pt modelId="{A0A12283-36DE-48AC-8A83-ECD8DD81A1DD}" type="parTrans" cxnId="{109FF205-B68F-4E4C-A5C4-0FC2AE92A146}">
+      <dgm:prSet/>
+      <dgm:spPr/>
+      <dgm:t>
+        <a:bodyPr/>
+        <a:lstStyle/>
+        <a:p>
+          <a:endParaRPr lang="fr-FR"/>
+        </a:p>
+      </dgm:t>
+    </dgm:pt>
+    <dgm:pt modelId="{4DCC8563-5ADE-4A73-B201-62812DE34138}" type="sibTrans" cxnId="{109FF205-B68F-4E4C-A5C4-0FC2AE92A146}">
+      <dgm:prSet/>
+      <dgm:spPr/>
+      <dgm:t>
+        <a:bodyPr/>
+        <a:lstStyle/>
+        <a:p>
+          <a:endParaRPr lang="fr-FR"/>
+        </a:p>
+      </dgm:t>
+    </dgm:pt>
+    <dgm:pt modelId="{0DD8F3C0-6C0F-44E3-8D6A-8359298D2BB8}">
+      <dgm:prSet phldrT="[Texte]" custT="1"/>
+      <dgm:spPr/>
+      <dgm:t>
+        <a:bodyPr/>
+        <a:lstStyle/>
+        <a:p>
+          <a:endParaRPr lang="fr-FR" sz="2000" dirty="0">
+            <a:latin typeface="Book Antiqua" pitchFamily="18" charset="0"/>
+          </a:endParaRPr>
+        </a:p>
+      </dgm:t>
+    </dgm:pt>
+    <dgm:pt modelId="{7E3DE5F9-F3CC-4811-9AA4-A3AA3E8261D7}" type="parTrans" cxnId="{350DD055-A7EA-41F2-8F06-065D89504B8A}">
+      <dgm:prSet/>
+      <dgm:spPr/>
+      <dgm:t>
+        <a:bodyPr/>
+        <a:lstStyle/>
+        <a:p>
+          <a:endParaRPr lang="fr-FR"/>
+        </a:p>
+      </dgm:t>
+    </dgm:pt>
+    <dgm:pt modelId="{E3EFE946-FF8A-4445-9CAF-BB5D219C367F}" type="sibTrans" cxnId="{350DD055-A7EA-41F2-8F06-065D89504B8A}">
+      <dgm:prSet/>
+      <dgm:spPr/>
+      <dgm:t>
+        <a:bodyPr/>
+        <a:lstStyle/>
+        <a:p>
+          <a:endParaRPr lang="fr-FR"/>
+        </a:p>
+      </dgm:t>
+    </dgm:pt>
+    <dgm:pt modelId="{2C3456A8-5F52-4ABE-B04A-C85CF94BCA38}">
+      <dgm:prSet phldrT="[Texte]" custT="1"/>
+      <dgm:spPr/>
+      <dgm:t>
+        <a:bodyPr/>
+        <a:lstStyle/>
+        <a:p>
+          <a:r>
+            <a:rPr lang="fr-FR" sz="2000" dirty="0" smtClean="0">
+              <a:latin typeface="Book Antiqua" pitchFamily="18" charset="0"/>
+            </a:rPr>
+            <a:t>Ajout de la figurine à l’unité</a:t>
+          </a:r>
+          <a:endParaRPr lang="fr-FR" sz="2000" dirty="0">
+            <a:latin typeface="Book Antiqua" pitchFamily="18" charset="0"/>
+          </a:endParaRPr>
+        </a:p>
+      </dgm:t>
+    </dgm:pt>
+    <dgm:pt modelId="{CBBC7DE8-2251-40C6-A69D-D57513B8A592}" type="parTrans" cxnId="{05565310-DAF8-4325-B09F-384CF8B5F96F}">
+      <dgm:prSet/>
+      <dgm:spPr/>
+      <dgm:t>
+        <a:bodyPr/>
+        <a:lstStyle/>
+        <a:p>
+          <a:endParaRPr lang="fr-FR"/>
+        </a:p>
+      </dgm:t>
+    </dgm:pt>
+    <dgm:pt modelId="{EED47A97-6A49-4A2A-BA63-7A6560B56DE5}" type="sibTrans" cxnId="{05565310-DAF8-4325-B09F-384CF8B5F96F}">
+      <dgm:prSet/>
+      <dgm:spPr/>
+      <dgm:t>
+        <a:bodyPr/>
+        <a:lstStyle/>
+        <a:p>
+          <a:endParaRPr lang="fr-FR"/>
+        </a:p>
+      </dgm:t>
+    </dgm:pt>
+    <dgm:pt modelId="{B0330C61-CC28-41FB-A69F-C16BEF2128E4}" type="pres">
+      <dgm:prSet presAssocID="{6615262F-664B-4B89-95AF-BC781B2A301C}" presName="linearFlow" presStyleCnt="0">
+        <dgm:presLayoutVars>
+          <dgm:dir/>
+          <dgm:animLvl val="lvl"/>
+          <dgm:resizeHandles val="exact"/>
+        </dgm:presLayoutVars>
+      </dgm:prSet>
+      <dgm:spPr/>
+    </dgm:pt>
+    <dgm:pt modelId="{5966B4C7-0A4C-4B50-A135-0D302EE2044A}" type="pres">
+      <dgm:prSet presAssocID="{0DD8F3C0-6C0F-44E3-8D6A-8359298D2BB8}" presName="composite" presStyleCnt="0"/>
+      <dgm:spPr/>
+    </dgm:pt>
+    <dgm:pt modelId="{121AC91D-4584-4AE9-9458-57A8DFD5BDE0}" type="pres">
+      <dgm:prSet presAssocID="{0DD8F3C0-6C0F-44E3-8D6A-8359298D2BB8}" presName="parentText" presStyleLbl="alignNode1" presStyleIdx="0" presStyleCnt="4">
+        <dgm:presLayoutVars>
+          <dgm:chMax val="1"/>
+          <dgm:bulletEnabled val="1"/>
+        </dgm:presLayoutVars>
+      </dgm:prSet>
+      <dgm:spPr/>
+    </dgm:pt>
+    <dgm:pt modelId="{E4CC8E2C-6766-4F7B-A30D-9CCF3027F99C}" type="pres">
+      <dgm:prSet presAssocID="{0DD8F3C0-6C0F-44E3-8D6A-8359298D2BB8}" presName="descendantText" presStyleLbl="alignAcc1" presStyleIdx="0" presStyleCnt="4">
+        <dgm:presLayoutVars>
+          <dgm:bulletEnabled val="1"/>
+        </dgm:presLayoutVars>
+      </dgm:prSet>
+      <dgm:spPr/>
+      <dgm:t>
+        <a:bodyPr/>
+        <a:lstStyle/>
+        <a:p>
+          <a:endParaRPr lang="fr-FR"/>
+        </a:p>
+      </dgm:t>
+    </dgm:pt>
+    <dgm:pt modelId="{4161B82B-B40B-49A4-95C0-6881F03A4CB7}" type="pres">
+      <dgm:prSet presAssocID="{E3EFE946-FF8A-4445-9CAF-BB5D219C367F}" presName="sp" presStyleCnt="0"/>
+      <dgm:spPr/>
+    </dgm:pt>
+    <dgm:pt modelId="{3A24212A-70CB-4B81-949C-10E6508609F4}" type="pres">
+      <dgm:prSet presAssocID="{EE4B7030-C58B-4F21-94A2-CF0EF83AD60A}" presName="composite" presStyleCnt="0"/>
+      <dgm:spPr/>
+    </dgm:pt>
+    <dgm:pt modelId="{1C32C1FA-2778-4EDB-9B12-7D619BC87DB3}" type="pres">
+      <dgm:prSet presAssocID="{EE4B7030-C58B-4F21-94A2-CF0EF83AD60A}" presName="parentText" presStyleLbl="alignNode1" presStyleIdx="1" presStyleCnt="4">
+        <dgm:presLayoutVars>
+          <dgm:chMax val="1"/>
+          <dgm:bulletEnabled val="1"/>
+        </dgm:presLayoutVars>
+      </dgm:prSet>
+      <dgm:spPr/>
+    </dgm:pt>
+    <dgm:pt modelId="{7B506571-8406-4A8D-9692-3F6732D90CB1}" type="pres">
+      <dgm:prSet presAssocID="{EE4B7030-C58B-4F21-94A2-CF0EF83AD60A}" presName="descendantText" presStyleLbl="alignAcc1" presStyleIdx="1" presStyleCnt="4">
+        <dgm:presLayoutVars>
+          <dgm:bulletEnabled val="1"/>
+        </dgm:presLayoutVars>
+      </dgm:prSet>
+      <dgm:spPr/>
+      <dgm:t>
+        <a:bodyPr/>
+        <a:lstStyle/>
+        <a:p>
+          <a:endParaRPr lang="fr-FR"/>
+        </a:p>
+      </dgm:t>
+    </dgm:pt>
+    <dgm:pt modelId="{23F53596-0592-4C2B-A359-A202D8111B3B}" type="pres">
+      <dgm:prSet presAssocID="{FD248F90-782E-43E0-98A8-3D143EE77CDC}" presName="sp" presStyleCnt="0"/>
+      <dgm:spPr/>
+    </dgm:pt>
+    <dgm:pt modelId="{E1E2CE15-71C4-4EBA-AACD-275C3D4221D9}" type="pres">
+      <dgm:prSet presAssocID="{19A08F22-9EC6-4DB6-92F5-AE4CFA52ED73}" presName="composite" presStyleCnt="0"/>
+      <dgm:spPr/>
+    </dgm:pt>
+    <dgm:pt modelId="{ECD1A481-1830-41EE-A0E2-0733D53A6D9B}" type="pres">
+      <dgm:prSet presAssocID="{19A08F22-9EC6-4DB6-92F5-AE4CFA52ED73}" presName="parentText" presStyleLbl="alignNode1" presStyleIdx="2" presStyleCnt="4">
+        <dgm:presLayoutVars>
+          <dgm:chMax val="1"/>
+          <dgm:bulletEnabled val="1"/>
+        </dgm:presLayoutVars>
+      </dgm:prSet>
+      <dgm:spPr/>
+      <dgm:t>
+        <a:bodyPr/>
+        <a:lstStyle/>
+        <a:p>
+          <a:endParaRPr lang="fr-FR"/>
+        </a:p>
+      </dgm:t>
+    </dgm:pt>
+    <dgm:pt modelId="{2A250F59-3FDF-4162-A797-D16EF97CB567}" type="pres">
+      <dgm:prSet presAssocID="{19A08F22-9EC6-4DB6-92F5-AE4CFA52ED73}" presName="descendantText" presStyleLbl="alignAcc1" presStyleIdx="2" presStyleCnt="4">
+        <dgm:presLayoutVars>
+          <dgm:bulletEnabled val="1"/>
+        </dgm:presLayoutVars>
+      </dgm:prSet>
+      <dgm:spPr/>
+      <dgm:t>
+        <a:bodyPr/>
+        <a:lstStyle/>
+        <a:p>
+          <a:endParaRPr lang="fr-FR"/>
+        </a:p>
+      </dgm:t>
+    </dgm:pt>
+    <dgm:pt modelId="{5E977724-7A48-48A4-9A36-901528AD8EAA}" type="pres">
+      <dgm:prSet presAssocID="{DAE47C18-F544-4517-836C-13F6C397848F}" presName="sp" presStyleCnt="0"/>
+      <dgm:spPr/>
+    </dgm:pt>
+    <dgm:pt modelId="{B4ADC8D9-0EA7-45A0-B952-3F4EC7B76581}" type="pres">
+      <dgm:prSet presAssocID="{70BD4231-B632-42FE-84E8-000E425CE69C}" presName="composite" presStyleCnt="0"/>
+      <dgm:spPr/>
+    </dgm:pt>
+    <dgm:pt modelId="{48597EAC-9E8C-421E-8A6A-8C33BB6BBDCE}" type="pres">
+      <dgm:prSet presAssocID="{70BD4231-B632-42FE-84E8-000E425CE69C}" presName="parentText" presStyleLbl="alignNode1" presStyleIdx="3" presStyleCnt="4">
+        <dgm:presLayoutVars>
+          <dgm:chMax val="1"/>
+          <dgm:bulletEnabled val="1"/>
+        </dgm:presLayoutVars>
+      </dgm:prSet>
+      <dgm:spPr/>
+    </dgm:pt>
+    <dgm:pt modelId="{FBE713D6-EB88-4D53-BEE6-E0B46A3FF9F8}" type="pres">
+      <dgm:prSet presAssocID="{70BD4231-B632-42FE-84E8-000E425CE69C}" presName="descendantText" presStyleLbl="alignAcc1" presStyleIdx="3" presStyleCnt="4">
+        <dgm:presLayoutVars>
+          <dgm:bulletEnabled val="1"/>
+        </dgm:presLayoutVars>
+      </dgm:prSet>
+      <dgm:spPr/>
+      <dgm:t>
+        <a:bodyPr/>
+        <a:lstStyle/>
+        <a:p>
+          <a:endParaRPr lang="fr-FR"/>
+        </a:p>
+      </dgm:t>
+    </dgm:pt>
+  </dgm:ptLst>
+  <dgm:cxnLst>
+    <dgm:cxn modelId="{8D508A56-09BF-4BCD-B5E1-8EFB8F7E6FED}" srcId="{70BD4231-B632-42FE-84E8-000E425CE69C}" destId="{B76761EE-5B46-441A-91B2-F850EB09889E}" srcOrd="0" destOrd="0" parTransId="{0B83A828-F5AA-4874-8B5A-5691357B2346}" sibTransId="{AD7C1DE9-8D44-42EB-852D-1CD6B3C0C406}"/>
+    <dgm:cxn modelId="{7BEF0361-3D12-421A-8D80-AF19F1ED7315}" srcId="{0DD8F3C0-6C0F-44E3-8D6A-8359298D2BB8}" destId="{D67DDD42-370F-4B3F-AAD1-A3CE7B0D3BF6}" srcOrd="1" destOrd="0" parTransId="{27F2C7A4-6363-4535-ABD6-2B0B1443AD56}" sibTransId="{2BCA7D7A-DCA5-4E2F-8AC9-2699E7DD282D}"/>
+    <dgm:cxn modelId="{9B6AF77F-6DCB-46B5-8168-44141FE6B6F8}" type="presOf" srcId="{19A08F22-9EC6-4DB6-92F5-AE4CFA52ED73}" destId="{ECD1A481-1830-41EE-A0E2-0733D53A6D9B}" srcOrd="0" destOrd="0" presId="urn:microsoft.com/office/officeart/2005/8/layout/chevron2"/>
+    <dgm:cxn modelId="{D693D6C7-BF6E-4458-A81C-50038DF0374C}" type="presOf" srcId="{6615262F-664B-4B89-95AF-BC781B2A301C}" destId="{B0330C61-CC28-41FB-A69F-C16BEF2128E4}" srcOrd="0" destOrd="0" presId="urn:microsoft.com/office/officeart/2005/8/layout/chevron2"/>
+    <dgm:cxn modelId="{F39BF38D-127C-4929-BBC6-7C08AC31D756}" srcId="{6615262F-664B-4B89-95AF-BC781B2A301C}" destId="{EE4B7030-C58B-4F21-94A2-CF0EF83AD60A}" srcOrd="1" destOrd="0" parTransId="{0E6B53C5-8830-4505-B00B-8FB6D2AD6EA5}" sibTransId="{FD248F90-782E-43E0-98A8-3D143EE77CDC}"/>
+    <dgm:cxn modelId="{7E04A25E-9C92-4D9B-87EB-238FE0DBE8CF}" type="presOf" srcId="{B76761EE-5B46-441A-91B2-F850EB09889E}" destId="{FBE713D6-EB88-4D53-BEE6-E0B46A3FF9F8}" srcOrd="0" destOrd="0" presId="urn:microsoft.com/office/officeart/2005/8/layout/chevron2"/>
+    <dgm:cxn modelId="{41464064-0CA7-4B8D-BEF4-EEAB129CF811}" srcId="{EE4B7030-C58B-4F21-94A2-CF0EF83AD60A}" destId="{ED21E317-B122-4227-B92E-9512DAA73DED}" srcOrd="0" destOrd="0" parTransId="{67B551BE-7A84-4C51-8EE6-247E65195291}" sibTransId="{9121AE02-A020-43FB-9927-270AC1172E87}"/>
+    <dgm:cxn modelId="{382B0DDA-CB4F-48FD-9A31-27C341A5491A}" srcId="{6615262F-664B-4B89-95AF-BC781B2A301C}" destId="{70BD4231-B632-42FE-84E8-000E425CE69C}" srcOrd="3" destOrd="0" parTransId="{981EAA1E-1524-440A-8100-C0D0DA951F46}" sibTransId="{E0985F7F-3638-4C60-B5F9-BCF9FB8BA881}"/>
+    <dgm:cxn modelId="{49B9DB18-DF9B-4522-A5A8-8781EDA97E57}" srcId="{19A08F22-9EC6-4DB6-92F5-AE4CFA52ED73}" destId="{C8A2D760-5C03-4189-917E-F690FF671623}" srcOrd="0" destOrd="0" parTransId="{2D2FBD91-1411-4EB6-9AC2-CF2D0AE5ABE1}" sibTransId="{4687B454-9D3A-4023-8175-713ABF3DEE84}"/>
+    <dgm:cxn modelId="{7C6C81C1-A192-4B14-9F85-689727D5ACB3}" type="presOf" srcId="{C8A2D760-5C03-4189-917E-F690FF671623}" destId="{2A250F59-3FDF-4162-A797-D16EF97CB567}" srcOrd="0" destOrd="0" presId="urn:microsoft.com/office/officeart/2005/8/layout/chevron2"/>
+    <dgm:cxn modelId="{51C0FBCC-241D-4E65-A22C-80628145FF57}" type="presOf" srcId="{2C3456A8-5F52-4ABE-B04A-C85CF94BCA38}" destId="{7B506571-8406-4A8D-9692-3F6732D90CB1}" srcOrd="0" destOrd="1" presId="urn:microsoft.com/office/officeart/2005/8/layout/chevron2"/>
+    <dgm:cxn modelId="{D87207A6-495B-442D-B723-6581A406EBE5}" srcId="{6615262F-664B-4B89-95AF-BC781B2A301C}" destId="{19A08F22-9EC6-4DB6-92F5-AE4CFA52ED73}" srcOrd="2" destOrd="0" parTransId="{DB5764EE-82EE-4DE9-8F72-2DFF2067531B}" sibTransId="{DAE47C18-F544-4517-836C-13F6C397848F}"/>
+    <dgm:cxn modelId="{8F6D29FD-00FA-415E-BADD-A342323B6508}" type="presOf" srcId="{D67DDD42-370F-4B3F-AAD1-A3CE7B0D3BF6}" destId="{E4CC8E2C-6766-4F7B-A30D-9CCF3027F99C}" srcOrd="0" destOrd="1" presId="urn:microsoft.com/office/officeart/2005/8/layout/chevron2"/>
+    <dgm:cxn modelId="{05565310-DAF8-4325-B09F-384CF8B5F96F}" srcId="{EE4B7030-C58B-4F21-94A2-CF0EF83AD60A}" destId="{2C3456A8-5F52-4ABE-B04A-C85CF94BCA38}" srcOrd="1" destOrd="0" parTransId="{CBBC7DE8-2251-40C6-A69D-D57513B8A592}" sibTransId="{EED47A97-6A49-4A2A-BA63-7A6560B56DE5}"/>
+    <dgm:cxn modelId="{05C5F1CB-2B7C-49A4-A2C8-ED3338934D72}" type="presOf" srcId="{70BD4231-B632-42FE-84E8-000E425CE69C}" destId="{48597EAC-9E8C-421E-8A6A-8C33BB6BBDCE}" srcOrd="0" destOrd="0" presId="urn:microsoft.com/office/officeart/2005/8/layout/chevron2"/>
+    <dgm:cxn modelId="{03E1C33B-9F5B-4920-8867-7E3783FAD0F8}" type="presOf" srcId="{ED21E317-B122-4227-B92E-9512DAA73DED}" destId="{7B506571-8406-4A8D-9692-3F6732D90CB1}" srcOrd="0" destOrd="0" presId="urn:microsoft.com/office/officeart/2005/8/layout/chevron2"/>
+    <dgm:cxn modelId="{67C3BD39-4DE8-49EC-99AF-3EC03038EA7E}" type="presOf" srcId="{EE4B7030-C58B-4F21-94A2-CF0EF83AD60A}" destId="{1C32C1FA-2778-4EDB-9B12-7D619BC87DB3}" srcOrd="0" destOrd="0" presId="urn:microsoft.com/office/officeart/2005/8/layout/chevron2"/>
+    <dgm:cxn modelId="{E16E3A94-EC98-40D5-B890-B574EE27A30A}" type="presOf" srcId="{03DC6940-6FD9-46D3-B5CB-9C81ACC5ED2D}" destId="{E4CC8E2C-6766-4F7B-A30D-9CCF3027F99C}" srcOrd="0" destOrd="0" presId="urn:microsoft.com/office/officeart/2005/8/layout/chevron2"/>
+    <dgm:cxn modelId="{109FF205-B68F-4E4C-A5C4-0FC2AE92A146}" srcId="{0DD8F3C0-6C0F-44E3-8D6A-8359298D2BB8}" destId="{03DC6940-6FD9-46D3-B5CB-9C81ACC5ED2D}" srcOrd="0" destOrd="0" parTransId="{A0A12283-36DE-48AC-8A83-ECD8DD81A1DD}" sibTransId="{4DCC8563-5ADE-4A73-B201-62812DE34138}"/>
+    <dgm:cxn modelId="{8CEAED10-92C7-42AB-AC38-C858B1A0D71C}" type="presOf" srcId="{0DD8F3C0-6C0F-44E3-8D6A-8359298D2BB8}" destId="{121AC91D-4584-4AE9-9458-57A8DFD5BDE0}" srcOrd="0" destOrd="0" presId="urn:microsoft.com/office/officeart/2005/8/layout/chevron2"/>
+    <dgm:cxn modelId="{350DD055-A7EA-41F2-8F06-065D89504B8A}" srcId="{6615262F-664B-4B89-95AF-BC781B2A301C}" destId="{0DD8F3C0-6C0F-44E3-8D6A-8359298D2BB8}" srcOrd="0" destOrd="0" parTransId="{7E3DE5F9-F3CC-4811-9AA4-A3AA3E8261D7}" sibTransId="{E3EFE946-FF8A-4445-9CAF-BB5D219C367F}"/>
+    <dgm:cxn modelId="{329D0615-6E30-419B-8318-0FAD7BCC4C10}" type="presParOf" srcId="{B0330C61-CC28-41FB-A69F-C16BEF2128E4}" destId="{5966B4C7-0A4C-4B50-A135-0D302EE2044A}" srcOrd="0" destOrd="0" presId="urn:microsoft.com/office/officeart/2005/8/layout/chevron2"/>
+    <dgm:cxn modelId="{53A3251D-4668-4D34-8837-5665261399BE}" type="presParOf" srcId="{5966B4C7-0A4C-4B50-A135-0D302EE2044A}" destId="{121AC91D-4584-4AE9-9458-57A8DFD5BDE0}" srcOrd="0" destOrd="0" presId="urn:microsoft.com/office/officeart/2005/8/layout/chevron2"/>
+    <dgm:cxn modelId="{80C97528-945C-42E4-9044-C22216B2EB8A}" type="presParOf" srcId="{5966B4C7-0A4C-4B50-A135-0D302EE2044A}" destId="{E4CC8E2C-6766-4F7B-A30D-9CCF3027F99C}" srcOrd="1" destOrd="0" presId="urn:microsoft.com/office/officeart/2005/8/layout/chevron2"/>
+    <dgm:cxn modelId="{3A210848-66D6-4B16-B76E-5996B8B1F695}" type="presParOf" srcId="{B0330C61-CC28-41FB-A69F-C16BEF2128E4}" destId="{4161B82B-B40B-49A4-95C0-6881F03A4CB7}" srcOrd="1" destOrd="0" presId="urn:microsoft.com/office/officeart/2005/8/layout/chevron2"/>
+    <dgm:cxn modelId="{A7C1FBA2-BC2B-44E8-878C-4B946C580A80}" type="presParOf" srcId="{B0330C61-CC28-41FB-A69F-C16BEF2128E4}" destId="{3A24212A-70CB-4B81-949C-10E6508609F4}" srcOrd="2" destOrd="0" presId="urn:microsoft.com/office/officeart/2005/8/layout/chevron2"/>
+    <dgm:cxn modelId="{EEF03E60-8FA5-43E2-B5B1-4720F77B2106}" type="presParOf" srcId="{3A24212A-70CB-4B81-949C-10E6508609F4}" destId="{1C32C1FA-2778-4EDB-9B12-7D619BC87DB3}" srcOrd="0" destOrd="0" presId="urn:microsoft.com/office/officeart/2005/8/layout/chevron2"/>
+    <dgm:cxn modelId="{3F3F5CA3-54BF-486D-86BE-E86FC7217108}" type="presParOf" srcId="{3A24212A-70CB-4B81-949C-10E6508609F4}" destId="{7B506571-8406-4A8D-9692-3F6732D90CB1}" srcOrd="1" destOrd="0" presId="urn:microsoft.com/office/officeart/2005/8/layout/chevron2"/>
+    <dgm:cxn modelId="{337A931A-51FE-45B5-B515-2BF84B5BB5FE}" type="presParOf" srcId="{B0330C61-CC28-41FB-A69F-C16BEF2128E4}" destId="{23F53596-0592-4C2B-A359-A202D8111B3B}" srcOrd="3" destOrd="0" presId="urn:microsoft.com/office/officeart/2005/8/layout/chevron2"/>
+    <dgm:cxn modelId="{9CE29783-CAFF-4AD2-A199-B8B4D1275F6B}" type="presParOf" srcId="{B0330C61-CC28-41FB-A69F-C16BEF2128E4}" destId="{E1E2CE15-71C4-4EBA-AACD-275C3D4221D9}" srcOrd="4" destOrd="0" presId="urn:microsoft.com/office/officeart/2005/8/layout/chevron2"/>
+    <dgm:cxn modelId="{2C9A29EC-2EED-4689-AF75-FA60B1E7BA0C}" type="presParOf" srcId="{E1E2CE15-71C4-4EBA-AACD-275C3D4221D9}" destId="{ECD1A481-1830-41EE-A0E2-0733D53A6D9B}" srcOrd="0" destOrd="0" presId="urn:microsoft.com/office/officeart/2005/8/layout/chevron2"/>
+    <dgm:cxn modelId="{F4F38C57-0C50-4F5A-87E2-50175084723A}" type="presParOf" srcId="{E1E2CE15-71C4-4EBA-AACD-275C3D4221D9}" destId="{2A250F59-3FDF-4162-A797-D16EF97CB567}" srcOrd="1" destOrd="0" presId="urn:microsoft.com/office/officeart/2005/8/layout/chevron2"/>
+    <dgm:cxn modelId="{432257C9-A268-4583-B727-07125AE71CA6}" type="presParOf" srcId="{B0330C61-CC28-41FB-A69F-C16BEF2128E4}" destId="{5E977724-7A48-48A4-9A36-901528AD8EAA}" srcOrd="5" destOrd="0" presId="urn:microsoft.com/office/officeart/2005/8/layout/chevron2"/>
+    <dgm:cxn modelId="{172F376E-2127-4730-828E-4028E2FB0FA9}" type="presParOf" srcId="{B0330C61-CC28-41FB-A69F-C16BEF2128E4}" destId="{B4ADC8D9-0EA7-45A0-B952-3F4EC7B76581}" srcOrd="6" destOrd="0" presId="urn:microsoft.com/office/officeart/2005/8/layout/chevron2"/>
+    <dgm:cxn modelId="{CEC2FC1C-F5B3-4CD5-BEC0-089CBD41F2A3}" type="presParOf" srcId="{B4ADC8D9-0EA7-45A0-B952-3F4EC7B76581}" destId="{48597EAC-9E8C-421E-8A6A-8C33BB6BBDCE}" srcOrd="0" destOrd="0" presId="urn:microsoft.com/office/officeart/2005/8/layout/chevron2"/>
+    <dgm:cxn modelId="{CF1420F5-750F-4BE1-A392-F20DE724ACF2}" type="presParOf" srcId="{B4ADC8D9-0EA7-45A0-B952-3F4EC7B76581}" destId="{FBE713D6-EB88-4D53-BEE6-E0B46A3FF9F8}" srcOrd="1" destOrd="0" presId="urn:microsoft.com/office/officeart/2005/8/layout/chevron2"/>
+  </dgm:cxnLst>
+  <dgm:bg/>
+  <dgm:whole/>
+  <dgm:extLst>
+    <a:ext uri="http://schemas.microsoft.com/office/drawing/2008/diagram">
+      <dsp:dataModelExt xmlns:dsp="http://schemas.microsoft.com/office/drawing/2008/diagram" xmlns="" relId="rId6" minVer="http://schemas.openxmlformats.org/drawingml/2006/diagram"/>
+    </a:ext>
+  </dgm:extLst>
+</dgm:dataModel>
+</file>
+
+<file path=ppt/diagrams/data2.xml><?xml version="1.0" encoding="utf-8"?>
+<dgm:dataModel xmlns:dgm="http://schemas.openxmlformats.org/drawingml/2006/diagram" xmlns:a="http://schemas.openxmlformats.org/drawingml/2006/main">
+  <dgm:ptLst>
+    <dgm:pt modelId="{6615262F-664B-4B89-95AF-BC781B2A301C}" type="doc">
+      <dgm:prSet loTypeId="urn:microsoft.com/office/officeart/2005/8/layout/chevron2" loCatId="process" qsTypeId="urn:microsoft.com/office/officeart/2005/8/quickstyle/3d2" qsCatId="3D" csTypeId="urn:microsoft.com/office/officeart/2005/8/colors/accent6_2" csCatId="accent6" phldr="1"/>
+      <dgm:spPr/>
+      <dgm:t>
+        <a:bodyPr/>
+        <a:lstStyle/>
+        <a:p>
+          <a:endParaRPr lang="fr-FR"/>
+        </a:p>
+      </dgm:t>
+    </dgm:pt>
+    <dgm:pt modelId="{D67DDD42-370F-4B3F-AAD1-A3CE7B0D3BF6}">
+      <dgm:prSet phldrT="[Texte]" custT="1"/>
+      <dgm:spPr/>
+      <dgm:t>
+        <a:bodyPr/>
+        <a:lstStyle/>
+        <a:p>
+          <a:r>
+            <a:rPr lang="fr-FR" sz="2000" dirty="0" smtClean="0">
+              <a:latin typeface="Book Antiqua" pitchFamily="18" charset="0"/>
+            </a:rPr>
+            <a:t>Recherche d’une figurine</a:t>
+          </a:r>
+          <a:endParaRPr lang="fr-FR" sz="2000" dirty="0">
+            <a:latin typeface="Book Antiqua" pitchFamily="18" charset="0"/>
+          </a:endParaRPr>
+        </a:p>
+      </dgm:t>
+    </dgm:pt>
+    <dgm:pt modelId="{27F2C7A4-6363-4535-ABD6-2B0B1443AD56}" type="parTrans" cxnId="{7BEF0361-3D12-421A-8D80-AF19F1ED7315}">
+      <dgm:prSet/>
+      <dgm:spPr/>
+      <dgm:t>
+        <a:bodyPr/>
+        <a:lstStyle/>
+        <a:p>
+          <a:endParaRPr lang="fr-FR"/>
+        </a:p>
+      </dgm:t>
+    </dgm:pt>
+    <dgm:pt modelId="{2BCA7D7A-DCA5-4E2F-8AC9-2699E7DD282D}" type="sibTrans" cxnId="{7BEF0361-3D12-421A-8D80-AF19F1ED7315}">
+      <dgm:prSet/>
+      <dgm:spPr/>
+      <dgm:t>
+        <a:bodyPr/>
+        <a:lstStyle/>
+        <a:p>
+          <a:endParaRPr lang="fr-FR"/>
+        </a:p>
+      </dgm:t>
+    </dgm:pt>
+    <dgm:pt modelId="{ED21E317-B122-4227-B92E-9512DAA73DED}">
+      <dgm:prSet phldrT="[Texte]" custT="1"/>
+      <dgm:spPr/>
+      <dgm:t>
+        <a:bodyPr/>
+        <a:lstStyle/>
+        <a:p>
+          <a:r>
+            <a:rPr lang="fr-FR" sz="2000" dirty="0" smtClean="0">
+              <a:latin typeface="Book Antiqua" pitchFamily="18" charset="0"/>
+            </a:rPr>
+            <a:t>Vérification du coût de l’unité</a:t>
+          </a:r>
+          <a:endParaRPr lang="fr-FR" sz="2000" dirty="0">
+            <a:latin typeface="Book Antiqua" pitchFamily="18" charset="0"/>
+          </a:endParaRPr>
+        </a:p>
+      </dgm:t>
+    </dgm:pt>
+    <dgm:pt modelId="{67B551BE-7A84-4C51-8EE6-247E65195291}" type="parTrans" cxnId="{41464064-0CA7-4B8D-BEF4-EEAB129CF811}">
+      <dgm:prSet/>
+      <dgm:spPr/>
+      <dgm:t>
+        <a:bodyPr/>
+        <a:lstStyle/>
+        <a:p>
+          <a:endParaRPr lang="fr-FR"/>
+        </a:p>
+      </dgm:t>
+    </dgm:pt>
+    <dgm:pt modelId="{9121AE02-A020-43FB-9927-270AC1172E87}" type="sibTrans" cxnId="{41464064-0CA7-4B8D-BEF4-EEAB129CF811}">
+      <dgm:prSet/>
+      <dgm:spPr/>
+      <dgm:t>
+        <a:bodyPr/>
+        <a:lstStyle/>
+        <a:p>
+          <a:endParaRPr lang="fr-FR"/>
+        </a:p>
+      </dgm:t>
+    </dgm:pt>
+    <dgm:pt modelId="{19A08F22-9EC6-4DB6-92F5-AE4CFA52ED73}">
+      <dgm:prSet phldrT="[Texte]"/>
+      <dgm:spPr/>
+      <dgm:t>
+        <a:bodyPr/>
+        <a:lstStyle/>
+        <a:p>
+          <a:endParaRPr lang="fr-FR" dirty="0"/>
+        </a:p>
+      </dgm:t>
+    </dgm:pt>
+    <dgm:pt modelId="{DB5764EE-82EE-4DE9-8F72-2DFF2067531B}" type="parTrans" cxnId="{D87207A6-495B-442D-B723-6581A406EBE5}">
+      <dgm:prSet/>
+      <dgm:spPr/>
+      <dgm:t>
+        <a:bodyPr/>
+        <a:lstStyle/>
+        <a:p>
+          <a:endParaRPr lang="fr-FR"/>
+        </a:p>
+      </dgm:t>
+    </dgm:pt>
+    <dgm:pt modelId="{DAE47C18-F544-4517-836C-13F6C397848F}" type="sibTrans" cxnId="{D87207A6-495B-442D-B723-6581A406EBE5}">
+      <dgm:prSet/>
+      <dgm:spPr/>
+      <dgm:t>
+        <a:bodyPr/>
+        <a:lstStyle/>
+        <a:p>
+          <a:endParaRPr lang="fr-FR"/>
+        </a:p>
+      </dgm:t>
+    </dgm:pt>
+    <dgm:pt modelId="{C8A2D760-5C03-4189-917E-F690FF671623}">
+      <dgm:prSet phldrT="[Texte]" custT="1"/>
+      <dgm:spPr/>
+      <dgm:t>
+        <a:bodyPr/>
+        <a:lstStyle/>
+        <a:p>
+          <a:r>
+            <a:rPr lang="fr-FR" sz="2000" dirty="0" smtClean="0">
+              <a:latin typeface="Book Antiqua" pitchFamily="18" charset="0"/>
+            </a:rPr>
+            <a:t>Ajustement automatique en fonction des équipements</a:t>
+          </a:r>
+          <a:endParaRPr lang="fr-FR" sz="2000" dirty="0">
+            <a:latin typeface="Book Antiqua" pitchFamily="18" charset="0"/>
+          </a:endParaRPr>
+        </a:p>
+      </dgm:t>
+    </dgm:pt>
+    <dgm:pt modelId="{2D2FBD91-1411-4EB6-9AC2-CF2D0AE5ABE1}" type="parTrans" cxnId="{49B9DB18-DF9B-4522-A5A8-8781EDA97E57}">
+      <dgm:prSet/>
+      <dgm:spPr/>
+      <dgm:t>
+        <a:bodyPr/>
+        <a:lstStyle/>
+        <a:p>
+          <a:endParaRPr lang="fr-FR"/>
+        </a:p>
+      </dgm:t>
+    </dgm:pt>
+    <dgm:pt modelId="{4687B454-9D3A-4023-8175-713ABF3DEE84}" type="sibTrans" cxnId="{49B9DB18-DF9B-4522-A5A8-8781EDA97E57}">
+      <dgm:prSet/>
+      <dgm:spPr/>
+      <dgm:t>
+        <a:bodyPr/>
+        <a:lstStyle/>
+        <a:p>
+          <a:endParaRPr lang="fr-FR"/>
+        </a:p>
+      </dgm:t>
+    </dgm:pt>
+    <dgm:pt modelId="{C5B3A5DF-B415-432F-A3B9-304A38F8C8E5}">
+      <dgm:prSet phldrT="[Texte]"/>
+      <dgm:spPr/>
+      <dgm:t>
+        <a:bodyPr/>
+        <a:lstStyle/>
+        <a:p>
+          <a:endParaRPr lang="fr-FR" dirty="0"/>
+        </a:p>
+      </dgm:t>
+    </dgm:pt>
+    <dgm:pt modelId="{EB30D994-00D2-4CB7-BEC0-259480CD0166}" type="parTrans" cxnId="{E89E3CD0-DFEE-4719-83F2-C00EC9ED95A8}">
+      <dgm:prSet/>
+      <dgm:spPr/>
+      <dgm:t>
+        <a:bodyPr/>
+        <a:lstStyle/>
+        <a:p>
+          <a:endParaRPr lang="fr-FR"/>
+        </a:p>
+      </dgm:t>
+    </dgm:pt>
+    <dgm:pt modelId="{80DCB23D-5C71-48C3-B9DF-347A8B0FD7F9}" type="sibTrans" cxnId="{E89E3CD0-DFEE-4719-83F2-C00EC9ED95A8}">
+      <dgm:prSet/>
+      <dgm:spPr/>
+      <dgm:t>
+        <a:bodyPr/>
+        <a:lstStyle/>
+        <a:p>
+          <a:endParaRPr lang="fr-FR"/>
+        </a:p>
+      </dgm:t>
+    </dgm:pt>
+    <dgm:pt modelId="{EE4B7030-C58B-4F21-94A2-CF0EF83AD60A}">
+      <dgm:prSet phldrT="[Texte]"/>
+      <dgm:spPr/>
+      <dgm:t>
+        <a:bodyPr/>
+        <a:lstStyle/>
+        <a:p>
+          <a:endParaRPr lang="fr-FR" dirty="0"/>
+        </a:p>
+      </dgm:t>
+    </dgm:pt>
+    <dgm:pt modelId="{0E6B53C5-8830-4505-B00B-8FB6D2AD6EA5}" type="parTrans" cxnId="{F39BF38D-127C-4929-BBC6-7C08AC31D756}">
+      <dgm:prSet/>
+      <dgm:spPr/>
+      <dgm:t>
+        <a:bodyPr/>
+        <a:lstStyle/>
+        <a:p>
+          <a:endParaRPr lang="fr-FR"/>
+        </a:p>
+      </dgm:t>
+    </dgm:pt>
+    <dgm:pt modelId="{FD248F90-782E-43E0-98A8-3D143EE77CDC}" type="sibTrans" cxnId="{F39BF38D-127C-4929-BBC6-7C08AC31D756}">
+      <dgm:prSet/>
+      <dgm:spPr/>
+      <dgm:t>
+        <a:bodyPr/>
+        <a:lstStyle/>
+        <a:p>
+          <a:endParaRPr lang="fr-FR"/>
+        </a:p>
+      </dgm:t>
+    </dgm:pt>
+    <dgm:pt modelId="{5A2CC1B8-EFE2-45CA-80A8-7A24B84797D0}">
+      <dgm:prSet phldrT="[Texte]" custT="1"/>
+      <dgm:spPr/>
+      <dgm:t>
+        <a:bodyPr/>
+        <a:lstStyle/>
+        <a:p>
+          <a:r>
+            <a:rPr lang="fr-FR" sz="2000" dirty="0" smtClean="0">
+              <a:latin typeface="Book Antiqua" pitchFamily="18" charset="0"/>
+            </a:rPr>
+            <a:t>Ajout de la figurine à l’unité</a:t>
+          </a:r>
+          <a:endParaRPr lang="fr-FR" sz="2000" dirty="0">
+            <a:latin typeface="Book Antiqua" pitchFamily="18" charset="0"/>
+          </a:endParaRPr>
+        </a:p>
+      </dgm:t>
+    </dgm:pt>
+    <dgm:pt modelId="{4BB60890-53D7-4F18-8A54-5A83D97A303E}" type="parTrans" cxnId="{4F8F561A-3EA6-4A63-B269-9510301C0676}">
+      <dgm:prSet/>
+      <dgm:spPr/>
+      <dgm:t>
+        <a:bodyPr/>
+        <a:lstStyle/>
+        <a:p>
+          <a:endParaRPr lang="fr-FR"/>
+        </a:p>
+      </dgm:t>
+    </dgm:pt>
+    <dgm:pt modelId="{024DC45F-A486-498C-8711-CCAC5FC0250F}" type="sibTrans" cxnId="{4F8F561A-3EA6-4A63-B269-9510301C0676}">
+      <dgm:prSet/>
+      <dgm:spPr/>
+      <dgm:t>
+        <a:bodyPr/>
+        <a:lstStyle/>
+        <a:p>
+          <a:endParaRPr lang="fr-FR"/>
+        </a:p>
+      </dgm:t>
+    </dgm:pt>
+    <dgm:pt modelId="{B0330C61-CC28-41FB-A69F-C16BEF2128E4}" type="pres">
+      <dgm:prSet presAssocID="{6615262F-664B-4B89-95AF-BC781B2A301C}" presName="linearFlow" presStyleCnt="0">
+        <dgm:presLayoutVars>
+          <dgm:dir/>
+          <dgm:animLvl val="lvl"/>
+          <dgm:resizeHandles val="exact"/>
+        </dgm:presLayoutVars>
+      </dgm:prSet>
+      <dgm:spPr/>
+    </dgm:pt>
+    <dgm:pt modelId="{20C781F0-64F9-4297-B79A-77642951C572}" type="pres">
+      <dgm:prSet presAssocID="{C5B3A5DF-B415-432F-A3B9-304A38F8C8E5}" presName="composite" presStyleCnt="0"/>
+      <dgm:spPr/>
+    </dgm:pt>
+    <dgm:pt modelId="{693690D3-6289-44E0-822D-4689FE2CA268}" type="pres">
+      <dgm:prSet presAssocID="{C5B3A5DF-B415-432F-A3B9-304A38F8C8E5}" presName="parentText" presStyleLbl="alignNode1" presStyleIdx="0" presStyleCnt="3">
+        <dgm:presLayoutVars>
+          <dgm:chMax val="1"/>
+          <dgm:bulletEnabled val="1"/>
+        </dgm:presLayoutVars>
+      </dgm:prSet>
+      <dgm:spPr/>
+    </dgm:pt>
+    <dgm:pt modelId="{EDD5B787-9F53-4389-A00C-65404E970DA2}" type="pres">
+      <dgm:prSet presAssocID="{C5B3A5DF-B415-432F-A3B9-304A38F8C8E5}" presName="descendantText" presStyleLbl="alignAcc1" presStyleIdx="0" presStyleCnt="3">
+        <dgm:presLayoutVars>
+          <dgm:bulletEnabled val="1"/>
+        </dgm:presLayoutVars>
+      </dgm:prSet>
+      <dgm:spPr/>
+      <dgm:t>
+        <a:bodyPr/>
+        <a:lstStyle/>
+        <a:p>
+          <a:endParaRPr lang="fr-FR"/>
+        </a:p>
+      </dgm:t>
+    </dgm:pt>
+    <dgm:pt modelId="{A481E0E7-5E9C-420D-9EBE-B7C38A4F3824}" type="pres">
+      <dgm:prSet presAssocID="{80DCB23D-5C71-48C3-B9DF-347A8B0FD7F9}" presName="sp" presStyleCnt="0"/>
+      <dgm:spPr/>
+    </dgm:pt>
+    <dgm:pt modelId="{3A24212A-70CB-4B81-949C-10E6508609F4}" type="pres">
+      <dgm:prSet presAssocID="{EE4B7030-C58B-4F21-94A2-CF0EF83AD60A}" presName="composite" presStyleCnt="0"/>
+      <dgm:spPr/>
+    </dgm:pt>
+    <dgm:pt modelId="{1C32C1FA-2778-4EDB-9B12-7D619BC87DB3}" type="pres">
+      <dgm:prSet presAssocID="{EE4B7030-C58B-4F21-94A2-CF0EF83AD60A}" presName="parentText" presStyleLbl="alignNode1" presStyleIdx="1" presStyleCnt="3">
+        <dgm:presLayoutVars>
+          <dgm:chMax val="1"/>
+          <dgm:bulletEnabled val="1"/>
+        </dgm:presLayoutVars>
+      </dgm:prSet>
+      <dgm:spPr/>
+    </dgm:pt>
+    <dgm:pt modelId="{7B506571-8406-4A8D-9692-3F6732D90CB1}" type="pres">
+      <dgm:prSet presAssocID="{EE4B7030-C58B-4F21-94A2-CF0EF83AD60A}" presName="descendantText" presStyleLbl="alignAcc1" presStyleIdx="1" presStyleCnt="3">
+        <dgm:presLayoutVars>
+          <dgm:bulletEnabled val="1"/>
+        </dgm:presLayoutVars>
+      </dgm:prSet>
+      <dgm:spPr/>
+      <dgm:t>
+        <a:bodyPr/>
+        <a:lstStyle/>
+        <a:p>
+          <a:endParaRPr lang="fr-FR"/>
+        </a:p>
+      </dgm:t>
+    </dgm:pt>
+    <dgm:pt modelId="{23F53596-0592-4C2B-A359-A202D8111B3B}" type="pres">
+      <dgm:prSet presAssocID="{FD248F90-782E-43E0-98A8-3D143EE77CDC}" presName="sp" presStyleCnt="0"/>
+      <dgm:spPr/>
+    </dgm:pt>
+    <dgm:pt modelId="{E1E2CE15-71C4-4EBA-AACD-275C3D4221D9}" type="pres">
+      <dgm:prSet presAssocID="{19A08F22-9EC6-4DB6-92F5-AE4CFA52ED73}" presName="composite" presStyleCnt="0"/>
+      <dgm:spPr/>
+    </dgm:pt>
+    <dgm:pt modelId="{ECD1A481-1830-41EE-A0E2-0733D53A6D9B}" type="pres">
+      <dgm:prSet presAssocID="{19A08F22-9EC6-4DB6-92F5-AE4CFA52ED73}" presName="parentText" presStyleLbl="alignNode1" presStyleIdx="2" presStyleCnt="3">
+        <dgm:presLayoutVars>
+          <dgm:chMax val="1"/>
+          <dgm:bulletEnabled val="1"/>
+        </dgm:presLayoutVars>
+      </dgm:prSet>
+      <dgm:spPr/>
+      <dgm:t>
+        <a:bodyPr/>
+        <a:lstStyle/>
+        <a:p>
+          <a:endParaRPr lang="fr-FR"/>
+        </a:p>
+      </dgm:t>
+    </dgm:pt>
+    <dgm:pt modelId="{2A250F59-3FDF-4162-A797-D16EF97CB567}" type="pres">
+      <dgm:prSet presAssocID="{19A08F22-9EC6-4DB6-92F5-AE4CFA52ED73}" presName="descendantText" presStyleLbl="alignAcc1" presStyleIdx="2" presStyleCnt="3">
+        <dgm:presLayoutVars>
+          <dgm:bulletEnabled val="1"/>
+        </dgm:presLayoutVars>
+      </dgm:prSet>
+      <dgm:spPr/>
+      <dgm:t>
+        <a:bodyPr/>
+        <a:lstStyle/>
+        <a:p>
+          <a:endParaRPr lang="fr-FR"/>
+        </a:p>
+      </dgm:t>
+    </dgm:pt>
+  </dgm:ptLst>
+  <dgm:cxnLst>
+    <dgm:cxn modelId="{BE079635-ECC7-437E-8F9A-367D1CC638B9}" type="presOf" srcId="{C8A2D760-5C03-4189-917E-F690FF671623}" destId="{2A250F59-3FDF-4162-A797-D16EF97CB567}" srcOrd="0" destOrd="0" presId="urn:microsoft.com/office/officeart/2005/8/layout/chevron2"/>
+    <dgm:cxn modelId="{E89E3CD0-DFEE-4719-83F2-C00EC9ED95A8}" srcId="{6615262F-664B-4B89-95AF-BC781B2A301C}" destId="{C5B3A5DF-B415-432F-A3B9-304A38F8C8E5}" srcOrd="0" destOrd="0" parTransId="{EB30D994-00D2-4CB7-BEC0-259480CD0166}" sibTransId="{80DCB23D-5C71-48C3-B9DF-347A8B0FD7F9}"/>
+    <dgm:cxn modelId="{3DEAE0AC-F6CE-4BD7-8392-9BA6F5CA5ED0}" type="presOf" srcId="{5A2CC1B8-EFE2-45CA-80A8-7A24B84797D0}" destId="{7B506571-8406-4A8D-9692-3F6732D90CB1}" srcOrd="0" destOrd="1" presId="urn:microsoft.com/office/officeart/2005/8/layout/chevron2"/>
+    <dgm:cxn modelId="{C23A99A5-0500-41BC-A2A9-787934FCB3CC}" type="presOf" srcId="{D67DDD42-370F-4B3F-AAD1-A3CE7B0D3BF6}" destId="{EDD5B787-9F53-4389-A00C-65404E970DA2}" srcOrd="0" destOrd="0" presId="urn:microsoft.com/office/officeart/2005/8/layout/chevron2"/>
+    <dgm:cxn modelId="{F39BF38D-127C-4929-BBC6-7C08AC31D756}" srcId="{6615262F-664B-4B89-95AF-BC781B2A301C}" destId="{EE4B7030-C58B-4F21-94A2-CF0EF83AD60A}" srcOrd="1" destOrd="0" parTransId="{0E6B53C5-8830-4505-B00B-8FB6D2AD6EA5}" sibTransId="{FD248F90-782E-43E0-98A8-3D143EE77CDC}"/>
+    <dgm:cxn modelId="{0867F643-89AA-4509-AB6D-9EBEBCE89E5A}" type="presOf" srcId="{EE4B7030-C58B-4F21-94A2-CF0EF83AD60A}" destId="{1C32C1FA-2778-4EDB-9B12-7D619BC87DB3}" srcOrd="0" destOrd="0" presId="urn:microsoft.com/office/officeart/2005/8/layout/chevron2"/>
+    <dgm:cxn modelId="{2A847CE6-627B-40B2-938F-7591B78545AA}" type="presOf" srcId="{19A08F22-9EC6-4DB6-92F5-AE4CFA52ED73}" destId="{ECD1A481-1830-41EE-A0E2-0733D53A6D9B}" srcOrd="0" destOrd="0" presId="urn:microsoft.com/office/officeart/2005/8/layout/chevron2"/>
+    <dgm:cxn modelId="{52113D17-AEEB-4F6F-8F1D-DE02304858FD}" type="presOf" srcId="{C5B3A5DF-B415-432F-A3B9-304A38F8C8E5}" destId="{693690D3-6289-44E0-822D-4689FE2CA268}" srcOrd="0" destOrd="0" presId="urn:microsoft.com/office/officeart/2005/8/layout/chevron2"/>
+    <dgm:cxn modelId="{41464064-0CA7-4B8D-BEF4-EEAB129CF811}" srcId="{EE4B7030-C58B-4F21-94A2-CF0EF83AD60A}" destId="{ED21E317-B122-4227-B92E-9512DAA73DED}" srcOrd="0" destOrd="0" parTransId="{67B551BE-7A84-4C51-8EE6-247E65195291}" sibTransId="{9121AE02-A020-43FB-9927-270AC1172E87}"/>
+    <dgm:cxn modelId="{374CA68A-8F48-4C48-B8A6-471B3A8C5B42}" type="presOf" srcId="{6615262F-664B-4B89-95AF-BC781B2A301C}" destId="{B0330C61-CC28-41FB-A69F-C16BEF2128E4}" srcOrd="0" destOrd="0" presId="urn:microsoft.com/office/officeart/2005/8/layout/chevron2"/>
+    <dgm:cxn modelId="{7BEF0361-3D12-421A-8D80-AF19F1ED7315}" srcId="{C5B3A5DF-B415-432F-A3B9-304A38F8C8E5}" destId="{D67DDD42-370F-4B3F-AAD1-A3CE7B0D3BF6}" srcOrd="0" destOrd="0" parTransId="{27F2C7A4-6363-4535-ABD6-2B0B1443AD56}" sibTransId="{2BCA7D7A-DCA5-4E2F-8AC9-2699E7DD282D}"/>
+    <dgm:cxn modelId="{C30A79BC-355B-414C-8B69-6A7CA48C7AB4}" type="presOf" srcId="{ED21E317-B122-4227-B92E-9512DAA73DED}" destId="{7B506571-8406-4A8D-9692-3F6732D90CB1}" srcOrd="0" destOrd="0" presId="urn:microsoft.com/office/officeart/2005/8/layout/chevron2"/>
+    <dgm:cxn modelId="{D87207A6-495B-442D-B723-6581A406EBE5}" srcId="{6615262F-664B-4B89-95AF-BC781B2A301C}" destId="{19A08F22-9EC6-4DB6-92F5-AE4CFA52ED73}" srcOrd="2" destOrd="0" parTransId="{DB5764EE-82EE-4DE9-8F72-2DFF2067531B}" sibTransId="{DAE47C18-F544-4517-836C-13F6C397848F}"/>
+    <dgm:cxn modelId="{4F8F561A-3EA6-4A63-B269-9510301C0676}" srcId="{EE4B7030-C58B-4F21-94A2-CF0EF83AD60A}" destId="{5A2CC1B8-EFE2-45CA-80A8-7A24B84797D0}" srcOrd="1" destOrd="0" parTransId="{4BB60890-53D7-4F18-8A54-5A83D97A303E}" sibTransId="{024DC45F-A486-498C-8711-CCAC5FC0250F}"/>
+    <dgm:cxn modelId="{49B9DB18-DF9B-4522-A5A8-8781EDA97E57}" srcId="{19A08F22-9EC6-4DB6-92F5-AE4CFA52ED73}" destId="{C8A2D760-5C03-4189-917E-F690FF671623}" srcOrd="0" destOrd="0" parTransId="{2D2FBD91-1411-4EB6-9AC2-CF2D0AE5ABE1}" sibTransId="{4687B454-9D3A-4023-8175-713ABF3DEE84}"/>
+    <dgm:cxn modelId="{E7B35139-4B34-4000-97A8-B73FBA1D8A2C}" type="presParOf" srcId="{B0330C61-CC28-41FB-A69F-C16BEF2128E4}" destId="{20C781F0-64F9-4297-B79A-77642951C572}" srcOrd="0" destOrd="0" presId="urn:microsoft.com/office/officeart/2005/8/layout/chevron2"/>
+    <dgm:cxn modelId="{A7DB26A6-C63E-4E84-BF0F-6B5497F2C8C5}" type="presParOf" srcId="{20C781F0-64F9-4297-B79A-77642951C572}" destId="{693690D3-6289-44E0-822D-4689FE2CA268}" srcOrd="0" destOrd="0" presId="urn:microsoft.com/office/officeart/2005/8/layout/chevron2"/>
+    <dgm:cxn modelId="{7611D272-B18F-40F3-B982-745A39EE0515}" type="presParOf" srcId="{20C781F0-64F9-4297-B79A-77642951C572}" destId="{EDD5B787-9F53-4389-A00C-65404E970DA2}" srcOrd="1" destOrd="0" presId="urn:microsoft.com/office/officeart/2005/8/layout/chevron2"/>
+    <dgm:cxn modelId="{6BEE68BC-5BDB-4A1B-8E72-B8085EF8375F}" type="presParOf" srcId="{B0330C61-CC28-41FB-A69F-C16BEF2128E4}" destId="{A481E0E7-5E9C-420D-9EBE-B7C38A4F3824}" srcOrd="1" destOrd="0" presId="urn:microsoft.com/office/officeart/2005/8/layout/chevron2"/>
+    <dgm:cxn modelId="{6E9A7B4C-E9C2-49E3-B4FC-989517D03F85}" type="presParOf" srcId="{B0330C61-CC28-41FB-A69F-C16BEF2128E4}" destId="{3A24212A-70CB-4B81-949C-10E6508609F4}" srcOrd="2" destOrd="0" presId="urn:microsoft.com/office/officeart/2005/8/layout/chevron2"/>
+    <dgm:cxn modelId="{EA360192-0750-4E8B-840C-9F1BEE0C8916}" type="presParOf" srcId="{3A24212A-70CB-4B81-949C-10E6508609F4}" destId="{1C32C1FA-2778-4EDB-9B12-7D619BC87DB3}" srcOrd="0" destOrd="0" presId="urn:microsoft.com/office/officeart/2005/8/layout/chevron2"/>
+    <dgm:cxn modelId="{E33CDE7D-2993-4A9E-BDE0-27D784DF3E53}" type="presParOf" srcId="{3A24212A-70CB-4B81-949C-10E6508609F4}" destId="{7B506571-8406-4A8D-9692-3F6732D90CB1}" srcOrd="1" destOrd="0" presId="urn:microsoft.com/office/officeart/2005/8/layout/chevron2"/>
+    <dgm:cxn modelId="{9D0B7475-362B-4B2A-A8F6-21B1FF6E796D}" type="presParOf" srcId="{B0330C61-CC28-41FB-A69F-C16BEF2128E4}" destId="{23F53596-0592-4C2B-A359-A202D8111B3B}" srcOrd="3" destOrd="0" presId="urn:microsoft.com/office/officeart/2005/8/layout/chevron2"/>
+    <dgm:cxn modelId="{9267A795-26CA-4D3C-82EF-973C2D93834F}" type="presParOf" srcId="{B0330C61-CC28-41FB-A69F-C16BEF2128E4}" destId="{E1E2CE15-71C4-4EBA-AACD-275C3D4221D9}" srcOrd="4" destOrd="0" presId="urn:microsoft.com/office/officeart/2005/8/layout/chevron2"/>
+    <dgm:cxn modelId="{CCC72D58-83F9-4039-B8F1-2C4A5C698D9D}" type="presParOf" srcId="{E1E2CE15-71C4-4EBA-AACD-275C3D4221D9}" destId="{ECD1A481-1830-41EE-A0E2-0733D53A6D9B}" srcOrd="0" destOrd="0" presId="urn:microsoft.com/office/officeart/2005/8/layout/chevron2"/>
+    <dgm:cxn modelId="{2DEB82C7-36C9-4F88-8C4A-6B73935A67E7}" type="presParOf" srcId="{E1E2CE15-71C4-4EBA-AACD-275C3D4221D9}" destId="{2A250F59-3FDF-4162-A797-D16EF97CB567}" srcOrd="1" destOrd="0" presId="urn:microsoft.com/office/officeart/2005/8/layout/chevron2"/>
+  </dgm:cxnLst>
+  <dgm:bg/>
+  <dgm:whole/>
+  <dgm:extLst>
+    <a:ext uri="http://schemas.microsoft.com/office/drawing/2008/diagram">
+      <dsp:dataModelExt xmlns:dsp="http://schemas.microsoft.com/office/drawing/2008/diagram" xmlns="" relId="rId11" minVer="http://schemas.openxmlformats.org/drawingml/2006/diagram"/>
+    </a:ext>
+  </dgm:extLst>
+</dgm:dataModel>
+</file>
+
+<file path=ppt/diagrams/drawing1.xml><?xml version="1.0" encoding="utf-8"?>
+<dsp:drawing xmlns:dgm="http://schemas.openxmlformats.org/drawingml/2006/diagram" xmlns:a="http://schemas.openxmlformats.org/drawingml/2006/main" xmlns:dsp="http://schemas.microsoft.com/office/drawing/2008/diagram">
+  <dsp:spTree>
+    <dsp:nvGrpSpPr>
+      <dsp:cNvPr id="0" name=""/>
+      <dsp:cNvGrpSpPr/>
+    </dsp:nvGrpSpPr>
+    <dsp:grpSpPr/>
+    <dsp:sp modelId="{121AC91D-4584-4AE9-9458-57A8DFD5BDE0}">
+      <dsp:nvSpPr>
+        <dsp:cNvPr id="0" name=""/>
+        <dsp:cNvSpPr/>
+      </dsp:nvSpPr>
+      <dsp:spPr>
+        <a:xfrm rot="5400000">
+          <a:off x="-195330" y="201680"/>
+          <a:ext cx="1302204" cy="911543"/>
+        </a:xfrm>
+        <a:prstGeom prst="chevron">
+          <a:avLst/>
+        </a:prstGeom>
+        <a:gradFill rotWithShape="0">
+          <a:gsLst>
+            <a:gs pos="0">
+              <a:schemeClr val="accent2">
+                <a:hueOff val="0"/>
+                <a:satOff val="0"/>
+                <a:lumOff val="0"/>
+                <a:alphaOff val="0"/>
+                <a:shade val="51000"/>
+                <a:satMod val="130000"/>
+              </a:schemeClr>
+            </a:gs>
+            <a:gs pos="80000">
+              <a:schemeClr val="accent2">
+                <a:hueOff val="0"/>
+                <a:satOff val="0"/>
+                <a:lumOff val="0"/>
+                <a:alphaOff val="0"/>
+                <a:shade val="93000"/>
+                <a:satMod val="130000"/>
+              </a:schemeClr>
+            </a:gs>
+            <a:gs pos="100000">
+              <a:schemeClr val="accent2">
+                <a:hueOff val="0"/>
+                <a:satOff val="0"/>
+                <a:lumOff val="0"/>
+                <a:alphaOff val="0"/>
+                <a:shade val="94000"/>
+                <a:satMod val="135000"/>
+              </a:schemeClr>
+            </a:gs>
+          </a:gsLst>
+          <a:lin ang="16200000" scaled="0"/>
+        </a:gradFill>
+        <a:ln>
+          <a:noFill/>
+        </a:ln>
+        <a:effectLst>
+          <a:outerShdw blurRad="40000" dist="23000" dir="5400000" rotWithShape="0">
+            <a:srgbClr val="000000">
+              <a:alpha val="35000"/>
+            </a:srgbClr>
+          </a:outerShdw>
+        </a:effectLst>
+        <a:scene3d>
+          <a:camera prst="orthographicFront"/>
+          <a:lightRig rig="threePt" dir="t">
+            <a:rot lat="0" lon="0" rev="7500000"/>
+          </a:lightRig>
+        </a:scene3d>
+        <a:sp3d prstMaterial="plastic">
+          <a:bevelT w="127000" h="25400" prst="relaxedInset"/>
+        </a:sp3d>
+      </dsp:spPr>
+      <dsp:style>
+        <a:lnRef idx="0">
+          <a:scrgbClr r="0" g="0" b="0"/>
+        </a:lnRef>
+        <a:fillRef idx="3">
+          <a:scrgbClr r="0" g="0" b="0"/>
+        </a:fillRef>
+        <a:effectRef idx="2">
+          <a:scrgbClr r="0" g="0" b="0"/>
+        </a:effectRef>
+        <a:fontRef idx="minor">
+          <a:schemeClr val="lt1"/>
+        </a:fontRef>
+      </dsp:style>
+      <dsp:txBody>
+        <a:bodyPr spcFirstLastPara="0" vert="horz" wrap="square" lIns="12700" tIns="12700" rIns="12700" bIns="12700" numCol="1" spcCol="1270" anchor="ctr" anchorCtr="0">
+          <a:noAutofit/>
+        </a:bodyPr>
+        <a:lstStyle/>
+        <a:p>
+          <a:pPr lvl="0" algn="ctr" defTabSz="889000">
+            <a:lnSpc>
+              <a:spcPct val="90000"/>
+            </a:lnSpc>
+            <a:spcBef>
+              <a:spcPct val="0"/>
+            </a:spcBef>
+            <a:spcAft>
+              <a:spcPct val="35000"/>
+            </a:spcAft>
+          </a:pPr>
+          <a:endParaRPr lang="fr-FR" sz="2000" kern="1200" dirty="0">
+            <a:latin typeface="Book Antiqua" pitchFamily="18" charset="0"/>
+          </a:endParaRPr>
+        </a:p>
+      </dsp:txBody>
+      <dsp:txXfrm rot="5400000">
+        <a:off x="-195330" y="201680"/>
+        <a:ext cx="1302204" cy="911543"/>
+      </dsp:txXfrm>
+    </dsp:sp>
+    <dsp:sp modelId="{E4CC8E2C-6766-4F7B-A30D-9CCF3027F99C}">
+      <dsp:nvSpPr>
+        <dsp:cNvPr id="0" name=""/>
+        <dsp:cNvSpPr/>
+      </dsp:nvSpPr>
+      <dsp:spPr>
+        <a:xfrm rot="5400000">
+          <a:off x="2127318" y="-1209425"/>
+          <a:ext cx="846432" cy="3277983"/>
+        </a:xfrm>
+        <a:prstGeom prst="round2SameRect">
+          <a:avLst/>
+        </a:prstGeom>
+        <a:solidFill>
+          <a:schemeClr val="lt1">
+            <a:alpha val="90000"/>
+            <a:hueOff val="0"/>
+            <a:satOff val="0"/>
+            <a:lumOff val="0"/>
+            <a:alphaOff val="0"/>
+          </a:schemeClr>
+        </a:solidFill>
+        <a:ln w="9525" cap="flat" cmpd="sng" algn="ctr">
+          <a:solidFill>
+            <a:schemeClr val="accent2">
+              <a:hueOff val="0"/>
+              <a:satOff val="0"/>
+              <a:lumOff val="0"/>
+              <a:alphaOff val="0"/>
+            </a:schemeClr>
+          </a:solidFill>
+          <a:prstDash val="solid"/>
+        </a:ln>
+        <a:effectLst>
+          <a:outerShdw blurRad="40000" dist="23000" dir="5400000" rotWithShape="0">
+            <a:srgbClr val="000000">
+              <a:alpha val="35000"/>
+            </a:srgbClr>
+          </a:outerShdw>
+        </a:effectLst>
+        <a:scene3d>
+          <a:camera prst="orthographicFront"/>
+          <a:lightRig rig="threePt" dir="t">
+            <a:rot lat="0" lon="0" rev="7500000"/>
+          </a:lightRig>
+        </a:scene3d>
+        <a:sp3d extrusionH="190500" prstMaterial="dkEdge">
+          <a:bevelT w="135400" h="16350" prst="relaxedInset"/>
+          <a:contourClr>
+            <a:schemeClr val="bg1"/>
+          </a:contourClr>
+        </a:sp3d>
+      </dsp:spPr>
+      <dsp:style>
+        <a:lnRef idx="1">
+          <a:scrgbClr r="0" g="0" b="0"/>
+        </a:lnRef>
+        <a:fillRef idx="1">
+          <a:scrgbClr r="0" g="0" b="0"/>
+        </a:fillRef>
+        <a:effectRef idx="2">
+          <a:scrgbClr r="0" g="0" b="0"/>
+        </a:effectRef>
+        <a:fontRef idx="minor"/>
+      </dsp:style>
+      <dsp:txBody>
+        <a:bodyPr spcFirstLastPara="0" vert="horz" wrap="square" lIns="142240" tIns="12700" rIns="12700" bIns="12700" numCol="1" spcCol="1270" anchor="ctr" anchorCtr="0">
+          <a:noAutofit/>
+        </a:bodyPr>
+        <a:lstStyle/>
+        <a:p>
+          <a:pPr marL="228600" lvl="1" indent="-228600" algn="l" defTabSz="889000">
+            <a:lnSpc>
+              <a:spcPct val="90000"/>
+            </a:lnSpc>
+            <a:spcBef>
+              <a:spcPct val="0"/>
+            </a:spcBef>
+            <a:spcAft>
+              <a:spcPct val="15000"/>
+            </a:spcAft>
+            <a:buChar char="••"/>
+          </a:pPr>
+          <a:r>
+            <a:rPr lang="fr-FR" sz="2000" kern="1200" dirty="0" smtClean="0">
+              <a:latin typeface="Book Antiqua" pitchFamily="18" charset="0"/>
+            </a:rPr>
+            <a:t>Recherche d’une figurine</a:t>
+          </a:r>
+          <a:endParaRPr lang="fr-FR" sz="2000" kern="1200" dirty="0">
+            <a:latin typeface="Book Antiqua" pitchFamily="18" charset="0"/>
+          </a:endParaRPr>
+        </a:p>
+        <a:p>
+          <a:pPr marL="228600" lvl="1" indent="-228600" algn="l" defTabSz="889000">
+            <a:lnSpc>
+              <a:spcPct val="90000"/>
+            </a:lnSpc>
+            <a:spcBef>
+              <a:spcPct val="0"/>
+            </a:spcBef>
+            <a:spcAft>
+              <a:spcPct val="15000"/>
+            </a:spcAft>
+            <a:buChar char="••"/>
+          </a:pPr>
+          <a:r>
+            <a:rPr lang="fr-FR" sz="2000" kern="1200" dirty="0" smtClean="0">
+              <a:latin typeface="Book Antiqua" pitchFamily="18" charset="0"/>
+            </a:rPr>
+            <a:t>Recherche du coût de la  figurine</a:t>
+          </a:r>
+          <a:endParaRPr lang="fr-FR" sz="2000" kern="1200" dirty="0">
+            <a:latin typeface="Book Antiqua" pitchFamily="18" charset="0"/>
+          </a:endParaRPr>
+        </a:p>
+      </dsp:txBody>
+      <dsp:txXfrm rot="5400000">
+        <a:off x="2127318" y="-1209425"/>
+        <a:ext cx="846432" cy="3277983"/>
+      </dsp:txXfrm>
+    </dsp:sp>
+    <dsp:sp modelId="{1C32C1FA-2778-4EDB-9B12-7D619BC87DB3}">
+      <dsp:nvSpPr>
+        <dsp:cNvPr id="0" name=""/>
+        <dsp:cNvSpPr/>
+      </dsp:nvSpPr>
+      <dsp:spPr>
+        <a:xfrm rot="5400000">
+          <a:off x="-195330" y="1358075"/>
+          <a:ext cx="1302204" cy="911543"/>
+        </a:xfrm>
+        <a:prstGeom prst="chevron">
+          <a:avLst/>
+        </a:prstGeom>
+        <a:gradFill rotWithShape="0">
+          <a:gsLst>
+            <a:gs pos="0">
+              <a:schemeClr val="accent2">
+                <a:hueOff val="0"/>
+                <a:satOff val="0"/>
+                <a:lumOff val="0"/>
+                <a:alphaOff val="0"/>
+                <a:shade val="51000"/>
+                <a:satMod val="130000"/>
+              </a:schemeClr>
+            </a:gs>
+            <a:gs pos="80000">
+              <a:schemeClr val="accent2">
+                <a:hueOff val="0"/>
+                <a:satOff val="0"/>
+                <a:lumOff val="0"/>
+                <a:alphaOff val="0"/>
+                <a:shade val="93000"/>
+                <a:satMod val="130000"/>
+              </a:schemeClr>
+            </a:gs>
+            <a:gs pos="100000">
+              <a:schemeClr val="accent2">
+                <a:hueOff val="0"/>
+                <a:satOff val="0"/>
+                <a:lumOff val="0"/>
+                <a:alphaOff val="0"/>
+                <a:shade val="94000"/>
+                <a:satMod val="135000"/>
+              </a:schemeClr>
+            </a:gs>
+          </a:gsLst>
+          <a:lin ang="16200000" scaled="0"/>
+        </a:gradFill>
+        <a:ln>
+          <a:noFill/>
+        </a:ln>
+        <a:effectLst>
+          <a:outerShdw blurRad="40000" dist="23000" dir="5400000" rotWithShape="0">
+            <a:srgbClr val="000000">
+              <a:alpha val="35000"/>
+            </a:srgbClr>
+          </a:outerShdw>
+        </a:effectLst>
+        <a:scene3d>
+          <a:camera prst="orthographicFront"/>
+          <a:lightRig rig="threePt" dir="t">
+            <a:rot lat="0" lon="0" rev="7500000"/>
+          </a:lightRig>
+        </a:scene3d>
+        <a:sp3d prstMaterial="plastic">
+          <a:bevelT w="127000" h="25400" prst="relaxedInset"/>
+        </a:sp3d>
+      </dsp:spPr>
+      <dsp:style>
+        <a:lnRef idx="0">
+          <a:scrgbClr r="0" g="0" b="0"/>
+        </a:lnRef>
+        <a:fillRef idx="3">
+          <a:scrgbClr r="0" g="0" b="0"/>
+        </a:fillRef>
+        <a:effectRef idx="2">
+          <a:scrgbClr r="0" g="0" b="0"/>
+        </a:effectRef>
+        <a:fontRef idx="minor">
+          <a:schemeClr val="lt1"/>
+        </a:fontRef>
+      </dsp:style>
+      <dsp:txBody>
+        <a:bodyPr spcFirstLastPara="0" vert="horz" wrap="square" lIns="12700" tIns="12700" rIns="12700" bIns="12700" numCol="1" spcCol="1270" anchor="ctr" anchorCtr="0">
+          <a:noAutofit/>
+        </a:bodyPr>
+        <a:lstStyle/>
+        <a:p>
+          <a:pPr lvl="0" algn="ctr" defTabSz="889000">
+            <a:lnSpc>
+              <a:spcPct val="90000"/>
+            </a:lnSpc>
+            <a:spcBef>
+              <a:spcPct val="0"/>
+            </a:spcBef>
+            <a:spcAft>
+              <a:spcPct val="35000"/>
+            </a:spcAft>
+          </a:pPr>
+          <a:endParaRPr lang="fr-FR" sz="2000" kern="1200" dirty="0">
+            <a:latin typeface="Book Antiqua" pitchFamily="18" charset="0"/>
+          </a:endParaRPr>
+        </a:p>
+      </dsp:txBody>
+      <dsp:txXfrm rot="5400000">
+        <a:off x="-195330" y="1358075"/>
+        <a:ext cx="1302204" cy="911543"/>
+      </dsp:txXfrm>
+    </dsp:sp>
+    <dsp:sp modelId="{7B506571-8406-4A8D-9692-3F6732D90CB1}">
+      <dsp:nvSpPr>
+        <dsp:cNvPr id="0" name=""/>
+        <dsp:cNvSpPr/>
+      </dsp:nvSpPr>
+      <dsp:spPr>
+        <a:xfrm rot="5400000">
+          <a:off x="2127318" y="-53030"/>
+          <a:ext cx="846432" cy="3277983"/>
+        </a:xfrm>
+        <a:prstGeom prst="round2SameRect">
+          <a:avLst/>
+        </a:prstGeom>
+        <a:solidFill>
+          <a:schemeClr val="lt1">
+            <a:alpha val="90000"/>
+            <a:hueOff val="0"/>
+            <a:satOff val="0"/>
+            <a:lumOff val="0"/>
+            <a:alphaOff val="0"/>
+          </a:schemeClr>
+        </a:solidFill>
+        <a:ln w="9525" cap="flat" cmpd="sng" algn="ctr">
+          <a:solidFill>
+            <a:schemeClr val="accent2">
+              <a:hueOff val="0"/>
+              <a:satOff val="0"/>
+              <a:lumOff val="0"/>
+              <a:alphaOff val="0"/>
+            </a:schemeClr>
+          </a:solidFill>
+          <a:prstDash val="solid"/>
+        </a:ln>
+        <a:effectLst>
+          <a:outerShdw blurRad="40000" dist="23000" dir="5400000" rotWithShape="0">
+            <a:srgbClr val="000000">
+              <a:alpha val="35000"/>
+            </a:srgbClr>
+          </a:outerShdw>
+        </a:effectLst>
+        <a:scene3d>
+          <a:camera prst="orthographicFront"/>
+          <a:lightRig rig="threePt" dir="t">
+            <a:rot lat="0" lon="0" rev="7500000"/>
+          </a:lightRig>
+        </a:scene3d>
+        <a:sp3d extrusionH="190500" prstMaterial="dkEdge">
+          <a:bevelT w="135400" h="16350" prst="relaxedInset"/>
+          <a:contourClr>
+            <a:schemeClr val="bg1"/>
+          </a:contourClr>
+        </a:sp3d>
+      </dsp:spPr>
+      <dsp:style>
+        <a:lnRef idx="1">
+          <a:scrgbClr r="0" g="0" b="0"/>
+        </a:lnRef>
+        <a:fillRef idx="1">
+          <a:scrgbClr r="0" g="0" b="0"/>
+        </a:fillRef>
+        <a:effectRef idx="2">
+          <a:scrgbClr r="0" g="0" b="0"/>
+        </a:effectRef>
+        <a:fontRef idx="minor"/>
+      </dsp:style>
+      <dsp:txBody>
+        <a:bodyPr spcFirstLastPara="0" vert="horz" wrap="square" lIns="142240" tIns="12700" rIns="12700" bIns="12700" numCol="1" spcCol="1270" anchor="ctr" anchorCtr="0">
+          <a:noAutofit/>
+        </a:bodyPr>
+        <a:lstStyle/>
+        <a:p>
+          <a:pPr marL="228600" lvl="1" indent="-228600" algn="l" defTabSz="889000">
+            <a:lnSpc>
+              <a:spcPct val="90000"/>
+            </a:lnSpc>
+            <a:spcBef>
+              <a:spcPct val="0"/>
+            </a:spcBef>
+            <a:spcAft>
+              <a:spcPct val="15000"/>
+            </a:spcAft>
+            <a:buChar char="••"/>
+          </a:pPr>
+          <a:r>
+            <a:rPr lang="fr-FR" sz="2000" kern="1200" dirty="0" smtClean="0">
+              <a:latin typeface="Book Antiqua" pitchFamily="18" charset="0"/>
+            </a:rPr>
+            <a:t>Calcul du coût de l’unité</a:t>
+          </a:r>
+          <a:endParaRPr lang="fr-FR" sz="2000" kern="1200" dirty="0">
+            <a:latin typeface="Book Antiqua" pitchFamily="18" charset="0"/>
+          </a:endParaRPr>
+        </a:p>
+        <a:p>
+          <a:pPr marL="228600" lvl="1" indent="-228600" algn="l" defTabSz="889000">
+            <a:lnSpc>
+              <a:spcPct val="90000"/>
+            </a:lnSpc>
+            <a:spcBef>
+              <a:spcPct val="0"/>
+            </a:spcBef>
+            <a:spcAft>
+              <a:spcPct val="15000"/>
+            </a:spcAft>
+            <a:buChar char="••"/>
+          </a:pPr>
+          <a:r>
+            <a:rPr lang="fr-FR" sz="2000" kern="1200" dirty="0" smtClean="0">
+              <a:latin typeface="Book Antiqua" pitchFamily="18" charset="0"/>
+            </a:rPr>
+            <a:t>Ajout de la figurine à l’unité</a:t>
+          </a:r>
+          <a:endParaRPr lang="fr-FR" sz="2000" kern="1200" dirty="0">
+            <a:latin typeface="Book Antiqua" pitchFamily="18" charset="0"/>
+          </a:endParaRPr>
+        </a:p>
+      </dsp:txBody>
+      <dsp:txXfrm rot="5400000">
+        <a:off x="2127318" y="-53030"/>
+        <a:ext cx="846432" cy="3277983"/>
+      </dsp:txXfrm>
+    </dsp:sp>
+    <dsp:sp modelId="{ECD1A481-1830-41EE-A0E2-0733D53A6D9B}">
+      <dsp:nvSpPr>
+        <dsp:cNvPr id="0" name=""/>
+        <dsp:cNvSpPr/>
+      </dsp:nvSpPr>
+      <dsp:spPr>
+        <a:xfrm rot="5400000">
+          <a:off x="-195330" y="2514470"/>
+          <a:ext cx="1302204" cy="911543"/>
+        </a:xfrm>
+        <a:prstGeom prst="chevron">
+          <a:avLst/>
+        </a:prstGeom>
+        <a:gradFill rotWithShape="0">
+          <a:gsLst>
+            <a:gs pos="0">
+              <a:schemeClr val="accent2">
+                <a:hueOff val="0"/>
+                <a:satOff val="0"/>
+                <a:lumOff val="0"/>
+                <a:alphaOff val="0"/>
+                <a:shade val="51000"/>
+                <a:satMod val="130000"/>
+              </a:schemeClr>
+            </a:gs>
+            <a:gs pos="80000">
+              <a:schemeClr val="accent2">
+                <a:hueOff val="0"/>
+                <a:satOff val="0"/>
+                <a:lumOff val="0"/>
+                <a:alphaOff val="0"/>
+                <a:shade val="93000"/>
+                <a:satMod val="130000"/>
+              </a:schemeClr>
+            </a:gs>
+            <a:gs pos="100000">
+              <a:schemeClr val="accent2">
+                <a:hueOff val="0"/>
+                <a:satOff val="0"/>
+                <a:lumOff val="0"/>
+                <a:alphaOff val="0"/>
+                <a:shade val="94000"/>
+                <a:satMod val="135000"/>
+              </a:schemeClr>
+            </a:gs>
+          </a:gsLst>
+          <a:lin ang="16200000" scaled="0"/>
+        </a:gradFill>
+        <a:ln>
+          <a:noFill/>
+        </a:ln>
+        <a:effectLst>
+          <a:outerShdw blurRad="40000" dist="23000" dir="5400000" rotWithShape="0">
+            <a:srgbClr val="000000">
+              <a:alpha val="35000"/>
+            </a:srgbClr>
+          </a:outerShdw>
+        </a:effectLst>
+        <a:scene3d>
+          <a:camera prst="orthographicFront"/>
+          <a:lightRig rig="threePt" dir="t">
+            <a:rot lat="0" lon="0" rev="7500000"/>
+          </a:lightRig>
+        </a:scene3d>
+        <a:sp3d prstMaterial="plastic">
+          <a:bevelT w="127000" h="25400" prst="relaxedInset"/>
+        </a:sp3d>
+      </dsp:spPr>
+      <dsp:style>
+        <a:lnRef idx="0">
+          <a:scrgbClr r="0" g="0" b="0"/>
+        </a:lnRef>
+        <a:fillRef idx="3">
+          <a:scrgbClr r="0" g="0" b="0"/>
+        </a:fillRef>
+        <a:effectRef idx="2">
+          <a:scrgbClr r="0" g="0" b="0"/>
+        </a:effectRef>
+        <a:fontRef idx="minor">
+          <a:schemeClr val="lt1"/>
+        </a:fontRef>
+      </dsp:style>
+      <dsp:txBody>
+        <a:bodyPr spcFirstLastPara="0" vert="horz" wrap="square" lIns="12700" tIns="12700" rIns="12700" bIns="12700" numCol="1" spcCol="1270" anchor="ctr" anchorCtr="0">
+          <a:noAutofit/>
+        </a:bodyPr>
+        <a:lstStyle/>
+        <a:p>
+          <a:pPr lvl="0" algn="ctr" defTabSz="889000">
+            <a:lnSpc>
+              <a:spcPct val="90000"/>
+            </a:lnSpc>
+            <a:spcBef>
+              <a:spcPct val="0"/>
+            </a:spcBef>
+            <a:spcAft>
+              <a:spcPct val="35000"/>
+            </a:spcAft>
+          </a:pPr>
+          <a:endParaRPr lang="fr-FR" sz="2000" kern="1200" dirty="0">
+            <a:latin typeface="Book Antiqua" pitchFamily="18" charset="0"/>
+          </a:endParaRPr>
+        </a:p>
+      </dsp:txBody>
+      <dsp:txXfrm rot="5400000">
+        <a:off x="-195330" y="2514470"/>
+        <a:ext cx="1302204" cy="911543"/>
+      </dsp:txXfrm>
+    </dsp:sp>
+    <dsp:sp modelId="{2A250F59-3FDF-4162-A797-D16EF97CB567}">
+      <dsp:nvSpPr>
+        <dsp:cNvPr id="0" name=""/>
+        <dsp:cNvSpPr/>
+      </dsp:nvSpPr>
+      <dsp:spPr>
+        <a:xfrm rot="5400000">
+          <a:off x="2127318" y="1103364"/>
+          <a:ext cx="846432" cy="3277983"/>
+        </a:xfrm>
+        <a:prstGeom prst="round2SameRect">
+          <a:avLst/>
+        </a:prstGeom>
+        <a:solidFill>
+          <a:schemeClr val="lt1">
+            <a:alpha val="90000"/>
+            <a:hueOff val="0"/>
+            <a:satOff val="0"/>
+            <a:lumOff val="0"/>
+            <a:alphaOff val="0"/>
+          </a:schemeClr>
+        </a:solidFill>
+        <a:ln w="9525" cap="flat" cmpd="sng" algn="ctr">
+          <a:solidFill>
+            <a:schemeClr val="accent2">
+              <a:hueOff val="0"/>
+              <a:satOff val="0"/>
+              <a:lumOff val="0"/>
+              <a:alphaOff val="0"/>
+            </a:schemeClr>
+          </a:solidFill>
+          <a:prstDash val="solid"/>
+        </a:ln>
+        <a:effectLst>
+          <a:outerShdw blurRad="40000" dist="23000" dir="5400000" rotWithShape="0">
+            <a:srgbClr val="000000">
+              <a:alpha val="35000"/>
+            </a:srgbClr>
+          </a:outerShdw>
+        </a:effectLst>
+        <a:scene3d>
+          <a:camera prst="orthographicFront"/>
+          <a:lightRig rig="threePt" dir="t">
+            <a:rot lat="0" lon="0" rev="7500000"/>
+          </a:lightRig>
+        </a:scene3d>
+        <a:sp3d extrusionH="190500" prstMaterial="dkEdge">
+          <a:bevelT w="135400" h="16350" prst="relaxedInset"/>
+          <a:contourClr>
+            <a:schemeClr val="bg1"/>
+          </a:contourClr>
+        </a:sp3d>
+      </dsp:spPr>
+      <dsp:style>
+        <a:lnRef idx="1">
+          <a:scrgbClr r="0" g="0" b="0"/>
+        </a:lnRef>
+        <a:fillRef idx="1">
+          <a:scrgbClr r="0" g="0" b="0"/>
+        </a:fillRef>
+        <a:effectRef idx="2">
+          <a:scrgbClr r="0" g="0" b="0"/>
+        </a:effectRef>
+        <a:fontRef idx="minor"/>
+      </dsp:style>
+      <dsp:txBody>
+        <a:bodyPr spcFirstLastPara="0" vert="horz" wrap="square" lIns="142240" tIns="12700" rIns="12700" bIns="12700" numCol="1" spcCol="1270" anchor="ctr" anchorCtr="0">
+          <a:noAutofit/>
+        </a:bodyPr>
+        <a:lstStyle/>
+        <a:p>
+          <a:pPr marL="228600" lvl="1" indent="-228600" algn="l" defTabSz="889000">
+            <a:lnSpc>
+              <a:spcPct val="90000"/>
+            </a:lnSpc>
+            <a:spcBef>
+              <a:spcPct val="0"/>
+            </a:spcBef>
+            <a:spcAft>
+              <a:spcPct val="15000"/>
+            </a:spcAft>
+            <a:buChar char="••"/>
+          </a:pPr>
+          <a:r>
+            <a:rPr lang="fr-FR" sz="2000" kern="1200" dirty="0" smtClean="0">
+              <a:latin typeface="Book Antiqua" pitchFamily="18" charset="0"/>
+            </a:rPr>
+            <a:t>Ajustement manuel en fonction des équipements</a:t>
+          </a:r>
+          <a:endParaRPr lang="fr-FR" sz="2000" kern="1200" dirty="0">
+            <a:latin typeface="Book Antiqua" pitchFamily="18" charset="0"/>
+          </a:endParaRPr>
+        </a:p>
+      </dsp:txBody>
+      <dsp:txXfrm rot="5400000">
+        <a:off x="2127318" y="1103364"/>
+        <a:ext cx="846432" cy="3277983"/>
+      </dsp:txXfrm>
+    </dsp:sp>
+    <dsp:sp modelId="{48597EAC-9E8C-421E-8A6A-8C33BB6BBDCE}">
+      <dsp:nvSpPr>
+        <dsp:cNvPr id="0" name=""/>
+        <dsp:cNvSpPr/>
+      </dsp:nvSpPr>
+      <dsp:spPr>
+        <a:xfrm rot="5400000">
+          <a:off x="-195330" y="3670865"/>
+          <a:ext cx="1302204" cy="911543"/>
+        </a:xfrm>
+        <a:prstGeom prst="chevron">
+          <a:avLst/>
+        </a:prstGeom>
+        <a:gradFill rotWithShape="0">
+          <a:gsLst>
+            <a:gs pos="0">
+              <a:schemeClr val="accent2">
+                <a:hueOff val="0"/>
+                <a:satOff val="0"/>
+                <a:lumOff val="0"/>
+                <a:alphaOff val="0"/>
+                <a:shade val="51000"/>
+                <a:satMod val="130000"/>
+              </a:schemeClr>
+            </a:gs>
+            <a:gs pos="80000">
+              <a:schemeClr val="accent2">
+                <a:hueOff val="0"/>
+                <a:satOff val="0"/>
+                <a:lumOff val="0"/>
+                <a:alphaOff val="0"/>
+                <a:shade val="93000"/>
+                <a:satMod val="130000"/>
+              </a:schemeClr>
+            </a:gs>
+            <a:gs pos="100000">
+              <a:schemeClr val="accent2">
+                <a:hueOff val="0"/>
+                <a:satOff val="0"/>
+                <a:lumOff val="0"/>
+                <a:alphaOff val="0"/>
+                <a:shade val="94000"/>
+                <a:satMod val="135000"/>
+              </a:schemeClr>
+            </a:gs>
+          </a:gsLst>
+          <a:lin ang="16200000" scaled="0"/>
+        </a:gradFill>
+        <a:ln>
+          <a:noFill/>
+        </a:ln>
+        <a:effectLst>
+          <a:outerShdw blurRad="40000" dist="23000" dir="5400000" rotWithShape="0">
+            <a:srgbClr val="000000">
+              <a:alpha val="35000"/>
+            </a:srgbClr>
+          </a:outerShdw>
+        </a:effectLst>
+        <a:scene3d>
+          <a:camera prst="orthographicFront"/>
+          <a:lightRig rig="threePt" dir="t">
+            <a:rot lat="0" lon="0" rev="7500000"/>
+          </a:lightRig>
+        </a:scene3d>
+        <a:sp3d prstMaterial="plastic">
+          <a:bevelT w="127000" h="25400" prst="relaxedInset"/>
+        </a:sp3d>
+      </dsp:spPr>
+      <dsp:style>
+        <a:lnRef idx="0">
+          <a:scrgbClr r="0" g="0" b="0"/>
+        </a:lnRef>
+        <a:fillRef idx="3">
+          <a:scrgbClr r="0" g="0" b="0"/>
+        </a:fillRef>
+        <a:effectRef idx="2">
+          <a:scrgbClr r="0" g="0" b="0"/>
+        </a:effectRef>
+        <a:fontRef idx="minor">
+          <a:schemeClr val="lt1"/>
+        </a:fontRef>
+      </dsp:style>
+      <dsp:txBody>
+        <a:bodyPr spcFirstLastPara="0" vert="horz" wrap="square" lIns="12700" tIns="12700" rIns="12700" bIns="12700" numCol="1" spcCol="1270" anchor="ctr" anchorCtr="0">
+          <a:noAutofit/>
+        </a:bodyPr>
+        <a:lstStyle/>
+        <a:p>
+          <a:pPr lvl="0" algn="ctr" defTabSz="889000">
+            <a:lnSpc>
+              <a:spcPct val="90000"/>
+            </a:lnSpc>
+            <a:spcBef>
+              <a:spcPct val="0"/>
+            </a:spcBef>
+            <a:spcAft>
+              <a:spcPct val="35000"/>
+            </a:spcAft>
+          </a:pPr>
+          <a:endParaRPr lang="fr-FR" sz="2000" kern="1200" dirty="0">
+            <a:latin typeface="Book Antiqua" pitchFamily="18" charset="0"/>
+          </a:endParaRPr>
+        </a:p>
+      </dsp:txBody>
+      <dsp:txXfrm rot="5400000">
+        <a:off x="-195330" y="3670865"/>
+        <a:ext cx="1302204" cy="911543"/>
+      </dsp:txXfrm>
+    </dsp:sp>
+    <dsp:sp modelId="{FBE713D6-EB88-4D53-BEE6-E0B46A3FF9F8}">
+      <dsp:nvSpPr>
+        <dsp:cNvPr id="0" name=""/>
+        <dsp:cNvSpPr/>
+      </dsp:nvSpPr>
+      <dsp:spPr>
+        <a:xfrm rot="5400000">
+          <a:off x="2127318" y="2259759"/>
+          <a:ext cx="846432" cy="3277983"/>
+        </a:xfrm>
+        <a:prstGeom prst="round2SameRect">
+          <a:avLst/>
+        </a:prstGeom>
+        <a:solidFill>
+          <a:schemeClr val="lt1">
+            <a:alpha val="90000"/>
+            <a:hueOff val="0"/>
+            <a:satOff val="0"/>
+            <a:lumOff val="0"/>
+            <a:alphaOff val="0"/>
+          </a:schemeClr>
+        </a:solidFill>
+        <a:ln w="9525" cap="flat" cmpd="sng" algn="ctr">
+          <a:solidFill>
+            <a:schemeClr val="accent2">
+              <a:hueOff val="0"/>
+              <a:satOff val="0"/>
+              <a:lumOff val="0"/>
+              <a:alphaOff val="0"/>
+            </a:schemeClr>
+          </a:solidFill>
+          <a:prstDash val="solid"/>
+        </a:ln>
+        <a:effectLst>
+          <a:outerShdw blurRad="40000" dist="23000" dir="5400000" rotWithShape="0">
+            <a:srgbClr val="000000">
+              <a:alpha val="35000"/>
+            </a:srgbClr>
+          </a:outerShdw>
+        </a:effectLst>
+        <a:scene3d>
+          <a:camera prst="orthographicFront"/>
+          <a:lightRig rig="threePt" dir="t">
+            <a:rot lat="0" lon="0" rev="7500000"/>
+          </a:lightRig>
+        </a:scene3d>
+        <a:sp3d extrusionH="190500" prstMaterial="dkEdge">
+          <a:bevelT w="135400" h="16350" prst="relaxedInset"/>
+          <a:contourClr>
+            <a:schemeClr val="bg1"/>
+          </a:contourClr>
+        </a:sp3d>
+      </dsp:spPr>
+      <dsp:style>
+        <a:lnRef idx="1">
+          <a:scrgbClr r="0" g="0" b="0"/>
+        </a:lnRef>
+        <a:fillRef idx="1">
+          <a:scrgbClr r="0" g="0" b="0"/>
+        </a:fillRef>
+        <a:effectRef idx="2">
+          <a:scrgbClr r="0" g="0" b="0"/>
+        </a:effectRef>
+        <a:fontRef idx="minor"/>
+      </dsp:style>
+      <dsp:txBody>
+        <a:bodyPr spcFirstLastPara="0" vert="horz" wrap="square" lIns="142240" tIns="12700" rIns="12700" bIns="12700" numCol="1" spcCol="1270" anchor="ctr" anchorCtr="0">
+          <a:noAutofit/>
+        </a:bodyPr>
+        <a:lstStyle/>
+        <a:p>
+          <a:pPr marL="228600" lvl="1" indent="-228600" algn="l" defTabSz="889000">
+            <a:lnSpc>
+              <a:spcPct val="90000"/>
+            </a:lnSpc>
+            <a:spcBef>
+              <a:spcPct val="0"/>
+            </a:spcBef>
+            <a:spcAft>
+              <a:spcPct val="15000"/>
+            </a:spcAft>
+            <a:buChar char="••"/>
+          </a:pPr>
+          <a:r>
+            <a:rPr lang="fr-FR" sz="2000" kern="1200" dirty="0" smtClean="0">
+              <a:latin typeface="Book Antiqua" pitchFamily="18" charset="0"/>
+            </a:rPr>
+            <a:t>Effectuer un calcul à chaque modification</a:t>
+          </a:r>
+          <a:endParaRPr lang="fr-FR" sz="2000" kern="1200" dirty="0">
+            <a:latin typeface="Book Antiqua" pitchFamily="18" charset="0"/>
+          </a:endParaRPr>
+        </a:p>
+      </dsp:txBody>
+      <dsp:txXfrm rot="5400000">
+        <a:off x="2127318" y="2259759"/>
+        <a:ext cx="846432" cy="3277983"/>
+      </dsp:txXfrm>
+    </dsp:sp>
+  </dsp:spTree>
+</dsp:drawing>
+</file>
+
+<file path=ppt/diagrams/drawing2.xml><?xml version="1.0" encoding="utf-8"?>
+<dsp:drawing xmlns:dgm="http://schemas.openxmlformats.org/drawingml/2006/diagram" xmlns:a="http://schemas.openxmlformats.org/drawingml/2006/main" xmlns:dsp="http://schemas.microsoft.com/office/drawing/2008/diagram">
+  <dsp:spTree>
+    <dsp:nvGrpSpPr>
+      <dsp:cNvPr id="0" name=""/>
+      <dsp:cNvGrpSpPr/>
+    </dsp:nvGrpSpPr>
+    <dsp:grpSpPr/>
+    <dsp:sp modelId="{693690D3-6289-44E0-822D-4689FE2CA268}">
+      <dsp:nvSpPr>
+        <dsp:cNvPr id="0" name=""/>
+        <dsp:cNvSpPr/>
+      </dsp:nvSpPr>
+      <dsp:spPr>
+        <a:xfrm rot="5400000">
+          <a:off x="-258694" y="262904"/>
+          <a:ext cx="1724633" cy="1207243"/>
+        </a:xfrm>
+        <a:prstGeom prst="chevron">
+          <a:avLst/>
+        </a:prstGeom>
+        <a:gradFill rotWithShape="0">
+          <a:gsLst>
+            <a:gs pos="0">
+              <a:schemeClr val="accent6">
+                <a:hueOff val="0"/>
+                <a:satOff val="0"/>
+                <a:lumOff val="0"/>
+                <a:alphaOff val="0"/>
+                <a:shade val="51000"/>
+                <a:satMod val="130000"/>
+              </a:schemeClr>
+            </a:gs>
+            <a:gs pos="80000">
+              <a:schemeClr val="accent6">
+                <a:hueOff val="0"/>
+                <a:satOff val="0"/>
+                <a:lumOff val="0"/>
+                <a:alphaOff val="0"/>
+                <a:shade val="93000"/>
+                <a:satMod val="130000"/>
+              </a:schemeClr>
+            </a:gs>
+            <a:gs pos="100000">
+              <a:schemeClr val="accent6">
+                <a:hueOff val="0"/>
+                <a:satOff val="0"/>
+                <a:lumOff val="0"/>
+                <a:alphaOff val="0"/>
+                <a:shade val="94000"/>
+                <a:satMod val="135000"/>
+              </a:schemeClr>
+            </a:gs>
+          </a:gsLst>
+          <a:lin ang="16200000" scaled="0"/>
+        </a:gradFill>
+        <a:ln>
+          <a:noFill/>
+        </a:ln>
+        <a:effectLst>
+          <a:outerShdw blurRad="40000" dist="23000" dir="5400000" rotWithShape="0">
+            <a:srgbClr val="000000">
+              <a:alpha val="35000"/>
+            </a:srgbClr>
+          </a:outerShdw>
+        </a:effectLst>
+        <a:scene3d>
+          <a:camera prst="orthographicFront"/>
+          <a:lightRig rig="threePt" dir="t">
+            <a:rot lat="0" lon="0" rev="7500000"/>
+          </a:lightRig>
+        </a:scene3d>
+        <a:sp3d prstMaterial="plastic">
+          <a:bevelT w="127000" h="25400" prst="relaxedInset"/>
+        </a:sp3d>
+      </dsp:spPr>
+      <dsp:style>
+        <a:lnRef idx="0">
+          <a:scrgbClr r="0" g="0" b="0"/>
+        </a:lnRef>
+        <a:fillRef idx="3">
+          <a:scrgbClr r="0" g="0" b="0"/>
+        </a:fillRef>
+        <a:effectRef idx="2">
+          <a:scrgbClr r="0" g="0" b="0"/>
+        </a:effectRef>
+        <a:fontRef idx="minor">
+          <a:schemeClr val="lt1"/>
+        </a:fontRef>
+      </dsp:style>
+      <dsp:txBody>
+        <a:bodyPr spcFirstLastPara="0" vert="horz" wrap="square" lIns="20955" tIns="20955" rIns="20955" bIns="20955" numCol="1" spcCol="1270" anchor="ctr" anchorCtr="0">
+          <a:noAutofit/>
+        </a:bodyPr>
+        <a:lstStyle/>
+        <a:p>
+          <a:pPr lvl="0" algn="ctr" defTabSz="1466850">
+            <a:lnSpc>
+              <a:spcPct val="90000"/>
+            </a:lnSpc>
+            <a:spcBef>
+              <a:spcPct val="0"/>
+            </a:spcBef>
+            <a:spcAft>
+              <a:spcPct val="35000"/>
+            </a:spcAft>
+          </a:pPr>
+          <a:endParaRPr lang="fr-FR" sz="3300" kern="1200" dirty="0"/>
+        </a:p>
+      </dsp:txBody>
+      <dsp:txXfrm rot="5400000">
+        <a:off x="-258694" y="262904"/>
+        <a:ext cx="1724633" cy="1207243"/>
+      </dsp:txXfrm>
+    </dsp:sp>
+    <dsp:sp modelId="{EDD5B787-9F53-4389-A00C-65404E970DA2}">
+      <dsp:nvSpPr>
+        <dsp:cNvPr id="0" name=""/>
+        <dsp:cNvSpPr/>
+      </dsp:nvSpPr>
+      <dsp:spPr>
+        <a:xfrm rot="5400000">
+          <a:off x="2226296" y="-1014843"/>
+          <a:ext cx="1121011" cy="3159118"/>
+        </a:xfrm>
+        <a:prstGeom prst="round2SameRect">
+          <a:avLst/>
+        </a:prstGeom>
+        <a:solidFill>
+          <a:schemeClr val="lt1">
+            <a:alpha val="90000"/>
+            <a:hueOff val="0"/>
+            <a:satOff val="0"/>
+            <a:lumOff val="0"/>
+            <a:alphaOff val="0"/>
+          </a:schemeClr>
+        </a:solidFill>
+        <a:ln w="9525" cap="flat" cmpd="sng" algn="ctr">
+          <a:solidFill>
+            <a:schemeClr val="accent6">
+              <a:hueOff val="0"/>
+              <a:satOff val="0"/>
+              <a:lumOff val="0"/>
+              <a:alphaOff val="0"/>
+            </a:schemeClr>
+          </a:solidFill>
+          <a:prstDash val="solid"/>
+        </a:ln>
+        <a:effectLst>
+          <a:outerShdw blurRad="40000" dist="23000" dir="5400000" rotWithShape="0">
+            <a:srgbClr val="000000">
+              <a:alpha val="35000"/>
+            </a:srgbClr>
+          </a:outerShdw>
+        </a:effectLst>
+        <a:scene3d>
+          <a:camera prst="orthographicFront"/>
+          <a:lightRig rig="threePt" dir="t">
+            <a:rot lat="0" lon="0" rev="7500000"/>
+          </a:lightRig>
+        </a:scene3d>
+        <a:sp3d extrusionH="190500" prstMaterial="dkEdge">
+          <a:bevelT w="135400" h="16350" prst="relaxedInset"/>
+          <a:contourClr>
+            <a:schemeClr val="bg1"/>
+          </a:contourClr>
+        </a:sp3d>
+      </dsp:spPr>
+      <dsp:style>
+        <a:lnRef idx="1">
+          <a:scrgbClr r="0" g="0" b="0"/>
+        </a:lnRef>
+        <a:fillRef idx="1">
+          <a:scrgbClr r="0" g="0" b="0"/>
+        </a:fillRef>
+        <a:effectRef idx="2">
+          <a:scrgbClr r="0" g="0" b="0"/>
+        </a:effectRef>
+        <a:fontRef idx="minor"/>
+      </dsp:style>
+      <dsp:txBody>
+        <a:bodyPr spcFirstLastPara="0" vert="horz" wrap="square" lIns="142240" tIns="12700" rIns="12700" bIns="12700" numCol="1" spcCol="1270" anchor="ctr" anchorCtr="0">
+          <a:noAutofit/>
+        </a:bodyPr>
+        <a:lstStyle/>
+        <a:p>
+          <a:pPr marL="228600" lvl="1" indent="-228600" algn="l" defTabSz="889000">
+            <a:lnSpc>
+              <a:spcPct val="90000"/>
+            </a:lnSpc>
+            <a:spcBef>
+              <a:spcPct val="0"/>
+            </a:spcBef>
+            <a:spcAft>
+              <a:spcPct val="15000"/>
+            </a:spcAft>
+            <a:buChar char="••"/>
+          </a:pPr>
+          <a:r>
+            <a:rPr lang="fr-FR" sz="2000" kern="1200" dirty="0" smtClean="0">
+              <a:latin typeface="Book Antiqua" pitchFamily="18" charset="0"/>
+            </a:rPr>
+            <a:t>Recherche d’une figurine</a:t>
+          </a:r>
+          <a:endParaRPr lang="fr-FR" sz="2000" kern="1200" dirty="0">
+            <a:latin typeface="Book Antiqua" pitchFamily="18" charset="0"/>
+          </a:endParaRPr>
+        </a:p>
+      </dsp:txBody>
+      <dsp:txXfrm rot="5400000">
+        <a:off x="2226296" y="-1014843"/>
+        <a:ext cx="1121011" cy="3159118"/>
+      </dsp:txXfrm>
+    </dsp:sp>
+    <dsp:sp modelId="{1C32C1FA-2778-4EDB-9B12-7D619BC87DB3}">
+      <dsp:nvSpPr>
+        <dsp:cNvPr id="0" name=""/>
+        <dsp:cNvSpPr/>
+      </dsp:nvSpPr>
+      <dsp:spPr>
+        <a:xfrm rot="5400000">
+          <a:off x="-258694" y="1794954"/>
+          <a:ext cx="1724633" cy="1207243"/>
+        </a:xfrm>
+        <a:prstGeom prst="chevron">
+          <a:avLst/>
+        </a:prstGeom>
+        <a:gradFill rotWithShape="0">
+          <a:gsLst>
+            <a:gs pos="0">
+              <a:schemeClr val="accent6">
+                <a:hueOff val="0"/>
+                <a:satOff val="0"/>
+                <a:lumOff val="0"/>
+                <a:alphaOff val="0"/>
+                <a:shade val="51000"/>
+                <a:satMod val="130000"/>
+              </a:schemeClr>
+            </a:gs>
+            <a:gs pos="80000">
+              <a:schemeClr val="accent6">
+                <a:hueOff val="0"/>
+                <a:satOff val="0"/>
+                <a:lumOff val="0"/>
+                <a:alphaOff val="0"/>
+                <a:shade val="93000"/>
+                <a:satMod val="130000"/>
+              </a:schemeClr>
+            </a:gs>
+            <a:gs pos="100000">
+              <a:schemeClr val="accent6">
+                <a:hueOff val="0"/>
+                <a:satOff val="0"/>
+                <a:lumOff val="0"/>
+                <a:alphaOff val="0"/>
+                <a:shade val="94000"/>
+                <a:satMod val="135000"/>
+              </a:schemeClr>
+            </a:gs>
+          </a:gsLst>
+          <a:lin ang="16200000" scaled="0"/>
+        </a:gradFill>
+        <a:ln>
+          <a:noFill/>
+        </a:ln>
+        <a:effectLst>
+          <a:outerShdw blurRad="40000" dist="23000" dir="5400000" rotWithShape="0">
+            <a:srgbClr val="000000">
+              <a:alpha val="35000"/>
+            </a:srgbClr>
+          </a:outerShdw>
+        </a:effectLst>
+        <a:scene3d>
+          <a:camera prst="orthographicFront"/>
+          <a:lightRig rig="threePt" dir="t">
+            <a:rot lat="0" lon="0" rev="7500000"/>
+          </a:lightRig>
+        </a:scene3d>
+        <a:sp3d prstMaterial="plastic">
+          <a:bevelT w="127000" h="25400" prst="relaxedInset"/>
+        </a:sp3d>
+      </dsp:spPr>
+      <dsp:style>
+        <a:lnRef idx="0">
+          <a:scrgbClr r="0" g="0" b="0"/>
+        </a:lnRef>
+        <a:fillRef idx="3">
+          <a:scrgbClr r="0" g="0" b="0"/>
+        </a:fillRef>
+        <a:effectRef idx="2">
+          <a:scrgbClr r="0" g="0" b="0"/>
+        </a:effectRef>
+        <a:fontRef idx="minor">
+          <a:schemeClr val="lt1"/>
+        </a:fontRef>
+      </dsp:style>
+      <dsp:txBody>
+        <a:bodyPr spcFirstLastPara="0" vert="horz" wrap="square" lIns="20955" tIns="20955" rIns="20955" bIns="20955" numCol="1" spcCol="1270" anchor="ctr" anchorCtr="0">
+          <a:noAutofit/>
+        </a:bodyPr>
+        <a:lstStyle/>
+        <a:p>
+          <a:pPr lvl="0" algn="ctr" defTabSz="1466850">
+            <a:lnSpc>
+              <a:spcPct val="90000"/>
+            </a:lnSpc>
+            <a:spcBef>
+              <a:spcPct val="0"/>
+            </a:spcBef>
+            <a:spcAft>
+              <a:spcPct val="35000"/>
+            </a:spcAft>
+          </a:pPr>
+          <a:endParaRPr lang="fr-FR" sz="3300" kern="1200" dirty="0"/>
+        </a:p>
+      </dsp:txBody>
+      <dsp:txXfrm rot="5400000">
+        <a:off x="-258694" y="1794954"/>
+        <a:ext cx="1724633" cy="1207243"/>
+      </dsp:txXfrm>
+    </dsp:sp>
+    <dsp:sp modelId="{7B506571-8406-4A8D-9692-3F6732D90CB1}">
+      <dsp:nvSpPr>
+        <dsp:cNvPr id="0" name=""/>
+        <dsp:cNvSpPr/>
+      </dsp:nvSpPr>
+      <dsp:spPr>
+        <a:xfrm rot="5400000">
+          <a:off x="2226296" y="517205"/>
+          <a:ext cx="1121011" cy="3159118"/>
+        </a:xfrm>
+        <a:prstGeom prst="round2SameRect">
+          <a:avLst/>
+        </a:prstGeom>
+        <a:solidFill>
+          <a:schemeClr val="lt1">
+            <a:alpha val="90000"/>
+            <a:hueOff val="0"/>
+            <a:satOff val="0"/>
+            <a:lumOff val="0"/>
+            <a:alphaOff val="0"/>
+          </a:schemeClr>
+        </a:solidFill>
+        <a:ln w="9525" cap="flat" cmpd="sng" algn="ctr">
+          <a:solidFill>
+            <a:schemeClr val="accent6">
+              <a:hueOff val="0"/>
+              <a:satOff val="0"/>
+              <a:lumOff val="0"/>
+              <a:alphaOff val="0"/>
+            </a:schemeClr>
+          </a:solidFill>
+          <a:prstDash val="solid"/>
+        </a:ln>
+        <a:effectLst>
+          <a:outerShdw blurRad="40000" dist="23000" dir="5400000" rotWithShape="0">
+            <a:srgbClr val="000000">
+              <a:alpha val="35000"/>
+            </a:srgbClr>
+          </a:outerShdw>
+        </a:effectLst>
+        <a:scene3d>
+          <a:camera prst="orthographicFront"/>
+          <a:lightRig rig="threePt" dir="t">
+            <a:rot lat="0" lon="0" rev="7500000"/>
+          </a:lightRig>
+        </a:scene3d>
+        <a:sp3d extrusionH="190500" prstMaterial="dkEdge">
+          <a:bevelT w="135400" h="16350" prst="relaxedInset"/>
+          <a:contourClr>
+            <a:schemeClr val="bg1"/>
+          </a:contourClr>
+        </a:sp3d>
+      </dsp:spPr>
+      <dsp:style>
+        <a:lnRef idx="1">
+          <a:scrgbClr r="0" g="0" b="0"/>
+        </a:lnRef>
+        <a:fillRef idx="1">
+          <a:scrgbClr r="0" g="0" b="0"/>
+        </a:fillRef>
+        <a:effectRef idx="2">
+          <a:scrgbClr r="0" g="0" b="0"/>
+        </a:effectRef>
+        <a:fontRef idx="minor"/>
+      </dsp:style>
+      <dsp:txBody>
+        <a:bodyPr spcFirstLastPara="0" vert="horz" wrap="square" lIns="142240" tIns="12700" rIns="12700" bIns="12700" numCol="1" spcCol="1270" anchor="ctr" anchorCtr="0">
+          <a:noAutofit/>
+        </a:bodyPr>
+        <a:lstStyle/>
+        <a:p>
+          <a:pPr marL="228600" lvl="1" indent="-228600" algn="l" defTabSz="889000">
+            <a:lnSpc>
+              <a:spcPct val="90000"/>
+            </a:lnSpc>
+            <a:spcBef>
+              <a:spcPct val="0"/>
+            </a:spcBef>
+            <a:spcAft>
+              <a:spcPct val="15000"/>
+            </a:spcAft>
+            <a:buChar char="••"/>
+          </a:pPr>
+          <a:r>
+            <a:rPr lang="fr-FR" sz="2000" kern="1200" dirty="0" smtClean="0">
+              <a:latin typeface="Book Antiqua" pitchFamily="18" charset="0"/>
+            </a:rPr>
+            <a:t>Vérification du coût de l’unité</a:t>
+          </a:r>
+          <a:endParaRPr lang="fr-FR" sz="2000" kern="1200" dirty="0">
+            <a:latin typeface="Book Antiqua" pitchFamily="18" charset="0"/>
+          </a:endParaRPr>
+        </a:p>
+        <a:p>
+          <a:pPr marL="228600" lvl="1" indent="-228600" algn="l" defTabSz="889000">
+            <a:lnSpc>
+              <a:spcPct val="90000"/>
+            </a:lnSpc>
+            <a:spcBef>
+              <a:spcPct val="0"/>
+            </a:spcBef>
+            <a:spcAft>
+              <a:spcPct val="15000"/>
+            </a:spcAft>
+            <a:buChar char="••"/>
+          </a:pPr>
+          <a:r>
+            <a:rPr lang="fr-FR" sz="2000" kern="1200" dirty="0" smtClean="0">
+              <a:latin typeface="Book Antiqua" pitchFamily="18" charset="0"/>
+            </a:rPr>
+            <a:t>Ajout de la figurine à l’unité</a:t>
+          </a:r>
+          <a:endParaRPr lang="fr-FR" sz="2000" kern="1200" dirty="0">
+            <a:latin typeface="Book Antiqua" pitchFamily="18" charset="0"/>
+          </a:endParaRPr>
+        </a:p>
+      </dsp:txBody>
+      <dsp:txXfrm rot="5400000">
+        <a:off x="2226296" y="517205"/>
+        <a:ext cx="1121011" cy="3159118"/>
+      </dsp:txXfrm>
+    </dsp:sp>
+    <dsp:sp modelId="{ECD1A481-1830-41EE-A0E2-0733D53A6D9B}">
+      <dsp:nvSpPr>
+        <dsp:cNvPr id="0" name=""/>
+        <dsp:cNvSpPr/>
+      </dsp:nvSpPr>
+      <dsp:spPr>
+        <a:xfrm rot="5400000">
+          <a:off x="-258694" y="3327004"/>
+          <a:ext cx="1724633" cy="1207243"/>
+        </a:xfrm>
+        <a:prstGeom prst="chevron">
+          <a:avLst/>
+        </a:prstGeom>
+        <a:gradFill rotWithShape="0">
+          <a:gsLst>
+            <a:gs pos="0">
+              <a:schemeClr val="accent6">
+                <a:hueOff val="0"/>
+                <a:satOff val="0"/>
+                <a:lumOff val="0"/>
+                <a:alphaOff val="0"/>
+                <a:shade val="51000"/>
+                <a:satMod val="130000"/>
+              </a:schemeClr>
+            </a:gs>
+            <a:gs pos="80000">
+              <a:schemeClr val="accent6">
+                <a:hueOff val="0"/>
+                <a:satOff val="0"/>
+                <a:lumOff val="0"/>
+                <a:alphaOff val="0"/>
+                <a:shade val="93000"/>
+                <a:satMod val="130000"/>
+              </a:schemeClr>
+            </a:gs>
+            <a:gs pos="100000">
+              <a:schemeClr val="accent6">
+                <a:hueOff val="0"/>
+                <a:satOff val="0"/>
+                <a:lumOff val="0"/>
+                <a:alphaOff val="0"/>
+                <a:shade val="94000"/>
+                <a:satMod val="135000"/>
+              </a:schemeClr>
+            </a:gs>
+          </a:gsLst>
+          <a:lin ang="16200000" scaled="0"/>
+        </a:gradFill>
+        <a:ln>
+          <a:noFill/>
+        </a:ln>
+        <a:effectLst>
+          <a:outerShdw blurRad="40000" dist="23000" dir="5400000" rotWithShape="0">
+            <a:srgbClr val="000000">
+              <a:alpha val="35000"/>
+            </a:srgbClr>
+          </a:outerShdw>
+        </a:effectLst>
+        <a:scene3d>
+          <a:camera prst="orthographicFront"/>
+          <a:lightRig rig="threePt" dir="t">
+            <a:rot lat="0" lon="0" rev="7500000"/>
+          </a:lightRig>
+        </a:scene3d>
+        <a:sp3d prstMaterial="plastic">
+          <a:bevelT w="127000" h="25400" prst="relaxedInset"/>
+        </a:sp3d>
+      </dsp:spPr>
+      <dsp:style>
+        <a:lnRef idx="0">
+          <a:scrgbClr r="0" g="0" b="0"/>
+        </a:lnRef>
+        <a:fillRef idx="3">
+          <a:scrgbClr r="0" g="0" b="0"/>
+        </a:fillRef>
+        <a:effectRef idx="2">
+          <a:scrgbClr r="0" g="0" b="0"/>
+        </a:effectRef>
+        <a:fontRef idx="minor">
+          <a:schemeClr val="lt1"/>
+        </a:fontRef>
+      </dsp:style>
+      <dsp:txBody>
+        <a:bodyPr spcFirstLastPara="0" vert="horz" wrap="square" lIns="20955" tIns="20955" rIns="20955" bIns="20955" numCol="1" spcCol="1270" anchor="ctr" anchorCtr="0">
+          <a:noAutofit/>
+        </a:bodyPr>
+        <a:lstStyle/>
+        <a:p>
+          <a:pPr lvl="0" algn="ctr" defTabSz="1466850">
+            <a:lnSpc>
+              <a:spcPct val="90000"/>
+            </a:lnSpc>
+            <a:spcBef>
+              <a:spcPct val="0"/>
+            </a:spcBef>
+            <a:spcAft>
+              <a:spcPct val="35000"/>
+            </a:spcAft>
+          </a:pPr>
+          <a:endParaRPr lang="fr-FR" sz="3300" kern="1200" dirty="0"/>
+        </a:p>
+      </dsp:txBody>
+      <dsp:txXfrm rot="5400000">
+        <a:off x="-258694" y="3327004"/>
+        <a:ext cx="1724633" cy="1207243"/>
+      </dsp:txXfrm>
+    </dsp:sp>
+    <dsp:sp modelId="{2A250F59-3FDF-4162-A797-D16EF97CB567}">
+      <dsp:nvSpPr>
+        <dsp:cNvPr id="0" name=""/>
+        <dsp:cNvSpPr/>
+      </dsp:nvSpPr>
+      <dsp:spPr>
+        <a:xfrm rot="5400000">
+          <a:off x="2226296" y="2049255"/>
+          <a:ext cx="1121011" cy="3159118"/>
+        </a:xfrm>
+        <a:prstGeom prst="round2SameRect">
+          <a:avLst/>
+        </a:prstGeom>
+        <a:solidFill>
+          <a:schemeClr val="lt1">
+            <a:alpha val="90000"/>
+            <a:hueOff val="0"/>
+            <a:satOff val="0"/>
+            <a:lumOff val="0"/>
+            <a:alphaOff val="0"/>
+          </a:schemeClr>
+        </a:solidFill>
+        <a:ln w="9525" cap="flat" cmpd="sng" algn="ctr">
+          <a:solidFill>
+            <a:schemeClr val="accent6">
+              <a:hueOff val="0"/>
+              <a:satOff val="0"/>
+              <a:lumOff val="0"/>
+              <a:alphaOff val="0"/>
+            </a:schemeClr>
+          </a:solidFill>
+          <a:prstDash val="solid"/>
+        </a:ln>
+        <a:effectLst>
+          <a:outerShdw blurRad="40000" dist="23000" dir="5400000" rotWithShape="0">
+            <a:srgbClr val="000000">
+              <a:alpha val="35000"/>
+            </a:srgbClr>
+          </a:outerShdw>
+        </a:effectLst>
+        <a:scene3d>
+          <a:camera prst="orthographicFront"/>
+          <a:lightRig rig="threePt" dir="t">
+            <a:rot lat="0" lon="0" rev="7500000"/>
+          </a:lightRig>
+        </a:scene3d>
+        <a:sp3d extrusionH="190500" prstMaterial="dkEdge">
+          <a:bevelT w="135400" h="16350" prst="relaxedInset"/>
+          <a:contourClr>
+            <a:schemeClr val="bg1"/>
+          </a:contourClr>
+        </a:sp3d>
+      </dsp:spPr>
+      <dsp:style>
+        <a:lnRef idx="1">
+          <a:scrgbClr r="0" g="0" b="0"/>
+        </a:lnRef>
+        <a:fillRef idx="1">
+          <a:scrgbClr r="0" g="0" b="0"/>
+        </a:fillRef>
+        <a:effectRef idx="2">
+          <a:scrgbClr r="0" g="0" b="0"/>
+        </a:effectRef>
+        <a:fontRef idx="minor"/>
+      </dsp:style>
+      <dsp:txBody>
+        <a:bodyPr spcFirstLastPara="0" vert="horz" wrap="square" lIns="142240" tIns="12700" rIns="12700" bIns="12700" numCol="1" spcCol="1270" anchor="ctr" anchorCtr="0">
+          <a:noAutofit/>
+        </a:bodyPr>
+        <a:lstStyle/>
+        <a:p>
+          <a:pPr marL="228600" lvl="1" indent="-228600" algn="l" defTabSz="889000">
+            <a:lnSpc>
+              <a:spcPct val="90000"/>
+            </a:lnSpc>
+            <a:spcBef>
+              <a:spcPct val="0"/>
+            </a:spcBef>
+            <a:spcAft>
+              <a:spcPct val="15000"/>
+            </a:spcAft>
+            <a:buChar char="••"/>
+          </a:pPr>
+          <a:r>
+            <a:rPr lang="fr-FR" sz="2000" kern="1200" dirty="0" smtClean="0">
+              <a:latin typeface="Book Antiqua" pitchFamily="18" charset="0"/>
+            </a:rPr>
+            <a:t>Ajustement automatique en fonction des équipements</a:t>
+          </a:r>
+          <a:endParaRPr lang="fr-FR" sz="2000" kern="1200" dirty="0">
+            <a:latin typeface="Book Antiqua" pitchFamily="18" charset="0"/>
+          </a:endParaRPr>
+        </a:p>
+      </dsp:txBody>
+      <dsp:txXfrm rot="5400000">
+        <a:off x="2226296" y="2049255"/>
+        <a:ext cx="1121011" cy="3159118"/>
+      </dsp:txXfrm>
+    </dsp:sp>
+  </dsp:spTree>
+</dsp:drawing>
+</file>
+
+<file path=ppt/diagrams/layout1.xml><?xml version="1.0" encoding="utf-8"?>
+<dgm:layoutDef xmlns:dgm="http://schemas.openxmlformats.org/drawingml/2006/diagram" xmlns:a="http://schemas.openxmlformats.org/drawingml/2006/main" uniqueId="urn:microsoft.com/office/officeart/2005/8/layout/chevron2">
+  <dgm:title val=""/>
+  <dgm:desc val=""/>
+  <dgm:catLst>
+    <dgm:cat type="process" pri="12000"/>
+    <dgm:cat type="list" pri="16000"/>
+    <dgm:cat type="convert" pri="11000"/>
+  </dgm:catLst>
+  <dgm:sampData>
+    <dgm:dataModel>
+      <dgm:ptLst>
+        <dgm:pt modelId="0" type="doc"/>
+        <dgm:pt modelId="1">
+          <dgm:prSet phldr="1"/>
+        </dgm:pt>
+        <dgm:pt modelId="11">
+          <dgm:prSet phldr="1"/>
+        </dgm:pt>
+        <dgm:pt modelId="12">
+          <dgm:prSet phldr="1"/>
+        </dgm:pt>
+        <dgm:pt modelId="2">
+          <dgm:prSet phldr="1"/>
+        </dgm:pt>
+        <dgm:pt modelId="21">
+          <dgm:prSet phldr="1"/>
+        </dgm:pt>
+        <dgm:pt modelId="22">
+          <dgm:prSet phldr="1"/>
+        </dgm:pt>
+        <dgm:pt modelId="3">
+          <dgm:prSet phldr="1"/>
+        </dgm:pt>
+        <dgm:pt modelId="31">
+          <dgm:prSet phldr="1"/>
+        </dgm:pt>
+        <dgm:pt modelId="32">
+          <dgm:prSet phldr="1"/>
+        </dgm:pt>
+      </dgm:ptLst>
+      <dgm:cxnLst>
+        <dgm:cxn modelId="4" srcId="0" destId="1" srcOrd="0" destOrd="0"/>
+        <dgm:cxn modelId="5" srcId="0" destId="2" srcOrd="1" destOrd="0"/>
+        <dgm:cxn modelId="6" srcId="0" destId="3" srcOrd="2" destOrd="0"/>
+        <dgm:cxn modelId="13" srcId="1" destId="11" srcOrd="0" destOrd="0"/>
+        <dgm:cxn modelId="14" srcId="1" destId="12" srcOrd="1" destOrd="0"/>
+        <dgm:cxn modelId="23" srcId="2" destId="21" srcOrd="0" destOrd="0"/>
+        <dgm:cxn modelId="24" srcId="2" destId="22" srcOrd="1" destOrd="0"/>
+        <dgm:cxn modelId="33" srcId="3" destId="31" srcOrd="0" destOrd="0"/>
+        <dgm:cxn modelId="34" srcId="3" destId="32" srcOrd="1" destOrd="0"/>
+      </dgm:cxnLst>
+      <dgm:bg/>
+      <dgm:whole/>
+    </dgm:dataModel>
+  </dgm:sampData>
+  <dgm:styleData>
+    <dgm:dataModel>
+      <dgm:ptLst>
+        <dgm:pt modelId="0" type="doc"/>
+        <dgm:pt modelId="1"/>
+      </dgm:ptLst>
+      <dgm:cxnLst>
+        <dgm:cxn modelId="4" srcId="0" destId="1" srcOrd="0" destOrd="0"/>
+      </dgm:cxnLst>
+      <dgm:bg/>
+      <dgm:whole/>
+    </dgm:dataModel>
+  </dgm:styleData>
+  <dgm:clrData>
+    <dgm:dataModel>
+      <dgm:ptLst>
+        <dgm:pt modelId="0" type="doc"/>
+        <dgm:pt modelId="1"/>
+        <dgm:pt modelId="11"/>
+        <dgm:pt modelId="2"/>
+        <dgm:pt modelId="21"/>
+        <dgm:pt modelId="3"/>
+        <dgm:pt modelId="31"/>
+        <dgm:pt modelId="4"/>
+        <dgm:pt modelId="41"/>
+      </dgm:ptLst>
+      <dgm:cxnLst>
+        <dgm:cxn modelId="5" srcId="0" destId="1" srcOrd="0" destOrd="0"/>
+        <dgm:cxn modelId="6" srcId="0" destId="2" srcOrd="1" destOrd="0"/>
+        <dgm:cxn modelId="7" srcId="0" destId="3" srcOrd="2" destOrd="0"/>
+        <dgm:cxn modelId="8" srcId="0" destId="4" srcOrd="3" destOrd="0"/>
+        <dgm:cxn modelId="13" srcId="1" destId="11" srcOrd="0" destOrd="0"/>
+        <dgm:cxn modelId="23" srcId="2" destId="21" srcOrd="0" destOrd="0"/>
+        <dgm:cxn modelId="33" srcId="3" destId="31" srcOrd="0" destOrd="0"/>
+        <dgm:cxn modelId="43" srcId="4" destId="41" srcOrd="0" destOrd="0"/>
+      </dgm:cxnLst>
+      <dgm:bg/>
+      <dgm:whole/>
+    </dgm:dataModel>
+  </dgm:clrData>
+  <dgm:layoutNode name="linearFlow">
+    <dgm:varLst>
+      <dgm:dir/>
+      <dgm:animLvl val="lvl"/>
+      <dgm:resizeHandles val="exact"/>
+    </dgm:varLst>
+    <dgm:alg type="lin">
+      <dgm:param type="linDir" val="fromT"/>
+      <dgm:param type="nodeHorzAlign" val="l"/>
+    </dgm:alg>
+    <dgm:shape xmlns:r="http://schemas.openxmlformats.org/officeDocument/2006/relationships" r:blip="">
+      <dgm:adjLst/>
+    </dgm:shape>
+    <dgm:presOf/>
+    <dgm:constrLst>
+      <dgm:constr type="h" for="ch" forName="composite" refType="h"/>
+      <dgm:constr type="w" for="ch" forName="composite" refType="w"/>
+      <dgm:constr type="h" for="des" forName="parentText" op="equ"/>
+      <dgm:constr type="h" for="ch" forName="sp" val="-14.88"/>
+      <dgm:constr type="h" for="ch" forName="sp" refType="w" refFor="des" refForName="parentText" op="gte" fact="-0.3"/>
+      <dgm:constr type="primFontSz" for="des" forName="parentText" op="equ" val="65"/>
+      <dgm:constr type="primFontSz" for="des" forName="descendantText" op="equ" val="65"/>
+    </dgm:constrLst>
+    <dgm:ruleLst/>
+    <dgm:forEach name="Name0" axis="ch" ptType="node">
+      <dgm:layoutNode name="composite">
+        <dgm:alg type="composite"/>
+        <dgm:shape xmlns:r="http://schemas.openxmlformats.org/officeDocument/2006/relationships" r:blip="">
+          <dgm:adjLst/>
+        </dgm:shape>
+        <dgm:presOf/>
+        <dgm:choose name="Name1">
+          <dgm:if name="Name2" func="var" arg="dir" op="equ" val="norm">
+            <dgm:constrLst>
+              <dgm:constr type="t" for="ch" forName="parentText"/>
+              <dgm:constr type="l" for="ch" forName="parentText"/>
+              <dgm:constr type="w" for="ch" forName="parentText" refType="w" fact="0.4"/>
+              <dgm:constr type="h" for="ch" forName="parentText" refType="h"/>
+              <dgm:constr type="w" for="ch" forName="parentText" refType="w" op="lte" fact="0.5"/>
+              <dgm:constr type="w" for="ch" forName="parentText" refType="h" refFor="ch" refForName="parentText" op="lte" fact="0.7"/>
+              <dgm:constr type="h" for="ch" forName="parentText" refType="w" refFor="ch" refForName="parentText" op="lte" fact="3"/>
+              <dgm:constr type="l" for="ch" forName="descendantText" refType="w" refFor="ch" refForName="parentText"/>
+              <dgm:constr type="w" for="ch" forName="descendantText" refType="w"/>
+              <dgm:constr type="wOff" for="ch" forName="descendantText" refType="w" refFor="ch" refForName="parentText" fact="-1"/>
+              <dgm:constr type="t" for="ch" forName="descendantText"/>
+              <dgm:constr type="b" for="ch" forName="descendantText" refType="h" refFor="ch" refForName="parentText"/>
+              <dgm:constr type="bOff" for="ch" forName="descendantText" refType="w" refFor="ch" refForName="parentText" fact="-0.5"/>
+            </dgm:constrLst>
+          </dgm:if>
+          <dgm:else name="Name3">
+            <dgm:constrLst>
+              <dgm:constr type="t" for="ch" forName="parentText"/>
+              <dgm:constr type="r" for="ch" forName="parentText" refType="w"/>
+              <dgm:constr type="w" for="ch" forName="parentText" refType="w" fact="0.4"/>
+              <dgm:constr type="h" for="ch" forName="parentText" refType="h"/>
+              <dgm:constr type="w" for="ch" forName="parentText" refType="w" op="lte" fact="0.5"/>
+              <dgm:constr type="w" for="ch" forName="parentText" refType="h" refFor="ch" refForName="parentText" op="lte" fact="0.7"/>
+              <dgm:constr type="h" for="ch" forName="parentText" refType="w" refFor="ch" refForName="parentText" op="lte" fact="3"/>
+              <dgm:constr type="l" for="ch" forName="descendantText"/>
+              <dgm:constr type="w" for="ch" forName="descendantText" refType="w"/>
+              <dgm:constr type="wOff" for="ch" forName="descendantText" refType="w" refFor="ch" refForName="parentText" fact="-1"/>
+              <dgm:constr type="t" for="ch" forName="descendantText"/>
+              <dgm:constr type="b" for="ch" forName="descendantText" refType="h" refFor="ch" refForName="parentText"/>
+              <dgm:constr type="bOff" for="ch" forName="descendantText" refType="w" refFor="ch" refForName="parentText" fact="-0.5"/>
+            </dgm:constrLst>
+          </dgm:else>
+        </dgm:choose>
+        <dgm:ruleLst/>
+        <dgm:layoutNode name="parentText" styleLbl="alignNode1">
+          <dgm:varLst>
+            <dgm:chMax val="1"/>
+            <dgm:bulletEnabled val="1"/>
+          </dgm:varLst>
+          <dgm:alg type="tx"/>
+          <dgm:shape xmlns:r="http://schemas.openxmlformats.org/officeDocument/2006/relationships" rot="90" type="chevron" r:blip="">
+            <dgm:adjLst/>
+          </dgm:shape>
+          <dgm:presOf axis="self" ptType="node"/>
+          <dgm:constrLst>
+            <dgm:constr type="lMarg" refType="primFontSz" fact="0.05"/>
+            <dgm:constr type="rMarg" refType="primFontSz" fact="0.05"/>
+            <dgm:constr type="tMarg" refType="primFontSz" fact="0.05"/>
+            <dgm:constr type="bMarg" refType="primFontSz" fact="0.05"/>
+          </dgm:constrLst>
+          <dgm:ruleLst>
+            <dgm:rule type="h" val="100" fact="NaN" max="NaN"/>
+            <dgm:rule type="primFontSz" val="24" fact="NaN" max="NaN"/>
+            <dgm:rule type="h" val="110" fact="NaN" max="NaN"/>
+            <dgm:rule type="primFontSz" val="18" fact="NaN" max="NaN"/>
+            <dgm:rule type="h" val="INF" fact="NaN" max="NaN"/>
+            <dgm:rule type="primFontSz" val="5" fact="NaN" max="NaN"/>
+          </dgm:ruleLst>
+        </dgm:layoutNode>
+        <dgm:layoutNode name="descendantText" styleLbl="alignAcc1">
+          <dgm:varLst>
+            <dgm:bulletEnabled val="1"/>
+          </dgm:varLst>
+          <dgm:choose name="Name4">
+            <dgm:if name="Name5" func="var" arg="dir" op="equ" val="norm">
+              <dgm:alg type="tx">
+                <dgm:param type="stBulletLvl" val="1"/>
+                <dgm:param type="txAnchorVertCh" val="mid"/>
+              </dgm:alg>
+              <dgm:shape xmlns:r="http://schemas.openxmlformats.org/officeDocument/2006/relationships" rot="90" type="round2SameRect" r:blip="">
+                <dgm:adjLst/>
+              </dgm:shape>
+            </dgm:if>
+            <dgm:else name="Name6">
+              <dgm:alg type="tx">
+                <dgm:param type="stBulletLvl" val="1"/>
+                <dgm:param type="txAnchorVertCh" val="mid"/>
+              </dgm:alg>
+              <dgm:shape xmlns:r="http://schemas.openxmlformats.org/officeDocument/2006/relationships" rot="-90" type="round2SameRect" r:blip="">
+                <dgm:adjLst/>
+              </dgm:shape>
+            </dgm:else>
+          </dgm:choose>
+          <dgm:presOf axis="des" ptType="node"/>
+          <dgm:choose name="Name7">
+            <dgm:if name="Name8" func="var" arg="dir" op="equ" val="norm">
+              <dgm:constrLst>
+                <dgm:constr type="secFontSz" refType="primFontSz"/>
+                <dgm:constr type="tMarg" refType="primFontSz" fact="0.05"/>
+                <dgm:constr type="bMarg" refType="primFontSz" fact="0.05"/>
+                <dgm:constr type="rMarg" refType="primFontSz" fact="0.05"/>
+              </dgm:constrLst>
+            </dgm:if>
+            <dgm:else name="Name9">
+              <dgm:constrLst>
+                <dgm:constr type="secFontSz" refType="primFontSz"/>
+                <dgm:constr type="tMarg" refType="primFontSz" fact="0.05"/>
+                <dgm:constr type="bMarg" refType="primFontSz" fact="0.05"/>
+                <dgm:constr type="lMarg" refType="primFontSz" fact="0.05"/>
+              </dgm:constrLst>
+            </dgm:else>
+          </dgm:choose>
+          <dgm:ruleLst>
+            <dgm:rule type="primFontSz" val="5" fact="NaN" max="NaN"/>
+          </dgm:ruleLst>
+        </dgm:layoutNode>
+      </dgm:layoutNode>
+      <dgm:forEach name="Name10" axis="followSib" ptType="sibTrans" cnt="1">
+        <dgm:layoutNode name="sp">
+          <dgm:alg type="sp"/>
+          <dgm:shape xmlns:r="http://schemas.openxmlformats.org/officeDocument/2006/relationships" r:blip="">
+            <dgm:adjLst/>
+          </dgm:shape>
+          <dgm:presOf axis="self"/>
+          <dgm:constrLst>
+            <dgm:constr type="w" val="1"/>
+            <dgm:constr type="h" val="37.5"/>
+          </dgm:constrLst>
+          <dgm:ruleLst/>
+        </dgm:layoutNode>
+      </dgm:forEach>
+    </dgm:forEach>
+  </dgm:layoutNode>
+</dgm:layoutDef>
+</file>
+
+<file path=ppt/diagrams/layout2.xml><?xml version="1.0" encoding="utf-8"?>
+<dgm:layoutDef xmlns:dgm="http://schemas.openxmlformats.org/drawingml/2006/diagram" xmlns:a="http://schemas.openxmlformats.org/drawingml/2006/main" uniqueId="urn:microsoft.com/office/officeart/2005/8/layout/chevron2">
+  <dgm:title val=""/>
+  <dgm:desc val=""/>
+  <dgm:catLst>
+    <dgm:cat type="process" pri="12000"/>
+    <dgm:cat type="list" pri="16000"/>
+    <dgm:cat type="convert" pri="11000"/>
+  </dgm:catLst>
+  <dgm:sampData>
+    <dgm:dataModel>
+      <dgm:ptLst>
+        <dgm:pt modelId="0" type="doc"/>
+        <dgm:pt modelId="1">
+          <dgm:prSet phldr="1"/>
+        </dgm:pt>
+        <dgm:pt modelId="11">
+          <dgm:prSet phldr="1"/>
+        </dgm:pt>
+        <dgm:pt modelId="12">
+          <dgm:prSet phldr="1"/>
+        </dgm:pt>
+        <dgm:pt modelId="2">
+          <dgm:prSet phldr="1"/>
+        </dgm:pt>
+        <dgm:pt modelId="21">
+          <dgm:prSet phldr="1"/>
+        </dgm:pt>
+        <dgm:pt modelId="22">
+          <dgm:prSet phldr="1"/>
+        </dgm:pt>
+        <dgm:pt modelId="3">
+          <dgm:prSet phldr="1"/>
+        </dgm:pt>
+        <dgm:pt modelId="31">
+          <dgm:prSet phldr="1"/>
+        </dgm:pt>
+        <dgm:pt modelId="32">
+          <dgm:prSet phldr="1"/>
+        </dgm:pt>
+      </dgm:ptLst>
+      <dgm:cxnLst>
+        <dgm:cxn modelId="4" srcId="0" destId="1" srcOrd="0" destOrd="0"/>
+        <dgm:cxn modelId="5" srcId="0" destId="2" srcOrd="1" destOrd="0"/>
+        <dgm:cxn modelId="6" srcId="0" destId="3" srcOrd="2" destOrd="0"/>
+        <dgm:cxn modelId="13" srcId="1" destId="11" srcOrd="0" destOrd="0"/>
+        <dgm:cxn modelId="14" srcId="1" destId="12" srcOrd="1" destOrd="0"/>
+        <dgm:cxn modelId="23" srcId="2" destId="21" srcOrd="0" destOrd="0"/>
+        <dgm:cxn modelId="24" srcId="2" destId="22" srcOrd="1" destOrd="0"/>
+        <dgm:cxn modelId="33" srcId="3" destId="31" srcOrd="0" destOrd="0"/>
+        <dgm:cxn modelId="34" srcId="3" destId="32" srcOrd="1" destOrd="0"/>
+      </dgm:cxnLst>
+      <dgm:bg/>
+      <dgm:whole/>
+    </dgm:dataModel>
+  </dgm:sampData>
+  <dgm:styleData>
+    <dgm:dataModel>
+      <dgm:ptLst>
+        <dgm:pt modelId="0" type="doc"/>
+        <dgm:pt modelId="1"/>
+      </dgm:ptLst>
+      <dgm:cxnLst>
+        <dgm:cxn modelId="4" srcId="0" destId="1" srcOrd="0" destOrd="0"/>
+      </dgm:cxnLst>
+      <dgm:bg/>
+      <dgm:whole/>
+    </dgm:dataModel>
+  </dgm:styleData>
+  <dgm:clrData>
+    <dgm:dataModel>
+      <dgm:ptLst>
+        <dgm:pt modelId="0" type="doc"/>
+        <dgm:pt modelId="1"/>
+        <dgm:pt modelId="11"/>
+        <dgm:pt modelId="2"/>
+        <dgm:pt modelId="21"/>
+        <dgm:pt modelId="3"/>
+        <dgm:pt modelId="31"/>
+        <dgm:pt modelId="4"/>
+        <dgm:pt modelId="41"/>
+      </dgm:ptLst>
+      <dgm:cxnLst>
+        <dgm:cxn modelId="5" srcId="0" destId="1" srcOrd="0" destOrd="0"/>
+        <dgm:cxn modelId="6" srcId="0" destId="2" srcOrd="1" destOrd="0"/>
+        <dgm:cxn modelId="7" srcId="0" destId="3" srcOrd="2" destOrd="0"/>
+        <dgm:cxn modelId="8" srcId="0" destId="4" srcOrd="3" destOrd="0"/>
+        <dgm:cxn modelId="13" srcId="1" destId="11" srcOrd="0" destOrd="0"/>
+        <dgm:cxn modelId="23" srcId="2" destId="21" srcOrd="0" destOrd="0"/>
+        <dgm:cxn modelId="33" srcId="3" destId="31" srcOrd="0" destOrd="0"/>
+        <dgm:cxn modelId="43" srcId="4" destId="41" srcOrd="0" destOrd="0"/>
+      </dgm:cxnLst>
+      <dgm:bg/>
+      <dgm:whole/>
+    </dgm:dataModel>
+  </dgm:clrData>
+  <dgm:layoutNode name="linearFlow">
+    <dgm:varLst>
+      <dgm:dir/>
+      <dgm:animLvl val="lvl"/>
+      <dgm:resizeHandles val="exact"/>
+    </dgm:varLst>
+    <dgm:alg type="lin">
+      <dgm:param type="linDir" val="fromT"/>
+      <dgm:param type="nodeHorzAlign" val="l"/>
+    </dgm:alg>
+    <dgm:shape xmlns:r="http://schemas.openxmlformats.org/officeDocument/2006/relationships" r:blip="">
+      <dgm:adjLst/>
+    </dgm:shape>
+    <dgm:presOf/>
+    <dgm:constrLst>
+      <dgm:constr type="h" for="ch" forName="composite" refType="h"/>
+      <dgm:constr type="w" for="ch" forName="composite" refType="w"/>
+      <dgm:constr type="h" for="des" forName="parentText" op="equ"/>
+      <dgm:constr type="h" for="ch" forName="sp" val="-14.88"/>
+      <dgm:constr type="h" for="ch" forName="sp" refType="w" refFor="des" refForName="parentText" op="gte" fact="-0.3"/>
+      <dgm:constr type="primFontSz" for="des" forName="parentText" op="equ" val="65"/>
+      <dgm:constr type="primFontSz" for="des" forName="descendantText" op="equ" val="65"/>
+    </dgm:constrLst>
+    <dgm:ruleLst/>
+    <dgm:forEach name="Name0" axis="ch" ptType="node">
+      <dgm:layoutNode name="composite">
+        <dgm:alg type="composite"/>
+        <dgm:shape xmlns:r="http://schemas.openxmlformats.org/officeDocument/2006/relationships" r:blip="">
+          <dgm:adjLst/>
+        </dgm:shape>
+        <dgm:presOf/>
+        <dgm:choose name="Name1">
+          <dgm:if name="Name2" func="var" arg="dir" op="equ" val="norm">
+            <dgm:constrLst>
+              <dgm:constr type="t" for="ch" forName="parentText"/>
+              <dgm:constr type="l" for="ch" forName="parentText"/>
+              <dgm:constr type="w" for="ch" forName="parentText" refType="w" fact="0.4"/>
+              <dgm:constr type="h" for="ch" forName="parentText" refType="h"/>
+              <dgm:constr type="w" for="ch" forName="parentText" refType="w" op="lte" fact="0.5"/>
+              <dgm:constr type="w" for="ch" forName="parentText" refType="h" refFor="ch" refForName="parentText" op="lte" fact="0.7"/>
+              <dgm:constr type="h" for="ch" forName="parentText" refType="w" refFor="ch" refForName="parentText" op="lte" fact="3"/>
+              <dgm:constr type="l" for="ch" forName="descendantText" refType="w" refFor="ch" refForName="parentText"/>
+              <dgm:constr type="w" for="ch" forName="descendantText" refType="w"/>
+              <dgm:constr type="wOff" for="ch" forName="descendantText" refType="w" refFor="ch" refForName="parentText" fact="-1"/>
+              <dgm:constr type="t" for="ch" forName="descendantText"/>
+              <dgm:constr type="b" for="ch" forName="descendantText" refType="h" refFor="ch" refForName="parentText"/>
+              <dgm:constr type="bOff" for="ch" forName="descendantText" refType="w" refFor="ch" refForName="parentText" fact="-0.5"/>
+            </dgm:constrLst>
+          </dgm:if>
+          <dgm:else name="Name3">
+            <dgm:constrLst>
+              <dgm:constr type="t" for="ch" forName="parentText"/>
+              <dgm:constr type="r" for="ch" forName="parentText" refType="w"/>
+              <dgm:constr type="w" for="ch" forName="parentText" refType="w" fact="0.4"/>
+              <dgm:constr type="h" for="ch" forName="parentText" refType="h"/>
+              <dgm:constr type="w" for="ch" forName="parentText" refType="w" op="lte" fact="0.5"/>
+              <dgm:constr type="w" for="ch" forName="parentText" refType="h" refFor="ch" refForName="parentText" op="lte" fact="0.7"/>
+              <dgm:constr type="h" for="ch" forName="parentText" refType="w" refFor="ch" refForName="parentText" op="lte" fact="3"/>
+              <dgm:constr type="l" for="ch" forName="descendantText"/>
+              <dgm:constr type="w" for="ch" forName="descendantText" refType="w"/>
+              <dgm:constr type="wOff" for="ch" forName="descendantText" refType="w" refFor="ch" refForName="parentText" fact="-1"/>
+              <dgm:constr type="t" for="ch" forName="descendantText"/>
+              <dgm:constr type="b" for="ch" forName="descendantText" refType="h" refFor="ch" refForName="parentText"/>
+              <dgm:constr type="bOff" for="ch" forName="descendantText" refType="w" refFor="ch" refForName="parentText" fact="-0.5"/>
+            </dgm:constrLst>
+          </dgm:else>
+        </dgm:choose>
+        <dgm:ruleLst/>
+        <dgm:layoutNode name="parentText" styleLbl="alignNode1">
+          <dgm:varLst>
+            <dgm:chMax val="1"/>
+            <dgm:bulletEnabled val="1"/>
+          </dgm:varLst>
+          <dgm:alg type="tx"/>
+          <dgm:shape xmlns:r="http://schemas.openxmlformats.org/officeDocument/2006/relationships" rot="90" type="chevron" r:blip="">
+            <dgm:adjLst/>
+          </dgm:shape>
+          <dgm:presOf axis="self" ptType="node"/>
+          <dgm:constrLst>
+            <dgm:constr type="lMarg" refType="primFontSz" fact="0.05"/>
+            <dgm:constr type="rMarg" refType="primFontSz" fact="0.05"/>
+            <dgm:constr type="tMarg" refType="primFontSz" fact="0.05"/>
+            <dgm:constr type="bMarg" refType="primFontSz" fact="0.05"/>
+          </dgm:constrLst>
+          <dgm:ruleLst>
+            <dgm:rule type="h" val="100" fact="NaN" max="NaN"/>
+            <dgm:rule type="primFontSz" val="24" fact="NaN" max="NaN"/>
+            <dgm:rule type="h" val="110" fact="NaN" max="NaN"/>
+            <dgm:rule type="primFontSz" val="18" fact="NaN" max="NaN"/>
+            <dgm:rule type="h" val="INF" fact="NaN" max="NaN"/>
+            <dgm:rule type="primFontSz" val="5" fact="NaN" max="NaN"/>
+          </dgm:ruleLst>
+        </dgm:layoutNode>
+        <dgm:layoutNode name="descendantText" styleLbl="alignAcc1">
+          <dgm:varLst>
+            <dgm:bulletEnabled val="1"/>
+          </dgm:varLst>
+          <dgm:choose name="Name4">
+            <dgm:if name="Name5" func="var" arg="dir" op="equ" val="norm">
+              <dgm:alg type="tx">
+                <dgm:param type="stBulletLvl" val="1"/>
+                <dgm:param type="txAnchorVertCh" val="mid"/>
+              </dgm:alg>
+              <dgm:shape xmlns:r="http://schemas.openxmlformats.org/officeDocument/2006/relationships" rot="90" type="round2SameRect" r:blip="">
+                <dgm:adjLst/>
+              </dgm:shape>
+            </dgm:if>
+            <dgm:else name="Name6">
+              <dgm:alg type="tx">
+                <dgm:param type="stBulletLvl" val="1"/>
+                <dgm:param type="txAnchorVertCh" val="mid"/>
+              </dgm:alg>
+              <dgm:shape xmlns:r="http://schemas.openxmlformats.org/officeDocument/2006/relationships" rot="-90" type="round2SameRect" r:blip="">
+                <dgm:adjLst/>
+              </dgm:shape>
+            </dgm:else>
+          </dgm:choose>
+          <dgm:presOf axis="des" ptType="node"/>
+          <dgm:choose name="Name7">
+            <dgm:if name="Name8" func="var" arg="dir" op="equ" val="norm">
+              <dgm:constrLst>
+                <dgm:constr type="secFontSz" refType="primFontSz"/>
+                <dgm:constr type="tMarg" refType="primFontSz" fact="0.05"/>
+                <dgm:constr type="bMarg" refType="primFontSz" fact="0.05"/>
+                <dgm:constr type="rMarg" refType="primFontSz" fact="0.05"/>
+              </dgm:constrLst>
+            </dgm:if>
+            <dgm:else name="Name9">
+              <dgm:constrLst>
+                <dgm:constr type="secFontSz" refType="primFontSz"/>
+                <dgm:constr type="tMarg" refType="primFontSz" fact="0.05"/>
+                <dgm:constr type="bMarg" refType="primFontSz" fact="0.05"/>
+                <dgm:constr type="lMarg" refType="primFontSz" fact="0.05"/>
+              </dgm:constrLst>
+            </dgm:else>
+          </dgm:choose>
+          <dgm:ruleLst>
+            <dgm:rule type="primFontSz" val="5" fact="NaN" max="NaN"/>
+          </dgm:ruleLst>
+        </dgm:layoutNode>
+      </dgm:layoutNode>
+      <dgm:forEach name="Name10" axis="followSib" ptType="sibTrans" cnt="1">
+        <dgm:layoutNode name="sp">
+          <dgm:alg type="sp"/>
+          <dgm:shape xmlns:r="http://schemas.openxmlformats.org/officeDocument/2006/relationships" r:blip="">
+            <dgm:adjLst/>
+          </dgm:shape>
+          <dgm:presOf axis="self"/>
+          <dgm:constrLst>
+            <dgm:constr type="w" val="1"/>
+            <dgm:constr type="h" val="37.5"/>
+          </dgm:constrLst>
+          <dgm:ruleLst/>
+        </dgm:layoutNode>
+      </dgm:forEach>
+    </dgm:forEach>
+  </dgm:layoutNode>
+</dgm:layoutDef>
+</file>
+
+<file path=ppt/diagrams/quickStyle1.xml><?xml version="1.0" encoding="utf-8"?>
+<dgm:styleDef xmlns:dgm="http://schemas.openxmlformats.org/drawingml/2006/diagram" xmlns:a="http://schemas.openxmlformats.org/drawingml/2006/main" uniqueId="urn:microsoft.com/office/officeart/2005/8/quickstyle/3d2">
+  <dgm:title val=""/>
+  <dgm:desc val=""/>
+  <dgm:catLst>
+    <dgm:cat type="3D" pri="11200"/>
+  </dgm:catLst>
+  <dgm:scene3d>
+    <a:camera prst="orthographicFront"/>
+    <a:lightRig rig="threePt" dir="t"/>
+  </dgm:scene3d>
+  <dgm:styleLbl name="node0">
+    <dgm:scene3d>
+      <a:camera prst="orthographicFront"/>
+      <a:lightRig rig="threePt" dir="t">
+        <a:rot lat="0" lon="0" rev="7500000"/>
+      </a:lightRig>
+    </dgm:scene3d>
+    <dgm:sp3d prstMaterial="plastic">
+      <a:bevelT w="127000" h="25400" prst="relaxedInset"/>
+    </dgm:sp3d>
+    <dgm:txPr/>
+    <dgm:style>
+      <a:lnRef idx="0">
+        <a:scrgbClr r="0" g="0" b="0"/>
+      </a:lnRef>
+      <a:fillRef idx="3">
+        <a:scrgbClr r="0" g="0" b="0"/>
+      </a:fillRef>
+      <a:effectRef idx="2">
+        <a:scrgbClr r="0" g="0" b="0"/>
+      </a:effectRef>
+      <a:fontRef idx="minor">
+        <a:schemeClr val="lt1"/>
+      </a:fontRef>
+    </dgm:style>
+  </dgm:styleLbl>
+  <dgm:styleLbl name="lnNode1">
+    <dgm:scene3d>
+      <a:camera prst="orthographicFront"/>
+      <a:lightRig rig="threePt" dir="t">
+        <a:rot lat="0" lon="0" rev="7500000"/>
+      </a:lightRig>
+    </dgm:scene3d>
+    <dgm:sp3d prstMaterial="plastic">
+      <a:bevelT w="127000" h="25400" prst="relaxedInset"/>
+    </dgm:sp3d>
+    <dgm:txPr/>
+    <dgm:style>
+      <a:lnRef idx="1">
+        <a:scrgbClr r="0" g="0" b="0"/>
+      </a:lnRef>
+      <a:fillRef idx="3">
+        <a:scrgbClr r="0" g="0" b="0"/>
+      </a:fillRef>
+      <a:effectRef idx="2">
+        <a:scrgbClr r="0" g="0" b="0"/>
+      </a:effectRef>
+      <a:fontRef idx="minor">
+        <a:schemeClr val="lt1"/>
+      </a:fontRef>
+    </dgm:style>
+  </dgm:styleLbl>
+  <dgm:styleLbl name="vennNode1">
+    <dgm:scene3d>
+      <a:camera prst="orthographicFront"/>
+      <a:lightRig rig="threePt" dir="t">
+        <a:rot lat="0" lon="0" rev="7500000"/>
+      </a:lightRig>
+    </dgm:scene3d>
+    <dgm:sp3d prstMaterial="plastic">
+      <a:bevelT w="127000" h="25400" prst="relaxedInset"/>
+    </dgm:sp3d>
+    <dgm:txPr/>
+    <dgm:style>
+      <a:lnRef idx="0">
+        <a:scrgbClr r="0" g="0" b="0"/>
+      </a:lnRef>
+      <a:fillRef idx="3">
+        <a:scrgbClr r="0" g="0" b="0"/>
+      </a:fillRef>
+      <a:effectRef idx="2">
+        <a:scrgbClr r="0" g="0" b="0"/>
+      </a:effectRef>
+      <a:fontRef idx="minor">
+        <a:schemeClr val="tx1"/>
+      </a:fontRef>
+    </dgm:style>
+  </dgm:styleLbl>
+  <dgm:styleLbl name="alingNode1">
+    <dgm:scene3d>
+      <a:camera prst="orthographicFront"/>
+      <a:lightRig rig="threePt" dir="t">
+        <a:rot lat="0" lon="0" rev="7500000"/>
+      </a:lightRig>
+    </dgm:scene3d>
+    <dgm:sp3d prstMaterial="plastic">
+      <a:bevelT w="127000" h="25400" prst="relaxedInset"/>
+    </dgm:sp3d>
+    <dgm:txPr/>
+    <dgm:style>
+      <a:lnRef idx="0">
+        <a:scrgbClr r="0" g="0" b="0"/>
+      </a:lnRef>
+      <a:fillRef idx="3">
+        <a:scrgbClr r="0" g="0" b="0"/>
+      </a:fillRef>
+      <a:effectRef idx="2">
+        <a:scrgbClr r="0" g="0" b="0"/>
+      </a:effectRef>
+      <a:fontRef idx="minor">
+        <a:schemeClr val="lt1"/>
+      </a:fontRef>
+    </dgm:style>
+  </dgm:styleLbl>
+  <dgm:styleLbl name="node1">
+    <dgm:scene3d>
+      <a:camera prst="orthographicFront"/>
+      <a:lightRig rig="threePt" dir="t">
+        <a:rot lat="0" lon="0" rev="7500000"/>
+      </a:lightRig>
+    </dgm:scene3d>
+    <dgm:sp3d prstMaterial="plastic">
+      <a:bevelT w="127000" h="25400" prst="relaxedInset"/>
+    </dgm:sp3d>
+    <dgm:txPr/>
+    <dgm:style>
+      <a:lnRef idx="0">
+        <a:scrgbClr r="0" g="0" b="0"/>
+      </a:lnRef>
+      <a:fillRef idx="3">
+        <a:scrgbClr r="0" g="0" b="0"/>
+      </a:fillRef>
+      <a:effectRef idx="2">
+        <a:scrgbClr r="0" g="0" b="0"/>
+      </a:effectRef>
+      <a:fontRef idx="minor">
+        <a:schemeClr val="lt1"/>
+      </a:fontRef>
+    </dgm:style>
+  </dgm:styleLbl>
+  <dgm:styleLbl name="node2">
+    <dgm:scene3d>
+      <a:camera prst="orthographicFront"/>
+      <a:lightRig rig="threePt" dir="t">
+        <a:rot lat="0" lon="0" rev="7500000"/>
+      </a:lightRig>
+    </dgm:scene3d>
+    <dgm:sp3d prstMaterial="plastic">
+      <a:bevelT w="127000" h="25400" prst="relaxedInset"/>
+    </dgm:sp3d>
+    <dgm:txPr/>
+    <dgm:style>
+      <a:lnRef idx="0">
+        <a:scrgbClr r="0" g="0" b="0"/>
+      </a:lnRef>
+      <a:fillRef idx="3">
+        <a:scrgbClr r="0" g="0" b="0"/>
+      </a:fillRef>
+      <a:effectRef idx="2">
+        <a:scrgbClr r="0" g="0" b="0"/>
+      </a:effectRef>
+      <a:fontRef idx="minor">
+        <a:schemeClr val="lt1"/>
+      </a:fontRef>
+    </dgm:style>
+  </dgm:styleLbl>
+  <dgm:styleLbl name="node3">
+    <dgm:scene3d>
+      <a:camera prst="orthographicFront"/>
+      <a:lightRig rig="threePt" dir="t">
+        <a:rot lat="0" lon="0" rev="7500000"/>
+      </a:lightRig>
+    </dgm:scene3d>
+    <dgm:sp3d prstMaterial="plastic">
+      <a:bevelT w="127000" h="25400" prst="relaxedInset"/>
+    </dgm:sp3d>
+    <dgm:txPr/>
+    <dgm:style>
+      <a:lnRef idx="0">
+        <a:scrgbClr r="0" g="0" b="0"/>
+      </a:lnRef>
+      <a:fillRef idx="3">
+        <a:scrgbClr r="0" g="0" b="0"/>
+      </a:fillRef>
+      <a:effectRef idx="2">
+        <a:scrgbClr r="0" g="0" b="0"/>
+      </a:effectRef>
+      <a:fontRef idx="minor">
+        <a:schemeClr val="lt1"/>
+      </a:fontRef>
+    </dgm:style>
+  </dgm:styleLbl>
+  <dgm:styleLbl name="node4">
+    <dgm:scene3d>
+      <a:camera prst="orthographicFront"/>
+      <a:lightRig rig="threePt" dir="t">
+        <a:rot lat="0" lon="0" rev="7500000"/>
+      </a:lightRig>
+    </dgm:scene3d>
+    <dgm:sp3d prstMaterial="plastic">
+      <a:bevelT w="127000" h="25400" prst="relaxedInset"/>
+    </dgm:sp3d>
+    <dgm:txPr/>
+    <dgm:style>
+      <a:lnRef idx="0">
+        <a:scrgbClr r="0" g="0" b="0"/>
+      </a:lnRef>
+      <a:fillRef idx="3">
+        <a:scrgbClr r="0" g="0" b="0"/>
+      </a:fillRef>
+      <a:effectRef idx="2">
+        <a:scrgbClr r="0" g="0" b="0"/>
+      </a:effectRef>
+      <a:fontRef idx="minor">
+        <a:schemeClr val="lt1"/>
+      </a:fontRef>
+    </dgm:style>
+  </dgm:styleLbl>
+  <dgm:styleLbl name="fgImgPlace1">
+    <dgm:scene3d>
+      <a:camera prst="orthographicFront"/>
+      <a:lightRig rig="threePt" dir="t">
+        <a:rot lat="0" lon="0" rev="7500000"/>
+      </a:lightRig>
+    </dgm:scene3d>
+    <dgm:sp3d z="152400" extrusionH="63500" prstMaterial="matte">
+      <a:bevelT w="50800" h="19050" prst="relaxedInset"/>
+      <a:contourClr>
+        <a:schemeClr val="bg1"/>
+      </a:contourClr>
+    </dgm:sp3d>
+    <dgm:txPr/>
+    <dgm:style>
+      <a:lnRef idx="0">
+        <a:scrgbClr r="0" g="0" b="0"/>
+      </a:lnRef>
+      <a:fillRef idx="1">
+        <a:scrgbClr r="0" g="0" b="0"/>
+      </a:fillRef>
+      <a:effectRef idx="0">
+        <a:scrgbClr r="0" g="0" b="0"/>
+      </a:effectRef>
+      <a:fontRef idx="minor"/>
+    </dgm:style>
+  </dgm:styleLbl>
+  <dgm:styleLbl name="alignImgPlace1">
+    <dgm:scene3d>
+      <a:camera prst="orthographicFront"/>
+      <a:lightRig rig="threePt" dir="t">
+        <a:rot lat="0" lon="0" rev="7500000"/>
+      </a:lightRig>
+    </dgm:scene3d>
+    <dgm:sp3d z="254000" extrusionH="63500" contourW="12700" prstMaterial="matte">
+      <a:contourClr>
+        <a:schemeClr val="lt1"/>
+      </a:contourClr>
+    </dgm:sp3d>
+    <dgm:txPr/>
+    <dgm:style>
+      <a:lnRef idx="0">
+        <a:scrgbClr r="0" g="0" b="0"/>
+      </a:lnRef>
+      <a:fillRef idx="1">
+        <a:scrgbClr r="0" g="0" b="0"/>
+      </a:fillRef>
+      <a:effectRef idx="0">
+        <a:scrgbClr r="0" g="0" b="0"/>
+      </a:effectRef>
+      <a:fontRef idx="minor"/>
+    </dgm:style>
+  </dgm:styleLbl>
+  <dgm:styleLbl name="bgImgPlace1">
+    <dgm:scene3d>
+      <a:camera prst="orthographicFront"/>
+      <a:lightRig rig="threePt" dir="t">
+        <a:rot lat="0" lon="0" rev="7500000"/>
+      </a:lightRig>
+    </dgm:scene3d>
+    <dgm:sp3d z="-152400" extrusionH="63500" contourW="127000" prstMaterial="matte">
+      <a:contourClr>
+        <a:schemeClr val="lt1"/>
+      </a:contourClr>
+    </dgm:sp3d>
+    <dgm:txPr/>
+    <dgm:style>
+      <a:lnRef idx="0">
+        <a:scrgbClr r="0" g="0" b="0"/>
+      </a:lnRef>
+      <a:fillRef idx="1">
+        <a:scrgbClr r="0" g="0" b="0"/>
+      </a:fillRef>
+      <a:effectRef idx="0">
+        <a:scrgbClr r="0" g="0" b="0"/>
+      </a:effectRef>
+      <a:fontRef idx="minor"/>
+    </dgm:style>
+  </dgm:styleLbl>
+  <dgm:styleLbl name="sibTrans2D1">
+    <dgm:scene3d>
+      <a:camera prst="orthographicFront"/>
+      <a:lightRig rig="threePt" dir="t">
+        <a:rot lat="0" lon="0" rev="7500000"/>
+      </a:lightRig>
+    </dgm:scene3d>
+    <dgm:sp3d z="-70000" extrusionH="63500" prstMaterial="matte">
+      <a:bevelT w="25400" h="6350" prst="relaxedInset"/>
+      <a:contourClr>
+        <a:schemeClr val="bg1"/>
+      </a:contourClr>
+    </dgm:sp3d>
+    <dgm:txPr/>
+    <dgm:style>
+      <a:lnRef idx="0">
+        <a:scrgbClr r="0" g="0" b="0"/>
+      </a:lnRef>
+      <a:fillRef idx="1">
+        <a:scrgbClr r="0" g="0" b="0"/>
+      </a:fillRef>
+      <a:effectRef idx="2">
+        <a:scrgbClr r="0" g="0" b="0"/>
+      </a:effectRef>
+      <a:fontRef idx="minor">
+        <a:schemeClr val="lt1"/>
+      </a:fontRef>
+    </dgm:style>
+  </dgm:styleLbl>
+  <dgm:styleLbl name="fgSibTrans2D1">
+    <dgm:scene3d>
+      <a:camera prst="orthographicFront"/>
+      <a:lightRig rig="threePt" dir="t">
+        <a:rot lat="0" lon="0" rev="7500000"/>
+      </a:lightRig>
+    </dgm:scene3d>
+    <dgm:sp3d z="152400" extrusionH="63500" prstMaterial="matte">
+      <a:bevelT w="25400" h="6350" prst="relaxedInset"/>
+      <a:contourClr>
+        <a:schemeClr val="bg1"/>
+      </a:contourClr>
+    </dgm:sp3d>
+    <dgm:txPr/>
+    <dgm:style>
+      <a:lnRef idx="0">
+        <a:scrgbClr r="0" g="0" b="0"/>
+      </a:lnRef>
+      <a:fillRef idx="1">
+        <a:scrgbClr r="0" g="0" b="0"/>
+      </a:fillRef>
+      <a:effectRef idx="2">
+        <a:scrgbClr r="0" g="0" b="0"/>
+      </a:effectRef>
+      <a:fontRef idx="minor">
+        <a:schemeClr val="lt1"/>
+      </a:fontRef>
+    </dgm:style>
+  </dgm:styleLbl>
+  <dgm:styleLbl name="bgSibTrans2D1">
+    <dgm:scene3d>
+      <a:camera prst="orthographicFront"/>
+      <a:lightRig rig="threePt" dir="t">
+        <a:rot lat="0" lon="0" rev="7500000"/>
+      </a:lightRig>
+    </dgm:scene3d>
+    <dgm:sp3d z="-152400" extrusionH="63500" prstMaterial="matte">
+      <a:bevelT w="25400" h="6350" prst="relaxedInset"/>
+      <a:contourClr>
+        <a:schemeClr val="bg1"/>
+      </a:contourClr>
+    </dgm:sp3d>
+    <dgm:txPr/>
+    <dgm:style>
+      <a:lnRef idx="0">
+        <a:scrgbClr r="0" g="0" b="0"/>
+      </a:lnRef>
+      <a:fillRef idx="1">
+        <a:scrgbClr r="0" g="0" b="0"/>
+      </a:fillRef>
+      <a:effectRef idx="2">
+        <a:scrgbClr r="0" g="0" b="0"/>
+      </a:effectRef>
+      <a:fontRef idx="minor">
+        <a:schemeClr val="lt1"/>
+      </a:fontRef>
+    </dgm:style>
+  </dgm:styleLbl>
+  <dgm:styleLbl name="sibTrans1D1">
+    <dgm:scene3d>
+      <a:camera prst="orthographicFront"/>
+      <a:lightRig rig="threePt" dir="t">
+        <a:rot lat="0" lon="0" rev="7500000"/>
+      </a:lightRig>
+    </dgm:scene3d>
+    <dgm:sp3d z="-40000" prstMaterial="matte"/>
+    <dgm:txPr/>
+    <dgm:style>
+      <a:lnRef idx="1">
+        <a:scrgbClr r="0" g="0" b="0"/>
+      </a:lnRef>
+      <a:fillRef idx="0">
+        <a:scrgbClr r="0" g="0" b="0"/>
+      </a:fillRef>
+      <a:effectRef idx="0">
+        <a:scrgbClr r="0" g="0" b="0"/>
+      </a:effectRef>
+      <a:fontRef idx="minor"/>
+    </dgm:style>
+  </dgm:styleLbl>
+  <dgm:styleLbl name="callout">
+    <dgm:scene3d>
+      <a:camera prst="orthographicFront"/>
+      <a:lightRig rig="threePt" dir="t">
+        <a:rot lat="0" lon="0" rev="7500000"/>
+      </a:lightRig>
+    </dgm:scene3d>
+    <dgm:sp3d z="127000" prstMaterial="matte"/>
+    <dgm:txPr/>
+    <dgm:style>
+      <a:lnRef idx="2">
+        <a:scrgbClr r="0" g="0" b="0"/>
+      </a:lnRef>
+      <a:fillRef idx="1">
+        <a:scrgbClr r="0" g="0" b="0"/>
+      </a:fillRef>
+      <a:effectRef idx="0">
+        <a:scrgbClr r="0" g="0" b="0"/>
+      </a:effectRef>
+      <a:fontRef idx="minor"/>
+    </dgm:style>
+  </dgm:styleLbl>
+  <dgm:styleLbl name="asst0">
+    <dgm:scene3d>
+      <a:camera prst="orthographicFront"/>
+      <a:lightRig rig="threePt" dir="t">
+        <a:rot lat="0" lon="0" rev="7500000"/>
+      </a:lightRig>
+    </dgm:scene3d>
+    <dgm:sp3d prstMaterial="plastic">
+      <a:bevelT w="127000" h="25400" prst="relaxedInset"/>
+    </dgm:sp3d>
+    <dgm:txPr/>
+    <dgm:style>
+      <a:lnRef idx="0">
+        <a:scrgbClr r="0" g="0" b="0"/>
+      </a:lnRef>
+      <a:fillRef idx="3">
+        <a:scrgbClr r="0" g="0" b="0"/>
+      </a:fillRef>
+      <a:effectRef idx="2">
+        <a:scrgbClr r="0" g="0" b="0"/>
+      </a:effectRef>
+      <a:fontRef idx="minor">
+        <a:schemeClr val="lt1"/>
+      </a:fontRef>
+    </dgm:style>
+  </dgm:styleLbl>
+  <dgm:styleLbl name="asst1">
+    <dgm:scene3d>
+      <a:camera prst="orthographicFront"/>
+      <a:lightRig rig="threePt" dir="t">
+        <a:rot lat="0" lon="0" rev="7500000"/>
+      </a:lightRig>
+    </dgm:scene3d>
+    <dgm:sp3d prstMaterial="plastic">
+      <a:bevelT w="127000" h="25400" prst="relaxedInset"/>
+    </dgm:sp3d>
+    <dgm:txPr/>
+    <dgm:style>
+      <a:lnRef idx="0">
+        <a:scrgbClr r="0" g="0" b="0"/>
+      </a:lnRef>
+      <a:fillRef idx="3">
+        <a:scrgbClr r="0" g="0" b="0"/>
+      </a:fillRef>
+      <a:effectRef idx="2">
+        <a:scrgbClr r="0" g="0" b="0"/>
+      </a:effectRef>
+      <a:fontRef idx="minor">
+        <a:schemeClr val="lt1"/>
+      </a:fontRef>
+    </dgm:style>
+  </dgm:styleLbl>
+  <dgm:styleLbl name="asst2">
+    <dgm:scene3d>
+      <a:camera prst="orthographicFront"/>
+      <a:lightRig rig="threePt" dir="t">
+        <a:rot lat="0" lon="0" rev="7500000"/>
+      </a:lightRig>
+    </dgm:scene3d>
+    <dgm:sp3d prstMaterial="plastic">
+      <a:bevelT w="127000" h="25400" prst="relaxedInset"/>
+    </dgm:sp3d>
+    <dgm:txPr/>
+    <dgm:style>
+      <a:lnRef idx="0">
+        <a:scrgbClr r="0" g="0" b="0"/>
+      </a:lnRef>
+      <a:fillRef idx="3">
+        <a:scrgbClr r="0" g="0" b="0"/>
+      </a:fillRef>
+      <a:effectRef idx="2">
+        <a:scrgbClr r="0" g="0" b="0"/>
+      </a:effectRef>
+      <a:fontRef idx="minor">
+        <a:schemeClr val="lt1"/>
+      </a:fontRef>
+    </dgm:style>
+  </dgm:styleLbl>
+  <dgm:styleLbl name="asst3">
+    <dgm:scene3d>
+      <a:camera prst="orthographicFront"/>
+      <a:lightRig rig="threePt" dir="t">
+        <a:rot lat="0" lon="0" rev="7500000"/>
+      </a:lightRig>
+    </dgm:scene3d>
+    <dgm:sp3d prstMaterial="plastic">
+      <a:bevelT w="127000" h="25400" prst="relaxedInset"/>
+    </dgm:sp3d>
+    <dgm:txPr/>
+    <dgm:style>
+      <a:lnRef idx="0">
+        <a:scrgbClr r="0" g="0" b="0"/>
+      </a:lnRef>
+      <a:fillRef idx="3">
+        <a:scrgbClr r="0" g="0" b="0"/>
+      </a:fillRef>
+      <a:effectRef idx="2">
+        <a:scrgbClr r="0" g="0" b="0"/>
+      </a:effectRef>
+      <a:fontRef idx="minor">
+        <a:schemeClr val="lt1"/>
+      </a:fontRef>
+    </dgm:style>
+  </dgm:styleLbl>
+  <dgm:styleLbl name="parChTrans2D1">
+    <dgm:scene3d>
+      <a:camera prst="orthographicFront"/>
+      <a:lightRig rig="threePt" dir="t">
+        <a:rot lat="0" lon="0" rev="7500000"/>
+      </a:lightRig>
+    </dgm:scene3d>
+    <dgm:sp3d extrusionH="63500" prstMaterial="matte">
+      <a:bevelT w="50800" h="19050" prst="relaxedInset"/>
+      <a:contourClr>
+        <a:schemeClr val="bg1"/>
+      </a:contourClr>
+    </dgm:sp3d>
+    <dgm:txPr/>
+    <dgm:style>
+      <a:lnRef idx="0">
+        <a:scrgbClr r="0" g="0" b="0"/>
+      </a:lnRef>
+      <a:fillRef idx="1">
+        <a:scrgbClr r="0" g="0" b="0"/>
+      </a:fillRef>
+      <a:effectRef idx="2">
+        <a:scrgbClr r="0" g="0" b="0"/>
+      </a:effectRef>
+      <a:fontRef idx="minor">
+        <a:schemeClr val="lt1"/>
+      </a:fontRef>
+    </dgm:style>
+  </dgm:styleLbl>
+  <dgm:styleLbl name="parChTrans2D2">
+    <dgm:scene3d>
+      <a:camera prst="orthographicFront"/>
+      <a:lightRig rig="threePt" dir="t">
+        <a:rot lat="0" lon="0" rev="7500000"/>
+      </a:lightRig>
+    </dgm:scene3d>
+    <dgm:sp3d extrusionH="63500" prstMaterial="matte">
+      <a:bevelT w="50800" h="19050" prst="relaxedInset"/>
+      <a:contourClr>
+        <a:schemeClr val="bg1"/>
+      </a:contourClr>
+    </dgm:sp3d>
+    <dgm:txPr/>
+    <dgm:style>
+      <a:lnRef idx="0">
+        <a:scrgbClr r="0" g="0" b="0"/>
+      </a:lnRef>
+      <a:fillRef idx="1">
+        <a:scrgbClr r="0" g="0" b="0"/>
+      </a:fillRef>
+      <a:effectRef idx="0">
+        <a:scrgbClr r="0" g="0" b="0"/>
+      </a:effectRef>
+      <a:fontRef idx="minor">
+        <a:schemeClr val="lt1"/>
+      </a:fontRef>
+    </dgm:style>
+  </dgm:styleLbl>
+  <dgm:styleLbl name="parChTrans2D3">
+    <dgm:scene3d>
+      <a:camera prst="orthographicFront"/>
+      <a:lightRig rig="threePt" dir="t">
+        <a:rot lat="0" lon="0" rev="7500000"/>
+      </a:lightRig>
+    </dgm:scene3d>
+    <dgm:sp3d z="60000" prstMaterial="flat">
+      <a:bevelT w="120900" h="88900"/>
+    </dgm:sp3d>
+    <dgm:txPr/>
+    <dgm:style>
+      <a:lnRef idx="0">
+        <a:scrgbClr r="0" g="0" b="0"/>
+      </a:lnRef>
+      <a:fillRef idx="3">
+        <a:scrgbClr r="0" g="0" b="0"/>
+      </a:fillRef>
+      <a:effectRef idx="1">
+        <a:scrgbClr r="0" g="0" b="0"/>
+      </a:effectRef>
+      <a:fontRef idx="minor">
+        <a:schemeClr val="lt1"/>
+      </a:fontRef>
+    </dgm:style>
+  </dgm:styleLbl>
+  <dgm:styleLbl name="parChTrans2D4">
+    <dgm:scene3d>
+      <a:camera prst="orthographicFront"/>
+      <a:lightRig rig="threePt" dir="t">
+        <a:rot lat="0" lon="0" rev="7500000"/>
+      </a:lightRig>
+    </dgm:scene3d>
+    <dgm:sp3d z="60000" prstMaterial="flat">
+      <a:bevelT w="120900" h="88900"/>
+    </dgm:sp3d>
+    <dgm:txPr/>
+    <dgm:style>
+      <a:lnRef idx="0">
+        <a:scrgbClr r="0" g="0" b="0"/>
+      </a:lnRef>
+      <a:fillRef idx="3">
+        <a:scrgbClr r="0" g="0" b="0"/>
+      </a:fillRef>
+      <a:effectRef idx="1">
+        <a:scrgbClr r="0" g="0" b="0"/>
+      </a:effectRef>
+      <a:fontRef idx="minor">
+        <a:schemeClr val="lt1"/>
+      </a:fontRef>
+    </dgm:style>
+  </dgm:styleLbl>
+  <dgm:styleLbl name="parChTrans1D1">
+    <dgm:scene3d>
+      <a:camera prst="orthographicFront"/>
+      <a:lightRig rig="threePt" dir="t">
+        <a:rot lat="0" lon="0" rev="7500000"/>
+      </a:lightRig>
+    </dgm:scene3d>
+    <dgm:sp3d z="-40000" prstMaterial="matte"/>
+    <dgm:txPr/>
+    <dgm:style>
+      <a:lnRef idx="2">
+        <a:scrgbClr r="0" g="0" b="0"/>
+      </a:lnRef>
+      <a:fillRef idx="0">
+        <a:scrgbClr r="0" g="0" b="0"/>
+      </a:fillRef>
+      <a:effectRef idx="0">
+        <a:scrgbClr r="0" g="0" b="0"/>
+      </a:effectRef>
+      <a:fontRef idx="minor"/>
+    </dgm:style>
+  </dgm:styleLbl>
+  <dgm:styleLbl name="parChTrans1D2">
+    <dgm:scene3d>
+      <a:camera prst="orthographicFront"/>
+      <a:lightRig rig="threePt" dir="t">
+        <a:rot lat="0" lon="0" rev="7500000"/>
+      </a:lightRig>
+    </dgm:scene3d>
+    <dgm:sp3d z="-40000" prstMaterial="matte"/>
+    <dgm:txPr/>
+    <dgm:style>
+      <a:lnRef idx="2">
+        <a:scrgbClr r="0" g="0" b="0"/>
+      </a:lnRef>
+      <a:fillRef idx="0">
+        <a:scrgbClr r="0" g="0" b="0"/>
+      </a:fillRef>
+      <a:effectRef idx="0">
+        <a:scrgbClr r="0" g="0" b="0"/>
+      </a:effectRef>
+      <a:fontRef idx="minor"/>
+    </dgm:style>
+  </dgm:styleLbl>
+  <dgm:styleLbl name="parChTrans1D3">
+    <dgm:scene3d>
+      <a:camera prst="orthographicFront"/>
+      <a:lightRig rig="threePt" dir="t">
+        <a:rot lat="0" lon="0" rev="7500000"/>
+      </a:lightRig>
+    </dgm:scene3d>
+    <dgm:sp3d z="-40000" prstMaterial="matte"/>
+    <dgm:txPr/>
+    <dgm:style>
+      <a:lnRef idx="2">
+        <a:scrgbClr r="0" g="0" b="0"/>
+      </a:lnRef>
+      <a:fillRef idx="0">
+        <a:scrgbClr r="0" g="0" b="0"/>
+      </a:fillRef>
+      <a:effectRef idx="0">
+        <a:scrgbClr r="0" g="0" b="0"/>
+      </a:effectRef>
+      <a:fontRef idx="minor"/>
+    </dgm:style>
+  </dgm:styleLbl>
+  <dgm:styleLbl name="parChTrans1D4">
+    <dgm:scene3d>
+      <a:camera prst="orthographicFront"/>
+      <a:lightRig rig="threePt" dir="t">
+        <a:rot lat="0" lon="0" rev="7500000"/>
+      </a:lightRig>
+    </dgm:scene3d>
+    <dgm:sp3d z="-40000" prstMaterial="matte"/>
+    <dgm:txPr/>
+    <dgm:style>
+      <a:lnRef idx="2">
+        <a:scrgbClr r="0" g="0" b="0"/>
+      </a:lnRef>
+      <a:fillRef idx="0">
+        <a:scrgbClr r="0" g="0" b="0"/>
+      </a:fillRef>
+      <a:effectRef idx="0">
+        <a:scrgbClr r="0" g="0" b="0"/>
+      </a:effectRef>
+      <a:fontRef idx="minor"/>
+    </dgm:style>
+  </dgm:styleLbl>
+  <dgm:styleLbl name="fgAcc1">
+    <dgm:scene3d>
+      <a:camera prst="orthographicFront"/>
+      <a:lightRig rig="threePt" dir="t">
+        <a:rot lat="0" lon="0" rev="7500000"/>
+      </a:lightRig>
+    </dgm:scene3d>
+    <dgm:sp3d z="152400" extrusionH="63500" prstMaterial="dkEdge">
+      <a:bevelT w="135400" h="16350" prst="relaxedInset"/>
+      <a:contourClr>
+        <a:schemeClr val="bg1"/>
+      </a:contourClr>
+    </dgm:sp3d>
+    <dgm:txPr/>
+    <dgm:style>
+      <a:lnRef idx="1">
+        <a:scrgbClr r="0" g="0" b="0"/>
+      </a:lnRef>
+      <a:fillRef idx="1">
+        <a:scrgbClr r="0" g="0" b="0"/>
+      </a:fillRef>
+      <a:effectRef idx="2">
+        <a:scrgbClr r="0" g="0" b="0"/>
+      </a:effectRef>
+      <a:fontRef idx="minor"/>
+    </dgm:style>
+  </dgm:styleLbl>
+  <dgm:styleLbl name="conFgAcc1">
+    <dgm:scene3d>
+      <a:camera prst="orthographicFront"/>
+      <a:lightRig rig="threePt" dir="t">
+        <a:rot lat="0" lon="0" rev="7500000"/>
+      </a:lightRig>
+    </dgm:scene3d>
+    <dgm:sp3d z="152400" extrusionH="63500" prstMaterial="dkEdge">
+      <a:bevelT w="135400" h="16350" prst="relaxedInset"/>
+      <a:contourClr>
+        <a:schemeClr val="bg1"/>
+      </a:contourClr>
+    </dgm:sp3d>
+    <dgm:txPr/>
+    <dgm:style>
+      <a:lnRef idx="1">
+        <a:scrgbClr r="0" g="0" b="0"/>
+      </a:lnRef>
+      <a:fillRef idx="1">
+        <a:scrgbClr r="0" g="0" b="0"/>
+      </a:fillRef>
+      <a:effectRef idx="2">
+        <a:scrgbClr r="0" g="0" b="0"/>
+      </a:effectRef>
+      <a:fontRef idx="minor"/>
+    </dgm:style>
+  </dgm:styleLbl>
+  <dgm:styleLbl name="alignAcc1">
+    <dgm:scene3d>
+      <a:camera prst="orthographicFront"/>
+      <a:lightRig rig="threePt" dir="t">
+        <a:rot lat="0" lon="0" rev="7500000"/>
+      </a:lightRig>
+    </dgm:scene3d>
+    <dgm:sp3d extrusionH="190500" prstMaterial="dkEdge">
+      <a:bevelT w="135400" h="16350" prst="relaxedInset"/>
+      <a:contourClr>
+        <a:schemeClr val="bg1"/>
+      </a:contourClr>
+    </dgm:sp3d>
+    <dgm:txPr/>
+    <dgm:style>
+      <a:lnRef idx="1">
+        <a:scrgbClr r="0" g="0" b="0"/>
+      </a:lnRef>
+      <a:fillRef idx="1">
+        <a:scrgbClr r="0" g="0" b="0"/>
+      </a:fillRef>
+      <a:effectRef idx="2">
+        <a:scrgbClr r="0" g="0" b="0"/>
+      </a:effectRef>
+      <a:fontRef idx="minor"/>
+    </dgm:style>
+  </dgm:styleLbl>
+  <dgm:styleLbl name="trAlignAcc1">
+    <dgm:scene3d>
+      <a:camera prst="orthographicFront"/>
+      <a:lightRig rig="threePt" dir="t">
+        <a:rot lat="0" lon="0" rev="7500000"/>
+      </a:lightRig>
+    </dgm:scene3d>
+    <dgm:sp3d prstMaterial="plastic">
+      <a:bevelT w="127000" h="35400"/>
+    </dgm:sp3d>
+    <dgm:txPr/>
+    <dgm:style>
+      <a:lnRef idx="1">
+        <a:scrgbClr r="0" g="0" b="0"/>
+      </a:lnRef>
+      <a:fillRef idx="1">
+        <a:scrgbClr r="0" g="0" b="0"/>
+      </a:fillRef>
+      <a:effectRef idx="2">
+        <a:scrgbClr r="0" g="0" b="0"/>
+      </a:effectRef>
+      <a:fontRef idx="minor">
+        <a:schemeClr val="lt1"/>
+      </a:fontRef>
+    </dgm:style>
+  </dgm:styleLbl>
+  <dgm:styleLbl name="bgAcc1">
+    <dgm:scene3d>
+      <a:camera prst="orthographicFront"/>
+      <a:lightRig rig="threePt" dir="t">
+        <a:rot lat="0" lon="0" rev="7500000"/>
+      </a:lightRig>
+    </dgm:scene3d>
+    <dgm:sp3d z="-152400" extrusionH="63500" prstMaterial="dkEdge">
+      <a:bevelT w="124450" h="16350" prst="relaxedInset"/>
+      <a:contourClr>
+        <a:schemeClr val="bg1"/>
+      </a:contourClr>
+    </dgm:sp3d>
+    <dgm:txPr/>
+    <dgm:style>
+      <a:lnRef idx="1">
+        <a:scrgbClr r="0" g="0" b="0"/>
+      </a:lnRef>
+      <a:fillRef idx="1">
+        <a:scrgbClr r="0" g="0" b="0"/>
+      </a:fillRef>
+      <a:effectRef idx="0">
+        <a:scrgbClr r="0" g="0" b="0"/>
+      </a:effectRef>
+      <a:fontRef idx="minor"/>
+    </dgm:style>
+  </dgm:styleLbl>
+  <dgm:styleLbl name="solidFgAcc1">
+    <dgm:scene3d>
+      <a:camera prst="orthographicFront"/>
+      <a:lightRig rig="threePt" dir="t">
+        <a:rot lat="0" lon="0" rev="7500000"/>
+      </a:lightRig>
+    </dgm:scene3d>
+    <dgm:sp3d z="152400" extrusionH="63500" prstMaterial="dkEdge">
+      <a:bevelT w="120800" h="19050" prst="relaxedInset"/>
+      <a:contourClr>
+        <a:schemeClr val="bg1"/>
+      </a:contourClr>
+    </dgm:sp3d>
+    <dgm:txPr/>
+    <dgm:style>
+      <a:lnRef idx="1">
+        <a:scrgbClr r="0" g="0" b="0"/>
+      </a:lnRef>
+      <a:fillRef idx="1">
+        <a:scrgbClr r="0" g="0" b="0"/>
+      </a:fillRef>
+      <a:effectRef idx="2">
+        <a:scrgbClr r="0" g="0" b="0"/>
+      </a:effectRef>
+      <a:fontRef idx="minor"/>
+    </dgm:style>
+  </dgm:styleLbl>
+  <dgm:styleLbl name="solidAlignAcc1">
+    <dgm:scene3d>
+      <a:camera prst="orthographicFront"/>
+      <a:lightRig rig="threePt" dir="t">
+        <a:rot lat="0" lon="0" rev="7500000"/>
+      </a:lightRig>
+    </dgm:scene3d>
+    <dgm:sp3d extrusionH="190500" prstMaterial="dkEdge">
+      <a:bevelT w="120650" h="38100" prst="relaxedInset"/>
+      <a:contourClr>
+        <a:schemeClr val="bg1"/>
+      </a:contourClr>
+    </dgm:sp3d>
+    <dgm:txPr/>
+    <dgm:style>
+      <a:lnRef idx="1">
+        <a:scrgbClr r="0" g="0" b="0"/>
+      </a:lnRef>
+      <a:fillRef idx="1">
+        <a:scrgbClr r="0" g="0" b="0"/>
+      </a:fillRef>
+      <a:effectRef idx="2">
+        <a:scrgbClr r="0" g="0" b="0"/>
+      </a:effectRef>
+      <a:fontRef idx="minor"/>
+    </dgm:style>
+  </dgm:styleLbl>
+  <dgm:styleLbl name="solidBgAcc1">
+    <dgm:scene3d>
+      <a:camera prst="orthographicFront"/>
+      <a:lightRig rig="threePt" dir="t">
+        <a:rot lat="0" lon="0" rev="7500000"/>
+      </a:lightRig>
+    </dgm:scene3d>
+    <dgm:sp3d z="-152400" extrusionH="63500" prstMaterial="dkEdge">
+      <a:bevelT w="144450" h="36350" prst="relaxedInset"/>
+      <a:contourClr>
+        <a:schemeClr val="bg1"/>
+      </a:contourClr>
+    </dgm:sp3d>
+    <dgm:txPr/>
+    <dgm:style>
+      <a:lnRef idx="1">
+        <a:scrgbClr r="0" g="0" b="0"/>
+      </a:lnRef>
+      <a:fillRef idx="1">
+        <a:scrgbClr r="0" g="0" b="0"/>
+      </a:fillRef>
+      <a:effectRef idx="0">
+        <a:scrgbClr r="0" g="0" b="0"/>
+      </a:effectRef>
+      <a:fontRef idx="minor"/>
+    </dgm:style>
+  </dgm:styleLbl>
+  <dgm:styleLbl name="fgAccFollowNode1">
+    <dgm:scene3d>
+      <a:camera prst="orthographicFront"/>
+      <a:lightRig rig="threePt" dir="t">
+        <a:rot lat="0" lon="0" rev="7500000"/>
+      </a:lightRig>
+    </dgm:scene3d>
+    <dgm:sp3d z="152400" extrusionH="63500" prstMaterial="dkEdge">
+      <a:bevelT w="125400" h="36350" prst="relaxedInset"/>
+      <a:contourClr>
+        <a:schemeClr val="bg1"/>
+      </a:contourClr>
+    </dgm:sp3d>
+    <dgm:txPr/>
+    <dgm:style>
+      <a:lnRef idx="1">
+        <a:scrgbClr r="0" g="0" b="0"/>
+      </a:lnRef>
+      <a:fillRef idx="1">
+        <a:scrgbClr r="0" g="0" b="0"/>
+      </a:fillRef>
+      <a:effectRef idx="0">
+        <a:scrgbClr r="0" g="0" b="0"/>
+      </a:effectRef>
+      <a:fontRef idx="minor"/>
+    </dgm:style>
+  </dgm:styleLbl>
+  <dgm:styleLbl name="alignAccFollowNode1">
+    <dgm:scene3d>
+      <a:camera prst="orthographicFront"/>
+      <a:lightRig rig="threePt" dir="t">
+        <a:rot lat="0" lon="0" rev="7500000"/>
+      </a:lightRig>
+    </dgm:scene3d>
+    <dgm:sp3d extrusionH="190500" prstMaterial="dkEdge">
+      <a:bevelT w="120650" h="38100" prst="relaxedInset"/>
+      <a:bevelB w="120650" h="57150" prst="relaxedInset"/>
+      <a:contourClr>
+        <a:schemeClr val="bg1"/>
+      </a:contourClr>
+    </dgm:sp3d>
+    <dgm:txPr/>
+    <dgm:style>
+      <a:lnRef idx="1">
+        <a:scrgbClr r="0" g="0" b="0"/>
+      </a:lnRef>
+      <a:fillRef idx="1">
+        <a:scrgbClr r="0" g="0" b="0"/>
+      </a:fillRef>
+      <a:effectRef idx="2">
+        <a:scrgbClr r="0" g="0" b="0"/>
+      </a:effectRef>
+      <a:fontRef idx="minor"/>
+    </dgm:style>
+  </dgm:styleLbl>
+  <dgm:styleLbl name="bgAccFollowNode1">
+    <dgm:scene3d>
+      <a:camera prst="orthographicFront"/>
+      <a:lightRig rig="threePt" dir="t">
+        <a:rot lat="0" lon="0" rev="7500000"/>
+      </a:lightRig>
+    </dgm:scene3d>
+    <dgm:sp3d z="-152400" extrusionH="63500" prstMaterial="dkEdge">
+      <a:bevelT w="144450" h="36350" prst="relaxedInset"/>
+      <a:contourClr>
+        <a:schemeClr val="bg1"/>
+      </a:contourClr>
+    </dgm:sp3d>
+    <dgm:txPr/>
+    <dgm:style>
+      <a:lnRef idx="1">
+        <a:scrgbClr r="0" g="0" b="0"/>
+      </a:lnRef>
+      <a:fillRef idx="1">
+        <a:scrgbClr r="0" g="0" b="0"/>
+      </a:fillRef>
+      <a:effectRef idx="2">
+        <a:scrgbClr r="0" g="0" b="0"/>
+      </a:effectRef>
+      <a:fontRef idx="minor"/>
+    </dgm:style>
+  </dgm:styleLbl>
+  <dgm:styleLbl name="fgAcc0">
+    <dgm:scene3d>
+      <a:camera prst="orthographicFront"/>
+      <a:lightRig rig="threePt" dir="t">
+        <a:rot lat="0" lon="0" rev="7500000"/>
+      </a:lightRig>
+    </dgm:scene3d>
+    <dgm:sp3d z="152400" extrusionH="63500" prstMaterial="dkEdge">
+      <a:bevelT w="125400" h="36350" prst="relaxedInset"/>
+      <a:contourClr>
+        <a:schemeClr val="bg1"/>
+      </a:contourClr>
+    </dgm:sp3d>
+    <dgm:txPr/>
+    <dgm:style>
+      <a:lnRef idx="1">
+        <a:scrgbClr r="0" g="0" b="0"/>
+      </a:lnRef>
+      <a:fillRef idx="1">
+        <a:scrgbClr r="0" g="0" b="0"/>
+      </a:fillRef>
+      <a:effectRef idx="2">
+        <a:scrgbClr r="0" g="0" b="0"/>
+      </a:effectRef>
+      <a:fontRef idx="minor"/>
+    </dgm:style>
+  </dgm:styleLbl>
+  <dgm:styleLbl name="fgAcc2">
+    <dgm:scene3d>
+      <a:camera prst="orthographicFront"/>
+      <a:lightRig rig="threePt" dir="t">
+        <a:rot lat="0" lon="0" rev="7500000"/>
+      </a:lightRig>
+    </dgm:scene3d>
+    <dgm:sp3d z="152400" extrusionH="63500" prstMaterial="dkEdge">
+      <a:bevelT w="125400" h="36350" prst="relaxedInset"/>
+      <a:contourClr>
+        <a:schemeClr val="bg1"/>
+      </a:contourClr>
+    </dgm:sp3d>
+    <dgm:txPr/>
+    <dgm:style>
+      <a:lnRef idx="1">
+        <a:scrgbClr r="0" g="0" b="0"/>
+      </a:lnRef>
+      <a:fillRef idx="1">
+        <a:scrgbClr r="0" g="0" b="0"/>
+      </a:fillRef>
+      <a:effectRef idx="2">
+        <a:scrgbClr r="0" g="0" b="0"/>
+      </a:effectRef>
+      <a:fontRef idx="minor"/>
+    </dgm:style>
+  </dgm:styleLbl>
+  <dgm:styleLbl name="fgAcc3">
+    <dgm:scene3d>
+      <a:camera prst="orthographicFront"/>
+      <a:lightRig rig="threePt" dir="t">
+        <a:rot lat="0" lon="0" rev="7500000"/>
+      </a:lightRig>
+    </dgm:scene3d>
+    <dgm:sp3d z="152400" extrusionH="63500" prstMaterial="dkEdge">
+      <a:bevelT w="125400" h="36350" prst="relaxedInset"/>
+      <a:contourClr>
+        <a:schemeClr val="bg1"/>
+      </a:contourClr>
+    </dgm:sp3d>
+    <dgm:txPr/>
+    <dgm:style>
+      <a:lnRef idx="1">
+        <a:scrgbClr r="0" g="0" b="0"/>
+      </a:lnRef>
+      <a:fillRef idx="1">
+        <a:scrgbClr r="0" g="0" b="0"/>
+      </a:fillRef>
+      <a:effectRef idx="2">
+        <a:scrgbClr r="0" g="0" b="0"/>
+      </a:effectRef>
+      <a:fontRef idx="minor"/>
+    </dgm:style>
+  </dgm:styleLbl>
+  <dgm:styleLbl name="fgAcc4">
+    <dgm:scene3d>
+      <a:camera prst="orthographicFront"/>
+      <a:lightRig rig="threePt" dir="t">
+        <a:rot lat="0" lon="0" rev="7500000"/>
+      </a:lightRig>
+    </dgm:scene3d>
+    <dgm:sp3d z="152400" extrusionH="63500" prstMaterial="dkEdge">
+      <a:bevelT w="125400" h="36350" prst="relaxedInset"/>
+      <a:contourClr>
+        <a:schemeClr val="bg1"/>
+      </a:contourClr>
+    </dgm:sp3d>
+    <dgm:txPr/>
+    <dgm:style>
+      <a:lnRef idx="1">
+        <a:scrgbClr r="0" g="0" b="0"/>
+      </a:lnRef>
+      <a:fillRef idx="1">
+        <a:scrgbClr r="0" g="0" b="0"/>
+      </a:fillRef>
+      <a:effectRef idx="2">
+        <a:scrgbClr r="0" g="0" b="0"/>
+      </a:effectRef>
+      <a:fontRef idx="minor"/>
+    </dgm:style>
+  </dgm:styleLbl>
+  <dgm:styleLbl name="bgShp">
+    <dgm:scene3d>
+      <a:camera prst="orthographicFront"/>
+      <a:lightRig rig="threePt" dir="t">
+        <a:rot lat="0" lon="0" rev="7500000"/>
+      </a:lightRig>
+    </dgm:scene3d>
+    <dgm:sp3d z="-152400" extrusionH="63500" prstMaterial="matte">
+      <a:bevelT w="144450" h="6350" prst="relaxedInset"/>
+      <a:contourClr>
+        <a:schemeClr val="bg1"/>
+      </a:contourClr>
+    </dgm:sp3d>
+    <dgm:txPr/>
+    <dgm:style>
+      <a:lnRef idx="0">
+        <a:scrgbClr r="0" g="0" b="0"/>
+      </a:lnRef>
+      <a:fillRef idx="3">
+        <a:scrgbClr r="0" g="0" b="0"/>
+      </a:fillRef>
+      <a:effectRef idx="0">
+        <a:scrgbClr r="0" g="0" b="0"/>
+      </a:effectRef>
+      <a:fontRef idx="minor"/>
+    </dgm:style>
+  </dgm:styleLbl>
+  <dgm:styleLbl name="dkBgShp">
+    <dgm:scene3d>
+      <a:camera prst="orthographicFront"/>
+      <a:lightRig rig="threePt" dir="t">
+        <a:rot lat="0" lon="0" rev="7500000"/>
+      </a:lightRig>
+    </dgm:scene3d>
+    <dgm:sp3d prstMaterial="plastic">
+      <a:bevelT w="127000" h="25400" prst="relaxedInset"/>
+      <a:bevelB w="88900" h="121750" prst="angle"/>
+    </dgm:sp3d>
+    <dgm:txPr/>
+    <dgm:style>
+      <a:lnRef idx="0">
+        <a:scrgbClr r="0" g="0" b="0"/>
+      </a:lnRef>
+      <a:fillRef idx="1">
+        <a:scrgbClr r="0" g="0" b="0"/>
+      </a:fillRef>
+      <a:effectRef idx="2">
+        <a:scrgbClr r="0" g="0" b="0"/>
+      </a:effectRef>
+      <a:fontRef idx="minor">
+        <a:schemeClr val="lt1"/>
+      </a:fontRef>
+    </dgm:style>
+  </dgm:styleLbl>
+  <dgm:styleLbl name="trBgShp">
+    <dgm:scene3d>
+      <a:camera prst="orthographicFront"/>
+      <a:lightRig rig="threePt" dir="t"/>
+    </dgm:scene3d>
+    <dgm:sp3d z="-152400" prstMaterial="matte"/>
+    <dgm:txPr/>
+    <dgm:style>
+      <a:lnRef idx="0">
+        <a:scrgbClr r="0" g="0" b="0"/>
+      </a:lnRef>
+      <a:fillRef idx="1">
+        <a:scrgbClr r="0" g="0" b="0"/>
+      </a:fillRef>
+      <a:effectRef idx="0">
+        <a:scrgbClr r="0" g="0" b="0"/>
+      </a:effectRef>
+      <a:fontRef idx="minor"/>
+    </dgm:style>
+  </dgm:styleLbl>
+  <dgm:styleLbl name="fgShp">
+    <dgm:scene3d>
+      <a:camera prst="orthographicFront"/>
+      <a:lightRig rig="threePt" dir="t">
+        <a:rot lat="0" lon="0" rev="7500000"/>
+      </a:lightRig>
+    </dgm:scene3d>
+    <dgm:sp3d z="152400" extrusionH="63500" prstMaterial="matte">
+      <a:bevelT w="50800" h="19050" prst="relaxedInset"/>
+      <a:contourClr>
+        <a:schemeClr val="bg1"/>
+      </a:contourClr>
+    </dgm:sp3d>
+    <dgm:txPr/>
+    <dgm:style>
+      <a:lnRef idx="0">
+        <a:scrgbClr r="0" g="0" b="0"/>
+      </a:lnRef>
+      <a:fillRef idx="1">
+        <a:scrgbClr r="0" g="0" b="0"/>
+      </a:fillRef>
+      <a:effectRef idx="2">
+        <a:scrgbClr r="0" g="0" b="0"/>
+      </a:effectRef>
+      <a:fontRef idx="minor">
+        <a:schemeClr val="lt1"/>
+      </a:fontRef>
+    </dgm:style>
+  </dgm:styleLbl>
+  <dgm:styleLbl name="revTx">
+    <dgm:scene3d>
+      <a:camera prst="orthographicFront"/>
+      <a:lightRig rig="threePt" dir="t"/>
+    </dgm:scene3d>
+    <dgm:sp3d/>
+    <dgm:txPr/>
+    <dgm:style>
+      <a:lnRef idx="0">
+        <a:scrgbClr r="0" g="0" b="0"/>
+      </a:lnRef>
+      <a:fillRef idx="0">
+        <a:scrgbClr r="0" g="0" b="0"/>
+      </a:fillRef>
+      <a:effectRef idx="0">
+        <a:scrgbClr r="0" g="0" b="0"/>
+      </a:effectRef>
+      <a:fontRef idx="minor"/>
+    </dgm:style>
+  </dgm:styleLbl>
+</dgm:styleDef>
+</file>
+
+<file path=ppt/diagrams/quickStyle2.xml><?xml version="1.0" encoding="utf-8"?>
+<dgm:styleDef xmlns:dgm="http://schemas.openxmlformats.org/drawingml/2006/diagram" xmlns:a="http://schemas.openxmlformats.org/drawingml/2006/main" uniqueId="urn:microsoft.com/office/officeart/2005/8/quickstyle/3d2">
+  <dgm:title val=""/>
+  <dgm:desc val=""/>
+  <dgm:catLst>
+    <dgm:cat type="3D" pri="11200"/>
+  </dgm:catLst>
+  <dgm:scene3d>
+    <a:camera prst="orthographicFront"/>
+    <a:lightRig rig="threePt" dir="t"/>
+  </dgm:scene3d>
+  <dgm:styleLbl name="node0">
+    <dgm:scene3d>
+      <a:camera prst="orthographicFront"/>
+      <a:lightRig rig="threePt" dir="t">
+        <a:rot lat="0" lon="0" rev="7500000"/>
+      </a:lightRig>
+    </dgm:scene3d>
+    <dgm:sp3d prstMaterial="plastic">
+      <a:bevelT w="127000" h="25400" prst="relaxedInset"/>
+    </dgm:sp3d>
+    <dgm:txPr/>
+    <dgm:style>
+      <a:lnRef idx="0">
+        <a:scrgbClr r="0" g="0" b="0"/>
+      </a:lnRef>
+      <a:fillRef idx="3">
+        <a:scrgbClr r="0" g="0" b="0"/>
+      </a:fillRef>
+      <a:effectRef idx="2">
+        <a:scrgbClr r="0" g="0" b="0"/>
+      </a:effectRef>
+      <a:fontRef idx="minor">
+        <a:schemeClr val="lt1"/>
+      </a:fontRef>
+    </dgm:style>
+  </dgm:styleLbl>
+  <dgm:styleLbl name="lnNode1">
+    <dgm:scene3d>
+      <a:camera prst="orthographicFront"/>
+      <a:lightRig rig="threePt" dir="t">
+        <a:rot lat="0" lon="0" rev="7500000"/>
+      </a:lightRig>
+    </dgm:scene3d>
+    <dgm:sp3d prstMaterial="plastic">
+      <a:bevelT w="127000" h="25400" prst="relaxedInset"/>
+    </dgm:sp3d>
+    <dgm:txPr/>
+    <dgm:style>
+      <a:lnRef idx="1">
+        <a:scrgbClr r="0" g="0" b="0"/>
+      </a:lnRef>
+      <a:fillRef idx="3">
+        <a:scrgbClr r="0" g="0" b="0"/>
+      </a:fillRef>
+      <a:effectRef idx="2">
+        <a:scrgbClr r="0" g="0" b="0"/>
+      </a:effectRef>
+      <a:fontRef idx="minor">
+        <a:schemeClr val="lt1"/>
+      </a:fontRef>
+    </dgm:style>
+  </dgm:styleLbl>
+  <dgm:styleLbl name="vennNode1">
+    <dgm:scene3d>
+      <a:camera prst="orthographicFront"/>
+      <a:lightRig rig="threePt" dir="t">
+        <a:rot lat="0" lon="0" rev="7500000"/>
+      </a:lightRig>
+    </dgm:scene3d>
+    <dgm:sp3d prstMaterial="plastic">
+      <a:bevelT w="127000" h="25400" prst="relaxedInset"/>
+    </dgm:sp3d>
+    <dgm:txPr/>
+    <dgm:style>
+      <a:lnRef idx="0">
+        <a:scrgbClr r="0" g="0" b="0"/>
+      </a:lnRef>
+      <a:fillRef idx="3">
+        <a:scrgbClr r="0" g="0" b="0"/>
+      </a:fillRef>
+      <a:effectRef idx="2">
+        <a:scrgbClr r="0" g="0" b="0"/>
+      </a:effectRef>
+      <a:fontRef idx="minor">
+        <a:schemeClr val="tx1"/>
+      </a:fontRef>
+    </dgm:style>
+  </dgm:styleLbl>
+  <dgm:styleLbl name="alingNode1">
+    <dgm:scene3d>
+      <a:camera prst="orthographicFront"/>
+      <a:lightRig rig="threePt" dir="t">
+        <a:rot lat="0" lon="0" rev="7500000"/>
+      </a:lightRig>
+    </dgm:scene3d>
+    <dgm:sp3d prstMaterial="plastic">
+      <a:bevelT w="127000" h="25400" prst="relaxedInset"/>
+    </dgm:sp3d>
+    <dgm:txPr/>
+    <dgm:style>
+      <a:lnRef idx="0">
+        <a:scrgbClr r="0" g="0" b="0"/>
+      </a:lnRef>
+      <a:fillRef idx="3">
+        <a:scrgbClr r="0" g="0" b="0"/>
+      </a:fillRef>
+      <a:effectRef idx="2">
+        <a:scrgbClr r="0" g="0" b="0"/>
+      </a:effectRef>
+      <a:fontRef idx="minor">
+        <a:schemeClr val="lt1"/>
+      </a:fontRef>
+    </dgm:style>
+  </dgm:styleLbl>
+  <dgm:styleLbl name="node1">
+    <dgm:scene3d>
+      <a:camera prst="orthographicFront"/>
+      <a:lightRig rig="threePt" dir="t">
+        <a:rot lat="0" lon="0" rev="7500000"/>
+      </a:lightRig>
+    </dgm:scene3d>
+    <dgm:sp3d prstMaterial="plastic">
+      <a:bevelT w="127000" h="25400" prst="relaxedInset"/>
+    </dgm:sp3d>
+    <dgm:txPr/>
+    <dgm:style>
+      <a:lnRef idx="0">
+        <a:scrgbClr r="0" g="0" b="0"/>
+      </a:lnRef>
+      <a:fillRef idx="3">
+        <a:scrgbClr r="0" g="0" b="0"/>
+      </a:fillRef>
+      <a:effectRef idx="2">
+        <a:scrgbClr r="0" g="0" b="0"/>
+      </a:effectRef>
+      <a:fontRef idx="minor">
+        <a:schemeClr val="lt1"/>
+      </a:fontRef>
+    </dgm:style>
+  </dgm:styleLbl>
+  <dgm:styleLbl name="node2">
+    <dgm:scene3d>
+      <a:camera prst="orthographicFront"/>
+      <a:lightRig rig="threePt" dir="t">
+        <a:rot lat="0" lon="0" rev="7500000"/>
+      </a:lightRig>
+    </dgm:scene3d>
+    <dgm:sp3d prstMaterial="plastic">
+      <a:bevelT w="127000" h="25400" prst="relaxedInset"/>
+    </dgm:sp3d>
+    <dgm:txPr/>
+    <dgm:style>
+      <a:lnRef idx="0">
+        <a:scrgbClr r="0" g="0" b="0"/>
+      </a:lnRef>
+      <a:fillRef idx="3">
+        <a:scrgbClr r="0" g="0" b="0"/>
+      </a:fillRef>
+      <a:effectRef idx="2">
+        <a:scrgbClr r="0" g="0" b="0"/>
+      </a:effectRef>
+      <a:fontRef idx="minor">
+        <a:schemeClr val="lt1"/>
+      </a:fontRef>
+    </dgm:style>
+  </dgm:styleLbl>
+  <dgm:styleLbl name="node3">
+    <dgm:scene3d>
+      <a:camera prst="orthographicFront"/>
+      <a:lightRig rig="threePt" dir="t">
+        <a:rot lat="0" lon="0" rev="7500000"/>
+      </a:lightRig>
+    </dgm:scene3d>
+    <dgm:sp3d prstMaterial="plastic">
+      <a:bevelT w="127000" h="25400" prst="relaxedInset"/>
+    </dgm:sp3d>
+    <dgm:txPr/>
+    <dgm:style>
+      <a:lnRef idx="0">
+        <a:scrgbClr r="0" g="0" b="0"/>
+      </a:lnRef>
+      <a:fillRef idx="3">
+        <a:scrgbClr r="0" g="0" b="0"/>
+      </a:fillRef>
+      <a:effectRef idx="2">
+        <a:scrgbClr r="0" g="0" b="0"/>
+      </a:effectRef>
+      <a:fontRef idx="minor">
+        <a:schemeClr val="lt1"/>
+      </a:fontRef>
+    </dgm:style>
+  </dgm:styleLbl>
+  <dgm:styleLbl name="node4">
+    <dgm:scene3d>
+      <a:camera prst="orthographicFront"/>
+      <a:lightRig rig="threePt" dir="t">
+        <a:rot lat="0" lon="0" rev="7500000"/>
+      </a:lightRig>
+    </dgm:scene3d>
+    <dgm:sp3d prstMaterial="plastic">
+      <a:bevelT w="127000" h="25400" prst="relaxedInset"/>
+    </dgm:sp3d>
+    <dgm:txPr/>
+    <dgm:style>
+      <a:lnRef idx="0">
+        <a:scrgbClr r="0" g="0" b="0"/>
+      </a:lnRef>
+      <a:fillRef idx="3">
+        <a:scrgbClr r="0" g="0" b="0"/>
+      </a:fillRef>
+      <a:effectRef idx="2">
+        <a:scrgbClr r="0" g="0" b="0"/>
+      </a:effectRef>
+      <a:fontRef idx="minor">
+        <a:schemeClr val="lt1"/>
+      </a:fontRef>
+    </dgm:style>
+  </dgm:styleLbl>
+  <dgm:styleLbl name="fgImgPlace1">
+    <dgm:scene3d>
+      <a:camera prst="orthographicFront"/>
+      <a:lightRig rig="threePt" dir="t">
+        <a:rot lat="0" lon="0" rev="7500000"/>
+      </a:lightRig>
+    </dgm:scene3d>
+    <dgm:sp3d z="152400" extrusionH="63500" prstMaterial="matte">
+      <a:bevelT w="50800" h="19050" prst="relaxedInset"/>
+      <a:contourClr>
+        <a:schemeClr val="bg1"/>
+      </a:contourClr>
+    </dgm:sp3d>
+    <dgm:txPr/>
+    <dgm:style>
+      <a:lnRef idx="0">
+        <a:scrgbClr r="0" g="0" b="0"/>
+      </a:lnRef>
+      <a:fillRef idx="1">
+        <a:scrgbClr r="0" g="0" b="0"/>
+      </a:fillRef>
+      <a:effectRef idx="0">
+        <a:scrgbClr r="0" g="0" b="0"/>
+      </a:effectRef>
+      <a:fontRef idx="minor"/>
+    </dgm:style>
+  </dgm:styleLbl>
+  <dgm:styleLbl name="alignImgPlace1">
+    <dgm:scene3d>
+      <a:camera prst="orthographicFront"/>
+      <a:lightRig rig="threePt" dir="t">
+        <a:rot lat="0" lon="0" rev="7500000"/>
+      </a:lightRig>
+    </dgm:scene3d>
+    <dgm:sp3d z="254000" extrusionH="63500" contourW="12700" prstMaterial="matte">
+      <a:contourClr>
+        <a:schemeClr val="lt1"/>
+      </a:contourClr>
+    </dgm:sp3d>
+    <dgm:txPr/>
+    <dgm:style>
+      <a:lnRef idx="0">
+        <a:scrgbClr r="0" g="0" b="0"/>
+      </a:lnRef>
+      <a:fillRef idx="1">
+        <a:scrgbClr r="0" g="0" b="0"/>
+      </a:fillRef>
+      <a:effectRef idx="0">
+        <a:scrgbClr r="0" g="0" b="0"/>
+      </a:effectRef>
+      <a:fontRef idx="minor"/>
+    </dgm:style>
+  </dgm:styleLbl>
+  <dgm:styleLbl name="bgImgPlace1">
+    <dgm:scene3d>
+      <a:camera prst="orthographicFront"/>
+      <a:lightRig rig="threePt" dir="t">
+        <a:rot lat="0" lon="0" rev="7500000"/>
+      </a:lightRig>
+    </dgm:scene3d>
+    <dgm:sp3d z="-152400" extrusionH="63500" contourW="127000" prstMaterial="matte">
+      <a:contourClr>
+        <a:schemeClr val="lt1"/>
+      </a:contourClr>
+    </dgm:sp3d>
+    <dgm:txPr/>
+    <dgm:style>
+      <a:lnRef idx="0">
+        <a:scrgbClr r="0" g="0" b="0"/>
+      </a:lnRef>
+      <a:fillRef idx="1">
+        <a:scrgbClr r="0" g="0" b="0"/>
+      </a:fillRef>
+      <a:effectRef idx="0">
+        <a:scrgbClr r="0" g="0" b="0"/>
+      </a:effectRef>
+      <a:fontRef idx="minor"/>
+    </dgm:style>
+  </dgm:styleLbl>
+  <dgm:styleLbl name="sibTrans2D1">
+    <dgm:scene3d>
+      <a:camera prst="orthographicFront"/>
+      <a:lightRig rig="threePt" dir="t">
+        <a:rot lat="0" lon="0" rev="7500000"/>
+      </a:lightRig>
+    </dgm:scene3d>
+    <dgm:sp3d z="-70000" extrusionH="63500" prstMaterial="matte">
+      <a:bevelT w="25400" h="6350" prst="relaxedInset"/>
+      <a:contourClr>
+        <a:schemeClr val="bg1"/>
+      </a:contourClr>
+    </dgm:sp3d>
+    <dgm:txPr/>
+    <dgm:style>
+      <a:lnRef idx="0">
+        <a:scrgbClr r="0" g="0" b="0"/>
+      </a:lnRef>
+      <a:fillRef idx="1">
+        <a:scrgbClr r="0" g="0" b="0"/>
+      </a:fillRef>
+      <a:effectRef idx="2">
+        <a:scrgbClr r="0" g="0" b="0"/>
+      </a:effectRef>
+      <a:fontRef idx="minor">
+        <a:schemeClr val="lt1"/>
+      </a:fontRef>
+    </dgm:style>
+  </dgm:styleLbl>
+  <dgm:styleLbl name="fgSibTrans2D1">
+    <dgm:scene3d>
+      <a:camera prst="orthographicFront"/>
+      <a:lightRig rig="threePt" dir="t">
+        <a:rot lat="0" lon="0" rev="7500000"/>
+      </a:lightRig>
+    </dgm:scene3d>
+    <dgm:sp3d z="152400" extrusionH="63500" prstMaterial="matte">
+      <a:bevelT w="25400" h="6350" prst="relaxedInset"/>
+      <a:contourClr>
+        <a:schemeClr val="bg1"/>
+      </a:contourClr>
+    </dgm:sp3d>
+    <dgm:txPr/>
+    <dgm:style>
+      <a:lnRef idx="0">
+        <a:scrgbClr r="0" g="0" b="0"/>
+      </a:lnRef>
+      <a:fillRef idx="1">
+        <a:scrgbClr r="0" g="0" b="0"/>
+      </a:fillRef>
+      <a:effectRef idx="2">
+        <a:scrgbClr r="0" g="0" b="0"/>
+      </a:effectRef>
+      <a:fontRef idx="minor">
+        <a:schemeClr val="lt1"/>
+      </a:fontRef>
+    </dgm:style>
+  </dgm:styleLbl>
+  <dgm:styleLbl name="bgSibTrans2D1">
+    <dgm:scene3d>
+      <a:camera prst="orthographicFront"/>
+      <a:lightRig rig="threePt" dir="t">
+        <a:rot lat="0" lon="0" rev="7500000"/>
+      </a:lightRig>
+    </dgm:scene3d>
+    <dgm:sp3d z="-152400" extrusionH="63500" prstMaterial="matte">
+      <a:bevelT w="25400" h="6350" prst="relaxedInset"/>
+      <a:contourClr>
+        <a:schemeClr val="bg1"/>
+      </a:contourClr>
+    </dgm:sp3d>
+    <dgm:txPr/>
+    <dgm:style>
+      <a:lnRef idx="0">
+        <a:scrgbClr r="0" g="0" b="0"/>
+      </a:lnRef>
+      <a:fillRef idx="1">
+        <a:scrgbClr r="0" g="0" b="0"/>
+      </a:fillRef>
+      <a:effectRef idx="2">
+        <a:scrgbClr r="0" g="0" b="0"/>
+      </a:effectRef>
+      <a:fontRef idx="minor">
+        <a:schemeClr val="lt1"/>
+      </a:fontRef>
+    </dgm:style>
+  </dgm:styleLbl>
+  <dgm:styleLbl name="sibTrans1D1">
+    <dgm:scene3d>
+      <a:camera prst="orthographicFront"/>
+      <a:lightRig rig="threePt" dir="t">
+        <a:rot lat="0" lon="0" rev="7500000"/>
+      </a:lightRig>
+    </dgm:scene3d>
+    <dgm:sp3d z="-40000" prstMaterial="matte"/>
+    <dgm:txPr/>
+    <dgm:style>
+      <a:lnRef idx="1">
+        <a:scrgbClr r="0" g="0" b="0"/>
+      </a:lnRef>
+      <a:fillRef idx="0">
+        <a:scrgbClr r="0" g="0" b="0"/>
+      </a:fillRef>
+      <a:effectRef idx="0">
+        <a:scrgbClr r="0" g="0" b="0"/>
+      </a:effectRef>
+      <a:fontRef idx="minor"/>
+    </dgm:style>
+  </dgm:styleLbl>
+  <dgm:styleLbl name="callout">
+    <dgm:scene3d>
+      <a:camera prst="orthographicFront"/>
+      <a:lightRig rig="threePt" dir="t">
+        <a:rot lat="0" lon="0" rev="7500000"/>
+      </a:lightRig>
+    </dgm:scene3d>
+    <dgm:sp3d z="127000" prstMaterial="matte"/>
+    <dgm:txPr/>
+    <dgm:style>
+      <a:lnRef idx="2">
+        <a:scrgbClr r="0" g="0" b="0"/>
+      </a:lnRef>
+      <a:fillRef idx="1">
+        <a:scrgbClr r="0" g="0" b="0"/>
+      </a:fillRef>
+      <a:effectRef idx="0">
+        <a:scrgbClr r="0" g="0" b="0"/>
+      </a:effectRef>
+      <a:fontRef idx="minor"/>
+    </dgm:style>
+  </dgm:styleLbl>
+  <dgm:styleLbl name="asst0">
+    <dgm:scene3d>
+      <a:camera prst="orthographicFront"/>
+      <a:lightRig rig="threePt" dir="t">
+        <a:rot lat="0" lon="0" rev="7500000"/>
+      </a:lightRig>
+    </dgm:scene3d>
+    <dgm:sp3d prstMaterial="plastic">
+      <a:bevelT w="127000" h="25400" prst="relaxedInset"/>
+    </dgm:sp3d>
+    <dgm:txPr/>
+    <dgm:style>
+      <a:lnRef idx="0">
+        <a:scrgbClr r="0" g="0" b="0"/>
+      </a:lnRef>
+      <a:fillRef idx="3">
+        <a:scrgbClr r="0" g="0" b="0"/>
+      </a:fillRef>
+      <a:effectRef idx="2">
+        <a:scrgbClr r="0" g="0" b="0"/>
+      </a:effectRef>
+      <a:fontRef idx="minor">
+        <a:schemeClr val="lt1"/>
+      </a:fontRef>
+    </dgm:style>
+  </dgm:styleLbl>
+  <dgm:styleLbl name="asst1">
+    <dgm:scene3d>
+      <a:camera prst="orthographicFront"/>
+      <a:lightRig rig="threePt" dir="t">
+        <a:rot lat="0" lon="0" rev="7500000"/>
+      </a:lightRig>
+    </dgm:scene3d>
+    <dgm:sp3d prstMaterial="plastic">
+      <a:bevelT w="127000" h="25400" prst="relaxedInset"/>
+    </dgm:sp3d>
+    <dgm:txPr/>
+    <dgm:style>
+      <a:lnRef idx="0">
+        <a:scrgbClr r="0" g="0" b="0"/>
+      </a:lnRef>
+      <a:fillRef idx="3">
+        <a:scrgbClr r="0" g="0" b="0"/>
+      </a:fillRef>
+      <a:effectRef idx="2">
+        <a:scrgbClr r="0" g="0" b="0"/>
+      </a:effectRef>
+      <a:fontRef idx="minor">
+        <a:schemeClr val="lt1"/>
+      </a:fontRef>
+    </dgm:style>
+  </dgm:styleLbl>
+  <dgm:styleLbl name="asst2">
+    <dgm:scene3d>
+      <a:camera prst="orthographicFront"/>
+      <a:lightRig rig="threePt" dir="t">
+        <a:rot lat="0" lon="0" rev="7500000"/>
+      </a:lightRig>
+    </dgm:scene3d>
+    <dgm:sp3d prstMaterial="plastic">
+      <a:bevelT w="127000" h="25400" prst="relaxedInset"/>
+    </dgm:sp3d>
+    <dgm:txPr/>
+    <dgm:style>
+      <a:lnRef idx="0">
+        <a:scrgbClr r="0" g="0" b="0"/>
+      </a:lnRef>
+      <a:fillRef idx="3">
+        <a:scrgbClr r="0" g="0" b="0"/>
+      </a:fillRef>
+      <a:effectRef idx="2">
+        <a:scrgbClr r="0" g="0" b="0"/>
+      </a:effectRef>
+      <a:fontRef idx="minor">
+        <a:schemeClr val="lt1"/>
+      </a:fontRef>
+    </dgm:style>
+  </dgm:styleLbl>
+  <dgm:styleLbl name="asst3">
+    <dgm:scene3d>
+      <a:camera prst="orthographicFront"/>
+      <a:lightRig rig="threePt" dir="t">
+        <a:rot lat="0" lon="0" rev="7500000"/>
+      </a:lightRig>
+    </dgm:scene3d>
+    <dgm:sp3d prstMaterial="plastic">
+      <a:bevelT w="127000" h="25400" prst="relaxedInset"/>
+    </dgm:sp3d>
+    <dgm:txPr/>
+    <dgm:style>
+      <a:lnRef idx="0">
+        <a:scrgbClr r="0" g="0" b="0"/>
+      </a:lnRef>
+      <a:fillRef idx="3">
+        <a:scrgbClr r="0" g="0" b="0"/>
+      </a:fillRef>
+      <a:effectRef idx="2">
+        <a:scrgbClr r="0" g="0" b="0"/>
+      </a:effectRef>
+      <a:fontRef idx="minor">
+        <a:schemeClr val="lt1"/>
+      </a:fontRef>
+    </dgm:style>
+  </dgm:styleLbl>
+  <dgm:styleLbl name="parChTrans2D1">
+    <dgm:scene3d>
+      <a:camera prst="orthographicFront"/>
+      <a:lightRig rig="threePt" dir="t">
+        <a:rot lat="0" lon="0" rev="7500000"/>
+      </a:lightRig>
+    </dgm:scene3d>
+    <dgm:sp3d extrusionH="63500" prstMaterial="matte">
+      <a:bevelT w="50800" h="19050" prst="relaxedInset"/>
+      <a:contourClr>
+        <a:schemeClr val="bg1"/>
+      </a:contourClr>
+    </dgm:sp3d>
+    <dgm:txPr/>
+    <dgm:style>
+      <a:lnRef idx="0">
+        <a:scrgbClr r="0" g="0" b="0"/>
+      </a:lnRef>
+      <a:fillRef idx="1">
+        <a:scrgbClr r="0" g="0" b="0"/>
+      </a:fillRef>
+      <a:effectRef idx="2">
+        <a:scrgbClr r="0" g="0" b="0"/>
+      </a:effectRef>
+      <a:fontRef idx="minor">
+        <a:schemeClr val="lt1"/>
+      </a:fontRef>
+    </dgm:style>
+  </dgm:styleLbl>
+  <dgm:styleLbl name="parChTrans2D2">
+    <dgm:scene3d>
+      <a:camera prst="orthographicFront"/>
+      <a:lightRig rig="threePt" dir="t">
+        <a:rot lat="0" lon="0" rev="7500000"/>
+      </a:lightRig>
+    </dgm:scene3d>
+    <dgm:sp3d extrusionH="63500" prstMaterial="matte">
+      <a:bevelT w="50800" h="19050" prst="relaxedInset"/>
+      <a:contourClr>
+        <a:schemeClr val="bg1"/>
+      </a:contourClr>
+    </dgm:sp3d>
+    <dgm:txPr/>
+    <dgm:style>
+      <a:lnRef idx="0">
+        <a:scrgbClr r="0" g="0" b="0"/>
+      </a:lnRef>
+      <a:fillRef idx="1">
+        <a:scrgbClr r="0" g="0" b="0"/>
+      </a:fillRef>
+      <a:effectRef idx="0">
+        <a:scrgbClr r="0" g="0" b="0"/>
+      </a:effectRef>
+      <a:fontRef idx="minor">
+        <a:schemeClr val="lt1"/>
+      </a:fontRef>
+    </dgm:style>
+  </dgm:styleLbl>
+  <dgm:styleLbl name="parChTrans2D3">
+    <dgm:scene3d>
+      <a:camera prst="orthographicFront"/>
+      <a:lightRig rig="threePt" dir="t">
+        <a:rot lat="0" lon="0" rev="7500000"/>
+      </a:lightRig>
+    </dgm:scene3d>
+    <dgm:sp3d z="60000" prstMaterial="flat">
+      <a:bevelT w="120900" h="88900"/>
+    </dgm:sp3d>
+    <dgm:txPr/>
+    <dgm:style>
+      <a:lnRef idx="0">
+        <a:scrgbClr r="0" g="0" b="0"/>
+      </a:lnRef>
+      <a:fillRef idx="3">
+        <a:scrgbClr r="0" g="0" b="0"/>
+      </a:fillRef>
+      <a:effectRef idx="1">
+        <a:scrgbClr r="0" g="0" b="0"/>
+      </a:effectRef>
+      <a:fontRef idx="minor">
+        <a:schemeClr val="lt1"/>
+      </a:fontRef>
+    </dgm:style>
+  </dgm:styleLbl>
+  <dgm:styleLbl name="parChTrans2D4">
+    <dgm:scene3d>
+      <a:camera prst="orthographicFront"/>
+      <a:lightRig rig="threePt" dir="t">
+        <a:rot lat="0" lon="0" rev="7500000"/>
+      </a:lightRig>
+    </dgm:scene3d>
+    <dgm:sp3d z="60000" prstMaterial="flat">
+      <a:bevelT w="120900" h="88900"/>
+    </dgm:sp3d>
+    <dgm:txPr/>
+    <dgm:style>
+      <a:lnRef idx="0">
+        <a:scrgbClr r="0" g="0" b="0"/>
+      </a:lnRef>
+      <a:fillRef idx="3">
+        <a:scrgbClr r="0" g="0" b="0"/>
+      </a:fillRef>
+      <a:effectRef idx="1">
+        <a:scrgbClr r="0" g="0" b="0"/>
+      </a:effectRef>
+      <a:fontRef idx="minor">
+        <a:schemeClr val="lt1"/>
+      </a:fontRef>
+    </dgm:style>
+  </dgm:styleLbl>
+  <dgm:styleLbl name="parChTrans1D1">
+    <dgm:scene3d>
+      <a:camera prst="orthographicFront"/>
+      <a:lightRig rig="threePt" dir="t">
+        <a:rot lat="0" lon="0" rev="7500000"/>
+      </a:lightRig>
+    </dgm:scene3d>
+    <dgm:sp3d z="-40000" prstMaterial="matte"/>
+    <dgm:txPr/>
+    <dgm:style>
+      <a:lnRef idx="2">
+        <a:scrgbClr r="0" g="0" b="0"/>
+      </a:lnRef>
+      <a:fillRef idx="0">
+        <a:scrgbClr r="0" g="0" b="0"/>
+      </a:fillRef>
+      <a:effectRef idx="0">
+        <a:scrgbClr r="0" g="0" b="0"/>
+      </a:effectRef>
+      <a:fontRef idx="minor"/>
+    </dgm:style>
+  </dgm:styleLbl>
+  <dgm:styleLbl name="parChTrans1D2">
+    <dgm:scene3d>
+      <a:camera prst="orthographicFront"/>
+      <a:lightRig rig="threePt" dir="t">
+        <a:rot lat="0" lon="0" rev="7500000"/>
+      </a:lightRig>
+    </dgm:scene3d>
+    <dgm:sp3d z="-40000" prstMaterial="matte"/>
+    <dgm:txPr/>
+    <dgm:style>
+      <a:lnRef idx="2">
+        <a:scrgbClr r="0" g="0" b="0"/>
+      </a:lnRef>
+      <a:fillRef idx="0">
+        <a:scrgbClr r="0" g="0" b="0"/>
+      </a:fillRef>
+      <a:effectRef idx="0">
+        <a:scrgbClr r="0" g="0" b="0"/>
+      </a:effectRef>
+      <a:fontRef idx="minor"/>
+    </dgm:style>
+  </dgm:styleLbl>
+  <dgm:styleLbl name="parChTrans1D3">
+    <dgm:scene3d>
+      <a:camera prst="orthographicFront"/>
+      <a:lightRig rig="threePt" dir="t">
+        <a:rot lat="0" lon="0" rev="7500000"/>
+      </a:lightRig>
+    </dgm:scene3d>
+    <dgm:sp3d z="-40000" prstMaterial="matte"/>
+    <dgm:txPr/>
+    <dgm:style>
+      <a:lnRef idx="2">
+        <a:scrgbClr r="0" g="0" b="0"/>
+      </a:lnRef>
+      <a:fillRef idx="0">
+        <a:scrgbClr r="0" g="0" b="0"/>
+      </a:fillRef>
+      <a:effectRef idx="0">
+        <a:scrgbClr r="0" g="0" b="0"/>
+      </a:effectRef>
+      <a:fontRef idx="minor"/>
+    </dgm:style>
+  </dgm:styleLbl>
+  <dgm:styleLbl name="parChTrans1D4">
+    <dgm:scene3d>
+      <a:camera prst="orthographicFront"/>
+      <a:lightRig rig="threePt" dir="t">
+        <a:rot lat="0" lon="0" rev="7500000"/>
+      </a:lightRig>
+    </dgm:scene3d>
+    <dgm:sp3d z="-40000" prstMaterial="matte"/>
+    <dgm:txPr/>
+    <dgm:style>
+      <a:lnRef idx="2">
+        <a:scrgbClr r="0" g="0" b="0"/>
+      </a:lnRef>
+      <a:fillRef idx="0">
+        <a:scrgbClr r="0" g="0" b="0"/>
+      </a:fillRef>
+      <a:effectRef idx="0">
+        <a:scrgbClr r="0" g="0" b="0"/>
+      </a:effectRef>
+      <a:fontRef idx="minor"/>
+    </dgm:style>
+  </dgm:styleLbl>
+  <dgm:styleLbl name="fgAcc1">
+    <dgm:scene3d>
+      <a:camera prst="orthographicFront"/>
+      <a:lightRig rig="threePt" dir="t">
+        <a:rot lat="0" lon="0" rev="7500000"/>
+      </a:lightRig>
+    </dgm:scene3d>
+    <dgm:sp3d z="152400" extrusionH="63500" prstMaterial="dkEdge">
+      <a:bevelT w="135400" h="16350" prst="relaxedInset"/>
+      <a:contourClr>
+        <a:schemeClr val="bg1"/>
+      </a:contourClr>
+    </dgm:sp3d>
+    <dgm:txPr/>
+    <dgm:style>
+      <a:lnRef idx="1">
+        <a:scrgbClr r="0" g="0" b="0"/>
+      </a:lnRef>
+      <a:fillRef idx="1">
+        <a:scrgbClr r="0" g="0" b="0"/>
+      </a:fillRef>
+      <a:effectRef idx="2">
+        <a:scrgbClr r="0" g="0" b="0"/>
+      </a:effectRef>
+      <a:fontRef idx="minor"/>
+    </dgm:style>
+  </dgm:styleLbl>
+  <dgm:styleLbl name="conFgAcc1">
+    <dgm:scene3d>
+      <a:camera prst="orthographicFront"/>
+      <a:lightRig rig="threePt" dir="t">
+        <a:rot lat="0" lon="0" rev="7500000"/>
+      </a:lightRig>
+    </dgm:scene3d>
+    <dgm:sp3d z="152400" extrusionH="63500" prstMaterial="dkEdge">
+      <a:bevelT w="135400" h="16350" prst="relaxedInset"/>
+      <a:contourClr>
+        <a:schemeClr val="bg1"/>
+      </a:contourClr>
+    </dgm:sp3d>
+    <dgm:txPr/>
+    <dgm:style>
+      <a:lnRef idx="1">
+        <a:scrgbClr r="0" g="0" b="0"/>
+      </a:lnRef>
+      <a:fillRef idx="1">
+        <a:scrgbClr r="0" g="0" b="0"/>
+      </a:fillRef>
+      <a:effectRef idx="2">
+        <a:scrgbClr r="0" g="0" b="0"/>
+      </a:effectRef>
+      <a:fontRef idx="minor"/>
+    </dgm:style>
+  </dgm:styleLbl>
+  <dgm:styleLbl name="alignAcc1">
+    <dgm:scene3d>
+      <a:camera prst="orthographicFront"/>
+      <a:lightRig rig="threePt" dir="t">
+        <a:rot lat="0" lon="0" rev="7500000"/>
+      </a:lightRig>
+    </dgm:scene3d>
+    <dgm:sp3d extrusionH="190500" prstMaterial="dkEdge">
+      <a:bevelT w="135400" h="16350" prst="relaxedInset"/>
+      <a:contourClr>
+        <a:schemeClr val="bg1"/>
+      </a:contourClr>
+    </dgm:sp3d>
+    <dgm:txPr/>
+    <dgm:style>
+      <a:lnRef idx="1">
+        <a:scrgbClr r="0" g="0" b="0"/>
+      </a:lnRef>
+      <a:fillRef idx="1">
+        <a:scrgbClr r="0" g="0" b="0"/>
+      </a:fillRef>
+      <a:effectRef idx="2">
+        <a:scrgbClr r="0" g="0" b="0"/>
+      </a:effectRef>
+      <a:fontRef idx="minor"/>
+    </dgm:style>
+  </dgm:styleLbl>
+  <dgm:styleLbl name="trAlignAcc1">
+    <dgm:scene3d>
+      <a:camera prst="orthographicFront"/>
+      <a:lightRig rig="threePt" dir="t">
+        <a:rot lat="0" lon="0" rev="7500000"/>
+      </a:lightRig>
+    </dgm:scene3d>
+    <dgm:sp3d prstMaterial="plastic">
+      <a:bevelT w="127000" h="35400"/>
+    </dgm:sp3d>
+    <dgm:txPr/>
+    <dgm:style>
+      <a:lnRef idx="1">
+        <a:scrgbClr r="0" g="0" b="0"/>
+      </a:lnRef>
+      <a:fillRef idx="1">
+        <a:scrgbClr r="0" g="0" b="0"/>
+      </a:fillRef>
+      <a:effectRef idx="2">
+        <a:scrgbClr r="0" g="0" b="0"/>
+      </a:effectRef>
+      <a:fontRef idx="minor">
+        <a:schemeClr val="lt1"/>
+      </a:fontRef>
+    </dgm:style>
+  </dgm:styleLbl>
+  <dgm:styleLbl name="bgAcc1">
+    <dgm:scene3d>
+      <a:camera prst="orthographicFront"/>
+      <a:lightRig rig="threePt" dir="t">
+        <a:rot lat="0" lon="0" rev="7500000"/>
+      </a:lightRig>
+    </dgm:scene3d>
+    <dgm:sp3d z="-152400" extrusionH="63500" prstMaterial="dkEdge">
+      <a:bevelT w="124450" h="16350" prst="relaxedInset"/>
+      <a:contourClr>
+        <a:schemeClr val="bg1"/>
+      </a:contourClr>
+    </dgm:sp3d>
+    <dgm:txPr/>
+    <dgm:style>
+      <a:lnRef idx="1">
+        <a:scrgbClr r="0" g="0" b="0"/>
+      </a:lnRef>
+      <a:fillRef idx="1">
+        <a:scrgbClr r="0" g="0" b="0"/>
+      </a:fillRef>
+      <a:effectRef idx="0">
+        <a:scrgbClr r="0" g="0" b="0"/>
+      </a:effectRef>
+      <a:fontRef idx="minor"/>
+    </dgm:style>
+  </dgm:styleLbl>
+  <dgm:styleLbl name="solidFgAcc1">
+    <dgm:scene3d>
+      <a:camera prst="orthographicFront"/>
+      <a:lightRig rig="threePt" dir="t">
+        <a:rot lat="0" lon="0" rev="7500000"/>
+      </a:lightRig>
+    </dgm:scene3d>
+    <dgm:sp3d z="152400" extrusionH="63500" prstMaterial="dkEdge">
+      <a:bevelT w="120800" h="19050" prst="relaxedInset"/>
+      <a:contourClr>
+        <a:schemeClr val="bg1"/>
+      </a:contourClr>
+    </dgm:sp3d>
+    <dgm:txPr/>
+    <dgm:style>
+      <a:lnRef idx="1">
+        <a:scrgbClr r="0" g="0" b="0"/>
+      </a:lnRef>
+      <a:fillRef idx="1">
+        <a:scrgbClr r="0" g="0" b="0"/>
+      </a:fillRef>
+      <a:effectRef idx="2">
+        <a:scrgbClr r="0" g="0" b="0"/>
+      </a:effectRef>
+      <a:fontRef idx="minor"/>
+    </dgm:style>
+  </dgm:styleLbl>
+  <dgm:styleLbl name="solidAlignAcc1">
+    <dgm:scene3d>
+      <a:camera prst="orthographicFront"/>
+      <a:lightRig rig="threePt" dir="t">
+        <a:rot lat="0" lon="0" rev="7500000"/>
+      </a:lightRig>
+    </dgm:scene3d>
+    <dgm:sp3d extrusionH="190500" prstMaterial="dkEdge">
+      <a:bevelT w="120650" h="38100" prst="relaxedInset"/>
+      <a:contourClr>
+        <a:schemeClr val="bg1"/>
+      </a:contourClr>
+    </dgm:sp3d>
+    <dgm:txPr/>
+    <dgm:style>
+      <a:lnRef idx="1">
+        <a:scrgbClr r="0" g="0" b="0"/>
+      </a:lnRef>
+      <a:fillRef idx="1">
+        <a:scrgbClr r="0" g="0" b="0"/>
+      </a:fillRef>
+      <a:effectRef idx="2">
+        <a:scrgbClr r="0" g="0" b="0"/>
+      </a:effectRef>
+      <a:fontRef idx="minor"/>
+    </dgm:style>
+  </dgm:styleLbl>
+  <dgm:styleLbl name="solidBgAcc1">
+    <dgm:scene3d>
+      <a:camera prst="orthographicFront"/>
+      <a:lightRig rig="threePt" dir="t">
+        <a:rot lat="0" lon="0" rev="7500000"/>
+      </a:lightRig>
+    </dgm:scene3d>
+    <dgm:sp3d z="-152400" extrusionH="63500" prstMaterial="dkEdge">
+      <a:bevelT w="144450" h="36350" prst="relaxedInset"/>
+      <a:contourClr>
+        <a:schemeClr val="bg1"/>
+      </a:contourClr>
+    </dgm:sp3d>
+    <dgm:txPr/>
+    <dgm:style>
+      <a:lnRef idx="1">
+        <a:scrgbClr r="0" g="0" b="0"/>
+      </a:lnRef>
+      <a:fillRef idx="1">
+        <a:scrgbClr r="0" g="0" b="0"/>
+      </a:fillRef>
+      <a:effectRef idx="0">
+        <a:scrgbClr r="0" g="0" b="0"/>
+      </a:effectRef>
+      <a:fontRef idx="minor"/>
+    </dgm:style>
+  </dgm:styleLbl>
+  <dgm:styleLbl name="fgAccFollowNode1">
+    <dgm:scene3d>
+      <a:camera prst="orthographicFront"/>
+      <a:lightRig rig="threePt" dir="t">
+        <a:rot lat="0" lon="0" rev="7500000"/>
+      </a:lightRig>
+    </dgm:scene3d>
+    <dgm:sp3d z="152400" extrusionH="63500" prstMaterial="dkEdge">
+      <a:bevelT w="125400" h="36350" prst="relaxedInset"/>
+      <a:contourClr>
+        <a:schemeClr val="bg1"/>
+      </a:contourClr>
+    </dgm:sp3d>
+    <dgm:txPr/>
+    <dgm:style>
+      <a:lnRef idx="1">
+        <a:scrgbClr r="0" g="0" b="0"/>
+      </a:lnRef>
+      <a:fillRef idx="1">
+        <a:scrgbClr r="0" g="0" b="0"/>
+      </a:fillRef>
+      <a:effectRef idx="0">
+        <a:scrgbClr r="0" g="0" b="0"/>
+      </a:effectRef>
+      <a:fontRef idx="minor"/>
+    </dgm:style>
+  </dgm:styleLbl>
+  <dgm:styleLbl name="alignAccFollowNode1">
+    <dgm:scene3d>
+      <a:camera prst="orthographicFront"/>
+      <a:lightRig rig="threePt" dir="t">
+        <a:rot lat="0" lon="0" rev="7500000"/>
+      </a:lightRig>
+    </dgm:scene3d>
+    <dgm:sp3d extrusionH="190500" prstMaterial="dkEdge">
+      <a:bevelT w="120650" h="38100" prst="relaxedInset"/>
+      <a:bevelB w="120650" h="57150" prst="relaxedInset"/>
+      <a:contourClr>
+        <a:schemeClr val="bg1"/>
+      </a:contourClr>
+    </dgm:sp3d>
+    <dgm:txPr/>
+    <dgm:style>
+      <a:lnRef idx="1">
+        <a:scrgbClr r="0" g="0" b="0"/>
+      </a:lnRef>
+      <a:fillRef idx="1">
+        <a:scrgbClr r="0" g="0" b="0"/>
+      </a:fillRef>
+      <a:effectRef idx="2">
+        <a:scrgbClr r="0" g="0" b="0"/>
+      </a:effectRef>
+      <a:fontRef idx="minor"/>
+    </dgm:style>
+  </dgm:styleLbl>
+  <dgm:styleLbl name="bgAccFollowNode1">
+    <dgm:scene3d>
+      <a:camera prst="orthographicFront"/>
+      <a:lightRig rig="threePt" dir="t">
+        <a:rot lat="0" lon="0" rev="7500000"/>
+      </a:lightRig>
+    </dgm:scene3d>
+    <dgm:sp3d z="-152400" extrusionH="63500" prstMaterial="dkEdge">
+      <a:bevelT w="144450" h="36350" prst="relaxedInset"/>
+      <a:contourClr>
+        <a:schemeClr val="bg1"/>
+      </a:contourClr>
+    </dgm:sp3d>
+    <dgm:txPr/>
+    <dgm:style>
+      <a:lnRef idx="1">
+        <a:scrgbClr r="0" g="0" b="0"/>
+      </a:lnRef>
+      <a:fillRef idx="1">
+        <a:scrgbClr r="0" g="0" b="0"/>
+      </a:fillRef>
+      <a:effectRef idx="2">
+        <a:scrgbClr r="0" g="0" b="0"/>
+      </a:effectRef>
+      <a:fontRef idx="minor"/>
+    </dgm:style>
+  </dgm:styleLbl>
+  <dgm:styleLbl name="fgAcc0">
+    <dgm:scene3d>
+      <a:camera prst="orthographicFront"/>
+      <a:lightRig rig="threePt" dir="t">
+        <a:rot lat="0" lon="0" rev="7500000"/>
+      </a:lightRig>
+    </dgm:scene3d>
+    <dgm:sp3d z="152400" extrusionH="63500" prstMaterial="dkEdge">
+      <a:bevelT w="125400" h="36350" prst="relaxedInset"/>
+      <a:contourClr>
+        <a:schemeClr val="bg1"/>
+      </a:contourClr>
+    </dgm:sp3d>
+    <dgm:txPr/>
+    <dgm:style>
+      <a:lnRef idx="1">
+        <a:scrgbClr r="0" g="0" b="0"/>
+      </a:lnRef>
+      <a:fillRef idx="1">
+        <a:scrgbClr r="0" g="0" b="0"/>
+      </a:fillRef>
+      <a:effectRef idx="2">
+        <a:scrgbClr r="0" g="0" b="0"/>
+      </a:effectRef>
+      <a:fontRef idx="minor"/>
+    </dgm:style>
+  </dgm:styleLbl>
+  <dgm:styleLbl name="fgAcc2">
+    <dgm:scene3d>
+      <a:camera prst="orthographicFront"/>
+      <a:lightRig rig="threePt" dir="t">
+        <a:rot lat="0" lon="0" rev="7500000"/>
+      </a:lightRig>
+    </dgm:scene3d>
+    <dgm:sp3d z="152400" extrusionH="63500" prstMaterial="dkEdge">
+      <a:bevelT w="125400" h="36350" prst="relaxedInset"/>
+      <a:contourClr>
+        <a:schemeClr val="bg1"/>
+      </a:contourClr>
+    </dgm:sp3d>
+    <dgm:txPr/>
+    <dgm:style>
+      <a:lnRef idx="1">
+        <a:scrgbClr r="0" g="0" b="0"/>
+      </a:lnRef>
+      <a:fillRef idx="1">
+        <a:scrgbClr r="0" g="0" b="0"/>
+      </a:fillRef>
+      <a:effectRef idx="2">
+        <a:scrgbClr r="0" g="0" b="0"/>
+      </a:effectRef>
+      <a:fontRef idx="minor"/>
+    </dgm:style>
+  </dgm:styleLbl>
+  <dgm:styleLbl name="fgAcc3">
+    <dgm:scene3d>
+      <a:camera prst="orthographicFront"/>
+      <a:lightRig rig="threePt" dir="t">
+        <a:rot lat="0" lon="0" rev="7500000"/>
+      </a:lightRig>
+    </dgm:scene3d>
+    <dgm:sp3d z="152400" extrusionH="63500" prstMaterial="dkEdge">
+      <a:bevelT w="125400" h="36350" prst="relaxedInset"/>
+      <a:contourClr>
+        <a:schemeClr val="bg1"/>
+      </a:contourClr>
+    </dgm:sp3d>
+    <dgm:txPr/>
+    <dgm:style>
+      <a:lnRef idx="1">
+        <a:scrgbClr r="0" g="0" b="0"/>
+      </a:lnRef>
+      <a:fillRef idx="1">
+        <a:scrgbClr r="0" g="0" b="0"/>
+      </a:fillRef>
+      <a:effectRef idx="2">
+        <a:scrgbClr r="0" g="0" b="0"/>
+      </a:effectRef>
+      <a:fontRef idx="minor"/>
+    </dgm:style>
+  </dgm:styleLbl>
+  <dgm:styleLbl name="fgAcc4">
+    <dgm:scene3d>
+      <a:camera prst="orthographicFront"/>
+      <a:lightRig rig="threePt" dir="t">
+        <a:rot lat="0" lon="0" rev="7500000"/>
+      </a:lightRig>
+    </dgm:scene3d>
+    <dgm:sp3d z="152400" extrusionH="63500" prstMaterial="dkEdge">
+      <a:bevelT w="125400" h="36350" prst="relaxedInset"/>
+      <a:contourClr>
+        <a:schemeClr val="bg1"/>
+      </a:contourClr>
+    </dgm:sp3d>
+    <dgm:txPr/>
+    <dgm:style>
+      <a:lnRef idx="1">
+        <a:scrgbClr r="0" g="0" b="0"/>
+      </a:lnRef>
+      <a:fillRef idx="1">
+        <a:scrgbClr r="0" g="0" b="0"/>
+      </a:fillRef>
+      <a:effectRef idx="2">
+        <a:scrgbClr r="0" g="0" b="0"/>
+      </a:effectRef>
+      <a:fontRef idx="minor"/>
+    </dgm:style>
+  </dgm:styleLbl>
+  <dgm:styleLbl name="bgShp">
+    <dgm:scene3d>
+      <a:camera prst="orthographicFront"/>
+      <a:lightRig rig="threePt" dir="t">
+        <a:rot lat="0" lon="0" rev="7500000"/>
+      </a:lightRig>
+    </dgm:scene3d>
+    <dgm:sp3d z="-152400" extrusionH="63500" prstMaterial="matte">
+      <a:bevelT w="144450" h="6350" prst="relaxedInset"/>
+      <a:contourClr>
+        <a:schemeClr val="bg1"/>
+      </a:contourClr>
+    </dgm:sp3d>
+    <dgm:txPr/>
+    <dgm:style>
+      <a:lnRef idx="0">
+        <a:scrgbClr r="0" g="0" b="0"/>
+      </a:lnRef>
+      <a:fillRef idx="3">
+        <a:scrgbClr r="0" g="0" b="0"/>
+      </a:fillRef>
+      <a:effectRef idx="0">
+        <a:scrgbClr r="0" g="0" b="0"/>
+      </a:effectRef>
+      <a:fontRef idx="minor"/>
+    </dgm:style>
+  </dgm:styleLbl>
+  <dgm:styleLbl name="dkBgShp">
+    <dgm:scene3d>
+      <a:camera prst="orthographicFront"/>
+      <a:lightRig rig="threePt" dir="t">
+        <a:rot lat="0" lon="0" rev="7500000"/>
+      </a:lightRig>
+    </dgm:scene3d>
+    <dgm:sp3d prstMaterial="plastic">
+      <a:bevelT w="127000" h="25400" prst="relaxedInset"/>
+      <a:bevelB w="88900" h="121750" prst="angle"/>
+    </dgm:sp3d>
+    <dgm:txPr/>
+    <dgm:style>
+      <a:lnRef idx="0">
+        <a:scrgbClr r="0" g="0" b="0"/>
+      </a:lnRef>
+      <a:fillRef idx="1">
+        <a:scrgbClr r="0" g="0" b="0"/>
+      </a:fillRef>
+      <a:effectRef idx="2">
+        <a:scrgbClr r="0" g="0" b="0"/>
+      </a:effectRef>
+      <a:fontRef idx="minor">
+        <a:schemeClr val="lt1"/>
+      </a:fontRef>
+    </dgm:style>
+  </dgm:styleLbl>
+  <dgm:styleLbl name="trBgShp">
+    <dgm:scene3d>
+      <a:camera prst="orthographicFront"/>
+      <a:lightRig rig="threePt" dir="t"/>
+    </dgm:scene3d>
+    <dgm:sp3d z="-152400" prstMaterial="matte"/>
+    <dgm:txPr/>
+    <dgm:style>
+      <a:lnRef idx="0">
+        <a:scrgbClr r="0" g="0" b="0"/>
+      </a:lnRef>
+      <a:fillRef idx="1">
+        <a:scrgbClr r="0" g="0" b="0"/>
+      </a:fillRef>
+      <a:effectRef idx="0">
+        <a:scrgbClr r="0" g="0" b="0"/>
+      </a:effectRef>
+      <a:fontRef idx="minor"/>
+    </dgm:style>
+  </dgm:styleLbl>
+  <dgm:styleLbl name="fgShp">
+    <dgm:scene3d>
+      <a:camera prst="orthographicFront"/>
+      <a:lightRig rig="threePt" dir="t">
+        <a:rot lat="0" lon="0" rev="7500000"/>
+      </a:lightRig>
+    </dgm:scene3d>
+    <dgm:sp3d z="152400" extrusionH="63500" prstMaterial="matte">
+      <a:bevelT w="50800" h="19050" prst="relaxedInset"/>
+      <a:contourClr>
+        <a:schemeClr val="bg1"/>
+      </a:contourClr>
+    </dgm:sp3d>
+    <dgm:txPr/>
+    <dgm:style>
+      <a:lnRef idx="0">
+        <a:scrgbClr r="0" g="0" b="0"/>
+      </a:lnRef>
+      <a:fillRef idx="1">
+        <a:scrgbClr r="0" g="0" b="0"/>
+      </a:fillRef>
+      <a:effectRef idx="2">
+        <a:scrgbClr r="0" g="0" b="0"/>
+      </a:effectRef>
+      <a:fontRef idx="minor">
+        <a:schemeClr val="lt1"/>
+      </a:fontRef>
+    </dgm:style>
+  </dgm:styleLbl>
+  <dgm:styleLbl name="revTx">
+    <dgm:scene3d>
+      <a:camera prst="orthographicFront"/>
+      <a:lightRig rig="threePt" dir="t"/>
+    </dgm:scene3d>
+    <dgm:sp3d/>
+    <dgm:txPr/>
+    <dgm:style>
+      <a:lnRef idx="0">
+        <a:scrgbClr r="0" g="0" b="0"/>
+      </a:lnRef>
+      <a:fillRef idx="0">
+        <a:scrgbClr r="0" g="0" b="0"/>
+      </a:fillRef>
+      <a:effectRef idx="0">
+        <a:scrgbClr r="0" g="0" b="0"/>
+      </a:effectRef>
+      <a:fontRef idx="minor"/>
+    </dgm:style>
+  </dgm:styleLbl>
+</dgm:styleDef>
 </file>
 
 <file path=ppt/slideLayouts/slideLayout1.xml><?xml version="1.0" encoding="utf-8"?>
@@ -289,7 +7380,7 @@
             <a:fld id="{84AF808F-B8CF-4259-9367-491F6ED37F4C}" type="datetimeFigureOut">
               <a:rPr lang="fr-FR" smtClean="0"/>
               <a:pPr/>
-              <a:t>09/12/2016</a:t>
+              <a:t>11/12/2016</a:t>
             </a:fld>
             <a:endParaRPr lang="fr-FR"/>
           </a:p>
@@ -456,7 +7547,7 @@
             <a:fld id="{84AF808F-B8CF-4259-9367-491F6ED37F4C}" type="datetimeFigureOut">
               <a:rPr lang="fr-FR" smtClean="0"/>
               <a:pPr/>
-              <a:t>09/12/2016</a:t>
+              <a:t>11/12/2016</a:t>
             </a:fld>
             <a:endParaRPr lang="fr-FR"/>
           </a:p>
@@ -633,7 +7724,7 @@
             <a:fld id="{84AF808F-B8CF-4259-9367-491F6ED37F4C}" type="datetimeFigureOut">
               <a:rPr lang="fr-FR" smtClean="0"/>
               <a:pPr/>
-              <a:t>09/12/2016</a:t>
+              <a:t>11/12/2016</a:t>
             </a:fld>
             <a:endParaRPr lang="fr-FR"/>
           </a:p>
@@ -800,7 +7891,7 @@
             <a:fld id="{84AF808F-B8CF-4259-9367-491F6ED37F4C}" type="datetimeFigureOut">
               <a:rPr lang="fr-FR" smtClean="0"/>
               <a:pPr/>
-              <a:t>09/12/2016</a:t>
+              <a:t>11/12/2016</a:t>
             </a:fld>
             <a:endParaRPr lang="fr-FR"/>
           </a:p>
@@ -1043,7 +8134,7 @@
             <a:fld id="{84AF808F-B8CF-4259-9367-491F6ED37F4C}" type="datetimeFigureOut">
               <a:rPr lang="fr-FR" smtClean="0"/>
               <a:pPr/>
-              <a:t>09/12/2016</a:t>
+              <a:t>11/12/2016</a:t>
             </a:fld>
             <a:endParaRPr lang="fr-FR"/>
           </a:p>
@@ -1328,7 +8419,7 @@
             <a:fld id="{84AF808F-B8CF-4259-9367-491F6ED37F4C}" type="datetimeFigureOut">
               <a:rPr lang="fr-FR" smtClean="0"/>
               <a:pPr/>
-              <a:t>09/12/2016</a:t>
+              <a:t>11/12/2016</a:t>
             </a:fld>
             <a:endParaRPr lang="fr-FR"/>
           </a:p>
@@ -1747,7 +8838,7 @@
             <a:fld id="{84AF808F-B8CF-4259-9367-491F6ED37F4C}" type="datetimeFigureOut">
               <a:rPr lang="fr-FR" smtClean="0"/>
               <a:pPr/>
-              <a:t>09/12/2016</a:t>
+              <a:t>11/12/2016</a:t>
             </a:fld>
             <a:endParaRPr lang="fr-FR"/>
           </a:p>
@@ -1862,7 +8953,7 @@
             <a:fld id="{84AF808F-B8CF-4259-9367-491F6ED37F4C}" type="datetimeFigureOut">
               <a:rPr lang="fr-FR" smtClean="0"/>
               <a:pPr/>
-              <a:t>09/12/2016</a:t>
+              <a:t>11/12/2016</a:t>
             </a:fld>
             <a:endParaRPr lang="fr-FR"/>
           </a:p>
@@ -1954,7 +9045,7 @@
             <a:fld id="{84AF808F-B8CF-4259-9367-491F6ED37F4C}" type="datetimeFigureOut">
               <a:rPr lang="fr-FR" smtClean="0"/>
               <a:pPr/>
-              <a:t>09/12/2016</a:t>
+              <a:t>11/12/2016</a:t>
             </a:fld>
             <a:endParaRPr lang="fr-FR"/>
           </a:p>
@@ -2228,7 +9319,7 @@
             <a:fld id="{84AF808F-B8CF-4259-9367-491F6ED37F4C}" type="datetimeFigureOut">
               <a:rPr lang="fr-FR" smtClean="0"/>
               <a:pPr/>
-              <a:t>09/12/2016</a:t>
+              <a:t>11/12/2016</a:t>
             </a:fld>
             <a:endParaRPr lang="fr-FR"/>
           </a:p>
@@ -2478,7 +9569,7 @@
             <a:fld id="{84AF808F-B8CF-4259-9367-491F6ED37F4C}" type="datetimeFigureOut">
               <a:rPr lang="fr-FR" smtClean="0"/>
               <a:pPr/>
-              <a:t>09/12/2016</a:t>
+              <a:t>11/12/2016</a:t>
             </a:fld>
             <a:endParaRPr lang="fr-FR"/>
           </a:p>
@@ -2688,7 +9779,7 @@
             <a:fld id="{84AF808F-B8CF-4259-9367-491F6ED37F4C}" type="datetimeFigureOut">
               <a:rPr lang="fr-FR" smtClean="0"/>
               <a:pPr/>
-              <a:t>09/12/2016</a:t>
+              <a:t>11/12/2016</a:t>
             </a:fld>
             <a:endParaRPr lang="fr-FR"/>
           </a:p>
@@ -3519,6 +10610,241 @@
 </p:sld>
 </file>
 
+<file path=ppt/slides/slide2.xml><?xml version="1.0" encoding="utf-8"?>
+<p:sld xmlns:a="http://schemas.openxmlformats.org/drawingml/2006/main" xmlns:r="http://schemas.openxmlformats.org/officeDocument/2006/relationships" xmlns:p="http://schemas.openxmlformats.org/presentationml/2006/main">
+  <p:cSld>
+    <p:spTree>
+      <p:nvGrpSpPr>
+        <p:cNvPr id="1" name=""/>
+        <p:cNvGrpSpPr/>
+        <p:nvPr/>
+      </p:nvGrpSpPr>
+      <p:grpSpPr>
+        <a:xfrm>
+          <a:off x="0" y="0"/>
+          <a:ext cx="0" cy="0"/>
+          <a:chOff x="0" y="0"/>
+          <a:chExt cx="0" cy="0"/>
+        </a:xfrm>
+      </p:grpSpPr>
+    </p:spTree>
+  </p:cSld>
+  <p:clrMapOvr>
+    <a:masterClrMapping/>
+  </p:clrMapOvr>
+  <p:timing>
+    <p:tnLst>
+      <p:par>
+        <p:cTn id="1" dur="indefinite" restart="never" nodeType="tmRoot"/>
+      </p:par>
+    </p:tnLst>
+  </p:timing>
+</p:sld>
+</file>
+
+<file path=ppt/slides/slide3.xml><?xml version="1.0" encoding="utf-8"?>
+<p:sld xmlns:a="http://schemas.openxmlformats.org/drawingml/2006/main" xmlns:r="http://schemas.openxmlformats.org/officeDocument/2006/relationships" xmlns:p="http://schemas.openxmlformats.org/presentationml/2006/main">
+  <p:cSld>
+    <p:spTree>
+      <p:nvGrpSpPr>
+        <p:cNvPr id="1" name=""/>
+        <p:cNvGrpSpPr/>
+        <p:nvPr/>
+      </p:nvGrpSpPr>
+      <p:grpSpPr>
+        <a:xfrm>
+          <a:off x="0" y="0"/>
+          <a:ext cx="0" cy="0"/>
+          <a:chOff x="0" y="0"/>
+          <a:chExt cx="0" cy="0"/>
+        </a:xfrm>
+      </p:grpSpPr>
+      <p:sp>
+        <p:nvSpPr>
+          <p:cNvPr id="2" name="ZoneTexte 1"/>
+          <p:cNvSpPr txBox="1"/>
+          <p:nvPr/>
+        </p:nvSpPr>
+        <p:spPr>
+          <a:xfrm>
+            <a:off x="238457" y="247585"/>
+            <a:ext cx="2517036" cy="584775"/>
+          </a:xfrm>
+          <a:prstGeom prst="rect">
+            <a:avLst/>
+          </a:prstGeom>
+          <a:noFill/>
+        </p:spPr>
+        <p:txBody>
+          <a:bodyPr wrap="none" rtlCol="0">
+            <a:spAutoFit/>
+          </a:bodyPr>
+          <a:lstStyle/>
+          <a:p>
+            <a:r>
+              <a:rPr lang="fr-FR" sz="3200" dirty="0" smtClean="0">
+                <a:latin typeface="Book Antiqua" pitchFamily="18" charset="0"/>
+              </a:rPr>
+              <a:t>Changement</a:t>
+            </a:r>
+          </a:p>
+        </p:txBody>
+      </p:sp>
+      <p:sp>
+        <p:nvSpPr>
+          <p:cNvPr id="13" name="Rectangle 12"/>
+          <p:cNvSpPr/>
+          <p:nvPr/>
+        </p:nvSpPr>
+        <p:spPr>
+          <a:xfrm>
+            <a:off x="873466" y="1255737"/>
+            <a:ext cx="2880000" cy="360000"/>
+          </a:xfrm>
+          <a:prstGeom prst="rect">
+            <a:avLst/>
+          </a:prstGeom>
+        </p:spPr>
+        <p:style>
+          <a:lnRef idx="1">
+            <a:schemeClr val="accent2"/>
+          </a:lnRef>
+          <a:fillRef idx="2">
+            <a:schemeClr val="accent2"/>
+          </a:fillRef>
+          <a:effectRef idx="1">
+            <a:schemeClr val="accent2"/>
+          </a:effectRef>
+          <a:fontRef idx="minor">
+            <a:schemeClr val="dk1"/>
+          </a:fontRef>
+        </p:style>
+        <p:txBody>
+          <a:bodyPr rtlCol="0" anchor="ctr"/>
+          <a:lstStyle/>
+          <a:p>
+            <a:pPr algn="ctr"/>
+            <a:r>
+              <a:rPr lang="fr-FR" dirty="0" smtClean="0"/>
+              <a:t>Sans l’application</a:t>
+            </a:r>
+            <a:endParaRPr lang="fr-FR" dirty="0"/>
+          </a:p>
+        </p:txBody>
+      </p:sp>
+      <p:sp>
+        <p:nvSpPr>
+          <p:cNvPr id="14" name="Rectangle 13"/>
+          <p:cNvSpPr/>
+          <p:nvPr/>
+        </p:nvSpPr>
+        <p:spPr>
+          <a:xfrm>
+            <a:off x="5436416" y="1255697"/>
+            <a:ext cx="2880000" cy="360000"/>
+          </a:xfrm>
+          <a:prstGeom prst="rect">
+            <a:avLst/>
+          </a:prstGeom>
+        </p:spPr>
+        <p:style>
+          <a:lnRef idx="1">
+            <a:schemeClr val="accent6"/>
+          </a:lnRef>
+          <a:fillRef idx="2">
+            <a:schemeClr val="accent6"/>
+          </a:fillRef>
+          <a:effectRef idx="1">
+            <a:schemeClr val="accent6"/>
+          </a:effectRef>
+          <a:fontRef idx="minor">
+            <a:schemeClr val="dk1"/>
+          </a:fontRef>
+        </p:style>
+        <p:txBody>
+          <a:bodyPr rtlCol="0" anchor="ctr"/>
+          <a:lstStyle/>
+          <a:p>
+            <a:pPr algn="ctr"/>
+            <a:r>
+              <a:rPr lang="fr-FR" dirty="0" smtClean="0"/>
+              <a:t>Avec l’application</a:t>
+            </a:r>
+          </a:p>
+        </p:txBody>
+      </p:sp>
+      <p:graphicFrame>
+        <p:nvGraphicFramePr>
+          <p:cNvPr id="19" name="Diagramme 18"/>
+          <p:cNvGraphicFramePr/>
+          <p:nvPr/>
+        </p:nvGraphicFramePr>
+        <p:xfrm>
+          <a:off x="238456" y="1988839"/>
+          <a:ext cx="4189527" cy="4784089"/>
+        </p:xfrm>
+        <a:graphic>
+          <a:graphicData uri="http://schemas.openxmlformats.org/drawingml/2006/diagram">
+            <dgm:relIds xmlns:dgm="http://schemas.openxmlformats.org/drawingml/2006/diagram" xmlns:r="http://schemas.openxmlformats.org/officeDocument/2006/relationships" r:dm="rId2" r:lo="rId3" r:qs="rId4" r:cs="rId5"/>
+          </a:graphicData>
+        </a:graphic>
+      </p:graphicFrame>
+      <p:graphicFrame>
+        <p:nvGraphicFramePr>
+          <p:cNvPr id="21" name="Diagramme 20"/>
+          <p:cNvGraphicFramePr/>
+          <p:nvPr/>
+        </p:nvGraphicFramePr>
+        <p:xfrm>
+          <a:off x="4598126" y="2060848"/>
+          <a:ext cx="4366362" cy="4797152"/>
+        </p:xfrm>
+        <a:graphic>
+          <a:graphicData uri="http://schemas.openxmlformats.org/drawingml/2006/diagram">
+            <dgm:relIds xmlns:dgm="http://schemas.openxmlformats.org/drawingml/2006/diagram" xmlns:r="http://schemas.openxmlformats.org/officeDocument/2006/relationships" r:dm="rId7" r:lo="rId8" r:qs="rId9" r:cs="rId10"/>
+          </a:graphicData>
+        </a:graphic>
+      </p:graphicFrame>
+    </p:spTree>
+  </p:cSld>
+  <p:clrMapOvr>
+    <a:masterClrMapping/>
+  </p:clrMapOvr>
+  <p:timing>
+    <p:tnLst>
+      <p:par>
+        <p:cTn id="1" dur="indefinite" restart="never" nodeType="tmRoot"/>
+      </p:par>
+    </p:tnLst>
+  </p:timing>
+</p:sld>
+</file>
+
+<file path=ppt/slides/slide4.xml><?xml version="1.0" encoding="utf-8"?>
+<p:sld xmlns:a="http://schemas.openxmlformats.org/drawingml/2006/main" xmlns:r="http://schemas.openxmlformats.org/officeDocument/2006/relationships" xmlns:p="http://schemas.openxmlformats.org/presentationml/2006/main">
+  <p:cSld>
+    <p:spTree>
+      <p:nvGrpSpPr>
+        <p:cNvPr id="1" name=""/>
+        <p:cNvGrpSpPr/>
+        <p:nvPr/>
+      </p:nvGrpSpPr>
+      <p:grpSpPr>
+        <a:xfrm>
+          <a:off x="0" y="0"/>
+          <a:ext cx="0" cy="0"/>
+          <a:chOff x="0" y="0"/>
+          <a:chExt cx="0" cy="0"/>
+        </a:xfrm>
+      </p:grpSpPr>
+    </p:spTree>
+  </p:cSld>
+  <p:clrMapOvr>
+    <a:masterClrMapping/>
+  </p:clrMapOvr>
+</p:sld>
+</file>
+
 <file path=ppt/theme/theme1.xml><?xml version="1.0" encoding="utf-8"?>
 <a:theme xmlns:a="http://schemas.openxmlformats.org/drawingml/2006/main" name="Thème Office">
   <a:themeElements>

--- a/Documents/14 décembre 2016/Pres.pptx
+++ b/Documents/14 décembre 2016/Pres.pptx
@@ -7,8 +7,11 @@
   <p:sldIdLst>
     <p:sldId id="256" r:id="rId2"/>
     <p:sldId id="257" r:id="rId3"/>
-    <p:sldId id="258" r:id="rId4"/>
-    <p:sldId id="259" r:id="rId5"/>
+    <p:sldId id="260" r:id="rId4"/>
+    <p:sldId id="261" r:id="rId5"/>
+    <p:sldId id="258" r:id="rId6"/>
+    <p:sldId id="259" r:id="rId7"/>
+    <p:sldId id="262" r:id="rId8"/>
   </p:sldIdLst>
   <p:sldSz cx="9144000" cy="6858000" type="screen4x3"/>
   <p:notesSz cx="6858000" cy="9144000"/>
@@ -2013,6 +2016,13 @@
         </dgm:presLayoutVars>
       </dgm:prSet>
       <dgm:spPr/>
+      <dgm:t>
+        <a:bodyPr/>
+        <a:lstStyle/>
+        <a:p>
+          <a:endParaRPr lang="fr-FR"/>
+        </a:p>
+      </dgm:t>
     </dgm:pt>
     <dgm:pt modelId="{5966B4C7-0A4C-4B50-A135-0D302EE2044A}" type="pres">
       <dgm:prSet presAssocID="{0DD8F3C0-6C0F-44E3-8D6A-8359298D2BB8}" presName="composite" presStyleCnt="0"/>
@@ -2026,6 +2036,13 @@
         </dgm:presLayoutVars>
       </dgm:prSet>
       <dgm:spPr/>
+      <dgm:t>
+        <a:bodyPr/>
+        <a:lstStyle/>
+        <a:p>
+          <a:endParaRPr lang="fr-FR"/>
+        </a:p>
+      </dgm:t>
     </dgm:pt>
     <dgm:pt modelId="{E4CC8E2C-6766-4F7B-A30D-9CCF3027F99C}" type="pres">
       <dgm:prSet presAssocID="{0DD8F3C0-6C0F-44E3-8D6A-8359298D2BB8}" presName="descendantText" presStyleLbl="alignAcc1" presStyleIdx="0" presStyleCnt="4">
@@ -2058,6 +2075,13 @@
         </dgm:presLayoutVars>
       </dgm:prSet>
       <dgm:spPr/>
+      <dgm:t>
+        <a:bodyPr/>
+        <a:lstStyle/>
+        <a:p>
+          <a:endParaRPr lang="fr-FR"/>
+        </a:p>
+      </dgm:t>
     </dgm:pt>
     <dgm:pt modelId="{7B506571-8406-4A8D-9692-3F6732D90CB1}" type="pres">
       <dgm:prSet presAssocID="{EE4B7030-C58B-4F21-94A2-CF0EF83AD60A}" presName="descendantText" presStyleLbl="alignAcc1" presStyleIdx="1" presStyleCnt="4">
@@ -2129,6 +2153,13 @@
         </dgm:presLayoutVars>
       </dgm:prSet>
       <dgm:spPr/>
+      <dgm:t>
+        <a:bodyPr/>
+        <a:lstStyle/>
+        <a:p>
+          <a:endParaRPr lang="fr-FR"/>
+        </a:p>
+      </dgm:t>
     </dgm:pt>
     <dgm:pt modelId="{FBE713D6-EB88-4D53-BEE6-E0B46A3FF9F8}" type="pres">
       <dgm:prSet presAssocID="{70BD4231-B632-42FE-84E8-000E425CE69C}" presName="descendantText" presStyleLbl="alignAcc1" presStyleIdx="3" presStyleCnt="4">
@@ -2147,27 +2178,27 @@
     </dgm:pt>
   </dgm:ptLst>
   <dgm:cxnLst>
-    <dgm:cxn modelId="{8D508A56-09BF-4BCD-B5E1-8EFB8F7E6FED}" srcId="{70BD4231-B632-42FE-84E8-000E425CE69C}" destId="{B76761EE-5B46-441A-91B2-F850EB09889E}" srcOrd="0" destOrd="0" parTransId="{0B83A828-F5AA-4874-8B5A-5691357B2346}" sibTransId="{AD7C1DE9-8D44-42EB-852D-1CD6B3C0C406}"/>
     <dgm:cxn modelId="{7BEF0361-3D12-421A-8D80-AF19F1ED7315}" srcId="{0DD8F3C0-6C0F-44E3-8D6A-8359298D2BB8}" destId="{D67DDD42-370F-4B3F-AAD1-A3CE7B0D3BF6}" srcOrd="1" destOrd="0" parTransId="{27F2C7A4-6363-4535-ABD6-2B0B1443AD56}" sibTransId="{2BCA7D7A-DCA5-4E2F-8AC9-2699E7DD282D}"/>
-    <dgm:cxn modelId="{9B6AF77F-6DCB-46B5-8168-44141FE6B6F8}" type="presOf" srcId="{19A08F22-9EC6-4DB6-92F5-AE4CFA52ED73}" destId="{ECD1A481-1830-41EE-A0E2-0733D53A6D9B}" srcOrd="0" destOrd="0" presId="urn:microsoft.com/office/officeart/2005/8/layout/chevron2"/>
     <dgm:cxn modelId="{D693D6C7-BF6E-4458-A81C-50038DF0374C}" type="presOf" srcId="{6615262F-664B-4B89-95AF-BC781B2A301C}" destId="{B0330C61-CC28-41FB-A69F-C16BEF2128E4}" srcOrd="0" destOrd="0" presId="urn:microsoft.com/office/officeart/2005/8/layout/chevron2"/>
-    <dgm:cxn modelId="{F39BF38D-127C-4929-BBC6-7C08AC31D756}" srcId="{6615262F-664B-4B89-95AF-BC781B2A301C}" destId="{EE4B7030-C58B-4F21-94A2-CF0EF83AD60A}" srcOrd="1" destOrd="0" parTransId="{0E6B53C5-8830-4505-B00B-8FB6D2AD6EA5}" sibTransId="{FD248F90-782E-43E0-98A8-3D143EE77CDC}"/>
-    <dgm:cxn modelId="{7E04A25E-9C92-4D9B-87EB-238FE0DBE8CF}" type="presOf" srcId="{B76761EE-5B46-441A-91B2-F850EB09889E}" destId="{FBE713D6-EB88-4D53-BEE6-E0B46A3FF9F8}" srcOrd="0" destOrd="0" presId="urn:microsoft.com/office/officeart/2005/8/layout/chevron2"/>
-    <dgm:cxn modelId="{41464064-0CA7-4B8D-BEF4-EEAB129CF811}" srcId="{EE4B7030-C58B-4F21-94A2-CF0EF83AD60A}" destId="{ED21E317-B122-4227-B92E-9512DAA73DED}" srcOrd="0" destOrd="0" parTransId="{67B551BE-7A84-4C51-8EE6-247E65195291}" sibTransId="{9121AE02-A020-43FB-9927-270AC1172E87}"/>
-    <dgm:cxn modelId="{382B0DDA-CB4F-48FD-9A31-27C341A5491A}" srcId="{6615262F-664B-4B89-95AF-BC781B2A301C}" destId="{70BD4231-B632-42FE-84E8-000E425CE69C}" srcOrd="3" destOrd="0" parTransId="{981EAA1E-1524-440A-8100-C0D0DA951F46}" sibTransId="{E0985F7F-3638-4C60-B5F9-BCF9FB8BA881}"/>
-    <dgm:cxn modelId="{49B9DB18-DF9B-4522-A5A8-8781EDA97E57}" srcId="{19A08F22-9EC6-4DB6-92F5-AE4CFA52ED73}" destId="{C8A2D760-5C03-4189-917E-F690FF671623}" srcOrd="0" destOrd="0" parTransId="{2D2FBD91-1411-4EB6-9AC2-CF2D0AE5ABE1}" sibTransId="{4687B454-9D3A-4023-8175-713ABF3DEE84}"/>
-    <dgm:cxn modelId="{7C6C81C1-A192-4B14-9F85-689727D5ACB3}" type="presOf" srcId="{C8A2D760-5C03-4189-917E-F690FF671623}" destId="{2A250F59-3FDF-4162-A797-D16EF97CB567}" srcOrd="0" destOrd="0" presId="urn:microsoft.com/office/officeart/2005/8/layout/chevron2"/>
     <dgm:cxn modelId="{51C0FBCC-241D-4E65-A22C-80628145FF57}" type="presOf" srcId="{2C3456A8-5F52-4ABE-B04A-C85CF94BCA38}" destId="{7B506571-8406-4A8D-9692-3F6732D90CB1}" srcOrd="0" destOrd="1" presId="urn:microsoft.com/office/officeart/2005/8/layout/chevron2"/>
     <dgm:cxn modelId="{D87207A6-495B-442D-B723-6581A406EBE5}" srcId="{6615262F-664B-4B89-95AF-BC781B2A301C}" destId="{19A08F22-9EC6-4DB6-92F5-AE4CFA52ED73}" srcOrd="2" destOrd="0" parTransId="{DB5764EE-82EE-4DE9-8F72-2DFF2067531B}" sibTransId="{DAE47C18-F544-4517-836C-13F6C397848F}"/>
+    <dgm:cxn modelId="{41464064-0CA7-4B8D-BEF4-EEAB129CF811}" srcId="{EE4B7030-C58B-4F21-94A2-CF0EF83AD60A}" destId="{ED21E317-B122-4227-B92E-9512DAA73DED}" srcOrd="0" destOrd="0" parTransId="{67B551BE-7A84-4C51-8EE6-247E65195291}" sibTransId="{9121AE02-A020-43FB-9927-270AC1172E87}"/>
+    <dgm:cxn modelId="{05C5F1CB-2B7C-49A4-A2C8-ED3338934D72}" type="presOf" srcId="{70BD4231-B632-42FE-84E8-000E425CE69C}" destId="{48597EAC-9E8C-421E-8A6A-8C33BB6BBDCE}" srcOrd="0" destOrd="0" presId="urn:microsoft.com/office/officeart/2005/8/layout/chevron2"/>
+    <dgm:cxn modelId="{350DD055-A7EA-41F2-8F06-065D89504B8A}" srcId="{6615262F-664B-4B89-95AF-BC781B2A301C}" destId="{0DD8F3C0-6C0F-44E3-8D6A-8359298D2BB8}" srcOrd="0" destOrd="0" parTransId="{7E3DE5F9-F3CC-4811-9AA4-A3AA3E8261D7}" sibTransId="{E3EFE946-FF8A-4445-9CAF-BB5D219C367F}"/>
+    <dgm:cxn modelId="{109FF205-B68F-4E4C-A5C4-0FC2AE92A146}" srcId="{0DD8F3C0-6C0F-44E3-8D6A-8359298D2BB8}" destId="{03DC6940-6FD9-46D3-B5CB-9C81ACC5ED2D}" srcOrd="0" destOrd="0" parTransId="{A0A12283-36DE-48AC-8A83-ECD8DD81A1DD}" sibTransId="{4DCC8563-5ADE-4A73-B201-62812DE34138}"/>
+    <dgm:cxn modelId="{382B0DDA-CB4F-48FD-9A31-27C341A5491A}" srcId="{6615262F-664B-4B89-95AF-BC781B2A301C}" destId="{70BD4231-B632-42FE-84E8-000E425CE69C}" srcOrd="3" destOrd="0" parTransId="{981EAA1E-1524-440A-8100-C0D0DA951F46}" sibTransId="{E0985F7F-3638-4C60-B5F9-BCF9FB8BA881}"/>
+    <dgm:cxn modelId="{67C3BD39-4DE8-49EC-99AF-3EC03038EA7E}" type="presOf" srcId="{EE4B7030-C58B-4F21-94A2-CF0EF83AD60A}" destId="{1C32C1FA-2778-4EDB-9B12-7D619BC87DB3}" srcOrd="0" destOrd="0" presId="urn:microsoft.com/office/officeart/2005/8/layout/chevron2"/>
+    <dgm:cxn modelId="{05565310-DAF8-4325-B09F-384CF8B5F96F}" srcId="{EE4B7030-C58B-4F21-94A2-CF0EF83AD60A}" destId="{2C3456A8-5F52-4ABE-B04A-C85CF94BCA38}" srcOrd="1" destOrd="0" parTransId="{CBBC7DE8-2251-40C6-A69D-D57513B8A592}" sibTransId="{EED47A97-6A49-4A2A-BA63-7A6560B56DE5}"/>
+    <dgm:cxn modelId="{9B6AF77F-6DCB-46B5-8168-44141FE6B6F8}" type="presOf" srcId="{19A08F22-9EC6-4DB6-92F5-AE4CFA52ED73}" destId="{ECD1A481-1830-41EE-A0E2-0733D53A6D9B}" srcOrd="0" destOrd="0" presId="urn:microsoft.com/office/officeart/2005/8/layout/chevron2"/>
+    <dgm:cxn modelId="{8CEAED10-92C7-42AB-AC38-C858B1A0D71C}" type="presOf" srcId="{0DD8F3C0-6C0F-44E3-8D6A-8359298D2BB8}" destId="{121AC91D-4584-4AE9-9458-57A8DFD5BDE0}" srcOrd="0" destOrd="0" presId="urn:microsoft.com/office/officeart/2005/8/layout/chevron2"/>
+    <dgm:cxn modelId="{F39BF38D-127C-4929-BBC6-7C08AC31D756}" srcId="{6615262F-664B-4B89-95AF-BC781B2A301C}" destId="{EE4B7030-C58B-4F21-94A2-CF0EF83AD60A}" srcOrd="1" destOrd="0" parTransId="{0E6B53C5-8830-4505-B00B-8FB6D2AD6EA5}" sibTransId="{FD248F90-782E-43E0-98A8-3D143EE77CDC}"/>
+    <dgm:cxn modelId="{49B9DB18-DF9B-4522-A5A8-8781EDA97E57}" srcId="{19A08F22-9EC6-4DB6-92F5-AE4CFA52ED73}" destId="{C8A2D760-5C03-4189-917E-F690FF671623}" srcOrd="0" destOrd="0" parTransId="{2D2FBD91-1411-4EB6-9AC2-CF2D0AE5ABE1}" sibTransId="{4687B454-9D3A-4023-8175-713ABF3DEE84}"/>
+    <dgm:cxn modelId="{7E04A25E-9C92-4D9B-87EB-238FE0DBE8CF}" type="presOf" srcId="{B76761EE-5B46-441A-91B2-F850EB09889E}" destId="{FBE713D6-EB88-4D53-BEE6-E0B46A3FF9F8}" srcOrd="0" destOrd="0" presId="urn:microsoft.com/office/officeart/2005/8/layout/chevron2"/>
     <dgm:cxn modelId="{8F6D29FD-00FA-415E-BADD-A342323B6508}" type="presOf" srcId="{D67DDD42-370F-4B3F-AAD1-A3CE7B0D3BF6}" destId="{E4CC8E2C-6766-4F7B-A30D-9CCF3027F99C}" srcOrd="0" destOrd="1" presId="urn:microsoft.com/office/officeart/2005/8/layout/chevron2"/>
-    <dgm:cxn modelId="{05565310-DAF8-4325-B09F-384CF8B5F96F}" srcId="{EE4B7030-C58B-4F21-94A2-CF0EF83AD60A}" destId="{2C3456A8-5F52-4ABE-B04A-C85CF94BCA38}" srcOrd="1" destOrd="0" parTransId="{CBBC7DE8-2251-40C6-A69D-D57513B8A592}" sibTransId="{EED47A97-6A49-4A2A-BA63-7A6560B56DE5}"/>
-    <dgm:cxn modelId="{05C5F1CB-2B7C-49A4-A2C8-ED3338934D72}" type="presOf" srcId="{70BD4231-B632-42FE-84E8-000E425CE69C}" destId="{48597EAC-9E8C-421E-8A6A-8C33BB6BBDCE}" srcOrd="0" destOrd="0" presId="urn:microsoft.com/office/officeart/2005/8/layout/chevron2"/>
+    <dgm:cxn modelId="{E16E3A94-EC98-40D5-B890-B574EE27A30A}" type="presOf" srcId="{03DC6940-6FD9-46D3-B5CB-9C81ACC5ED2D}" destId="{E4CC8E2C-6766-4F7B-A30D-9CCF3027F99C}" srcOrd="0" destOrd="0" presId="urn:microsoft.com/office/officeart/2005/8/layout/chevron2"/>
+    <dgm:cxn modelId="{8D508A56-09BF-4BCD-B5E1-8EFB8F7E6FED}" srcId="{70BD4231-B632-42FE-84E8-000E425CE69C}" destId="{B76761EE-5B46-441A-91B2-F850EB09889E}" srcOrd="0" destOrd="0" parTransId="{0B83A828-F5AA-4874-8B5A-5691357B2346}" sibTransId="{AD7C1DE9-8D44-42EB-852D-1CD6B3C0C406}"/>
     <dgm:cxn modelId="{03E1C33B-9F5B-4920-8867-7E3783FAD0F8}" type="presOf" srcId="{ED21E317-B122-4227-B92E-9512DAA73DED}" destId="{7B506571-8406-4A8D-9692-3F6732D90CB1}" srcOrd="0" destOrd="0" presId="urn:microsoft.com/office/officeart/2005/8/layout/chevron2"/>
-    <dgm:cxn modelId="{67C3BD39-4DE8-49EC-99AF-3EC03038EA7E}" type="presOf" srcId="{EE4B7030-C58B-4F21-94A2-CF0EF83AD60A}" destId="{1C32C1FA-2778-4EDB-9B12-7D619BC87DB3}" srcOrd="0" destOrd="0" presId="urn:microsoft.com/office/officeart/2005/8/layout/chevron2"/>
-    <dgm:cxn modelId="{E16E3A94-EC98-40D5-B890-B574EE27A30A}" type="presOf" srcId="{03DC6940-6FD9-46D3-B5CB-9C81ACC5ED2D}" destId="{E4CC8E2C-6766-4F7B-A30D-9CCF3027F99C}" srcOrd="0" destOrd="0" presId="urn:microsoft.com/office/officeart/2005/8/layout/chevron2"/>
-    <dgm:cxn modelId="{109FF205-B68F-4E4C-A5C4-0FC2AE92A146}" srcId="{0DD8F3C0-6C0F-44E3-8D6A-8359298D2BB8}" destId="{03DC6940-6FD9-46D3-B5CB-9C81ACC5ED2D}" srcOrd="0" destOrd="0" parTransId="{A0A12283-36DE-48AC-8A83-ECD8DD81A1DD}" sibTransId="{4DCC8563-5ADE-4A73-B201-62812DE34138}"/>
-    <dgm:cxn modelId="{8CEAED10-92C7-42AB-AC38-C858B1A0D71C}" type="presOf" srcId="{0DD8F3C0-6C0F-44E3-8D6A-8359298D2BB8}" destId="{121AC91D-4584-4AE9-9458-57A8DFD5BDE0}" srcOrd="0" destOrd="0" presId="urn:microsoft.com/office/officeart/2005/8/layout/chevron2"/>
-    <dgm:cxn modelId="{350DD055-A7EA-41F2-8F06-065D89504B8A}" srcId="{6615262F-664B-4B89-95AF-BC781B2A301C}" destId="{0DD8F3C0-6C0F-44E3-8D6A-8359298D2BB8}" srcOrd="0" destOrd="0" parTransId="{7E3DE5F9-F3CC-4811-9AA4-A3AA3E8261D7}" sibTransId="{E3EFE946-FF8A-4445-9CAF-BB5D219C367F}"/>
+    <dgm:cxn modelId="{7C6C81C1-A192-4B14-9F85-689727D5ACB3}" type="presOf" srcId="{C8A2D760-5C03-4189-917E-F690FF671623}" destId="{2A250F59-3FDF-4162-A797-D16EF97CB567}" srcOrd="0" destOrd="0" presId="urn:microsoft.com/office/officeart/2005/8/layout/chevron2"/>
     <dgm:cxn modelId="{329D0615-6E30-419B-8318-0FAD7BCC4C10}" type="presParOf" srcId="{B0330C61-CC28-41FB-A69F-C16BEF2128E4}" destId="{5966B4C7-0A4C-4B50-A135-0D302EE2044A}" srcOrd="0" destOrd="0" presId="urn:microsoft.com/office/officeart/2005/8/layout/chevron2"/>
     <dgm:cxn modelId="{53A3251D-4668-4D34-8837-5665261399BE}" type="presParOf" srcId="{5966B4C7-0A4C-4B50-A135-0D302EE2044A}" destId="{121AC91D-4584-4AE9-9458-57A8DFD5BDE0}" srcOrd="0" destOrd="0" presId="urn:microsoft.com/office/officeart/2005/8/layout/chevron2"/>
     <dgm:cxn modelId="{80C97528-945C-42E4-9044-C22216B2EB8A}" type="presParOf" srcId="{5966B4C7-0A4C-4B50-A135-0D302EE2044A}" destId="{E4CC8E2C-6766-4F7B-A30D-9CCF3027F99C}" srcOrd="1" destOrd="0" presId="urn:microsoft.com/office/officeart/2005/8/layout/chevron2"/>
@@ -2480,6 +2511,13 @@
         </dgm:presLayoutVars>
       </dgm:prSet>
       <dgm:spPr/>
+      <dgm:t>
+        <a:bodyPr/>
+        <a:lstStyle/>
+        <a:p>
+          <a:endParaRPr lang="fr-FR"/>
+        </a:p>
+      </dgm:t>
     </dgm:pt>
     <dgm:pt modelId="{20C781F0-64F9-4297-B79A-77642951C572}" type="pres">
       <dgm:prSet presAssocID="{C5B3A5DF-B415-432F-A3B9-304A38F8C8E5}" presName="composite" presStyleCnt="0"/>
@@ -2493,6 +2531,13 @@
         </dgm:presLayoutVars>
       </dgm:prSet>
       <dgm:spPr/>
+      <dgm:t>
+        <a:bodyPr/>
+        <a:lstStyle/>
+        <a:p>
+          <a:endParaRPr lang="fr-FR"/>
+        </a:p>
+      </dgm:t>
     </dgm:pt>
     <dgm:pt modelId="{EDD5B787-9F53-4389-A00C-65404E970DA2}" type="pres">
       <dgm:prSet presAssocID="{C5B3A5DF-B415-432F-A3B9-304A38F8C8E5}" presName="descendantText" presStyleLbl="alignAcc1" presStyleIdx="0" presStyleCnt="3">
@@ -2525,6 +2570,13 @@
         </dgm:presLayoutVars>
       </dgm:prSet>
       <dgm:spPr/>
+      <dgm:t>
+        <a:bodyPr/>
+        <a:lstStyle/>
+        <a:p>
+          <a:endParaRPr lang="fr-FR"/>
+        </a:p>
+      </dgm:t>
     </dgm:pt>
     <dgm:pt modelId="{7B506571-8406-4A8D-9692-3F6732D90CB1}" type="pres">
       <dgm:prSet presAssocID="{EE4B7030-C58B-4F21-94A2-CF0EF83AD60A}" presName="descendantText" presStyleLbl="alignAcc1" presStyleIdx="1" presStyleCnt="3">
@@ -2582,21 +2634,21 @@
     </dgm:pt>
   </dgm:ptLst>
   <dgm:cxnLst>
+    <dgm:cxn modelId="{E89E3CD0-DFEE-4719-83F2-C00EC9ED95A8}" srcId="{6615262F-664B-4B89-95AF-BC781B2A301C}" destId="{C5B3A5DF-B415-432F-A3B9-304A38F8C8E5}" srcOrd="0" destOrd="0" parTransId="{EB30D994-00D2-4CB7-BEC0-259480CD0166}" sibTransId="{80DCB23D-5C71-48C3-B9DF-347A8B0FD7F9}"/>
+    <dgm:cxn modelId="{4F8F561A-3EA6-4A63-B269-9510301C0676}" srcId="{EE4B7030-C58B-4F21-94A2-CF0EF83AD60A}" destId="{5A2CC1B8-EFE2-45CA-80A8-7A24B84797D0}" srcOrd="1" destOrd="0" parTransId="{4BB60890-53D7-4F18-8A54-5A83D97A303E}" sibTransId="{024DC45F-A486-498C-8711-CCAC5FC0250F}"/>
+    <dgm:cxn modelId="{2A847CE6-627B-40B2-938F-7591B78545AA}" type="presOf" srcId="{19A08F22-9EC6-4DB6-92F5-AE4CFA52ED73}" destId="{ECD1A481-1830-41EE-A0E2-0733D53A6D9B}" srcOrd="0" destOrd="0" presId="urn:microsoft.com/office/officeart/2005/8/layout/chevron2"/>
+    <dgm:cxn modelId="{D87207A6-495B-442D-B723-6581A406EBE5}" srcId="{6615262F-664B-4B89-95AF-BC781B2A301C}" destId="{19A08F22-9EC6-4DB6-92F5-AE4CFA52ED73}" srcOrd="2" destOrd="0" parTransId="{DB5764EE-82EE-4DE9-8F72-2DFF2067531B}" sibTransId="{DAE47C18-F544-4517-836C-13F6C397848F}"/>
+    <dgm:cxn modelId="{41464064-0CA7-4B8D-BEF4-EEAB129CF811}" srcId="{EE4B7030-C58B-4F21-94A2-CF0EF83AD60A}" destId="{ED21E317-B122-4227-B92E-9512DAA73DED}" srcOrd="0" destOrd="0" parTransId="{67B551BE-7A84-4C51-8EE6-247E65195291}" sibTransId="{9121AE02-A020-43FB-9927-270AC1172E87}"/>
+    <dgm:cxn modelId="{7BEF0361-3D12-421A-8D80-AF19F1ED7315}" srcId="{C5B3A5DF-B415-432F-A3B9-304A38F8C8E5}" destId="{D67DDD42-370F-4B3F-AAD1-A3CE7B0D3BF6}" srcOrd="0" destOrd="0" parTransId="{27F2C7A4-6363-4535-ABD6-2B0B1443AD56}" sibTransId="{2BCA7D7A-DCA5-4E2F-8AC9-2699E7DD282D}"/>
+    <dgm:cxn modelId="{C23A99A5-0500-41BC-A2A9-787934FCB3CC}" type="presOf" srcId="{D67DDD42-370F-4B3F-AAD1-A3CE7B0D3BF6}" destId="{EDD5B787-9F53-4389-A00C-65404E970DA2}" srcOrd="0" destOrd="0" presId="urn:microsoft.com/office/officeart/2005/8/layout/chevron2"/>
     <dgm:cxn modelId="{BE079635-ECC7-437E-8F9A-367D1CC638B9}" type="presOf" srcId="{C8A2D760-5C03-4189-917E-F690FF671623}" destId="{2A250F59-3FDF-4162-A797-D16EF97CB567}" srcOrd="0" destOrd="0" presId="urn:microsoft.com/office/officeart/2005/8/layout/chevron2"/>
-    <dgm:cxn modelId="{E89E3CD0-DFEE-4719-83F2-C00EC9ED95A8}" srcId="{6615262F-664B-4B89-95AF-BC781B2A301C}" destId="{C5B3A5DF-B415-432F-A3B9-304A38F8C8E5}" srcOrd="0" destOrd="0" parTransId="{EB30D994-00D2-4CB7-BEC0-259480CD0166}" sibTransId="{80DCB23D-5C71-48C3-B9DF-347A8B0FD7F9}"/>
+    <dgm:cxn modelId="{0867F643-89AA-4509-AB6D-9EBEBCE89E5A}" type="presOf" srcId="{EE4B7030-C58B-4F21-94A2-CF0EF83AD60A}" destId="{1C32C1FA-2778-4EDB-9B12-7D619BC87DB3}" srcOrd="0" destOrd="0" presId="urn:microsoft.com/office/officeart/2005/8/layout/chevron2"/>
+    <dgm:cxn modelId="{49B9DB18-DF9B-4522-A5A8-8781EDA97E57}" srcId="{19A08F22-9EC6-4DB6-92F5-AE4CFA52ED73}" destId="{C8A2D760-5C03-4189-917E-F690FF671623}" srcOrd="0" destOrd="0" parTransId="{2D2FBD91-1411-4EB6-9AC2-CF2D0AE5ABE1}" sibTransId="{4687B454-9D3A-4023-8175-713ABF3DEE84}"/>
+    <dgm:cxn modelId="{F39BF38D-127C-4929-BBC6-7C08AC31D756}" srcId="{6615262F-664B-4B89-95AF-BC781B2A301C}" destId="{EE4B7030-C58B-4F21-94A2-CF0EF83AD60A}" srcOrd="1" destOrd="0" parTransId="{0E6B53C5-8830-4505-B00B-8FB6D2AD6EA5}" sibTransId="{FD248F90-782E-43E0-98A8-3D143EE77CDC}"/>
+    <dgm:cxn modelId="{C30A79BC-355B-414C-8B69-6A7CA48C7AB4}" type="presOf" srcId="{ED21E317-B122-4227-B92E-9512DAA73DED}" destId="{7B506571-8406-4A8D-9692-3F6732D90CB1}" srcOrd="0" destOrd="0" presId="urn:microsoft.com/office/officeart/2005/8/layout/chevron2"/>
     <dgm:cxn modelId="{3DEAE0AC-F6CE-4BD7-8392-9BA6F5CA5ED0}" type="presOf" srcId="{5A2CC1B8-EFE2-45CA-80A8-7A24B84797D0}" destId="{7B506571-8406-4A8D-9692-3F6732D90CB1}" srcOrd="0" destOrd="1" presId="urn:microsoft.com/office/officeart/2005/8/layout/chevron2"/>
-    <dgm:cxn modelId="{C23A99A5-0500-41BC-A2A9-787934FCB3CC}" type="presOf" srcId="{D67DDD42-370F-4B3F-AAD1-A3CE7B0D3BF6}" destId="{EDD5B787-9F53-4389-A00C-65404E970DA2}" srcOrd="0" destOrd="0" presId="urn:microsoft.com/office/officeart/2005/8/layout/chevron2"/>
-    <dgm:cxn modelId="{F39BF38D-127C-4929-BBC6-7C08AC31D756}" srcId="{6615262F-664B-4B89-95AF-BC781B2A301C}" destId="{EE4B7030-C58B-4F21-94A2-CF0EF83AD60A}" srcOrd="1" destOrd="0" parTransId="{0E6B53C5-8830-4505-B00B-8FB6D2AD6EA5}" sibTransId="{FD248F90-782E-43E0-98A8-3D143EE77CDC}"/>
-    <dgm:cxn modelId="{0867F643-89AA-4509-AB6D-9EBEBCE89E5A}" type="presOf" srcId="{EE4B7030-C58B-4F21-94A2-CF0EF83AD60A}" destId="{1C32C1FA-2778-4EDB-9B12-7D619BC87DB3}" srcOrd="0" destOrd="0" presId="urn:microsoft.com/office/officeart/2005/8/layout/chevron2"/>
-    <dgm:cxn modelId="{2A847CE6-627B-40B2-938F-7591B78545AA}" type="presOf" srcId="{19A08F22-9EC6-4DB6-92F5-AE4CFA52ED73}" destId="{ECD1A481-1830-41EE-A0E2-0733D53A6D9B}" srcOrd="0" destOrd="0" presId="urn:microsoft.com/office/officeart/2005/8/layout/chevron2"/>
     <dgm:cxn modelId="{52113D17-AEEB-4F6F-8F1D-DE02304858FD}" type="presOf" srcId="{C5B3A5DF-B415-432F-A3B9-304A38F8C8E5}" destId="{693690D3-6289-44E0-822D-4689FE2CA268}" srcOrd="0" destOrd="0" presId="urn:microsoft.com/office/officeart/2005/8/layout/chevron2"/>
-    <dgm:cxn modelId="{41464064-0CA7-4B8D-BEF4-EEAB129CF811}" srcId="{EE4B7030-C58B-4F21-94A2-CF0EF83AD60A}" destId="{ED21E317-B122-4227-B92E-9512DAA73DED}" srcOrd="0" destOrd="0" parTransId="{67B551BE-7A84-4C51-8EE6-247E65195291}" sibTransId="{9121AE02-A020-43FB-9927-270AC1172E87}"/>
     <dgm:cxn modelId="{374CA68A-8F48-4C48-B8A6-471B3A8C5B42}" type="presOf" srcId="{6615262F-664B-4B89-95AF-BC781B2A301C}" destId="{B0330C61-CC28-41FB-A69F-C16BEF2128E4}" srcOrd="0" destOrd="0" presId="urn:microsoft.com/office/officeart/2005/8/layout/chevron2"/>
-    <dgm:cxn modelId="{7BEF0361-3D12-421A-8D80-AF19F1ED7315}" srcId="{C5B3A5DF-B415-432F-A3B9-304A38F8C8E5}" destId="{D67DDD42-370F-4B3F-AAD1-A3CE7B0D3BF6}" srcOrd="0" destOrd="0" parTransId="{27F2C7A4-6363-4535-ABD6-2B0B1443AD56}" sibTransId="{2BCA7D7A-DCA5-4E2F-8AC9-2699E7DD282D}"/>
-    <dgm:cxn modelId="{C30A79BC-355B-414C-8B69-6A7CA48C7AB4}" type="presOf" srcId="{ED21E317-B122-4227-B92E-9512DAA73DED}" destId="{7B506571-8406-4A8D-9692-3F6732D90CB1}" srcOrd="0" destOrd="0" presId="urn:microsoft.com/office/officeart/2005/8/layout/chevron2"/>
-    <dgm:cxn modelId="{D87207A6-495B-442D-B723-6581A406EBE5}" srcId="{6615262F-664B-4B89-95AF-BC781B2A301C}" destId="{19A08F22-9EC6-4DB6-92F5-AE4CFA52ED73}" srcOrd="2" destOrd="0" parTransId="{DB5764EE-82EE-4DE9-8F72-2DFF2067531B}" sibTransId="{DAE47C18-F544-4517-836C-13F6C397848F}"/>
-    <dgm:cxn modelId="{4F8F561A-3EA6-4A63-B269-9510301C0676}" srcId="{EE4B7030-C58B-4F21-94A2-CF0EF83AD60A}" destId="{5A2CC1B8-EFE2-45CA-80A8-7A24B84797D0}" srcOrd="1" destOrd="0" parTransId="{4BB60890-53D7-4F18-8A54-5A83D97A303E}" sibTransId="{024DC45F-A486-498C-8711-CCAC5FC0250F}"/>
-    <dgm:cxn modelId="{49B9DB18-DF9B-4522-A5A8-8781EDA97E57}" srcId="{19A08F22-9EC6-4DB6-92F5-AE4CFA52ED73}" destId="{C8A2D760-5C03-4189-917E-F690FF671623}" srcOrd="0" destOrd="0" parTransId="{2D2FBD91-1411-4EB6-9AC2-CF2D0AE5ABE1}" sibTransId="{4687B454-9D3A-4023-8175-713ABF3DEE84}"/>
     <dgm:cxn modelId="{E7B35139-4B34-4000-97A8-B73FBA1D8A2C}" type="presParOf" srcId="{B0330C61-CC28-41FB-A69F-C16BEF2128E4}" destId="{20C781F0-64F9-4297-B79A-77642951C572}" srcOrd="0" destOrd="0" presId="urn:microsoft.com/office/officeart/2005/8/layout/chevron2"/>
     <dgm:cxn modelId="{A7DB26A6-C63E-4E84-BF0F-6B5497F2C8C5}" type="presParOf" srcId="{20C781F0-64F9-4297-B79A-77642951C572}" destId="{693690D3-6289-44E0-822D-4689FE2CA268}" srcOrd="0" destOrd="0" presId="urn:microsoft.com/office/officeart/2005/8/layout/chevron2"/>
     <dgm:cxn modelId="{7611D272-B18F-40F3-B982-745A39EE0515}" type="presParOf" srcId="{20C781F0-64F9-4297-B79A-77642951C572}" destId="{EDD5B787-9F53-4389-A00C-65404E970DA2}" srcOrd="1" destOrd="0" presId="urn:microsoft.com/office/officeart/2005/8/layout/chevron2"/>
@@ -7380,7 +7432,7 @@
             <a:fld id="{84AF808F-B8CF-4259-9367-491F6ED37F4C}" type="datetimeFigureOut">
               <a:rPr lang="fr-FR" smtClean="0"/>
               <a:pPr/>
-              <a:t>11/12/2016</a:t>
+              <a:t>13/12/2016</a:t>
             </a:fld>
             <a:endParaRPr lang="fr-FR"/>
           </a:p>
@@ -7547,7 +7599,7 @@
             <a:fld id="{84AF808F-B8CF-4259-9367-491F6ED37F4C}" type="datetimeFigureOut">
               <a:rPr lang="fr-FR" smtClean="0"/>
               <a:pPr/>
-              <a:t>11/12/2016</a:t>
+              <a:t>13/12/2016</a:t>
             </a:fld>
             <a:endParaRPr lang="fr-FR"/>
           </a:p>
@@ -7724,7 +7776,7 @@
             <a:fld id="{84AF808F-B8CF-4259-9367-491F6ED37F4C}" type="datetimeFigureOut">
               <a:rPr lang="fr-FR" smtClean="0"/>
               <a:pPr/>
-              <a:t>11/12/2016</a:t>
+              <a:t>13/12/2016</a:t>
             </a:fld>
             <a:endParaRPr lang="fr-FR"/>
           </a:p>
@@ -7891,7 +7943,7 @@
             <a:fld id="{84AF808F-B8CF-4259-9367-491F6ED37F4C}" type="datetimeFigureOut">
               <a:rPr lang="fr-FR" smtClean="0"/>
               <a:pPr/>
-              <a:t>11/12/2016</a:t>
+              <a:t>13/12/2016</a:t>
             </a:fld>
             <a:endParaRPr lang="fr-FR"/>
           </a:p>
@@ -8134,7 +8186,7 @@
             <a:fld id="{84AF808F-B8CF-4259-9367-491F6ED37F4C}" type="datetimeFigureOut">
               <a:rPr lang="fr-FR" smtClean="0"/>
               <a:pPr/>
-              <a:t>11/12/2016</a:t>
+              <a:t>13/12/2016</a:t>
             </a:fld>
             <a:endParaRPr lang="fr-FR"/>
           </a:p>
@@ -8419,7 +8471,7 @@
             <a:fld id="{84AF808F-B8CF-4259-9367-491F6ED37F4C}" type="datetimeFigureOut">
               <a:rPr lang="fr-FR" smtClean="0"/>
               <a:pPr/>
-              <a:t>11/12/2016</a:t>
+              <a:t>13/12/2016</a:t>
             </a:fld>
             <a:endParaRPr lang="fr-FR"/>
           </a:p>
@@ -8838,7 +8890,7 @@
             <a:fld id="{84AF808F-B8CF-4259-9367-491F6ED37F4C}" type="datetimeFigureOut">
               <a:rPr lang="fr-FR" smtClean="0"/>
               <a:pPr/>
-              <a:t>11/12/2016</a:t>
+              <a:t>13/12/2016</a:t>
             </a:fld>
             <a:endParaRPr lang="fr-FR"/>
           </a:p>
@@ -8953,7 +9005,7 @@
             <a:fld id="{84AF808F-B8CF-4259-9367-491F6ED37F4C}" type="datetimeFigureOut">
               <a:rPr lang="fr-FR" smtClean="0"/>
               <a:pPr/>
-              <a:t>11/12/2016</a:t>
+              <a:t>13/12/2016</a:t>
             </a:fld>
             <a:endParaRPr lang="fr-FR"/>
           </a:p>
@@ -9045,7 +9097,7 @@
             <a:fld id="{84AF808F-B8CF-4259-9367-491F6ED37F4C}" type="datetimeFigureOut">
               <a:rPr lang="fr-FR" smtClean="0"/>
               <a:pPr/>
-              <a:t>11/12/2016</a:t>
+              <a:t>13/12/2016</a:t>
             </a:fld>
             <a:endParaRPr lang="fr-FR"/>
           </a:p>
@@ -9319,7 +9371,7 @@
             <a:fld id="{84AF808F-B8CF-4259-9367-491F6ED37F4C}" type="datetimeFigureOut">
               <a:rPr lang="fr-FR" smtClean="0"/>
               <a:pPr/>
-              <a:t>11/12/2016</a:t>
+              <a:t>13/12/2016</a:t>
             </a:fld>
             <a:endParaRPr lang="fr-FR"/>
           </a:p>
@@ -9569,7 +9621,7 @@
             <a:fld id="{84AF808F-B8CF-4259-9367-491F6ED37F4C}" type="datetimeFigureOut">
               <a:rPr lang="fr-FR" smtClean="0"/>
               <a:pPr/>
-              <a:t>11/12/2016</a:t>
+              <a:t>13/12/2016</a:t>
             </a:fld>
             <a:endParaRPr lang="fr-FR"/>
           </a:p>
@@ -9779,7 +9831,7 @@
             <a:fld id="{84AF808F-B8CF-4259-9367-491F6ED37F4C}" type="datetimeFigureOut">
               <a:rPr lang="fr-FR" smtClean="0"/>
               <a:pPr/>
-              <a:t>11/12/2016</a:t>
+              <a:t>13/12/2016</a:t>
             </a:fld>
             <a:endParaRPr lang="fr-FR"/>
           </a:p>
@@ -10627,6 +10679,36 @@
           <a:chExt cx="0" cy="0"/>
         </a:xfrm>
       </p:grpSpPr>
+      <p:sp>
+        <p:nvSpPr>
+          <p:cNvPr id="2" name="ZoneTexte 1"/>
+          <p:cNvSpPr txBox="1"/>
+          <p:nvPr/>
+        </p:nvSpPr>
+        <p:spPr>
+          <a:xfrm>
+            <a:off x="683568" y="692696"/>
+            <a:ext cx="1137043" cy="369332"/>
+          </a:xfrm>
+          <a:prstGeom prst="rect">
+            <a:avLst/>
+          </a:prstGeom>
+          <a:noFill/>
+        </p:spPr>
+        <p:txBody>
+          <a:bodyPr wrap="none" rtlCol="0">
+            <a:spAutoFit/>
+          </a:bodyPr>
+          <a:lstStyle/>
+          <a:p>
+            <a:r>
+              <a:rPr lang="fr-FR" dirty="0" smtClean="0"/>
+              <a:t>Sommaire</a:t>
+            </a:r>
+            <a:endParaRPr lang="fr-FR" dirty="0"/>
+          </a:p>
+        </p:txBody>
+      </p:sp>
     </p:spTree>
   </p:cSld>
   <p:clrMapOvr>
@@ -10643,6 +10725,136 @@
 </file>
 
 <file path=ppt/slides/slide3.xml><?xml version="1.0" encoding="utf-8"?>
+<p:sld xmlns:a="http://schemas.openxmlformats.org/drawingml/2006/main" xmlns:r="http://schemas.openxmlformats.org/officeDocument/2006/relationships" xmlns:p="http://schemas.openxmlformats.org/presentationml/2006/main">
+  <p:cSld>
+    <p:spTree>
+      <p:nvGrpSpPr>
+        <p:cNvPr id="1" name=""/>
+        <p:cNvGrpSpPr/>
+        <p:nvPr/>
+      </p:nvGrpSpPr>
+      <p:grpSpPr>
+        <a:xfrm>
+          <a:off x="0" y="0"/>
+          <a:ext cx="0" cy="0"/>
+          <a:chOff x="0" y="0"/>
+          <a:chExt cx="0" cy="0"/>
+        </a:xfrm>
+      </p:grpSpPr>
+      <p:sp>
+        <p:nvSpPr>
+          <p:cNvPr id="2" name="ZoneTexte 1"/>
+          <p:cNvSpPr txBox="1"/>
+          <p:nvPr/>
+        </p:nvSpPr>
+        <p:spPr>
+          <a:xfrm>
+            <a:off x="1259632" y="548680"/>
+            <a:ext cx="3866764" cy="369332"/>
+          </a:xfrm>
+          <a:prstGeom prst="rect">
+            <a:avLst/>
+          </a:prstGeom>
+          <a:noFill/>
+        </p:spPr>
+        <p:txBody>
+          <a:bodyPr wrap="none" rtlCol="0">
+            <a:spAutoFit/>
+          </a:bodyPr>
+          <a:lstStyle/>
+          <a:p>
+            <a:r>
+              <a:rPr lang="fr-FR" dirty="0" smtClean="0"/>
+              <a:t>Intro / </a:t>
+            </a:r>
+            <a:r>
+              <a:rPr lang="fr-FR" dirty="0" err="1" smtClean="0"/>
+              <a:t>Games</a:t>
+            </a:r>
+            <a:r>
+              <a:rPr lang="fr-FR" dirty="0" smtClean="0"/>
+              <a:t> Workshop / </a:t>
+            </a:r>
+            <a:r>
+              <a:rPr lang="fr-FR" dirty="0" err="1" smtClean="0"/>
+              <a:t>Warhammer</a:t>
+            </a:r>
+            <a:endParaRPr lang="fr-FR" dirty="0"/>
+          </a:p>
+        </p:txBody>
+      </p:sp>
+      <p:pic>
+        <p:nvPicPr>
+          <p:cNvPr id="3" name="Image 2" descr="logogw.png"/>
+          <p:cNvPicPr>
+            <a:picLocks noChangeAspect="1"/>
+          </p:cNvPicPr>
+          <p:nvPr/>
+        </p:nvPicPr>
+        <p:blipFill>
+          <a:blip r:embed="rId2" cstate="print"/>
+          <a:stretch>
+            <a:fillRect/>
+          </a:stretch>
+        </p:blipFill>
+        <p:spPr>
+          <a:xfrm>
+            <a:off x="7010400" y="0"/>
+            <a:ext cx="2133600" cy="2143125"/>
+          </a:xfrm>
+          <a:prstGeom prst="rect">
+            <a:avLst/>
+          </a:prstGeom>
+        </p:spPr>
+      </p:pic>
+    </p:spTree>
+  </p:cSld>
+  <p:clrMapOvr>
+    <a:masterClrMapping/>
+  </p:clrMapOvr>
+  <p:timing>
+    <p:tnLst>
+      <p:par>
+        <p:cTn id="1" dur="indefinite" restart="never" nodeType="tmRoot"/>
+      </p:par>
+    </p:tnLst>
+  </p:timing>
+</p:sld>
+</file>
+
+<file path=ppt/slides/slide4.xml><?xml version="1.0" encoding="utf-8"?>
+<p:sld xmlns:a="http://schemas.openxmlformats.org/drawingml/2006/main" xmlns:r="http://schemas.openxmlformats.org/officeDocument/2006/relationships" xmlns:p="http://schemas.openxmlformats.org/presentationml/2006/main">
+  <p:cSld>
+    <p:spTree>
+      <p:nvGrpSpPr>
+        <p:cNvPr id="1" name=""/>
+        <p:cNvGrpSpPr/>
+        <p:nvPr/>
+      </p:nvGrpSpPr>
+      <p:grpSpPr>
+        <a:xfrm>
+          <a:off x="0" y="0"/>
+          <a:ext cx="0" cy="0"/>
+          <a:chOff x="0" y="0"/>
+          <a:chExt cx="0" cy="0"/>
+        </a:xfrm>
+      </p:grpSpPr>
+    </p:spTree>
+  </p:cSld>
+  <p:clrMapOvr>
+    <a:masterClrMapping/>
+  </p:clrMapOvr>
+  <p:timing>
+    <p:tnLst>
+      <p:par>
+        <p:cTn id="1" dur="indefinite" restart="never" nodeType="tmRoot"/>
+      </p:par>
+    </p:tnLst>
+  </p:timing>
+</p:sld>
+</file>
+
+<file path=ppt/slides/slide5.xml><?xml version="1.0" encoding="utf-8"?>
 <p:sld xmlns:a="http://schemas.openxmlformats.org/drawingml/2006/main" xmlns:r="http://schemas.openxmlformats.org/officeDocument/2006/relationships" xmlns:p="http://schemas.openxmlformats.org/presentationml/2006/main">
   <p:cSld>
     <p:spTree>
@@ -10820,7 +11032,7 @@
 </p:sld>
 </file>
 
-<file path=ppt/slides/slide4.xml><?xml version="1.0" encoding="utf-8"?>
+<file path=ppt/slides/slide6.xml><?xml version="1.0" encoding="utf-8"?>
 <p:sld xmlns:a="http://schemas.openxmlformats.org/drawingml/2006/main" xmlns:r="http://schemas.openxmlformats.org/officeDocument/2006/relationships" xmlns:p="http://schemas.openxmlformats.org/presentationml/2006/main">
   <p:cSld>
     <p:spTree>
@@ -10837,11 +11049,122 @@
           <a:chExt cx="0" cy="0"/>
         </a:xfrm>
       </p:grpSpPr>
+      <p:pic>
+        <p:nvPicPr>
+          <p:cNvPr id="2" name="Image 1" descr="Diagramme de classes BLL.PNG"/>
+          <p:cNvPicPr>
+            <a:picLocks noChangeAspect="1"/>
+          </p:cNvPicPr>
+          <p:nvPr/>
+        </p:nvPicPr>
+        <p:blipFill>
+          <a:blip r:embed="rId2" cstate="print"/>
+          <a:stretch>
+            <a:fillRect/>
+          </a:stretch>
+        </p:blipFill>
+        <p:spPr>
+          <a:xfrm>
+            <a:off x="0" y="0"/>
+            <a:ext cx="6694175" cy="5461674"/>
+          </a:xfrm>
+          <a:prstGeom prst="rect">
+            <a:avLst/>
+          </a:prstGeom>
+        </p:spPr>
+      </p:pic>
+      <p:pic>
+        <p:nvPicPr>
+          <p:cNvPr id="3" name="Image 2" descr="Diagramme de dépendance.PNG"/>
+          <p:cNvPicPr>
+            <a:picLocks noChangeAspect="1"/>
+          </p:cNvPicPr>
+          <p:nvPr/>
+        </p:nvPicPr>
+        <p:blipFill>
+          <a:blip r:embed="rId3" cstate="print"/>
+          <a:stretch>
+            <a:fillRect/>
+          </a:stretch>
+        </p:blipFill>
+        <p:spPr>
+          <a:xfrm>
+            <a:off x="3563888" y="5328906"/>
+            <a:ext cx="4680520" cy="1529094"/>
+          </a:xfrm>
+          <a:prstGeom prst="rect">
+            <a:avLst/>
+          </a:prstGeom>
+        </p:spPr>
+      </p:pic>
     </p:spTree>
   </p:cSld>
   <p:clrMapOvr>
     <a:masterClrMapping/>
   </p:clrMapOvr>
+  <p:timing>
+    <p:tnLst>
+      <p:par>
+        <p:cTn id="1" dur="indefinite" restart="never" nodeType="tmRoot"/>
+      </p:par>
+    </p:tnLst>
+  </p:timing>
+</p:sld>
+</file>
+
+<file path=ppt/slides/slide7.xml><?xml version="1.0" encoding="utf-8"?>
+<p:sld xmlns:a="http://schemas.openxmlformats.org/drawingml/2006/main" xmlns:r="http://schemas.openxmlformats.org/officeDocument/2006/relationships" xmlns:p="http://schemas.openxmlformats.org/presentationml/2006/main">
+  <p:cSld>
+    <p:spTree>
+      <p:nvGrpSpPr>
+        <p:cNvPr id="1" name=""/>
+        <p:cNvGrpSpPr/>
+        <p:nvPr/>
+      </p:nvGrpSpPr>
+      <p:grpSpPr>
+        <a:xfrm>
+          <a:off x="0" y="0"/>
+          <a:ext cx="0" cy="0"/>
+          <a:chOff x="0" y="0"/>
+          <a:chExt cx="0" cy="0"/>
+        </a:xfrm>
+      </p:grpSpPr>
+      <p:pic>
+        <p:nvPicPr>
+          <p:cNvPr id="4" name="Image 3" descr="CréerArmée.PNG"/>
+          <p:cNvPicPr>
+            <a:picLocks noChangeAspect="1"/>
+          </p:cNvPicPr>
+          <p:nvPr/>
+        </p:nvPicPr>
+        <p:blipFill>
+          <a:blip r:embed="rId2" cstate="print"/>
+          <a:stretch>
+            <a:fillRect/>
+          </a:stretch>
+        </p:blipFill>
+        <p:spPr>
+          <a:xfrm>
+            <a:off x="824195" y="72008"/>
+            <a:ext cx="7420213" cy="4941168"/>
+          </a:xfrm>
+          <a:prstGeom prst="rect">
+            <a:avLst/>
+          </a:prstGeom>
+        </p:spPr>
+      </p:pic>
+    </p:spTree>
+  </p:cSld>
+  <p:clrMapOvr>
+    <a:masterClrMapping/>
+  </p:clrMapOvr>
+  <p:timing>
+    <p:tnLst>
+      <p:par>
+        <p:cTn id="1" dur="indefinite" restart="never" nodeType="tmRoot"/>
+      </p:par>
+    </p:tnLst>
+  </p:timing>
 </p:sld>
 </file>
 

--- a/Documents/14 décembre 2016/Pres.pptx
+++ b/Documents/14 décembre 2016/Pres.pptx
@@ -2179,9 +2179,9 @@
   </dgm:ptLst>
   <dgm:cxnLst>
     <dgm:cxn modelId="{7BEF0361-3D12-421A-8D80-AF19F1ED7315}" srcId="{0DD8F3C0-6C0F-44E3-8D6A-8359298D2BB8}" destId="{D67DDD42-370F-4B3F-AAD1-A3CE7B0D3BF6}" srcOrd="1" destOrd="0" parTransId="{27F2C7A4-6363-4535-ABD6-2B0B1443AD56}" sibTransId="{2BCA7D7A-DCA5-4E2F-8AC9-2699E7DD282D}"/>
+    <dgm:cxn modelId="{D87207A6-495B-442D-B723-6581A406EBE5}" srcId="{6615262F-664B-4B89-95AF-BC781B2A301C}" destId="{19A08F22-9EC6-4DB6-92F5-AE4CFA52ED73}" srcOrd="2" destOrd="0" parTransId="{DB5764EE-82EE-4DE9-8F72-2DFF2067531B}" sibTransId="{DAE47C18-F544-4517-836C-13F6C397848F}"/>
+    <dgm:cxn modelId="{51C0FBCC-241D-4E65-A22C-80628145FF57}" type="presOf" srcId="{2C3456A8-5F52-4ABE-B04A-C85CF94BCA38}" destId="{7B506571-8406-4A8D-9692-3F6732D90CB1}" srcOrd="0" destOrd="1" presId="urn:microsoft.com/office/officeart/2005/8/layout/chevron2"/>
     <dgm:cxn modelId="{D693D6C7-BF6E-4458-A81C-50038DF0374C}" type="presOf" srcId="{6615262F-664B-4B89-95AF-BC781B2A301C}" destId="{B0330C61-CC28-41FB-A69F-C16BEF2128E4}" srcOrd="0" destOrd="0" presId="urn:microsoft.com/office/officeart/2005/8/layout/chevron2"/>
-    <dgm:cxn modelId="{51C0FBCC-241D-4E65-A22C-80628145FF57}" type="presOf" srcId="{2C3456A8-5F52-4ABE-B04A-C85CF94BCA38}" destId="{7B506571-8406-4A8D-9692-3F6732D90CB1}" srcOrd="0" destOrd="1" presId="urn:microsoft.com/office/officeart/2005/8/layout/chevron2"/>
-    <dgm:cxn modelId="{D87207A6-495B-442D-B723-6581A406EBE5}" srcId="{6615262F-664B-4B89-95AF-BC781B2A301C}" destId="{19A08F22-9EC6-4DB6-92F5-AE4CFA52ED73}" srcOrd="2" destOrd="0" parTransId="{DB5764EE-82EE-4DE9-8F72-2DFF2067531B}" sibTransId="{DAE47C18-F544-4517-836C-13F6C397848F}"/>
     <dgm:cxn modelId="{41464064-0CA7-4B8D-BEF4-EEAB129CF811}" srcId="{EE4B7030-C58B-4F21-94A2-CF0EF83AD60A}" destId="{ED21E317-B122-4227-B92E-9512DAA73DED}" srcOrd="0" destOrd="0" parTransId="{67B551BE-7A84-4C51-8EE6-247E65195291}" sibTransId="{9121AE02-A020-43FB-9927-270AC1172E87}"/>
     <dgm:cxn modelId="{05C5F1CB-2B7C-49A4-A2C8-ED3338934D72}" type="presOf" srcId="{70BD4231-B632-42FE-84E8-000E425CE69C}" destId="{48597EAC-9E8C-421E-8A6A-8C33BB6BBDCE}" srcOrd="0" destOrd="0" presId="urn:microsoft.com/office/officeart/2005/8/layout/chevron2"/>
     <dgm:cxn modelId="{350DD055-A7EA-41F2-8F06-065D89504B8A}" srcId="{6615262F-664B-4B89-95AF-BC781B2A301C}" destId="{0DD8F3C0-6C0F-44E3-8D6A-8359298D2BB8}" srcOrd="0" destOrd="0" parTransId="{7E3DE5F9-F3CC-4811-9AA4-A3AA3E8261D7}" sibTransId="{E3EFE946-FF8A-4445-9CAF-BB5D219C367F}"/>
@@ -2634,8 +2634,8 @@
     </dgm:pt>
   </dgm:ptLst>
   <dgm:cxnLst>
+    <dgm:cxn modelId="{4F8F561A-3EA6-4A63-B269-9510301C0676}" srcId="{EE4B7030-C58B-4F21-94A2-CF0EF83AD60A}" destId="{5A2CC1B8-EFE2-45CA-80A8-7A24B84797D0}" srcOrd="1" destOrd="0" parTransId="{4BB60890-53D7-4F18-8A54-5A83D97A303E}" sibTransId="{024DC45F-A486-498C-8711-CCAC5FC0250F}"/>
     <dgm:cxn modelId="{E89E3CD0-DFEE-4719-83F2-C00EC9ED95A8}" srcId="{6615262F-664B-4B89-95AF-BC781B2A301C}" destId="{C5B3A5DF-B415-432F-A3B9-304A38F8C8E5}" srcOrd="0" destOrd="0" parTransId="{EB30D994-00D2-4CB7-BEC0-259480CD0166}" sibTransId="{80DCB23D-5C71-48C3-B9DF-347A8B0FD7F9}"/>
-    <dgm:cxn modelId="{4F8F561A-3EA6-4A63-B269-9510301C0676}" srcId="{EE4B7030-C58B-4F21-94A2-CF0EF83AD60A}" destId="{5A2CC1B8-EFE2-45CA-80A8-7A24B84797D0}" srcOrd="1" destOrd="0" parTransId="{4BB60890-53D7-4F18-8A54-5A83D97A303E}" sibTransId="{024DC45F-A486-498C-8711-CCAC5FC0250F}"/>
     <dgm:cxn modelId="{2A847CE6-627B-40B2-938F-7591B78545AA}" type="presOf" srcId="{19A08F22-9EC6-4DB6-92F5-AE4CFA52ED73}" destId="{ECD1A481-1830-41EE-A0E2-0733D53A6D9B}" srcOrd="0" destOrd="0" presId="urn:microsoft.com/office/officeart/2005/8/layout/chevron2"/>
     <dgm:cxn modelId="{D87207A6-495B-442D-B723-6581A406EBE5}" srcId="{6615262F-664B-4B89-95AF-BC781B2A301C}" destId="{19A08F22-9EC6-4DB6-92F5-AE4CFA52ED73}" srcOrd="2" destOrd="0" parTransId="{DB5764EE-82EE-4DE9-8F72-2DFF2067531B}" sibTransId="{DAE47C18-F544-4517-836C-13F6C397848F}"/>
     <dgm:cxn modelId="{41464064-0CA7-4B8D-BEF4-EEAB129CF811}" srcId="{EE4B7030-C58B-4F21-94A2-CF0EF83AD60A}" destId="{ED21E317-B122-4227-B92E-9512DAA73DED}" srcOrd="0" destOrd="0" parTransId="{67B551BE-7A84-4C51-8EE6-247E65195291}" sibTransId="{9121AE02-A020-43FB-9927-270AC1172E87}"/>
@@ -7432,7 +7432,7 @@
             <a:fld id="{84AF808F-B8CF-4259-9367-491F6ED37F4C}" type="datetimeFigureOut">
               <a:rPr lang="fr-FR" smtClean="0"/>
               <a:pPr/>
-              <a:t>13/12/2016</a:t>
+              <a:t>2016-12-13</a:t>
             </a:fld>
             <a:endParaRPr lang="fr-FR"/>
           </a:p>
@@ -7599,7 +7599,7 @@
             <a:fld id="{84AF808F-B8CF-4259-9367-491F6ED37F4C}" type="datetimeFigureOut">
               <a:rPr lang="fr-FR" smtClean="0"/>
               <a:pPr/>
-              <a:t>13/12/2016</a:t>
+              <a:t>2016-12-13</a:t>
             </a:fld>
             <a:endParaRPr lang="fr-FR"/>
           </a:p>
@@ -7776,7 +7776,7 @@
             <a:fld id="{84AF808F-B8CF-4259-9367-491F6ED37F4C}" type="datetimeFigureOut">
               <a:rPr lang="fr-FR" smtClean="0"/>
               <a:pPr/>
-              <a:t>13/12/2016</a:t>
+              <a:t>2016-12-13</a:t>
             </a:fld>
             <a:endParaRPr lang="fr-FR"/>
           </a:p>
@@ -7943,7 +7943,7 @@
             <a:fld id="{84AF808F-B8CF-4259-9367-491F6ED37F4C}" type="datetimeFigureOut">
               <a:rPr lang="fr-FR" smtClean="0"/>
               <a:pPr/>
-              <a:t>13/12/2016</a:t>
+              <a:t>2016-12-13</a:t>
             </a:fld>
             <a:endParaRPr lang="fr-FR"/>
           </a:p>
@@ -8186,7 +8186,7 @@
             <a:fld id="{84AF808F-B8CF-4259-9367-491F6ED37F4C}" type="datetimeFigureOut">
               <a:rPr lang="fr-FR" smtClean="0"/>
               <a:pPr/>
-              <a:t>13/12/2016</a:t>
+              <a:t>2016-12-13</a:t>
             </a:fld>
             <a:endParaRPr lang="fr-FR"/>
           </a:p>
@@ -8471,7 +8471,7 @@
             <a:fld id="{84AF808F-B8CF-4259-9367-491F6ED37F4C}" type="datetimeFigureOut">
               <a:rPr lang="fr-FR" smtClean="0"/>
               <a:pPr/>
-              <a:t>13/12/2016</a:t>
+              <a:t>2016-12-13</a:t>
             </a:fld>
             <a:endParaRPr lang="fr-FR"/>
           </a:p>
@@ -8890,7 +8890,7 @@
             <a:fld id="{84AF808F-B8CF-4259-9367-491F6ED37F4C}" type="datetimeFigureOut">
               <a:rPr lang="fr-FR" smtClean="0"/>
               <a:pPr/>
-              <a:t>13/12/2016</a:t>
+              <a:t>2016-12-13</a:t>
             </a:fld>
             <a:endParaRPr lang="fr-FR"/>
           </a:p>
@@ -9005,7 +9005,7 @@
             <a:fld id="{84AF808F-B8CF-4259-9367-491F6ED37F4C}" type="datetimeFigureOut">
               <a:rPr lang="fr-FR" smtClean="0"/>
               <a:pPr/>
-              <a:t>13/12/2016</a:t>
+              <a:t>2016-12-13</a:t>
             </a:fld>
             <a:endParaRPr lang="fr-FR"/>
           </a:p>
@@ -9097,7 +9097,7 @@
             <a:fld id="{84AF808F-B8CF-4259-9367-491F6ED37F4C}" type="datetimeFigureOut">
               <a:rPr lang="fr-FR" smtClean="0"/>
               <a:pPr/>
-              <a:t>13/12/2016</a:t>
+              <a:t>2016-12-13</a:t>
             </a:fld>
             <a:endParaRPr lang="fr-FR"/>
           </a:p>
@@ -9371,7 +9371,7 @@
             <a:fld id="{84AF808F-B8CF-4259-9367-491F6ED37F4C}" type="datetimeFigureOut">
               <a:rPr lang="fr-FR" smtClean="0"/>
               <a:pPr/>
-              <a:t>13/12/2016</a:t>
+              <a:t>2016-12-13</a:t>
             </a:fld>
             <a:endParaRPr lang="fr-FR"/>
           </a:p>
@@ -9621,7 +9621,7 @@
             <a:fld id="{84AF808F-B8CF-4259-9367-491F6ED37F4C}" type="datetimeFigureOut">
               <a:rPr lang="fr-FR" smtClean="0"/>
               <a:pPr/>
-              <a:t>13/12/2016</a:t>
+              <a:t>2016-12-13</a:t>
             </a:fld>
             <a:endParaRPr lang="fr-FR"/>
           </a:p>
@@ -9831,7 +9831,7 @@
             <a:fld id="{84AF808F-B8CF-4259-9367-491F6ED37F4C}" type="datetimeFigureOut">
               <a:rPr lang="fr-FR" smtClean="0"/>
               <a:pPr/>
-              <a:t>13/12/2016</a:t>
+              <a:t>2016-12-13</a:t>
             </a:fld>
             <a:endParaRPr lang="fr-FR"/>
           </a:p>
@@ -10799,7 +10799,7 @@
         </p:blipFill>
         <p:spPr>
           <a:xfrm>
-            <a:off x="7010400" y="0"/>
+            <a:off x="5436096" y="188640"/>
             <a:ext cx="2133600" cy="2143125"/>
           </a:xfrm>
           <a:prstGeom prst="rect">
@@ -10807,6 +10807,41 @@
           </a:prstGeom>
         </p:spPr>
       </p:pic>
+      <p:sp>
+        <p:nvSpPr>
+          <p:cNvPr id="4" name="ZoneTexte 3"/>
+          <p:cNvSpPr txBox="1"/>
+          <p:nvPr/>
+        </p:nvSpPr>
+        <p:spPr>
+          <a:xfrm>
+            <a:off x="755576" y="1772816"/>
+            <a:ext cx="6120680" cy="923330"/>
+          </a:xfrm>
+          <a:prstGeom prst="rect">
+            <a:avLst/>
+          </a:prstGeom>
+          <a:noFill/>
+        </p:spPr>
+        <p:txBody>
+          <a:bodyPr wrap="square" rtlCol="0">
+            <a:spAutoFit/>
+          </a:bodyPr>
+          <a:lstStyle/>
+          <a:p>
+            <a:r>
+              <a:rPr lang="fr-FR" dirty="0" smtClean="0"/>
+              <a:t>Création en 1987</a:t>
+            </a:r>
+          </a:p>
+          <a:p>
+            <a:r>
+              <a:rPr lang="fr-FR" dirty="0" smtClean="0"/>
+              <a:t>1 livre de règles universelles + 1 supplément par faction (actuellement une quinzaine)</a:t>
+            </a:r>
+          </a:p>
+        </p:txBody>
+      </p:sp>
     </p:spTree>
   </p:cSld>
   <p:clrMapOvr>

--- a/Documents/14 décembre 2016/Pres.pptx
+++ b/Documents/14 décembre 2016/Pres.pptx
@@ -10,8 +10,9 @@
     <p:sldId id="260" r:id="rId4"/>
     <p:sldId id="261" r:id="rId5"/>
     <p:sldId id="258" r:id="rId6"/>
-    <p:sldId id="259" r:id="rId7"/>
-    <p:sldId id="262" r:id="rId8"/>
+    <p:sldId id="263" r:id="rId7"/>
+    <p:sldId id="259" r:id="rId8"/>
+    <p:sldId id="262" r:id="rId9"/>
   </p:sldIdLst>
   <p:sldSz cx="9144000" cy="6858000" type="screen4x3"/>
   <p:notesSz cx="6858000" cy="9144000"/>
@@ -7432,7 +7433,7 @@
             <a:fld id="{84AF808F-B8CF-4259-9367-491F6ED37F4C}" type="datetimeFigureOut">
               <a:rPr lang="fr-FR" smtClean="0"/>
               <a:pPr/>
-              <a:t>2016-12-13</a:t>
+              <a:t>13/12/2016</a:t>
             </a:fld>
             <a:endParaRPr lang="fr-FR"/>
           </a:p>
@@ -7599,7 +7600,7 @@
             <a:fld id="{84AF808F-B8CF-4259-9367-491F6ED37F4C}" type="datetimeFigureOut">
               <a:rPr lang="fr-FR" smtClean="0"/>
               <a:pPr/>
-              <a:t>2016-12-13</a:t>
+              <a:t>13/12/2016</a:t>
             </a:fld>
             <a:endParaRPr lang="fr-FR"/>
           </a:p>
@@ -7776,7 +7777,7 @@
             <a:fld id="{84AF808F-B8CF-4259-9367-491F6ED37F4C}" type="datetimeFigureOut">
               <a:rPr lang="fr-FR" smtClean="0"/>
               <a:pPr/>
-              <a:t>2016-12-13</a:t>
+              <a:t>13/12/2016</a:t>
             </a:fld>
             <a:endParaRPr lang="fr-FR"/>
           </a:p>
@@ -7943,7 +7944,7 @@
             <a:fld id="{84AF808F-B8CF-4259-9367-491F6ED37F4C}" type="datetimeFigureOut">
               <a:rPr lang="fr-FR" smtClean="0"/>
               <a:pPr/>
-              <a:t>2016-12-13</a:t>
+              <a:t>13/12/2016</a:t>
             </a:fld>
             <a:endParaRPr lang="fr-FR"/>
           </a:p>
@@ -8186,7 +8187,7 @@
             <a:fld id="{84AF808F-B8CF-4259-9367-491F6ED37F4C}" type="datetimeFigureOut">
               <a:rPr lang="fr-FR" smtClean="0"/>
               <a:pPr/>
-              <a:t>2016-12-13</a:t>
+              <a:t>13/12/2016</a:t>
             </a:fld>
             <a:endParaRPr lang="fr-FR"/>
           </a:p>
@@ -8471,7 +8472,7 @@
             <a:fld id="{84AF808F-B8CF-4259-9367-491F6ED37F4C}" type="datetimeFigureOut">
               <a:rPr lang="fr-FR" smtClean="0"/>
               <a:pPr/>
-              <a:t>2016-12-13</a:t>
+              <a:t>13/12/2016</a:t>
             </a:fld>
             <a:endParaRPr lang="fr-FR"/>
           </a:p>
@@ -8890,7 +8891,7 @@
             <a:fld id="{84AF808F-B8CF-4259-9367-491F6ED37F4C}" type="datetimeFigureOut">
               <a:rPr lang="fr-FR" smtClean="0"/>
               <a:pPr/>
-              <a:t>2016-12-13</a:t>
+              <a:t>13/12/2016</a:t>
             </a:fld>
             <a:endParaRPr lang="fr-FR"/>
           </a:p>
@@ -9005,7 +9006,7 @@
             <a:fld id="{84AF808F-B8CF-4259-9367-491F6ED37F4C}" type="datetimeFigureOut">
               <a:rPr lang="fr-FR" smtClean="0"/>
               <a:pPr/>
-              <a:t>2016-12-13</a:t>
+              <a:t>13/12/2016</a:t>
             </a:fld>
             <a:endParaRPr lang="fr-FR"/>
           </a:p>
@@ -9097,7 +9098,7 @@
             <a:fld id="{84AF808F-B8CF-4259-9367-491F6ED37F4C}" type="datetimeFigureOut">
               <a:rPr lang="fr-FR" smtClean="0"/>
               <a:pPr/>
-              <a:t>2016-12-13</a:t>
+              <a:t>13/12/2016</a:t>
             </a:fld>
             <a:endParaRPr lang="fr-FR"/>
           </a:p>
@@ -9371,7 +9372,7 @@
             <a:fld id="{84AF808F-B8CF-4259-9367-491F6ED37F4C}" type="datetimeFigureOut">
               <a:rPr lang="fr-FR" smtClean="0"/>
               <a:pPr/>
-              <a:t>2016-12-13</a:t>
+              <a:t>13/12/2016</a:t>
             </a:fld>
             <a:endParaRPr lang="fr-FR"/>
           </a:p>
@@ -9621,7 +9622,7 @@
             <a:fld id="{84AF808F-B8CF-4259-9367-491F6ED37F4C}" type="datetimeFigureOut">
               <a:rPr lang="fr-FR" smtClean="0"/>
               <a:pPr/>
-              <a:t>2016-12-13</a:t>
+              <a:t>13/12/2016</a:t>
             </a:fld>
             <a:endParaRPr lang="fr-FR"/>
           </a:p>
@@ -9831,7 +9832,7 @@
             <a:fld id="{84AF808F-B8CF-4259-9367-491F6ED37F4C}" type="datetimeFigureOut">
               <a:rPr lang="fr-FR" smtClean="0"/>
               <a:pPr/>
-              <a:t>2016-12-13</a:t>
+              <a:t>13/12/2016</a:t>
             </a:fld>
             <a:endParaRPr lang="fr-FR"/>
           </a:p>
@@ -10681,14 +10682,14 @@
       </p:grpSpPr>
       <p:sp>
         <p:nvSpPr>
-          <p:cNvPr id="2" name="ZoneTexte 1"/>
+          <p:cNvPr id="3" name="ZoneTexte 2"/>
           <p:cNvSpPr txBox="1"/>
           <p:nvPr/>
         </p:nvSpPr>
         <p:spPr>
           <a:xfrm>
-            <a:off x="683568" y="692696"/>
-            <a:ext cx="1137043" cy="369332"/>
+            <a:off x="1115616" y="1844824"/>
+            <a:ext cx="3065711" cy="1754326"/>
           </a:xfrm>
           <a:prstGeom prst="rect">
             <a:avLst/>
@@ -10701,11 +10702,88 @@
           </a:bodyPr>
           <a:lstStyle/>
           <a:p>
+            <a:pPr marL="342900" indent="-342900">
+              <a:buAutoNum type="arabicParenR"/>
+            </a:pPr>
             <a:r>
               <a:rPr lang="fr-FR" dirty="0" smtClean="0"/>
+              <a:t>Introduction</a:t>
+            </a:r>
+          </a:p>
+          <a:p>
+            <a:pPr marL="342900" indent="-342900">
+              <a:buAutoNum type="arabicParenR"/>
+            </a:pPr>
+            <a:r>
+              <a:rPr lang="fr-FR" dirty="0" smtClean="0"/>
+              <a:t>Le sujet</a:t>
+            </a:r>
+          </a:p>
+          <a:p>
+            <a:pPr marL="342900" indent="-342900">
+              <a:buAutoNum type="arabicParenR"/>
+            </a:pPr>
+            <a:r>
+              <a:rPr lang="fr-FR" dirty="0" smtClean="0"/>
+              <a:t>Changement Fait//Proposé</a:t>
+            </a:r>
+          </a:p>
+          <a:p>
+            <a:pPr marL="342900" indent="-342900">
+              <a:buAutoNum type="arabicParenR"/>
+            </a:pPr>
+            <a:r>
+              <a:rPr lang="fr-FR" dirty="0" smtClean="0"/>
+              <a:t>Application</a:t>
+            </a:r>
+          </a:p>
+          <a:p>
+            <a:pPr marL="342900" indent="-342900"/>
+            <a:r>
+              <a:rPr lang="fr-FR" dirty="0" smtClean="0"/>
+              <a:t>4.1) Conception</a:t>
+            </a:r>
+          </a:p>
+          <a:p>
+            <a:pPr marL="342900" indent="-342900"/>
+            <a:r>
+              <a:rPr lang="fr-FR" dirty="0" smtClean="0"/>
+              <a:t>4.2) Réalisation</a:t>
+            </a:r>
+          </a:p>
+        </p:txBody>
+      </p:sp>
+      <p:sp>
+        <p:nvSpPr>
+          <p:cNvPr id="4" name="ZoneTexte 3"/>
+          <p:cNvSpPr txBox="1"/>
+          <p:nvPr/>
+        </p:nvSpPr>
+        <p:spPr>
+          <a:xfrm>
+            <a:off x="238457" y="247585"/>
+            <a:ext cx="2032929" cy="584775"/>
+          </a:xfrm>
+          <a:prstGeom prst="rect">
+            <a:avLst/>
+          </a:prstGeom>
+          <a:noFill/>
+        </p:spPr>
+        <p:txBody>
+          <a:bodyPr wrap="none" rtlCol="0">
+            <a:spAutoFit/>
+          </a:bodyPr>
+          <a:lstStyle/>
+          <a:p>
+            <a:r>
+              <a:rPr lang="fr-FR" sz="3200" smtClean="0">
+                <a:latin typeface="Book Antiqua" pitchFamily="18" charset="0"/>
+              </a:rPr>
               <a:t>Sommaire</a:t>
             </a:r>
-            <a:endParaRPr lang="fr-FR" dirty="0"/>
+            <a:endParaRPr lang="fr-FR" sz="3200" dirty="0" smtClean="0">
+              <a:latin typeface="Book Antiqua" pitchFamily="18" charset="0"/>
+            </a:endParaRPr>
           </a:p>
         </p:txBody>
       </p:sp>
@@ -10741,48 +10819,6 @@
           <a:chExt cx="0" cy="0"/>
         </a:xfrm>
       </p:grpSpPr>
-      <p:sp>
-        <p:nvSpPr>
-          <p:cNvPr id="2" name="ZoneTexte 1"/>
-          <p:cNvSpPr txBox="1"/>
-          <p:nvPr/>
-        </p:nvSpPr>
-        <p:spPr>
-          <a:xfrm>
-            <a:off x="1259632" y="548680"/>
-            <a:ext cx="3866764" cy="369332"/>
-          </a:xfrm>
-          <a:prstGeom prst="rect">
-            <a:avLst/>
-          </a:prstGeom>
-          <a:noFill/>
-        </p:spPr>
-        <p:txBody>
-          <a:bodyPr wrap="none" rtlCol="0">
-            <a:spAutoFit/>
-          </a:bodyPr>
-          <a:lstStyle/>
-          <a:p>
-            <a:r>
-              <a:rPr lang="fr-FR" dirty="0" smtClean="0"/>
-              <a:t>Intro / </a:t>
-            </a:r>
-            <a:r>
-              <a:rPr lang="fr-FR" dirty="0" err="1" smtClean="0"/>
-              <a:t>Games</a:t>
-            </a:r>
-            <a:r>
-              <a:rPr lang="fr-FR" dirty="0" smtClean="0"/>
-              <a:t> Workshop / </a:t>
-            </a:r>
-            <a:r>
-              <a:rPr lang="fr-FR" dirty="0" err="1" smtClean="0"/>
-              <a:t>Warhammer</a:t>
-            </a:r>
-            <a:endParaRPr lang="fr-FR" dirty="0"/>
-          </a:p>
-        </p:txBody>
-      </p:sp>
       <p:pic>
         <p:nvPicPr>
           <p:cNvPr id="3" name="Image 2" descr="logogw.png"/>
@@ -10842,6 +10878,40 @@
           </a:p>
         </p:txBody>
       </p:sp>
+      <p:sp>
+        <p:nvSpPr>
+          <p:cNvPr id="5" name="ZoneTexte 4"/>
+          <p:cNvSpPr txBox="1"/>
+          <p:nvPr/>
+        </p:nvSpPr>
+        <p:spPr>
+          <a:xfrm>
+            <a:off x="238457" y="247585"/>
+            <a:ext cx="2480166" cy="584775"/>
+          </a:xfrm>
+          <a:prstGeom prst="rect">
+            <a:avLst/>
+          </a:prstGeom>
+          <a:noFill/>
+        </p:spPr>
+        <p:txBody>
+          <a:bodyPr wrap="none" rtlCol="0">
+            <a:spAutoFit/>
+          </a:bodyPr>
+          <a:lstStyle/>
+          <a:p>
+            <a:r>
+              <a:rPr lang="fr-FR" sz="3200" dirty="0" smtClean="0">
+                <a:latin typeface="Book Antiqua" pitchFamily="18" charset="0"/>
+              </a:rPr>
+              <a:t>Introduction</a:t>
+            </a:r>
+            <a:endParaRPr lang="fr-FR" sz="3200" dirty="0" smtClean="0">
+              <a:latin typeface="Book Antiqua" pitchFamily="18" charset="0"/>
+            </a:endParaRPr>
+          </a:p>
+        </p:txBody>
+      </p:sp>
     </p:spTree>
   </p:cSld>
   <p:clrMapOvr>
@@ -10874,6 +10944,70 @@
           <a:chExt cx="0" cy="0"/>
         </a:xfrm>
       </p:grpSpPr>
+      <p:sp>
+        <p:nvSpPr>
+          <p:cNvPr id="3" name="ZoneTexte 2"/>
+          <p:cNvSpPr txBox="1"/>
+          <p:nvPr/>
+        </p:nvSpPr>
+        <p:spPr>
+          <a:xfrm>
+            <a:off x="971600" y="1916832"/>
+            <a:ext cx="2456122" cy="369332"/>
+          </a:xfrm>
+          <a:prstGeom prst="rect">
+            <a:avLst/>
+          </a:prstGeom>
+          <a:noFill/>
+        </p:spPr>
+        <p:txBody>
+          <a:bodyPr wrap="none" rtlCol="0">
+            <a:spAutoFit/>
+          </a:bodyPr>
+          <a:lstStyle/>
+          <a:p>
+            <a:r>
+              <a:rPr lang="fr-FR" dirty="0" smtClean="0"/>
+              <a:t>Quelle partie de WH40K</a:t>
+            </a:r>
+            <a:endParaRPr lang="fr-FR" dirty="0"/>
+          </a:p>
+        </p:txBody>
+      </p:sp>
+      <p:sp>
+        <p:nvSpPr>
+          <p:cNvPr id="4" name="ZoneTexte 3"/>
+          <p:cNvSpPr txBox="1"/>
+          <p:nvPr/>
+        </p:nvSpPr>
+        <p:spPr>
+          <a:xfrm>
+            <a:off x="238457" y="247585"/>
+            <a:ext cx="1074333" cy="584775"/>
+          </a:xfrm>
+          <a:prstGeom prst="rect">
+            <a:avLst/>
+          </a:prstGeom>
+          <a:noFill/>
+        </p:spPr>
+        <p:txBody>
+          <a:bodyPr wrap="none" rtlCol="0">
+            <a:spAutoFit/>
+          </a:bodyPr>
+          <a:lstStyle/>
+          <a:p>
+            <a:r>
+              <a:rPr lang="fr-FR" sz="3200" smtClean="0">
+                <a:latin typeface="Book Antiqua" pitchFamily="18" charset="0"/>
+              </a:rPr>
+              <a:t>Sujet</a:t>
+            </a:r>
+            <a:endParaRPr lang="fr-FR" sz="3200" dirty="0" smtClean="0">
+              <a:latin typeface="Book Antiqua" pitchFamily="18" charset="0"/>
+            </a:endParaRPr>
+          </a:p>
+        </p:txBody>
+      </p:sp>
     </p:spTree>
   </p:cSld>
   <p:clrMapOvr>
@@ -11084,6 +11218,89 @@
           <a:chExt cx="0" cy="0"/>
         </a:xfrm>
       </p:grpSpPr>
+      <p:sp>
+        <p:nvSpPr>
+          <p:cNvPr id="4" name="ZoneTexte 3"/>
+          <p:cNvSpPr txBox="1"/>
+          <p:nvPr/>
+        </p:nvSpPr>
+        <p:spPr>
+          <a:xfrm>
+            <a:off x="238457" y="247585"/>
+            <a:ext cx="2343911" cy="584775"/>
+          </a:xfrm>
+          <a:prstGeom prst="rect">
+            <a:avLst/>
+          </a:prstGeom>
+          <a:noFill/>
+        </p:spPr>
+        <p:txBody>
+          <a:bodyPr wrap="none" rtlCol="0">
+            <a:spAutoFit/>
+          </a:bodyPr>
+          <a:lstStyle/>
+          <a:p>
+            <a:r>
+              <a:rPr lang="fr-FR" sz="3200" dirty="0" smtClean="0">
+                <a:latin typeface="Book Antiqua" pitchFamily="18" charset="0"/>
+              </a:rPr>
+              <a:t>Application</a:t>
+            </a:r>
+            <a:endParaRPr lang="fr-FR" sz="3200" dirty="0" smtClean="0">
+              <a:latin typeface="Book Antiqua" pitchFamily="18" charset="0"/>
+            </a:endParaRPr>
+          </a:p>
+        </p:txBody>
+      </p:sp>
+      <p:pic>
+        <p:nvPicPr>
+          <p:cNvPr id="5" name="Image 4" descr="CréerArmée.PNG"/>
+          <p:cNvPicPr>
+            <a:picLocks noChangeAspect="1"/>
+          </p:cNvPicPr>
+          <p:nvPr/>
+        </p:nvPicPr>
+        <p:blipFill>
+          <a:blip r:embed="rId2" cstate="print"/>
+          <a:stretch>
+            <a:fillRect/>
+          </a:stretch>
+        </p:blipFill>
+        <p:spPr>
+          <a:xfrm>
+            <a:off x="238457" y="908720"/>
+            <a:ext cx="7420213" cy="4941168"/>
+          </a:xfrm>
+          <a:prstGeom prst="rect">
+            <a:avLst/>
+          </a:prstGeom>
+        </p:spPr>
+      </p:pic>
+    </p:spTree>
+  </p:cSld>
+  <p:clrMapOvr>
+    <a:masterClrMapping/>
+  </p:clrMapOvr>
+</p:sld>
+</file>
+
+<file path=ppt/slides/slide7.xml><?xml version="1.0" encoding="utf-8"?>
+<p:sld xmlns:a="http://schemas.openxmlformats.org/drawingml/2006/main" xmlns:r="http://schemas.openxmlformats.org/officeDocument/2006/relationships" xmlns:p="http://schemas.openxmlformats.org/presentationml/2006/main">
+  <p:cSld>
+    <p:spTree>
+      <p:nvGrpSpPr>
+        <p:cNvPr id="1" name=""/>
+        <p:cNvGrpSpPr/>
+        <p:nvPr/>
+      </p:nvGrpSpPr>
+      <p:grpSpPr>
+        <a:xfrm>
+          <a:off x="0" y="0"/>
+          <a:ext cx="0" cy="0"/>
+          <a:chOff x="0" y="0"/>
+          <a:chExt cx="0" cy="0"/>
+        </a:xfrm>
+      </p:grpSpPr>
       <p:pic>
         <p:nvPicPr>
           <p:cNvPr id="2" name="Image 1" descr="Diagramme de classes BLL.PNG"/>
@@ -11132,6 +11349,30 @@
           </a:prstGeom>
         </p:spPr>
       </p:pic>
+      <p:pic>
+        <p:nvPicPr>
+          <p:cNvPr id="4" name="Image 3" descr="UMLet_logo_small.png"/>
+          <p:cNvPicPr>
+            <a:picLocks noChangeAspect="1"/>
+          </p:cNvPicPr>
+          <p:nvPr/>
+        </p:nvPicPr>
+        <p:blipFill>
+          <a:blip r:embed="rId4" cstate="print"/>
+          <a:stretch>
+            <a:fillRect/>
+          </a:stretch>
+        </p:blipFill>
+        <p:spPr>
+          <a:xfrm>
+            <a:off x="7079217" y="332656"/>
+            <a:ext cx="1800476" cy="1467055"/>
+          </a:xfrm>
+          <a:prstGeom prst="rect">
+            <a:avLst/>
+          </a:prstGeom>
+        </p:spPr>
+      </p:pic>
     </p:spTree>
   </p:cSld>
   <p:clrMapOvr>
@@ -11147,7 +11388,7 @@
 </p:sld>
 </file>
 
-<file path=ppt/slides/slide7.xml><?xml version="1.0" encoding="utf-8"?>
+<file path=ppt/slides/slide8.xml><?xml version="1.0" encoding="utf-8"?>
 <p:sld xmlns:a="http://schemas.openxmlformats.org/drawingml/2006/main" xmlns:r="http://schemas.openxmlformats.org/officeDocument/2006/relationships" xmlns:p="http://schemas.openxmlformats.org/presentationml/2006/main">
   <p:cSld>
     <p:spTree>
@@ -11166,7 +11407,7 @@
       </p:grpSpPr>
       <p:pic>
         <p:nvPicPr>
-          <p:cNvPr id="4" name="Image 3" descr="CréerArmée.PNG"/>
+          <p:cNvPr id="5" name="Image 4" descr="VS.jpg"/>
           <p:cNvPicPr>
             <a:picLocks noChangeAspect="1"/>
           </p:cNvPicPr>
@@ -11180,8 +11421,168 @@
         </p:blipFill>
         <p:spPr>
           <a:xfrm>
-            <a:off x="824195" y="72008"/>
-            <a:ext cx="7420213" cy="4941168"/>
+            <a:off x="-648072" y="-609913"/>
+            <a:ext cx="7308304" cy="4110921"/>
+          </a:xfrm>
+          <a:prstGeom prst="rect">
+            <a:avLst/>
+          </a:prstGeom>
+        </p:spPr>
+      </p:pic>
+      <p:sp>
+        <p:nvSpPr>
+          <p:cNvPr id="6" name="ZoneTexte 5"/>
+          <p:cNvSpPr txBox="1"/>
+          <p:nvPr/>
+        </p:nvSpPr>
+        <p:spPr>
+          <a:xfrm>
+            <a:off x="952550" y="2694161"/>
+            <a:ext cx="774571" cy="461665"/>
+          </a:xfrm>
+          <a:prstGeom prst="rect">
+            <a:avLst/>
+          </a:prstGeom>
+          <a:noFill/>
+        </p:spPr>
+        <p:txBody>
+          <a:bodyPr wrap="none" rtlCol="0">
+            <a:spAutoFit/>
+          </a:bodyPr>
+          <a:lstStyle/>
+          <a:p>
+            <a:r>
+              <a:rPr lang="fr-FR" sz="2400" dirty="0" smtClean="0">
+                <a:latin typeface="Book Antiqua" pitchFamily="18" charset="0"/>
+              </a:rPr>
+              <a:t>C++</a:t>
+            </a:r>
+            <a:endParaRPr lang="fr-FR" sz="2400" dirty="0">
+              <a:latin typeface="Book Antiqua" pitchFamily="18" charset="0"/>
+            </a:endParaRPr>
+          </a:p>
+        </p:txBody>
+      </p:sp>
+      <p:sp>
+        <p:nvSpPr>
+          <p:cNvPr id="7" name="ZoneTexte 6"/>
+          <p:cNvSpPr txBox="1"/>
+          <p:nvPr/>
+        </p:nvSpPr>
+        <p:spPr>
+          <a:xfrm>
+            <a:off x="1695325" y="3903439"/>
+            <a:ext cx="2315057" cy="461665"/>
+          </a:xfrm>
+          <a:prstGeom prst="rect">
+            <a:avLst/>
+          </a:prstGeom>
+          <a:noFill/>
+        </p:spPr>
+        <p:txBody>
+          <a:bodyPr wrap="none" rtlCol="0">
+            <a:spAutoFit/>
+          </a:bodyPr>
+          <a:lstStyle/>
+          <a:p>
+            <a:r>
+              <a:rPr lang="fr-FR" sz="2400" dirty="0" err="1" smtClean="0">
+                <a:latin typeface="Book Antiqua" pitchFamily="18" charset="0"/>
+              </a:rPr>
+              <a:t>WindowsForm</a:t>
+            </a:r>
+            <a:endParaRPr lang="fr-FR" sz="2400" dirty="0">
+              <a:latin typeface="Book Antiqua" pitchFamily="18" charset="0"/>
+            </a:endParaRPr>
+          </a:p>
+        </p:txBody>
+      </p:sp>
+      <p:sp>
+        <p:nvSpPr>
+          <p:cNvPr id="8" name="ZoneTexte 7"/>
+          <p:cNvSpPr txBox="1"/>
+          <p:nvPr/>
+        </p:nvSpPr>
+        <p:spPr>
+          <a:xfrm>
+            <a:off x="1691680" y="4388445"/>
+            <a:ext cx="2634054" cy="461665"/>
+          </a:xfrm>
+          <a:prstGeom prst="rect">
+            <a:avLst/>
+          </a:prstGeom>
+          <a:noFill/>
+        </p:spPr>
+        <p:txBody>
+          <a:bodyPr wrap="none" rtlCol="0">
+            <a:spAutoFit/>
+          </a:bodyPr>
+          <a:lstStyle/>
+          <a:p>
+            <a:r>
+              <a:rPr lang="fr-FR" sz="2400" dirty="0" smtClean="0">
+                <a:latin typeface="Book Antiqua" pitchFamily="18" charset="0"/>
+              </a:rPr>
+              <a:t>CLR User Control</a:t>
+            </a:r>
+            <a:endParaRPr lang="fr-FR" sz="2400" dirty="0">
+              <a:latin typeface="Book Antiqua" pitchFamily="18" charset="0"/>
+            </a:endParaRPr>
+          </a:p>
+        </p:txBody>
+      </p:sp>
+      <p:sp>
+        <p:nvSpPr>
+          <p:cNvPr id="9" name="ZoneTexte 8"/>
+          <p:cNvSpPr txBox="1"/>
+          <p:nvPr/>
+        </p:nvSpPr>
+        <p:spPr>
+          <a:xfrm>
+            <a:off x="968277" y="3418433"/>
+            <a:ext cx="1669047" cy="461665"/>
+          </a:xfrm>
+          <a:prstGeom prst="rect">
+            <a:avLst/>
+          </a:prstGeom>
+          <a:noFill/>
+        </p:spPr>
+        <p:txBody>
+          <a:bodyPr wrap="none" rtlCol="0">
+            <a:spAutoFit/>
+          </a:bodyPr>
+          <a:lstStyle/>
+          <a:p>
+            <a:r>
+              <a:rPr lang="fr-FR" sz="2400" smtClean="0">
+                <a:latin typeface="Book Antiqua" pitchFamily="18" charset="0"/>
+              </a:rPr>
+              <a:t>Projet CLR</a:t>
+            </a:r>
+            <a:endParaRPr lang="fr-FR" sz="2400" dirty="0">
+              <a:latin typeface="Book Antiqua" pitchFamily="18" charset="0"/>
+            </a:endParaRPr>
+          </a:p>
+        </p:txBody>
+      </p:sp>
+      <p:pic>
+        <p:nvPicPr>
+          <p:cNvPr id="10" name="Image 9" descr=".NET4.5.png"/>
+          <p:cNvPicPr>
+            <a:picLocks noChangeAspect="1"/>
+          </p:cNvPicPr>
+          <p:nvPr/>
+        </p:nvPicPr>
+        <p:blipFill>
+          <a:blip r:embed="rId3" cstate="print"/>
+          <a:stretch>
+            <a:fillRect/>
+          </a:stretch>
+        </p:blipFill>
+        <p:spPr>
+          <a:xfrm>
+            <a:off x="4562781" y="2695052"/>
+            <a:ext cx="3988709" cy="2731122"/>
           </a:xfrm>
           <a:prstGeom prst="rect">
             <a:avLst/>

--- a/Documents/14 décembre 2016/Pres.pptx
+++ b/Documents/14 décembre 2016/Pres.pptx
@@ -10682,79 +10682,6 @@
       </p:grpSpPr>
       <p:sp>
         <p:nvSpPr>
-          <p:cNvPr id="3" name="ZoneTexte 2"/>
-          <p:cNvSpPr txBox="1"/>
-          <p:nvPr/>
-        </p:nvSpPr>
-        <p:spPr>
-          <a:xfrm>
-            <a:off x="1115616" y="1844824"/>
-            <a:ext cx="3065711" cy="1754326"/>
-          </a:xfrm>
-          <a:prstGeom prst="rect">
-            <a:avLst/>
-          </a:prstGeom>
-          <a:noFill/>
-        </p:spPr>
-        <p:txBody>
-          <a:bodyPr wrap="none" rtlCol="0">
-            <a:spAutoFit/>
-          </a:bodyPr>
-          <a:lstStyle/>
-          <a:p>
-            <a:pPr marL="342900" indent="-342900">
-              <a:buAutoNum type="arabicParenR"/>
-            </a:pPr>
-            <a:r>
-              <a:rPr lang="fr-FR" dirty="0" smtClean="0"/>
-              <a:t>Introduction</a:t>
-            </a:r>
-          </a:p>
-          <a:p>
-            <a:pPr marL="342900" indent="-342900">
-              <a:buAutoNum type="arabicParenR"/>
-            </a:pPr>
-            <a:r>
-              <a:rPr lang="fr-FR" dirty="0" smtClean="0"/>
-              <a:t>Le sujet</a:t>
-            </a:r>
-          </a:p>
-          <a:p>
-            <a:pPr marL="342900" indent="-342900">
-              <a:buAutoNum type="arabicParenR"/>
-            </a:pPr>
-            <a:r>
-              <a:rPr lang="fr-FR" dirty="0" smtClean="0"/>
-              <a:t>Changement Fait//Proposé</a:t>
-            </a:r>
-          </a:p>
-          <a:p>
-            <a:pPr marL="342900" indent="-342900">
-              <a:buAutoNum type="arabicParenR"/>
-            </a:pPr>
-            <a:r>
-              <a:rPr lang="fr-FR" dirty="0" smtClean="0"/>
-              <a:t>Application</a:t>
-            </a:r>
-          </a:p>
-          <a:p>
-            <a:pPr marL="342900" indent="-342900"/>
-            <a:r>
-              <a:rPr lang="fr-FR" dirty="0" smtClean="0"/>
-              <a:t>4.1) Conception</a:t>
-            </a:r>
-          </a:p>
-          <a:p>
-            <a:pPr marL="342900" indent="-342900"/>
-            <a:r>
-              <a:rPr lang="fr-FR" dirty="0" smtClean="0"/>
-              <a:t>4.2) Réalisation</a:t>
-            </a:r>
-          </a:p>
-        </p:txBody>
-      </p:sp>
-      <p:sp>
-        <p:nvSpPr>
           <p:cNvPr id="4" name="ZoneTexte 3"/>
           <p:cNvSpPr txBox="1"/>
           <p:nvPr/>
@@ -10776,12 +10703,225 @@
           <a:lstStyle/>
           <a:p>
             <a:r>
-              <a:rPr lang="fr-FR" sz="3200" smtClean="0">
+              <a:rPr lang="fr-FR" sz="3200" dirty="0" smtClean="0">
                 <a:latin typeface="Book Antiqua" pitchFamily="18" charset="0"/>
               </a:rPr>
               <a:t>Sommaire</a:t>
             </a:r>
-            <a:endParaRPr lang="fr-FR" sz="3200" dirty="0" smtClean="0">
+          </a:p>
+        </p:txBody>
+      </p:sp>
+      <p:sp>
+        <p:nvSpPr>
+          <p:cNvPr id="5" name="ZoneTexte 4"/>
+          <p:cNvSpPr txBox="1"/>
+          <p:nvPr/>
+        </p:nvSpPr>
+        <p:spPr>
+          <a:xfrm>
+            <a:off x="963404" y="1569855"/>
+            <a:ext cx="1893467" cy="400110"/>
+          </a:xfrm>
+          <a:prstGeom prst="rect">
+            <a:avLst/>
+          </a:prstGeom>
+          <a:noFill/>
+        </p:spPr>
+        <p:txBody>
+          <a:bodyPr wrap="none" rtlCol="0">
+            <a:spAutoFit/>
+          </a:bodyPr>
+          <a:lstStyle/>
+          <a:p>
+            <a:r>
+              <a:rPr lang="fr-FR" sz="2000" dirty="0" smtClean="0">
+                <a:latin typeface="Book Antiqua" pitchFamily="18" charset="0"/>
+              </a:rPr>
+              <a:t>1) Introduction</a:t>
+            </a:r>
+            <a:endParaRPr lang="fr-FR" sz="2000" dirty="0">
+              <a:latin typeface="Book Antiqua" pitchFamily="18" charset="0"/>
+            </a:endParaRPr>
+          </a:p>
+        </p:txBody>
+      </p:sp>
+      <p:sp>
+        <p:nvSpPr>
+          <p:cNvPr id="6" name="ZoneTexte 5"/>
+          <p:cNvSpPr txBox="1"/>
+          <p:nvPr/>
+        </p:nvSpPr>
+        <p:spPr>
+          <a:xfrm>
+            <a:off x="958537" y="2092786"/>
+            <a:ext cx="1335622" cy="400110"/>
+          </a:xfrm>
+          <a:prstGeom prst="rect">
+            <a:avLst/>
+          </a:prstGeom>
+          <a:noFill/>
+        </p:spPr>
+        <p:txBody>
+          <a:bodyPr wrap="none" rtlCol="0">
+            <a:spAutoFit/>
+          </a:bodyPr>
+          <a:lstStyle/>
+          <a:p>
+            <a:r>
+              <a:rPr lang="fr-FR" sz="2000" dirty="0" smtClean="0">
+                <a:latin typeface="Book Antiqua" pitchFamily="18" charset="0"/>
+              </a:rPr>
+              <a:t>2) Le sujet</a:t>
+            </a:r>
+            <a:endParaRPr lang="fr-FR" sz="2000" dirty="0">
+              <a:latin typeface="Book Antiqua" pitchFamily="18" charset="0"/>
+            </a:endParaRPr>
+          </a:p>
+        </p:txBody>
+      </p:sp>
+      <p:sp>
+        <p:nvSpPr>
+          <p:cNvPr id="7" name="ZoneTexte 6"/>
+          <p:cNvSpPr txBox="1"/>
+          <p:nvPr/>
+        </p:nvSpPr>
+        <p:spPr>
+          <a:xfrm>
+            <a:off x="958537" y="2663038"/>
+            <a:ext cx="1917513" cy="400110"/>
+          </a:xfrm>
+          <a:prstGeom prst="rect">
+            <a:avLst/>
+          </a:prstGeom>
+          <a:noFill/>
+        </p:spPr>
+        <p:txBody>
+          <a:bodyPr wrap="none" rtlCol="0">
+            <a:spAutoFit/>
+          </a:bodyPr>
+          <a:lstStyle/>
+          <a:p>
+            <a:r>
+              <a:rPr lang="fr-FR" sz="2000" dirty="0" smtClean="0">
+                <a:latin typeface="Book Antiqua" pitchFamily="18" charset="0"/>
+              </a:rPr>
+              <a:t>3</a:t>
+            </a:r>
+            <a:r>
+              <a:rPr lang="fr-FR" sz="2000" smtClean="0">
+                <a:latin typeface="Book Antiqua" pitchFamily="18" charset="0"/>
+              </a:rPr>
+              <a:t>) Changement</a:t>
+            </a:r>
+            <a:endParaRPr lang="fr-FR" sz="2000" dirty="0">
+              <a:latin typeface="Book Antiqua" pitchFamily="18" charset="0"/>
+            </a:endParaRPr>
+          </a:p>
+        </p:txBody>
+      </p:sp>
+      <p:sp>
+        <p:nvSpPr>
+          <p:cNvPr id="8" name="ZoneTexte 7"/>
+          <p:cNvSpPr txBox="1"/>
+          <p:nvPr/>
+        </p:nvSpPr>
+        <p:spPr>
+          <a:xfrm>
+            <a:off x="958537" y="3186850"/>
+            <a:ext cx="1808508" cy="400110"/>
+          </a:xfrm>
+          <a:prstGeom prst="rect">
+            <a:avLst/>
+          </a:prstGeom>
+          <a:noFill/>
+        </p:spPr>
+        <p:txBody>
+          <a:bodyPr wrap="none" rtlCol="0">
+            <a:spAutoFit/>
+          </a:bodyPr>
+          <a:lstStyle/>
+          <a:p>
+            <a:r>
+              <a:rPr lang="fr-FR" sz="2000" dirty="0" smtClean="0">
+                <a:latin typeface="Book Antiqua" pitchFamily="18" charset="0"/>
+              </a:rPr>
+              <a:t>4</a:t>
+            </a:r>
+            <a:r>
+              <a:rPr lang="fr-FR" sz="2000" smtClean="0">
+                <a:latin typeface="Book Antiqua" pitchFamily="18" charset="0"/>
+              </a:rPr>
+              <a:t>) Application</a:t>
+            </a:r>
+            <a:endParaRPr lang="fr-FR" sz="2000" dirty="0">
+              <a:latin typeface="Book Antiqua" pitchFamily="18" charset="0"/>
+            </a:endParaRPr>
+          </a:p>
+        </p:txBody>
+      </p:sp>
+      <p:sp>
+        <p:nvSpPr>
+          <p:cNvPr id="9" name="ZoneTexte 8"/>
+          <p:cNvSpPr txBox="1"/>
+          <p:nvPr/>
+        </p:nvSpPr>
+        <p:spPr>
+          <a:xfrm>
+            <a:off x="1403648" y="3730095"/>
+            <a:ext cx="1983235" cy="400110"/>
+          </a:xfrm>
+          <a:prstGeom prst="rect">
+            <a:avLst/>
+          </a:prstGeom>
+          <a:noFill/>
+        </p:spPr>
+        <p:txBody>
+          <a:bodyPr wrap="none" rtlCol="0">
+            <a:spAutoFit/>
+          </a:bodyPr>
+          <a:lstStyle/>
+          <a:p>
+            <a:r>
+              <a:rPr lang="fr-FR" sz="2000" dirty="0" smtClean="0">
+                <a:latin typeface="Book Antiqua" pitchFamily="18" charset="0"/>
+              </a:rPr>
+              <a:t>4-1) Conception</a:t>
+            </a:r>
+            <a:endParaRPr lang="fr-FR" sz="2000" dirty="0">
+              <a:latin typeface="Book Antiqua" pitchFamily="18" charset="0"/>
+            </a:endParaRPr>
+          </a:p>
+        </p:txBody>
+      </p:sp>
+      <p:sp>
+        <p:nvSpPr>
+          <p:cNvPr id="10" name="ZoneTexte 9"/>
+          <p:cNvSpPr txBox="1"/>
+          <p:nvPr/>
+        </p:nvSpPr>
+        <p:spPr>
+          <a:xfrm>
+            <a:off x="1401258" y="4253026"/>
+            <a:ext cx="1933543" cy="400110"/>
+          </a:xfrm>
+          <a:prstGeom prst="rect">
+            <a:avLst/>
+          </a:prstGeom>
+          <a:noFill/>
+        </p:spPr>
+        <p:txBody>
+          <a:bodyPr wrap="none" rtlCol="0">
+            <a:spAutoFit/>
+          </a:bodyPr>
+          <a:lstStyle/>
+          <a:p>
+            <a:r>
+              <a:rPr lang="fr-FR" sz="2000" dirty="0" smtClean="0">
+                <a:latin typeface="Book Antiqua" pitchFamily="18" charset="0"/>
+              </a:rPr>
+              <a:t>4-2) Réalisation</a:t>
+            </a:r>
+            <a:endParaRPr lang="fr-FR" sz="2000" dirty="0">
               <a:latin typeface="Book Antiqua" pitchFamily="18" charset="0"/>
             </a:endParaRPr>
           </a:p>
@@ -10835,7 +10975,7 @@
         </p:blipFill>
         <p:spPr>
           <a:xfrm>
-            <a:off x="5436096" y="188640"/>
+            <a:off x="6732240" y="31561"/>
             <a:ext cx="2133600" cy="2143125"/>
           </a:xfrm>
           <a:prstGeom prst="rect">
@@ -10851,7 +10991,7 @@
         </p:nvSpPr>
         <p:spPr>
           <a:xfrm>
-            <a:off x="755576" y="1772816"/>
+            <a:off x="238457" y="980728"/>
             <a:ext cx="6120680" cy="923330"/>
           </a:xfrm>
           <a:prstGeom prst="rect">
@@ -10906,12 +11046,57 @@
               </a:rPr>
               <a:t>Introduction</a:t>
             </a:r>
-            <a:endParaRPr lang="fr-FR" sz="3200" dirty="0" smtClean="0">
-              <a:latin typeface="Book Antiqua" pitchFamily="18" charset="0"/>
-            </a:endParaRPr>
           </a:p>
         </p:txBody>
       </p:sp>
+      <p:pic>
+        <p:nvPicPr>
+          <p:cNvPr id="6" name="Image 5" descr="apocalypse.jpg"/>
+          <p:cNvPicPr>
+            <a:picLocks noChangeAspect="1"/>
+          </p:cNvPicPr>
+          <p:nvPr/>
+        </p:nvPicPr>
+        <p:blipFill>
+          <a:blip r:embed="rId3" cstate="print"/>
+          <a:stretch>
+            <a:fillRect/>
+          </a:stretch>
+        </p:blipFill>
+        <p:spPr>
+          <a:xfrm>
+            <a:off x="0" y="3752850"/>
+            <a:ext cx="8201025" cy="3105150"/>
+          </a:xfrm>
+          <a:prstGeom prst="rect">
+            <a:avLst/>
+          </a:prstGeom>
+        </p:spPr>
+      </p:pic>
+      <p:pic>
+        <p:nvPicPr>
+          <p:cNvPr id="7" name="Image 6" descr="petitearmee.jpg"/>
+          <p:cNvPicPr>
+            <a:picLocks noChangeAspect="1"/>
+          </p:cNvPicPr>
+          <p:nvPr/>
+        </p:nvPicPr>
+        <p:blipFill>
+          <a:blip r:embed="rId4" cstate="print"/>
+          <a:stretch>
+            <a:fillRect/>
+          </a:stretch>
+        </p:blipFill>
+        <p:spPr>
+          <a:xfrm>
+            <a:off x="5069417" y="1772816"/>
+            <a:ext cx="3810000" cy="1933575"/>
+          </a:xfrm>
+          <a:prstGeom prst="rect">
+            <a:avLst/>
+          </a:prstGeom>
+        </p:spPr>
+      </p:pic>
     </p:spTree>
   </p:cSld>
   <p:clrMapOvr>
@@ -10952,8 +11137,8 @@
         </p:nvSpPr>
         <p:spPr>
           <a:xfrm>
-            <a:off x="971600" y="1916832"/>
-            <a:ext cx="2456122" cy="369332"/>
+            <a:off x="238457" y="1255697"/>
+            <a:ext cx="3376374" cy="646331"/>
           </a:xfrm>
           <a:prstGeom prst="rect">
             <a:avLst/>
@@ -10968,7 +11153,21 @@
           <a:p>
             <a:r>
               <a:rPr lang="fr-FR" dirty="0" smtClean="0"/>
-              <a:t>Quelle partie de WH40K</a:t>
+              <a:t>Partie de </a:t>
+            </a:r>
+            <a:r>
+              <a:rPr lang="fr-FR" dirty="0" err="1" smtClean="0"/>
+              <a:t>Warhammer</a:t>
+            </a:r>
+            <a:r>
+              <a:rPr lang="fr-FR" dirty="0" smtClean="0"/>
+              <a:t> traitée :</a:t>
+            </a:r>
+          </a:p>
+          <a:p>
+            <a:r>
+              <a:rPr lang="fr-FR" dirty="0" smtClean="0"/>
+              <a:t>* Création et gestion d’une armée</a:t>
             </a:r>
             <a:endParaRPr lang="fr-FR" dirty="0"/>
           </a:p>
@@ -11008,6 +11207,54 @@
           </a:p>
         </p:txBody>
       </p:sp>
+      <p:pic>
+        <p:nvPicPr>
+          <p:cNvPr id="5" name="Image 4" descr="ExempleArmée.png"/>
+          <p:cNvPicPr>
+            <a:picLocks noChangeAspect="1"/>
+          </p:cNvPicPr>
+          <p:nvPr/>
+        </p:nvPicPr>
+        <p:blipFill>
+          <a:blip r:embed="rId2" cstate="print"/>
+          <a:stretch>
+            <a:fillRect/>
+          </a:stretch>
+        </p:blipFill>
+        <p:spPr>
+          <a:xfrm>
+            <a:off x="244827" y="2296628"/>
+            <a:ext cx="5560703" cy="4303421"/>
+          </a:xfrm>
+          <a:prstGeom prst="rect">
+            <a:avLst/>
+          </a:prstGeom>
+        </p:spPr>
+      </p:pic>
+      <p:pic>
+        <p:nvPicPr>
+          <p:cNvPr id="6" name="Image 5" descr="wh40k.png"/>
+          <p:cNvPicPr>
+            <a:picLocks noChangeAspect="1"/>
+          </p:cNvPicPr>
+          <p:nvPr/>
+        </p:nvPicPr>
+        <p:blipFill>
+          <a:blip r:embed="rId3" cstate="print"/>
+          <a:stretch>
+            <a:fillRect/>
+          </a:stretch>
+        </p:blipFill>
+        <p:spPr>
+          <a:xfrm>
+            <a:off x="3077882" y="404664"/>
+            <a:ext cx="5801535" cy="1400371"/>
+          </a:xfrm>
+          <a:prstGeom prst="rect">
+            <a:avLst/>
+          </a:prstGeom>
+        </p:spPr>
+      </p:pic>
     </p:spTree>
   </p:cSld>
   <p:clrMapOvr>
@@ -11246,9 +11493,6 @@
               </a:rPr>
               <a:t>Application</a:t>
             </a:r>
-            <a:endParaRPr lang="fr-FR" sz="3200" dirty="0" smtClean="0">
-              <a:latin typeface="Book Antiqua" pitchFamily="18" charset="0"/>
-            </a:endParaRPr>
           </a:p>
         </p:txBody>
       </p:sp>
@@ -11281,6 +11525,13 @@
   <p:clrMapOvr>
     <a:masterClrMapping/>
   </p:clrMapOvr>
+  <p:timing>
+    <p:tnLst>
+      <p:par>
+        <p:cTn id="1" dur="indefinite" restart="never" nodeType="tmRoot"/>
+      </p:par>
+    </p:tnLst>
+  </p:timing>
 </p:sld>
 </file>
 

--- a/Documents/14 décembre 2016/Pres.pptx
+++ b/Documents/14 décembre 2016/Pres.pptx
@@ -11138,7 +11138,7 @@
         <p:spPr>
           <a:xfrm>
             <a:off x="238457" y="1255697"/>
-            <a:ext cx="3376374" cy="646331"/>
+            <a:ext cx="3970959" cy="707886"/>
           </a:xfrm>
           <a:prstGeom prst="rect">
             <a:avLst/>
@@ -11152,24 +11152,34 @@
           <a:lstStyle/>
           <a:p>
             <a:r>
-              <a:rPr lang="fr-FR" dirty="0" smtClean="0"/>
+              <a:rPr lang="fr-FR" sz="2000" dirty="0" smtClean="0">
+                <a:latin typeface="Book Antiqua" pitchFamily="18" charset="0"/>
+              </a:rPr>
               <a:t>Partie de </a:t>
             </a:r>
             <a:r>
-              <a:rPr lang="fr-FR" dirty="0" err="1" smtClean="0"/>
+              <a:rPr lang="fr-FR" sz="2000" dirty="0" err="1" smtClean="0">
+                <a:latin typeface="Book Antiqua" pitchFamily="18" charset="0"/>
+              </a:rPr>
               <a:t>Warhammer</a:t>
             </a:r>
             <a:r>
-              <a:rPr lang="fr-FR" dirty="0" smtClean="0"/>
+              <a:rPr lang="fr-FR" sz="2000" dirty="0" smtClean="0">
+                <a:latin typeface="Book Antiqua" pitchFamily="18" charset="0"/>
+              </a:rPr>
               <a:t> traitée :</a:t>
             </a:r>
           </a:p>
           <a:p>
             <a:r>
-              <a:rPr lang="fr-FR" dirty="0" smtClean="0"/>
+              <a:rPr lang="fr-FR" sz="2000" dirty="0" smtClean="0">
+                <a:latin typeface="Book Antiqua" pitchFamily="18" charset="0"/>
+              </a:rPr>
               <a:t>* Création et gestion d’une armée</a:t>
             </a:r>
-            <a:endParaRPr lang="fr-FR" dirty="0"/>
+            <a:endParaRPr lang="fr-FR" sz="2000" dirty="0">
+              <a:latin typeface="Book Antiqua" pitchFamily="18" charset="0"/>
+            </a:endParaRPr>
           </a:p>
         </p:txBody>
       </p:sp>
@@ -11223,8 +11233,8 @@
         </p:blipFill>
         <p:spPr>
           <a:xfrm>
-            <a:off x="244827" y="2296628"/>
-            <a:ext cx="5560703" cy="4303421"/>
+            <a:off x="4283968" y="0"/>
+            <a:ext cx="4860032" cy="3761173"/>
           </a:xfrm>
           <a:prstGeom prst="rect">
             <a:avLst/>
@@ -11233,7 +11243,7 @@
       </p:pic>
       <p:pic>
         <p:nvPicPr>
-          <p:cNvPr id="6" name="Image 5" descr="wh40k.png"/>
+          <p:cNvPr id="7" name="Image 6" descr="FicheTacticalSquad.PNG"/>
           <p:cNvPicPr>
             <a:picLocks noChangeAspect="1"/>
           </p:cNvPicPr>
@@ -11247,8 +11257,8 @@
         </p:blipFill>
         <p:spPr>
           <a:xfrm>
-            <a:off x="3077882" y="404664"/>
-            <a:ext cx="5801535" cy="1400371"/>
+            <a:off x="0" y="3637984"/>
+            <a:ext cx="5940151" cy="3220016"/>
           </a:xfrm>
           <a:prstGeom prst="rect">
             <a:avLst/>
